--- a/BÁO CÁO ĐỒ ÁN KNSBC.pptx
+++ b/BÁO CÁO ĐỒ ÁN KNSBC.pptx
@@ -8,6 +8,7 @@
     <p:sldId id="256" r:id="rId2"/>
     <p:sldId id="257" r:id="rId3"/>
     <p:sldId id="258" r:id="rId4"/>
+    <p:sldId id="259" r:id="rId5"/>
   </p:sldIdLst>
   <p:sldSz cx="12192000" cy="6858000"/>
   <p:notesSz cx="6858000" cy="9144000"/>
@@ -118,9 +119,13 @@
         <p14:section name="Giới thiệu về CMCN 4.0" id="{7969F4D8-8899-4189-BF02-8E60A04C7C24}">
           <p14:sldIdLst>
             <p14:sldId id="258"/>
+            <p14:sldId id="259"/>
           </p14:sldIdLst>
         </p14:section>
       </p14:sectionLst>
+    </p:ext>
+    <p:ext uri="{EFAFB233-063F-42B5-8137-9DF3F51BA10A}">
+      <p15:sldGuideLst xmlns:p15="http://schemas.microsoft.com/office/powerpoint/2012/main"/>
     </p:ext>
   </p:extLst>
 </p:presentation>
@@ -3936,7 +3941,7 @@
           <a:p>
             <a:fld id="{B7AE79E7-3A69-41C5-903D-682ADD965818}" type="datetimeFigureOut">
               <a:rPr lang="vi-VN" smtClean="0"/>
-              <a:t>29/05/2019</a:t>
+              <a:t>30/05/2019</a:t>
             </a:fld>
             <a:endParaRPr lang="vi-VN"/>
           </a:p>
@@ -4136,7 +4141,7 @@
           <a:p>
             <a:fld id="{B7AE79E7-3A69-41C5-903D-682ADD965818}" type="datetimeFigureOut">
               <a:rPr lang="vi-VN" smtClean="0"/>
-              <a:t>29/05/2019</a:t>
+              <a:t>30/05/2019</a:t>
             </a:fld>
             <a:endParaRPr lang="vi-VN"/>
           </a:p>
@@ -4346,7 +4351,7 @@
           <a:p>
             <a:fld id="{B7AE79E7-3A69-41C5-903D-682ADD965818}" type="datetimeFigureOut">
               <a:rPr lang="vi-VN" smtClean="0"/>
-              <a:t>29/05/2019</a:t>
+              <a:t>30/05/2019</a:t>
             </a:fld>
             <a:endParaRPr lang="vi-VN"/>
           </a:p>
@@ -4546,7 +4551,7 @@
           <a:p>
             <a:fld id="{B7AE79E7-3A69-41C5-903D-682ADD965818}" type="datetimeFigureOut">
               <a:rPr lang="vi-VN" smtClean="0"/>
-              <a:t>29/05/2019</a:t>
+              <a:t>30/05/2019</a:t>
             </a:fld>
             <a:endParaRPr lang="vi-VN"/>
           </a:p>
@@ -4822,7 +4827,7 @@
           <a:p>
             <a:fld id="{B7AE79E7-3A69-41C5-903D-682ADD965818}" type="datetimeFigureOut">
               <a:rPr lang="vi-VN" smtClean="0"/>
-              <a:t>29/05/2019</a:t>
+              <a:t>30/05/2019</a:t>
             </a:fld>
             <a:endParaRPr lang="vi-VN"/>
           </a:p>
@@ -5090,7 +5095,7 @@
           <a:p>
             <a:fld id="{B7AE79E7-3A69-41C5-903D-682ADD965818}" type="datetimeFigureOut">
               <a:rPr lang="vi-VN" smtClean="0"/>
-              <a:t>29/05/2019</a:t>
+              <a:t>30/05/2019</a:t>
             </a:fld>
             <a:endParaRPr lang="vi-VN"/>
           </a:p>
@@ -5505,7 +5510,7 @@
           <a:p>
             <a:fld id="{B7AE79E7-3A69-41C5-903D-682ADD965818}" type="datetimeFigureOut">
               <a:rPr lang="vi-VN" smtClean="0"/>
-              <a:t>29/05/2019</a:t>
+              <a:t>30/05/2019</a:t>
             </a:fld>
             <a:endParaRPr lang="vi-VN"/>
           </a:p>
@@ -5647,7 +5652,7 @@
           <a:p>
             <a:fld id="{B7AE79E7-3A69-41C5-903D-682ADD965818}" type="datetimeFigureOut">
               <a:rPr lang="vi-VN" smtClean="0"/>
-              <a:t>29/05/2019</a:t>
+              <a:t>30/05/2019</a:t>
             </a:fld>
             <a:endParaRPr lang="vi-VN"/>
           </a:p>
@@ -5760,7 +5765,7 @@
           <a:p>
             <a:fld id="{B7AE79E7-3A69-41C5-903D-682ADD965818}" type="datetimeFigureOut">
               <a:rPr lang="vi-VN" smtClean="0"/>
-              <a:t>29/05/2019</a:t>
+              <a:t>30/05/2019</a:t>
             </a:fld>
             <a:endParaRPr lang="vi-VN"/>
           </a:p>
@@ -6073,7 +6078,7 @@
           <a:p>
             <a:fld id="{B7AE79E7-3A69-41C5-903D-682ADD965818}" type="datetimeFigureOut">
               <a:rPr lang="vi-VN" smtClean="0"/>
-              <a:t>29/05/2019</a:t>
+              <a:t>30/05/2019</a:t>
             </a:fld>
             <a:endParaRPr lang="vi-VN"/>
           </a:p>
@@ -6362,7 +6367,7 @@
           <a:p>
             <a:fld id="{B7AE79E7-3A69-41C5-903D-682ADD965818}" type="datetimeFigureOut">
               <a:rPr lang="vi-VN" smtClean="0"/>
-              <a:t>29/05/2019</a:t>
+              <a:t>30/05/2019</a:t>
             </a:fld>
             <a:endParaRPr lang="vi-VN"/>
           </a:p>
@@ -6605,7 +6610,7 @@
           <a:p>
             <a:fld id="{B7AE79E7-3A69-41C5-903D-682ADD965818}" type="datetimeFigureOut">
               <a:rPr lang="vi-VN" smtClean="0"/>
-              <a:t>29/05/2019</a:t>
+              <a:t>30/05/2019</a:t>
             </a:fld>
             <a:endParaRPr lang="vi-VN"/>
           </a:p>
@@ -7262,7 +7267,15 @@
           <a:bodyPr/>
           <a:lstStyle/>
           <a:p>
-            <a:endParaRPr lang="vi-VN"/>
+            <a:pPr algn="ctr"/>
+            <a:r>
+              <a:rPr lang="vi-VN">
+                <a:solidFill>
+                  <a:schemeClr val="accent2"/>
+                </a:solidFill>
+              </a:rPr>
+              <a:t>SECTION</a:t>
+            </a:r>
           </a:p>
         </p:txBody>
       </p:sp>
@@ -7348,7 +7361,20 @@
           <a:bodyPr/>
           <a:lstStyle/>
           <a:p>
-            <a:endParaRPr lang="vi-VN"/>
+            <a:pPr marL="857250" indent="-857250">
+              <a:buFont typeface="+mj-lt"/>
+              <a:buAutoNum type="romanUcPeriod"/>
+            </a:pPr>
+            <a:r>
+              <a:rPr lang="vi-VN">
+                <a:solidFill>
+                  <a:srgbClr val="FF0000"/>
+                </a:solidFill>
+                <a:latin typeface="Segoe UI" panose="020B0502040204020203" pitchFamily="34" charset="0"/>
+                <a:cs typeface="Segoe UI" panose="020B0502040204020203" pitchFamily="34" charset="0"/>
+              </a:rPr>
+              <a:t>Giới thiệu về CMCN 4.0 </a:t>
+            </a:r>
           </a:p>
         </p:txBody>
       </p:sp>
@@ -7373,6 +7399,97 @@
           <a:bodyPr/>
           <a:lstStyle/>
           <a:p>
+            <a:pPr lvl="1"/>
+            <a:r>
+              <a:rPr lang="vi-VN" sz="2000"/>
+              <a:t>Thuật ngữ "</a:t>
+            </a:r>
+            <a:r>
+              <a:rPr lang="vi-VN" sz="2000" b="1"/>
+              <a:t>Cách mạng công nghiệp lần thứ tư</a:t>
+            </a:r>
+            <a:r>
+              <a:rPr lang="vi-VN" sz="2000"/>
+              <a:t>" đã được áp dụng cho sự phát triển công nghệ quan trọng một vài lần trong 75 năm qua, và là để thảo luận về học thuật. Khái niệm </a:t>
+            </a:r>
+            <a:r>
+              <a:rPr lang="vi-VN" sz="2000" b="1"/>
+              <a:t>Công nghiệp 4.0</a:t>
+            </a:r>
+            <a:r>
+              <a:rPr lang="vi-VN" sz="2000"/>
+              <a:t> hay nhà máy thông minh lần đầu tiên được đưa ra tại Hội chợ công nghiệp Hannover tại Cộng hòa Liên bang Đức vào năm 2011. Công nghiệp 4.0 nhằm thông minh hóa quá trình sản xuất và quản lý trong ngành công nghiệp chế tạo. Sự ra đời của Công nghiệp 4.0 tại Đức đã thúc đẩy các nước tiên tiến khác như Mỹ, Nhật, Trung Quốc, Ấn Độ thúc đẩy phát triển các chương trình tương tự nhằm duy trì lợi thế cạnh tranh của mình.</a:t>
+            </a:r>
+          </a:p>
+          <a:p>
+            <a:pPr lvl="1"/>
+            <a:r>
+              <a:rPr lang="en-US" sz="2000" b="1"/>
+              <a:t>C</a:t>
+            </a:r>
+            <a:r>
+              <a:rPr lang="vi-VN" sz="2000" b="1"/>
+              <a:t>ông nghiệp 4.0</a:t>
+            </a:r>
+            <a:r>
+              <a:rPr lang="vi-VN" sz="2000"/>
+              <a:t> là xu hướng hiện thời trong việc </a:t>
+            </a:r>
+            <a:r>
+              <a:rPr lang="vi-VN" sz="2000" u="sng">
+                <a:hlinkClick r:id="rId2" tooltip="Tự động hóa"/>
+              </a:rPr>
+              <a:t>tự động hóa</a:t>
+            </a:r>
+            <a:r>
+              <a:rPr lang="vi-VN" sz="2000"/>
+              <a:t> và trao đổi dữ liệu trong công nghệ sản xuất. Nó bao gồm các hệ thống không gian mạng thực-ảo (</a:t>
+            </a:r>
+            <a:r>
+              <a:rPr lang="vi-VN" sz="2000" i="1"/>
+              <a:t>cyber-physical system</a:t>
+            </a:r>
+            <a:r>
+              <a:rPr lang="vi-VN" sz="2000"/>
+              <a:t>), </a:t>
+            </a:r>
+            <a:r>
+              <a:rPr lang="vi-VN" sz="2000" u="sng">
+                <a:hlinkClick r:id="rId3" tooltip="Mạng lưới vạn vật kết nối Internet"/>
+              </a:rPr>
+              <a:t>Internet Vạn Vật</a:t>
+            </a:r>
+            <a:r>
+              <a:rPr lang="vi-VN" sz="2000"/>
+              <a:t> và </a:t>
+            </a:r>
+            <a:r>
+              <a:rPr lang="vi-VN" sz="2000" u="sng">
+                <a:hlinkClick r:id="rId4" tooltip="Điện toán đám mây"/>
+              </a:rPr>
+              <a:t>điện toán đám mây</a:t>
+            </a:r>
+            <a:r>
+              <a:rPr lang="vi-VN" sz="2000"/>
+              <a:t> và </a:t>
+            </a:r>
+            <a:r>
+              <a:rPr lang="vi-VN" sz="2000" u="sng">
+                <a:hlinkClick r:id="rId5" tooltip="Điện toán nhận thức (trang chưa được viết)"/>
+              </a:rPr>
+              <a:t>điện toán nhận thức</a:t>
+            </a:r>
+            <a:r>
+              <a:rPr lang="en-US"/>
+              <a:t>.</a:t>
+            </a:r>
+            <a:endParaRPr lang="vi-VN"/>
+          </a:p>
+          <a:p>
+            <a:pPr lvl="1"/>
+            <a:endParaRPr lang="vi-VN" sz="2000"/>
+          </a:p>
+          <a:p>
             <a:endParaRPr lang="vi-VN"/>
           </a:p>
         </p:txBody>
@@ -7381,6 +7498,276 @@
     <p:extLst>
       <p:ext uri="{BB962C8B-B14F-4D97-AF65-F5344CB8AC3E}">
         <p14:creationId xmlns:p14="http://schemas.microsoft.com/office/powerpoint/2010/main" val="1214957456"/>
+      </p:ext>
+    </p:extLst>
+  </p:cSld>
+  <p:clrMapOvr>
+    <a:masterClrMapping/>
+  </p:clrMapOvr>
+</p:sld>
+</file>
+
+<file path=ppt/slides/slide4.xml><?xml version="1.0" encoding="utf-8"?>
+<p:sld xmlns:a="http://schemas.openxmlformats.org/drawingml/2006/main" xmlns:r="http://schemas.openxmlformats.org/officeDocument/2006/relationships" xmlns:p="http://schemas.openxmlformats.org/presentationml/2006/main">
+  <p:cSld>
+    <p:bg>
+      <p:bgPr>
+        <a:solidFill>
+          <a:schemeClr val="bg1"/>
+        </a:solidFill>
+        <a:effectLst/>
+      </p:bgPr>
+    </p:bg>
+    <p:spTree>
+      <p:nvGrpSpPr>
+        <p:cNvPr id="1" name=""/>
+        <p:cNvGrpSpPr/>
+        <p:nvPr/>
+      </p:nvGrpSpPr>
+      <p:grpSpPr>
+        <a:xfrm>
+          <a:off x="0" y="0"/>
+          <a:ext cx="0" cy="0"/>
+          <a:chOff x="0" y="0"/>
+          <a:chExt cx="0" cy="0"/>
+        </a:xfrm>
+      </p:grpSpPr>
+      <p:sp>
+        <p:nvSpPr>
+          <p:cNvPr id="13" name="Rectangle 8">
+            <a:extLst>
+              <a:ext uri="{FF2B5EF4-FFF2-40B4-BE49-F238E27FC236}">
+                <a16:creationId xmlns:a16="http://schemas.microsoft.com/office/drawing/2014/main" id="{42A5316D-ED2F-4F89-B4B4-8D9240B1A348}"/>
+              </a:ext>
+              <a:ext uri="{C183D7F6-B498-43B3-948B-1728B52AA6E4}">
+                <adec:decorative xmlns:adec="http://schemas.microsoft.com/office/drawing/2017/decorative" val="1"/>
+              </a:ext>
+            </a:extLst>
+          </p:cNvPr>
+          <p:cNvSpPr>
+            <a:spLocks noGrp="1" noRot="1" noChangeAspect="1" noMove="1" noResize="1" noEditPoints="1" noAdjustHandles="1" noChangeArrowheads="1" noChangeShapeType="1" noTextEdit="1"/>
+          </p:cNvSpPr>
+          <p:nvPr>
+            <p:extLst>
+              <p:ext uri="{386F3935-93C4-4BCD-93E2-E3B085C9AB24}">
+                <p16:designElem xmlns:p16="http://schemas.microsoft.com/office/powerpoint/2015/main" val="1"/>
+              </p:ext>
+            </p:extLst>
+          </p:nvPr>
+        </p:nvSpPr>
+        <p:spPr>
+          <a:xfrm>
+            <a:off x="0" y="0"/>
+            <a:ext cx="2013557" cy="6858000"/>
+          </a:xfrm>
+          <a:prstGeom prst="rect">
+            <a:avLst/>
+          </a:prstGeom>
+          <a:solidFill>
+            <a:srgbClr val="7F7F7F"/>
+          </a:solidFill>
+          <a:ln>
+            <a:noFill/>
+          </a:ln>
+        </p:spPr>
+        <p:style>
+          <a:lnRef idx="2">
+            <a:schemeClr val="accent1">
+              <a:shade val="50000"/>
+            </a:schemeClr>
+          </a:lnRef>
+          <a:fillRef idx="1">
+            <a:schemeClr val="accent1"/>
+          </a:fillRef>
+          <a:effectRef idx="0">
+            <a:schemeClr val="accent1"/>
+          </a:effectRef>
+          <a:fontRef idx="minor">
+            <a:schemeClr val="lt1"/>
+          </a:fontRef>
+        </p:style>
+        <p:txBody>
+          <a:bodyPr rtlCol="0" anchor="ctr"/>
+          <a:lstStyle/>
+          <a:p>
+            <a:pPr marL="0" marR="0" lvl="0" indent="0" algn="ctr" defTabSz="914400" rtl="0" eaLnBrk="1" fontAlgn="auto" latinLnBrk="0" hangingPunct="1">
+              <a:lnSpc>
+                <a:spcPct val="100000"/>
+              </a:lnSpc>
+              <a:spcBef>
+                <a:spcPts val="0"/>
+              </a:spcBef>
+              <a:spcAft>
+                <a:spcPts val="0"/>
+              </a:spcAft>
+              <a:buClrTx/>
+              <a:buSzTx/>
+              <a:buFontTx/>
+              <a:buNone/>
+              <a:tabLst/>
+              <a:defRPr/>
+            </a:pPr>
+            <a:endParaRPr kumimoji="0" lang="en-US" sz="1800" b="0" i="0" u="none" strike="noStrike" kern="1200" cap="none" spc="0" normalizeH="0" baseline="0" noProof="0">
+              <a:ln>
+                <a:noFill/>
+              </a:ln>
+              <a:solidFill>
+                <a:prstClr val="white"/>
+              </a:solidFill>
+              <a:effectLst/>
+              <a:uLnTx/>
+              <a:uFillTx/>
+              <a:latin typeface="Calibri" panose="020F0502020204030204"/>
+              <a:ea typeface="+mn-ea"/>
+              <a:cs typeface="+mn-cs"/>
+            </a:endParaRPr>
+          </a:p>
+        </p:txBody>
+      </p:sp>
+      <p:sp>
+        <p:nvSpPr>
+          <p:cNvPr id="2" name="Title 1">
+            <a:extLst>
+              <a:ext uri="{FF2B5EF4-FFF2-40B4-BE49-F238E27FC236}">
+                <a16:creationId xmlns:a16="http://schemas.microsoft.com/office/drawing/2014/main" id="{6F7EF27C-39B5-49B8-9285-81ACA7E9406D}"/>
+              </a:ext>
+            </a:extLst>
+          </p:cNvPr>
+          <p:cNvSpPr>
+            <a:spLocks noGrp="1"/>
+          </p:cNvSpPr>
+          <p:nvPr>
+            <p:ph type="title"/>
+          </p:nvPr>
+        </p:nvSpPr>
+        <p:spPr>
+          <a:xfrm>
+            <a:off x="694510" y="1487272"/>
+            <a:ext cx="2743200" cy="2743200"/>
+          </a:xfrm>
+          <a:prstGeom prst="ellipse">
+            <a:avLst/>
+          </a:prstGeom>
+          <a:solidFill>
+            <a:srgbClr val="262626"/>
+          </a:solidFill>
+          <a:ln w="174625" cmpd="thinThick">
+            <a:solidFill>
+              <a:srgbClr val="262626"/>
+            </a:solidFill>
+          </a:ln>
+        </p:spPr>
+        <p:txBody>
+          <a:bodyPr>
+            <a:normAutofit/>
+          </a:bodyPr>
+          <a:lstStyle/>
+          <a:p>
+            <a:pPr marL="857250" indent="-857250" algn="ctr">
+              <a:buFont typeface="+mj-lt"/>
+              <a:buAutoNum type="romanUcPeriod"/>
+            </a:pPr>
+            <a:r>
+              <a:rPr lang="vi-VN" sz="2400">
+                <a:solidFill>
+                  <a:srgbClr val="FFFFFF"/>
+                </a:solidFill>
+                <a:latin typeface="Segoe UI" panose="020B0502040204020203" pitchFamily="34" charset="0"/>
+                <a:cs typeface="Segoe UI" panose="020B0502040204020203" pitchFamily="34" charset="0"/>
+              </a:rPr>
+              <a:t>Giới thiệu về CMCN 4.0 </a:t>
+            </a:r>
+            <a:endParaRPr lang="vi-VN" sz="2400">
+              <a:solidFill>
+                <a:srgbClr val="FFFFFF"/>
+              </a:solidFill>
+            </a:endParaRPr>
+          </a:p>
+        </p:txBody>
+      </p:sp>
+      <p:pic>
+        <p:nvPicPr>
+          <p:cNvPr id="4" name="Picture 3" descr="https://upload.wikimedia.org/wikipedia/commons/thumb/c/c8/Industry_4.0.png/500px-Industry_4.0.png">
+            <a:extLst>
+              <a:ext uri="{FF2B5EF4-FFF2-40B4-BE49-F238E27FC236}">
+                <a16:creationId xmlns:a16="http://schemas.microsoft.com/office/drawing/2014/main" id="{BD1FE153-FA49-48B8-ABB0-5805BEDA4FB5}"/>
+              </a:ext>
+            </a:extLst>
+          </p:cNvPr>
+          <p:cNvPicPr/>
+          <p:nvPr/>
+        </p:nvPicPr>
+        <p:blipFill>
+          <a:blip r:embed="rId2">
+            <a:extLst>
+              <a:ext uri="{28A0092B-C50C-407E-A947-70E740481C1C}">
+                <a14:useLocalDpi xmlns:a14="http://schemas.microsoft.com/office/drawing/2010/main" val="0"/>
+              </a:ext>
+            </a:extLst>
+          </a:blip>
+          <a:stretch>
+            <a:fillRect/>
+          </a:stretch>
+        </p:blipFill>
+        <p:spPr bwMode="auto">
+          <a:xfrm>
+            <a:off x="4038600" y="1313299"/>
+            <a:ext cx="6373496" cy="3091146"/>
+          </a:xfrm>
+          <a:prstGeom prst="rect">
+            <a:avLst/>
+          </a:prstGeom>
+          <a:noFill/>
+        </p:spPr>
+      </p:pic>
+      <p:sp>
+        <p:nvSpPr>
+          <p:cNvPr id="3" name="Content Placeholder 2">
+            <a:extLst>
+              <a:ext uri="{FF2B5EF4-FFF2-40B4-BE49-F238E27FC236}">
+                <a16:creationId xmlns:a16="http://schemas.microsoft.com/office/drawing/2014/main" id="{B8C3586C-BB7A-454A-AA27-E8A3A9764B1E}"/>
+              </a:ext>
+            </a:extLst>
+          </p:cNvPr>
+          <p:cNvSpPr>
+            <a:spLocks noGrp="1"/>
+          </p:cNvSpPr>
+          <p:nvPr>
+            <p:ph idx="1"/>
+          </p:nvPr>
+        </p:nvSpPr>
+        <p:spPr>
+          <a:xfrm>
+            <a:off x="4038600" y="4884873"/>
+            <a:ext cx="7188199" cy="1292090"/>
+          </a:xfrm>
+        </p:spPr>
+        <p:txBody>
+          <a:bodyPr>
+            <a:normAutofit/>
+          </a:bodyPr>
+          <a:lstStyle/>
+          <a:p>
+            <a:pPr marL="0" indent="0">
+              <a:buNone/>
+            </a:pPr>
+            <a:r>
+              <a:rPr lang="vi-VN" sz="1800"/>
+              <a:t>Hình ảnh những cuộc CMCN qua từng thời kì lịch sử </a:t>
+            </a:r>
+          </a:p>
+          <a:p>
+            <a:pPr marL="0" indent="0">
+              <a:buNone/>
+            </a:pPr>
+            <a:endParaRPr lang="vi-VN" sz="1800"/>
+          </a:p>
+        </p:txBody>
+      </p:sp>
+    </p:spTree>
+    <p:extLst>
+      <p:ext uri="{BB962C8B-B14F-4D97-AF65-F5344CB8AC3E}">
+        <p14:creationId xmlns:p14="http://schemas.microsoft.com/office/powerpoint/2010/main" val="12623496"/>
       </p:ext>
     </p:extLst>
   </p:cSld>

--- a/BÁO CÁO ĐỒ ÁN KNSBC.pptx
+++ b/BÁO CÁO ĐỒ ÁN KNSBC.pptx
@@ -2,21 +2,22 @@
 <file path=ppt/presentation.xml><?xml version="1.0" encoding="utf-8"?>
 <p:presentation xmlns:a="http://schemas.openxmlformats.org/drawingml/2006/main" xmlns:r="http://schemas.openxmlformats.org/officeDocument/2006/relationships" xmlns:p="http://schemas.openxmlformats.org/presentationml/2006/main" saveSubsetFonts="1">
   <p:sldMasterIdLst>
-    <p:sldMasterId id="2147483648" r:id="rId1"/>
+    <p:sldMasterId id="2147483754" r:id="rId1"/>
   </p:sldMasterIdLst>
   <p:sldIdLst>
     <p:sldId id="256" r:id="rId2"/>
     <p:sldId id="257" r:id="rId3"/>
     <p:sldId id="258" r:id="rId4"/>
     <p:sldId id="259" r:id="rId5"/>
+    <p:sldId id="260" r:id="rId6"/>
   </p:sldIdLst>
   <p:sldSz cx="12192000" cy="6858000"/>
   <p:notesSz cx="6858000" cy="9144000"/>
   <p:defaultTextStyle>
     <a:defPPr>
-      <a:defRPr lang="vi-VN"/>
+      <a:defRPr lang="en-US"/>
     </a:defPPr>
-    <a:lvl1pPr marL="0" algn="l" defTabSz="914400" rtl="0" eaLnBrk="1" latinLnBrk="0" hangingPunct="1">
+    <a:lvl1pPr marL="0" algn="l" defTabSz="457200" rtl="0" eaLnBrk="1" latinLnBrk="0" hangingPunct="1">
       <a:defRPr sz="1800" kern="1200">
         <a:solidFill>
           <a:schemeClr val="tx1"/>
@@ -26,7 +27,7 @@
         <a:cs typeface="+mn-cs"/>
       </a:defRPr>
     </a:lvl1pPr>
-    <a:lvl2pPr marL="457200" algn="l" defTabSz="914400" rtl="0" eaLnBrk="1" latinLnBrk="0" hangingPunct="1">
+    <a:lvl2pPr marL="457200" algn="l" defTabSz="457200" rtl="0" eaLnBrk="1" latinLnBrk="0" hangingPunct="1">
       <a:defRPr sz="1800" kern="1200">
         <a:solidFill>
           <a:schemeClr val="tx1"/>
@@ -36,7 +37,7 @@
         <a:cs typeface="+mn-cs"/>
       </a:defRPr>
     </a:lvl2pPr>
-    <a:lvl3pPr marL="914400" algn="l" defTabSz="914400" rtl="0" eaLnBrk="1" latinLnBrk="0" hangingPunct="1">
+    <a:lvl3pPr marL="914400" algn="l" defTabSz="457200" rtl="0" eaLnBrk="1" latinLnBrk="0" hangingPunct="1">
       <a:defRPr sz="1800" kern="1200">
         <a:solidFill>
           <a:schemeClr val="tx1"/>
@@ -46,7 +47,7 @@
         <a:cs typeface="+mn-cs"/>
       </a:defRPr>
     </a:lvl3pPr>
-    <a:lvl4pPr marL="1371600" algn="l" defTabSz="914400" rtl="0" eaLnBrk="1" latinLnBrk="0" hangingPunct="1">
+    <a:lvl4pPr marL="1371600" algn="l" defTabSz="457200" rtl="0" eaLnBrk="1" latinLnBrk="0" hangingPunct="1">
       <a:defRPr sz="1800" kern="1200">
         <a:solidFill>
           <a:schemeClr val="tx1"/>
@@ -56,7 +57,7 @@
         <a:cs typeface="+mn-cs"/>
       </a:defRPr>
     </a:lvl4pPr>
-    <a:lvl5pPr marL="1828800" algn="l" defTabSz="914400" rtl="0" eaLnBrk="1" latinLnBrk="0" hangingPunct="1">
+    <a:lvl5pPr marL="1828800" algn="l" defTabSz="457200" rtl="0" eaLnBrk="1" latinLnBrk="0" hangingPunct="1">
       <a:defRPr sz="1800" kern="1200">
         <a:solidFill>
           <a:schemeClr val="tx1"/>
@@ -66,7 +67,7 @@
         <a:cs typeface="+mn-cs"/>
       </a:defRPr>
     </a:lvl5pPr>
-    <a:lvl6pPr marL="2286000" algn="l" defTabSz="914400" rtl="0" eaLnBrk="1" latinLnBrk="0" hangingPunct="1">
+    <a:lvl6pPr marL="2286000" algn="l" defTabSz="457200" rtl="0" eaLnBrk="1" latinLnBrk="0" hangingPunct="1">
       <a:defRPr sz="1800" kern="1200">
         <a:solidFill>
           <a:schemeClr val="tx1"/>
@@ -76,7 +77,7 @@
         <a:cs typeface="+mn-cs"/>
       </a:defRPr>
     </a:lvl6pPr>
-    <a:lvl7pPr marL="2743200" algn="l" defTabSz="914400" rtl="0" eaLnBrk="1" latinLnBrk="0" hangingPunct="1">
+    <a:lvl7pPr marL="2743200" algn="l" defTabSz="457200" rtl="0" eaLnBrk="1" latinLnBrk="0" hangingPunct="1">
       <a:defRPr sz="1800" kern="1200">
         <a:solidFill>
           <a:schemeClr val="tx1"/>
@@ -86,7 +87,7 @@
         <a:cs typeface="+mn-cs"/>
       </a:defRPr>
     </a:lvl7pPr>
-    <a:lvl8pPr marL="3200400" algn="l" defTabSz="914400" rtl="0" eaLnBrk="1" latinLnBrk="0" hangingPunct="1">
+    <a:lvl8pPr marL="3200400" algn="l" defTabSz="457200" rtl="0" eaLnBrk="1" latinLnBrk="0" hangingPunct="1">
       <a:defRPr sz="1800" kern="1200">
         <a:solidFill>
           <a:schemeClr val="tx1"/>
@@ -96,7 +97,7 @@
         <a:cs typeface="+mn-cs"/>
       </a:defRPr>
     </a:lvl8pPr>
-    <a:lvl9pPr marL="3657600" algn="l" defTabSz="914400" rtl="0" eaLnBrk="1" latinLnBrk="0" hangingPunct="1">
+    <a:lvl9pPr marL="3657600" algn="l" defTabSz="457200" rtl="0" eaLnBrk="1" latinLnBrk="0" hangingPunct="1">
       <a:defRPr sz="1800" kern="1200">
         <a:solidFill>
           <a:schemeClr val="tx1"/>
@@ -120,6 +121,7 @@
           <p14:sldIdLst>
             <p14:sldId id="258"/>
             <p14:sldId id="259"/>
+            <p14:sldId id="260"/>
           </p14:sldIdLst>
         </p14:section>
       </p14:sectionLst>
@@ -132,11 +134,11 @@
 </file>
 
 <file path=ppt/diagrams/colors1.xml><?xml version="1.0" encoding="utf-8"?>
-<dgm:colorsDef xmlns:dgm="http://schemas.openxmlformats.org/drawingml/2006/diagram" xmlns:a="http://schemas.openxmlformats.org/drawingml/2006/main" uniqueId="urn:microsoft.com/office/officeart/2005/8/colors/accent1_2">
+<dgm:colorsDef xmlns:dgm="http://schemas.openxmlformats.org/drawingml/2006/diagram" xmlns:a="http://schemas.openxmlformats.org/drawingml/2006/main" uniqueId="urn:microsoft.com/office/officeart/2005/8/colors/colorful2">
   <dgm:title val=""/>
   <dgm:desc val=""/>
   <dgm:catLst>
-    <dgm:cat type="accent1" pri="11200"/>
+    <dgm:cat type="colorful" pri="10200"/>
   </dgm:catLst>
   <dgm:styleLbl name="node0">
     <dgm:fillClrLst meth="repeat">
@@ -150,21 +152,10 @@
     <dgm:txFillClrLst/>
     <dgm:txEffectClrLst/>
   </dgm:styleLbl>
-  <dgm:styleLbl name="alignNode1">
-    <dgm:fillClrLst meth="repeat">
-      <a:schemeClr val="accent1"/>
-    </dgm:fillClrLst>
-    <dgm:linClrLst meth="repeat">
-      <a:schemeClr val="accent1"/>
-    </dgm:linClrLst>
-    <dgm:effectClrLst/>
-    <dgm:txLinClrLst/>
-    <dgm:txFillClrLst/>
-    <dgm:txEffectClrLst/>
-  </dgm:styleLbl>
   <dgm:styleLbl name="node1">
-    <dgm:fillClrLst meth="repeat">
-      <a:schemeClr val="accent1"/>
+    <dgm:fillClrLst>
+      <a:schemeClr val="accent2"/>
+      <a:schemeClr val="accent3"/>
     </dgm:fillClrLst>
     <dgm:linClrLst meth="repeat">
       <a:schemeClr val="lt1"/>
@@ -174,9 +165,24 @@
     <dgm:txFillClrLst/>
     <dgm:txEffectClrLst/>
   </dgm:styleLbl>
+  <dgm:styleLbl name="alignNode1">
+    <dgm:fillClrLst>
+      <a:schemeClr val="accent2"/>
+      <a:schemeClr val="accent3"/>
+    </dgm:fillClrLst>
+    <dgm:linClrLst>
+      <a:schemeClr val="accent2"/>
+      <a:schemeClr val="accent3"/>
+    </dgm:linClrLst>
+    <dgm:effectClrLst/>
+    <dgm:txLinClrLst/>
+    <dgm:txFillClrLst/>
+    <dgm:txEffectClrLst/>
+  </dgm:styleLbl>
   <dgm:styleLbl name="lnNode1">
-    <dgm:fillClrLst meth="repeat">
-      <a:schemeClr val="accent1"/>
+    <dgm:fillClrLst>
+      <a:schemeClr val="accent2"/>
+      <a:schemeClr val="accent3"/>
     </dgm:fillClrLst>
     <dgm:linClrLst meth="repeat">
       <a:schemeClr val="lt1"/>
@@ -187,8 +193,11 @@
     <dgm:txEffectClrLst/>
   </dgm:styleLbl>
   <dgm:styleLbl name="vennNode1">
-    <dgm:fillClrLst meth="repeat">
-      <a:schemeClr val="accent1">
+    <dgm:fillClrLst>
+      <a:schemeClr val="accent2">
+        <a:alpha val="50000"/>
+      </a:schemeClr>
+      <a:schemeClr val="accent3">
         <a:alpha val="50000"/>
       </a:schemeClr>
     </dgm:fillClrLst>
@@ -201,8 +210,8 @@
     <dgm:txEffectClrLst/>
   </dgm:styleLbl>
   <dgm:styleLbl name="node2">
-    <dgm:fillClrLst meth="repeat">
-      <a:schemeClr val="accent1"/>
+    <dgm:fillClrLst>
+      <a:schemeClr val="accent3"/>
     </dgm:fillClrLst>
     <dgm:linClrLst meth="repeat">
       <a:schemeClr val="lt1"/>
@@ -213,8 +222,8 @@
     <dgm:txEffectClrLst/>
   </dgm:styleLbl>
   <dgm:styleLbl name="node3">
-    <dgm:fillClrLst meth="repeat">
-      <a:schemeClr val="accent1"/>
+    <dgm:fillClrLst>
+      <a:schemeClr val="accent4"/>
     </dgm:fillClrLst>
     <dgm:linClrLst meth="repeat">
       <a:schemeClr val="lt1"/>
@@ -225,8 +234,8 @@
     <dgm:txEffectClrLst/>
   </dgm:styleLbl>
   <dgm:styleLbl name="node4">
-    <dgm:fillClrLst meth="repeat">
-      <a:schemeClr val="accent1"/>
+    <dgm:fillClrLst>
+      <a:schemeClr val="accent5"/>
     </dgm:fillClrLst>
     <dgm:linClrLst meth="repeat">
       <a:schemeClr val="lt1"/>
@@ -237,8 +246,11 @@
     <dgm:txEffectClrLst/>
   </dgm:styleLbl>
   <dgm:styleLbl name="fgImgPlace1">
-    <dgm:fillClrLst meth="repeat">
-      <a:schemeClr val="accent1">
+    <dgm:fillClrLst>
+      <a:schemeClr val="accent2">
+        <a:tint val="50000"/>
+      </a:schemeClr>
+      <a:schemeClr val="accent3">
         <a:tint val="50000"/>
       </a:schemeClr>
     </dgm:fillClrLst>
@@ -253,9 +265,12 @@
     <dgm:txEffectClrLst/>
   </dgm:styleLbl>
   <dgm:styleLbl name="alignImgPlace1">
-    <dgm:fillClrLst meth="repeat">
-      <a:schemeClr val="accent1">
+    <dgm:fillClrLst>
+      <a:schemeClr val="accent2">
         <a:tint val="50000"/>
+      </a:schemeClr>
+      <a:schemeClr val="accent3">
+        <a:tint val="20000"/>
       </a:schemeClr>
     </dgm:fillClrLst>
     <dgm:linClrLst meth="repeat">
@@ -269,9 +284,12 @@
     <dgm:txEffectClrLst/>
   </dgm:styleLbl>
   <dgm:styleLbl name="bgImgPlace1">
-    <dgm:fillClrLst meth="repeat">
-      <a:schemeClr val="accent1">
+    <dgm:fillClrLst>
+      <a:schemeClr val="accent2">
         <a:tint val="50000"/>
+      </a:schemeClr>
+      <a:schemeClr val="accent3">
+        <a:tint val="20000"/>
       </a:schemeClr>
     </dgm:fillClrLst>
     <dgm:linClrLst meth="repeat">
@@ -285,15 +303,12 @@
     <dgm:txEffectClrLst/>
   </dgm:styleLbl>
   <dgm:styleLbl name="sibTrans2D1">
-    <dgm:fillClrLst meth="repeat">
-      <a:schemeClr val="accent1">
-        <a:tint val="60000"/>
-      </a:schemeClr>
+    <dgm:fillClrLst>
+      <a:schemeClr val="accent2"/>
+      <a:schemeClr val="accent3"/>
     </dgm:fillClrLst>
     <dgm:linClrLst meth="repeat">
-      <a:schemeClr val="accent1">
-        <a:tint val="60000"/>
-      </a:schemeClr>
+      <a:schemeClr val="lt1"/>
     </dgm:linClrLst>
     <dgm:effectClrLst/>
     <dgm:txLinClrLst/>
@@ -301,43 +316,40 @@
     <dgm:txEffectClrLst/>
   </dgm:styleLbl>
   <dgm:styleLbl name="fgSibTrans2D1">
-    <dgm:fillClrLst meth="repeat">
-      <a:schemeClr val="accent1">
-        <a:tint val="60000"/>
-      </a:schemeClr>
+    <dgm:fillClrLst>
+      <a:schemeClr val="accent2"/>
+      <a:schemeClr val="accent3"/>
     </dgm:fillClrLst>
     <dgm:linClrLst meth="repeat">
-      <a:schemeClr val="accent1">
-        <a:tint val="60000"/>
-      </a:schemeClr>
+      <a:schemeClr val="lt1"/>
     </dgm:linClrLst>
     <dgm:effectClrLst/>
     <dgm:txLinClrLst/>
-    <dgm:txFillClrLst/>
+    <dgm:txFillClrLst meth="repeat">
+      <a:schemeClr val="lt1"/>
+    </dgm:txFillClrLst>
     <dgm:txEffectClrLst/>
   </dgm:styleLbl>
   <dgm:styleLbl name="bgSibTrans2D1">
-    <dgm:fillClrLst meth="repeat">
-      <a:schemeClr val="accent1">
-        <a:tint val="60000"/>
-      </a:schemeClr>
+    <dgm:fillClrLst>
+      <a:schemeClr val="accent2"/>
+      <a:schemeClr val="accent3"/>
     </dgm:fillClrLst>
     <dgm:linClrLst meth="repeat">
-      <a:schemeClr val="accent1">
-        <a:tint val="60000"/>
-      </a:schemeClr>
+      <a:schemeClr val="lt1"/>
     </dgm:linClrLst>
     <dgm:effectClrLst/>
     <dgm:txLinClrLst/>
-    <dgm:txFillClrLst/>
+    <dgm:txFillClrLst meth="repeat">
+      <a:schemeClr val="lt1"/>
+    </dgm:txFillClrLst>
     <dgm:txEffectClrLst/>
   </dgm:styleLbl>
   <dgm:styleLbl name="sibTrans1D1">
-    <dgm:fillClrLst meth="repeat">
-      <a:schemeClr val="accent1"/>
-    </dgm:fillClrLst>
-    <dgm:linClrLst meth="repeat">
-      <a:schemeClr val="accent1"/>
+    <dgm:fillClrLst/>
+    <dgm:linClrLst>
+      <a:schemeClr val="accent2"/>
+      <a:schemeClr val="accent3"/>
     </dgm:linClrLst>
     <dgm:effectClrLst/>
     <dgm:txLinClrLst/>
@@ -348,10 +360,10 @@
   </dgm:styleLbl>
   <dgm:styleLbl name="callout">
     <dgm:fillClrLst meth="repeat">
-      <a:schemeClr val="accent1"/>
+      <a:schemeClr val="accent2"/>
     </dgm:fillClrLst>
     <dgm:linClrLst meth="repeat">
-      <a:schemeClr val="accent1">
+      <a:schemeClr val="accent2">
         <a:tint val="50000"/>
       </a:schemeClr>
     </dgm:linClrLst>
@@ -364,10 +376,12 @@
   </dgm:styleLbl>
   <dgm:styleLbl name="asst0">
     <dgm:fillClrLst meth="repeat">
-      <a:schemeClr val="accent1"/>
+      <a:schemeClr val="accent2"/>
     </dgm:fillClrLst>
     <dgm:linClrLst meth="repeat">
-      <a:schemeClr val="lt1"/>
+      <a:schemeClr val="lt1">
+        <a:shade val="80000"/>
+      </a:schemeClr>
     </dgm:linClrLst>
     <dgm:effectClrLst/>
     <dgm:txLinClrLst/>
@@ -376,10 +390,12 @@
   </dgm:styleLbl>
   <dgm:styleLbl name="asst1">
     <dgm:fillClrLst meth="repeat">
-      <a:schemeClr val="accent1"/>
+      <a:schemeClr val="accent3"/>
     </dgm:fillClrLst>
     <dgm:linClrLst meth="repeat">
-      <a:schemeClr val="lt1"/>
+      <a:schemeClr val="lt1">
+        <a:shade val="80000"/>
+      </a:schemeClr>
     </dgm:linClrLst>
     <dgm:effectClrLst/>
     <dgm:txLinClrLst/>
@@ -387,8 +403,8 @@
     <dgm:txEffectClrLst/>
   </dgm:styleLbl>
   <dgm:styleLbl name="asst2">
-    <dgm:fillClrLst meth="repeat">
-      <a:schemeClr val="accent1"/>
+    <dgm:fillClrLst>
+      <a:schemeClr val="accent4"/>
     </dgm:fillClrLst>
     <dgm:linClrLst meth="repeat">
       <a:schemeClr val="lt1"/>
@@ -399,8 +415,8 @@
     <dgm:txEffectClrLst/>
   </dgm:styleLbl>
   <dgm:styleLbl name="asst3">
-    <dgm:fillClrLst meth="repeat">
-      <a:schemeClr val="accent1"/>
+    <dgm:fillClrLst>
+      <a:schemeClr val="accent5"/>
     </dgm:fillClrLst>
     <dgm:linClrLst meth="repeat">
       <a:schemeClr val="lt1"/>
@@ -411,8 +427,8 @@
     <dgm:txEffectClrLst/>
   </dgm:styleLbl>
   <dgm:styleLbl name="asst4">
-    <dgm:fillClrLst meth="repeat">
-      <a:schemeClr val="accent1"/>
+    <dgm:fillClrLst>
+      <a:schemeClr val="accent6"/>
     </dgm:fillClrLst>
     <dgm:linClrLst meth="repeat">
       <a:schemeClr val="lt1"/>
@@ -424,14 +440,10 @@
   </dgm:styleLbl>
   <dgm:styleLbl name="parChTrans2D1">
     <dgm:fillClrLst meth="repeat">
-      <a:schemeClr val="accent1">
-        <a:tint val="60000"/>
-      </a:schemeClr>
+      <a:schemeClr val="accent2"/>
     </dgm:fillClrLst>
     <dgm:linClrLst meth="repeat">
-      <a:schemeClr val="accent1">
-        <a:tint val="60000"/>
-      </a:schemeClr>
+      <a:schemeClr val="lt1"/>
     </dgm:linClrLst>
     <dgm:effectClrLst/>
     <dgm:txLinClrLst/>
@@ -442,38 +454,34 @@
   </dgm:styleLbl>
   <dgm:styleLbl name="parChTrans2D2">
     <dgm:fillClrLst meth="repeat">
-      <a:schemeClr val="accent1"/>
+      <a:schemeClr val="accent3"/>
     </dgm:fillClrLst>
     <dgm:linClrLst meth="repeat">
-      <a:schemeClr val="accent1"/>
+      <a:schemeClr val="lt1"/>
     </dgm:linClrLst>
     <dgm:effectClrLst/>
     <dgm:txLinClrLst/>
-    <dgm:txFillClrLst meth="repeat">
-      <a:schemeClr val="lt1"/>
-    </dgm:txFillClrLst>
+    <dgm:txFillClrLst/>
     <dgm:txEffectClrLst/>
   </dgm:styleLbl>
   <dgm:styleLbl name="parChTrans2D3">
     <dgm:fillClrLst meth="repeat">
-      <a:schemeClr val="accent1"/>
+      <a:schemeClr val="accent4"/>
     </dgm:fillClrLst>
     <dgm:linClrLst meth="repeat">
-      <a:schemeClr val="accent1"/>
+      <a:schemeClr val="lt1"/>
     </dgm:linClrLst>
     <dgm:effectClrLst/>
     <dgm:txLinClrLst/>
-    <dgm:txFillClrLst meth="repeat">
-      <a:schemeClr val="lt1"/>
-    </dgm:txFillClrLst>
+    <dgm:txFillClrLst/>
     <dgm:txEffectClrLst/>
   </dgm:styleLbl>
   <dgm:styleLbl name="parChTrans2D4">
     <dgm:fillClrLst meth="repeat">
-      <a:schemeClr val="accent1"/>
+      <a:schemeClr val="accent5"/>
     </dgm:fillClrLst>
     <dgm:linClrLst meth="repeat">
-      <a:schemeClr val="accent1"/>
+      <a:schemeClr val="lt1"/>
     </dgm:linClrLst>
     <dgm:effectClrLst/>
     <dgm:txLinClrLst/>
@@ -484,12 +492,10 @@
   </dgm:styleLbl>
   <dgm:styleLbl name="parChTrans1D1">
     <dgm:fillClrLst meth="repeat">
-      <a:schemeClr val="accent1"/>
+      <a:schemeClr val="accent2"/>
     </dgm:fillClrLst>
     <dgm:linClrLst meth="repeat">
-      <a:schemeClr val="accent1">
-        <a:shade val="60000"/>
-      </a:schemeClr>
+      <a:schemeClr val="accent2"/>
     </dgm:linClrLst>
     <dgm:effectClrLst/>
     <dgm:txLinClrLst/>
@@ -500,12 +506,12 @@
   </dgm:styleLbl>
   <dgm:styleLbl name="parChTrans1D2">
     <dgm:fillClrLst meth="repeat">
-      <a:schemeClr val="accent1"/>
+      <a:schemeClr val="accent2">
+        <a:tint val="90000"/>
+      </a:schemeClr>
     </dgm:fillClrLst>
     <dgm:linClrLst meth="repeat">
-      <a:schemeClr val="accent1">
-        <a:shade val="60000"/>
-      </a:schemeClr>
+      <a:schemeClr val="accent3"/>
     </dgm:linClrLst>
     <dgm:effectClrLst/>
     <dgm:txLinClrLst/>
@@ -516,12 +522,12 @@
   </dgm:styleLbl>
   <dgm:styleLbl name="parChTrans1D3">
     <dgm:fillClrLst meth="repeat">
-      <a:schemeClr val="accent1"/>
+      <a:schemeClr val="accent2">
+        <a:tint val="70000"/>
+      </a:schemeClr>
     </dgm:fillClrLst>
     <dgm:linClrLst meth="repeat">
-      <a:schemeClr val="accent1">
-        <a:shade val="80000"/>
-      </a:schemeClr>
+      <a:schemeClr val="accent4"/>
     </dgm:linClrLst>
     <dgm:effectClrLst/>
     <dgm:txLinClrLst/>
@@ -532,12 +538,12 @@
   </dgm:styleLbl>
   <dgm:styleLbl name="parChTrans1D4">
     <dgm:fillClrLst meth="repeat">
-      <a:schemeClr val="accent1"/>
+      <a:schemeClr val="accent2">
+        <a:tint val="50000"/>
+      </a:schemeClr>
     </dgm:fillClrLst>
     <dgm:linClrLst meth="repeat">
-      <a:schemeClr val="accent1">
-        <a:shade val="80000"/>
-      </a:schemeClr>
+      <a:schemeClr val="accent5"/>
     </dgm:linClrLst>
     <dgm:effectClrLst/>
     <dgm:txLinClrLst/>
@@ -552,8 +558,9 @@
         <a:alpha val="90000"/>
       </a:schemeClr>
     </dgm:fillClrLst>
-    <dgm:linClrLst meth="repeat">
-      <a:schemeClr val="accent1"/>
+    <dgm:linClrLst>
+      <a:schemeClr val="accent2"/>
+      <a:schemeClr val="accent3"/>
     </dgm:linClrLst>
     <dgm:effectClrLst/>
     <dgm:txLinClrLst/>
@@ -568,8 +575,9 @@
         <a:alpha val="90000"/>
       </a:schemeClr>
     </dgm:fillClrLst>
-    <dgm:linClrLst meth="repeat">
-      <a:schemeClr val="accent1"/>
+    <dgm:linClrLst>
+      <a:schemeClr val="accent2"/>
+      <a:schemeClr val="accent3"/>
     </dgm:linClrLst>
     <dgm:effectClrLst/>
     <dgm:txLinClrLst/>
@@ -584,8 +592,9 @@
         <a:alpha val="90000"/>
       </a:schemeClr>
     </dgm:fillClrLst>
-    <dgm:linClrLst meth="repeat">
-      <a:schemeClr val="accent1"/>
+    <dgm:linClrLst>
+      <a:schemeClr val="accent2"/>
+      <a:schemeClr val="accent3"/>
     </dgm:linClrLst>
     <dgm:effectClrLst/>
     <dgm:txLinClrLst/>
@@ -601,7 +610,7 @@
       </a:schemeClr>
     </dgm:fillClrLst>
     <dgm:linClrLst meth="repeat">
-      <a:schemeClr val="accent1"/>
+      <a:schemeClr val="accent2"/>
     </dgm:linClrLst>
     <dgm:effectClrLst/>
     <dgm:txLinClrLst/>
@@ -616,8 +625,9 @@
         <a:alpha val="90000"/>
       </a:schemeClr>
     </dgm:fillClrLst>
-    <dgm:linClrLst meth="repeat">
-      <a:schemeClr val="accent1"/>
+    <dgm:linClrLst>
+      <a:schemeClr val="accent2"/>
+      <a:schemeClr val="accent3"/>
     </dgm:linClrLst>
     <dgm:effectClrLst/>
     <dgm:txLinClrLst/>
@@ -630,8 +640,9 @@
     <dgm:fillClrLst meth="repeat">
       <a:schemeClr val="lt1"/>
     </dgm:fillClrLst>
-    <dgm:linClrLst meth="repeat">
-      <a:schemeClr val="accent1"/>
+    <dgm:linClrLst>
+      <a:schemeClr val="accent2"/>
+      <a:schemeClr val="accent3"/>
     </dgm:linClrLst>
     <dgm:effectClrLst/>
     <dgm:txLinClrLst/>
@@ -644,8 +655,9 @@
     <dgm:fillClrLst meth="repeat">
       <a:schemeClr val="lt1"/>
     </dgm:fillClrLst>
-    <dgm:linClrLst meth="repeat">
-      <a:schemeClr val="accent1"/>
+    <dgm:linClrLst>
+      <a:schemeClr val="accent2"/>
+      <a:schemeClr val="accent3"/>
     </dgm:linClrLst>
     <dgm:effectClrLst/>
     <dgm:txLinClrLst/>
@@ -658,8 +670,9 @@
     <dgm:fillClrLst meth="repeat">
       <a:schemeClr val="lt1"/>
     </dgm:fillClrLst>
-    <dgm:linClrLst meth="repeat">
-      <a:schemeClr val="accent1"/>
+    <dgm:linClrLst>
+      <a:schemeClr val="accent2"/>
+      <a:schemeClr val="accent3"/>
     </dgm:linClrLst>
     <dgm:effectClrLst/>
     <dgm:txLinClrLst/>
@@ -669,16 +682,24 @@
     <dgm:txEffectClrLst/>
   </dgm:styleLbl>
   <dgm:styleLbl name="fgAccFollowNode1">
-    <dgm:fillClrLst meth="repeat">
-      <a:schemeClr val="accent1">
+    <dgm:fillClrLst>
+      <a:schemeClr val="accent2">
+        <a:tint val="40000"/>
         <a:alpha val="90000"/>
+      </a:schemeClr>
+      <a:schemeClr val="accent3">
         <a:tint val="40000"/>
+        <a:alpha val="90000"/>
       </a:schemeClr>
     </dgm:fillClrLst>
-    <dgm:linClrLst meth="repeat">
-      <a:schemeClr val="accent1">
+    <dgm:linClrLst>
+      <a:schemeClr val="accent2">
+        <a:tint val="40000"/>
         <a:alpha val="90000"/>
+      </a:schemeClr>
+      <a:schemeClr val="accent3">
         <a:tint val="40000"/>
+        <a:alpha val="90000"/>
       </a:schemeClr>
     </dgm:linClrLst>
     <dgm:effectClrLst/>
@@ -689,16 +710,24 @@
     <dgm:txEffectClrLst/>
   </dgm:styleLbl>
   <dgm:styleLbl name="alignAccFollowNode1">
-    <dgm:fillClrLst meth="repeat">
-      <a:schemeClr val="accent1">
+    <dgm:fillClrLst>
+      <a:schemeClr val="accent2">
+        <a:tint val="40000"/>
         <a:alpha val="90000"/>
+      </a:schemeClr>
+      <a:schemeClr val="accent3">
         <a:tint val="40000"/>
+        <a:alpha val="90000"/>
       </a:schemeClr>
     </dgm:fillClrLst>
-    <dgm:linClrLst meth="repeat">
-      <a:schemeClr val="accent1">
+    <dgm:linClrLst>
+      <a:schemeClr val="accent2">
+        <a:tint val="40000"/>
         <a:alpha val="90000"/>
+      </a:schemeClr>
+      <a:schemeClr val="accent3">
         <a:tint val="40000"/>
+        <a:alpha val="90000"/>
       </a:schemeClr>
     </dgm:linClrLst>
     <dgm:effectClrLst/>
@@ -709,16 +738,24 @@
     <dgm:txEffectClrLst/>
   </dgm:styleLbl>
   <dgm:styleLbl name="bgAccFollowNode1">
-    <dgm:fillClrLst meth="repeat">
-      <a:schemeClr val="accent1">
+    <dgm:fillClrLst>
+      <a:schemeClr val="accent2">
+        <a:tint val="40000"/>
         <a:alpha val="90000"/>
+      </a:schemeClr>
+      <a:schemeClr val="accent3">
         <a:tint val="40000"/>
+        <a:alpha val="90000"/>
       </a:schemeClr>
     </dgm:fillClrLst>
-    <dgm:linClrLst meth="repeat">
-      <a:schemeClr val="accent1">
+    <dgm:linClrLst>
+      <a:schemeClr val="accent2">
+        <a:tint val="40000"/>
         <a:alpha val="90000"/>
+      </a:schemeClr>
+      <a:schemeClr val="accent3">
         <a:tint val="40000"/>
+        <a:alpha val="90000"/>
       </a:schemeClr>
     </dgm:linClrLst>
     <dgm:effectClrLst/>
@@ -734,7 +771,7 @@
         <a:alpha val="90000"/>
       </a:schemeClr>
     </dgm:fillClrLst>
-    <dgm:linClrLst meth="repeat">
+    <dgm:linClrLst>
       <a:schemeClr val="accent1"/>
     </dgm:linClrLst>
     <dgm:effectClrLst/>
@@ -750,8 +787,8 @@
         <a:alpha val="90000"/>
       </a:schemeClr>
     </dgm:fillClrLst>
-    <dgm:linClrLst meth="repeat">
-      <a:schemeClr val="accent1"/>
+    <dgm:linClrLst>
+      <a:schemeClr val="accent3"/>
     </dgm:linClrLst>
     <dgm:effectClrLst/>
     <dgm:txLinClrLst/>
@@ -766,8 +803,8 @@
         <a:alpha val="90000"/>
       </a:schemeClr>
     </dgm:fillClrLst>
-    <dgm:linClrLst meth="repeat">
-      <a:schemeClr val="accent1"/>
+    <dgm:linClrLst>
+      <a:schemeClr val="accent4"/>
     </dgm:linClrLst>
     <dgm:effectClrLst/>
     <dgm:txLinClrLst/>
@@ -782,8 +819,8 @@
         <a:alpha val="90000"/>
       </a:schemeClr>
     </dgm:fillClrLst>
-    <dgm:linClrLst meth="repeat">
-      <a:schemeClr val="accent1"/>
+    <dgm:linClrLst>
+      <a:schemeClr val="accent5"/>
     </dgm:linClrLst>
     <dgm:effectClrLst/>
     <dgm:txLinClrLst/>
@@ -794,12 +831,12 @@
   </dgm:styleLbl>
   <dgm:styleLbl name="bgShp">
     <dgm:fillClrLst meth="repeat">
-      <a:schemeClr val="accent1">
+      <a:schemeClr val="accent2">
         <a:tint val="40000"/>
       </a:schemeClr>
     </dgm:fillClrLst>
     <dgm:linClrLst meth="repeat">
-      <a:schemeClr val="accent1"/>
+      <a:schemeClr val="dk1"/>
     </dgm:linClrLst>
     <dgm:effectClrLst/>
     <dgm:txLinClrLst/>
@@ -810,12 +847,12 @@
   </dgm:styleLbl>
   <dgm:styleLbl name="dkBgShp">
     <dgm:fillClrLst meth="repeat">
-      <a:schemeClr val="accent1">
-        <a:shade val="80000"/>
+      <a:schemeClr val="accent2">
+        <a:shade val="90000"/>
       </a:schemeClr>
     </dgm:fillClrLst>
     <dgm:linClrLst meth="repeat">
-      <a:schemeClr val="accent1"/>
+      <a:schemeClr val="dk1"/>
     </dgm:linClrLst>
     <dgm:effectClrLst/>
     <dgm:txLinClrLst/>
@@ -826,13 +863,13 @@
   </dgm:styleLbl>
   <dgm:styleLbl name="trBgShp">
     <dgm:fillClrLst meth="repeat">
-      <a:schemeClr val="accent1">
+      <a:schemeClr val="accent2">
         <a:tint val="50000"/>
         <a:alpha val="40000"/>
       </a:schemeClr>
     </dgm:fillClrLst>
     <dgm:linClrLst meth="repeat">
-      <a:schemeClr val="accent1"/>
+      <a:schemeClr val="accent2"/>
     </dgm:linClrLst>
     <dgm:effectClrLst/>
     <dgm:txLinClrLst/>
@@ -843,8 +880,8 @@
   </dgm:styleLbl>
   <dgm:styleLbl name="fgShp">
     <dgm:fillClrLst meth="repeat">
-      <a:schemeClr val="accent1">
-        <a:tint val="60000"/>
+      <a:schemeClr val="accent2">
+        <a:tint val="40000"/>
       </a:schemeClr>
     </dgm:fillClrLst>
     <dgm:linClrLst meth="repeat">
@@ -882,7 +919,7 @@
 <dgm:dataModel xmlns:dgm="http://schemas.openxmlformats.org/drawingml/2006/diagram" xmlns:a="http://schemas.openxmlformats.org/drawingml/2006/main">
   <dgm:ptLst>
     <dgm:pt modelId="{9491D175-BD86-4614-9BCA-71C625556B3E}" type="doc">
-      <dgm:prSet loTypeId="urn:microsoft.com/office/officeart/2005/8/layout/vProcess5" loCatId="process" qsTypeId="urn:microsoft.com/office/officeart/2005/8/quickstyle/simple1" qsCatId="simple" csTypeId="urn:microsoft.com/office/officeart/2005/8/colors/accent1_2" csCatId="accent1" phldr="1"/>
+      <dgm:prSet loTypeId="urn:microsoft.com/office/officeart/2005/8/layout/vProcess5" loCatId="process" qsTypeId="urn:microsoft.com/office/officeart/2005/8/quickstyle/simple1" qsCatId="simple" csTypeId="urn:microsoft.com/office/officeart/2005/8/colors/colorful2" csCatId="colorful" phldr="1"/>
       <dgm:spPr/>
       <dgm:t>
         <a:bodyPr/>
@@ -1003,7 +1040,7 @@
         </a:p>
       </dgm:t>
     </dgm:pt>
-    <dgm:pt modelId="{D9C446C2-BBD6-4D0C-90FB-FF1C7D0FD9C7}" type="pres">
+    <dgm:pt modelId="{C3FAEAA5-965B-43D7-81CC-789FE4E9417C}" type="pres">
       <dgm:prSet presAssocID="{9491D175-BD86-4614-9BCA-71C625556B3E}" presName="outerComposite" presStyleCnt="0">
         <dgm:presLayoutVars>
           <dgm:chMax val="5"/>
@@ -1013,53 +1050,53 @@
       </dgm:prSet>
       <dgm:spPr/>
     </dgm:pt>
-    <dgm:pt modelId="{1CA13671-A12A-4074-A36E-79104A7B1550}" type="pres">
+    <dgm:pt modelId="{BAEFEDD1-1E08-4A55-A380-2859F908E30B}" type="pres">
       <dgm:prSet presAssocID="{9491D175-BD86-4614-9BCA-71C625556B3E}" presName="dummyMaxCanvas" presStyleCnt="0">
         <dgm:presLayoutVars/>
       </dgm:prSet>
       <dgm:spPr/>
     </dgm:pt>
-    <dgm:pt modelId="{FEDE0BBA-5111-4D33-9271-2E01EF765EC5}" type="pres">
-      <dgm:prSet presAssocID="{9491D175-BD86-4614-9BCA-71C625556B3E}" presName="ThreeNodes_1" presStyleLbl="node1" presStyleIdx="0" presStyleCnt="3" custScaleX="82883" custScaleY="66976">
+    <dgm:pt modelId="{5D6C0024-414A-4E5B-ACC6-4C6FA698B726}" type="pres">
+      <dgm:prSet presAssocID="{9491D175-BD86-4614-9BCA-71C625556B3E}" presName="ThreeNodes_1" presStyleLbl="node1" presStyleIdx="0" presStyleCnt="3">
         <dgm:presLayoutVars>
           <dgm:bulletEnabled val="1"/>
         </dgm:presLayoutVars>
       </dgm:prSet>
       <dgm:spPr/>
     </dgm:pt>
-    <dgm:pt modelId="{0A9BABAD-5F84-4745-9E75-6C3C25FF2AE7}" type="pres">
-      <dgm:prSet presAssocID="{9491D175-BD86-4614-9BCA-71C625556B3E}" presName="ThreeNodes_2" presStyleLbl="node1" presStyleIdx="1" presStyleCnt="3" custScaleX="81545" custScaleY="63073" custLinFactNeighborX="0" custLinFactNeighborY="2019">
+    <dgm:pt modelId="{93EC00D5-8DE8-43E6-8844-F16CE1B5AF43}" type="pres">
+      <dgm:prSet presAssocID="{9491D175-BD86-4614-9BCA-71C625556B3E}" presName="ThreeNodes_2" presStyleLbl="node1" presStyleIdx="1" presStyleCnt="3">
         <dgm:presLayoutVars>
           <dgm:bulletEnabled val="1"/>
         </dgm:presLayoutVars>
       </dgm:prSet>
       <dgm:spPr/>
     </dgm:pt>
-    <dgm:pt modelId="{972AC1B0-645A-47D9-B9EA-A174560AA8CC}" type="pres">
-      <dgm:prSet presAssocID="{9491D175-BD86-4614-9BCA-71C625556B3E}" presName="ThreeNodes_3" presStyleLbl="node1" presStyleIdx="2" presStyleCnt="3" custScaleX="90289" custScaleY="59626" custLinFactNeighborX="890" custLinFactNeighborY="5047">
+    <dgm:pt modelId="{83AF8C01-CF9D-4838-A998-9C2C2C655300}" type="pres">
+      <dgm:prSet presAssocID="{9491D175-BD86-4614-9BCA-71C625556B3E}" presName="ThreeNodes_3" presStyleLbl="node1" presStyleIdx="2" presStyleCnt="3">
         <dgm:presLayoutVars>
           <dgm:bulletEnabled val="1"/>
         </dgm:presLayoutVars>
       </dgm:prSet>
       <dgm:spPr/>
     </dgm:pt>
-    <dgm:pt modelId="{02F4AAE3-2B9B-410E-976B-74F2A1F4AF30}" type="pres">
-      <dgm:prSet presAssocID="{9491D175-BD86-4614-9BCA-71C625556B3E}" presName="ThreeConn_1-2" presStyleLbl="fgAccFollowNode1" presStyleIdx="0" presStyleCnt="2" custScaleX="100854" custScaleY="83581" custLinFactX="-181272" custLinFactNeighborX="-200000" custLinFactNeighborY="1553">
+    <dgm:pt modelId="{1EC4FBD8-DEBE-43EF-81BB-DCFB8EDFC904}" type="pres">
+      <dgm:prSet presAssocID="{9491D175-BD86-4614-9BCA-71C625556B3E}" presName="ThreeConn_1-2" presStyleLbl="fgAccFollowNode1" presStyleIdx="0" presStyleCnt="2">
         <dgm:presLayoutVars>
           <dgm:bulletEnabled val="1"/>
         </dgm:presLayoutVars>
       </dgm:prSet>
       <dgm:spPr/>
     </dgm:pt>
-    <dgm:pt modelId="{E0DCB3AF-3FF1-460D-9536-1DA21ED7DF29}" type="pres">
-      <dgm:prSet presAssocID="{9491D175-BD86-4614-9BCA-71C625556B3E}" presName="ThreeConn_2-3" presStyleLbl="fgAccFollowNode1" presStyleIdx="1" presStyleCnt="2" custScaleX="86839" custScaleY="90030" custLinFactX="-100000" custLinFactNeighborX="-195046" custLinFactNeighborY="7765">
+    <dgm:pt modelId="{B092800C-255A-4DE3-A79F-104279910D4D}" type="pres">
+      <dgm:prSet presAssocID="{9491D175-BD86-4614-9BCA-71C625556B3E}" presName="ThreeConn_2-3" presStyleLbl="fgAccFollowNode1" presStyleIdx="1" presStyleCnt="2">
         <dgm:presLayoutVars>
           <dgm:bulletEnabled val="1"/>
         </dgm:presLayoutVars>
       </dgm:prSet>
       <dgm:spPr/>
     </dgm:pt>
-    <dgm:pt modelId="{F1FBCBAE-9CF8-476F-B533-B9EDA498B98D}" type="pres">
+    <dgm:pt modelId="{53BBB65E-60EF-47C3-9440-BC960DD1E059}" type="pres">
       <dgm:prSet presAssocID="{9491D175-BD86-4614-9BCA-71C625556B3E}" presName="ThreeNodes_1_text" presStyleLbl="node1" presStyleIdx="2" presStyleCnt="3">
         <dgm:presLayoutVars>
           <dgm:bulletEnabled val="1"/>
@@ -1067,7 +1104,7 @@
       </dgm:prSet>
       <dgm:spPr/>
     </dgm:pt>
-    <dgm:pt modelId="{87A6D876-602E-4663-93AA-AC8BB9F1C6B1}" type="pres">
+    <dgm:pt modelId="{DB50FB72-1259-4642-A78D-78658C9C3051}" type="pres">
       <dgm:prSet presAssocID="{9491D175-BD86-4614-9BCA-71C625556B3E}" presName="ThreeNodes_2_text" presStyleLbl="node1" presStyleIdx="2" presStyleCnt="3">
         <dgm:presLayoutVars>
           <dgm:bulletEnabled val="1"/>
@@ -1075,7 +1112,7 @@
       </dgm:prSet>
       <dgm:spPr/>
     </dgm:pt>
-    <dgm:pt modelId="{41DA9723-47A2-4714-B5B9-2A3EFE97121F}" type="pres">
+    <dgm:pt modelId="{DF888B46-212A-438C-8C85-98B08BBFA76D}" type="pres">
       <dgm:prSet presAssocID="{9491D175-BD86-4614-9BCA-71C625556B3E}" presName="ThreeNodes_3_text" presStyleLbl="node1" presStyleIdx="2" presStyleCnt="3">
         <dgm:presLayoutVars>
           <dgm:bulletEnabled val="1"/>
@@ -1085,27 +1122,27 @@
     </dgm:pt>
   </dgm:ptLst>
   <dgm:cxnLst>
-    <dgm:cxn modelId="{3AAE4917-AB66-42D2-9AD4-31C12B26C3B1}" type="presOf" srcId="{956A9065-D252-45D1-92B0-ABD5626DBC1C}" destId="{FEDE0BBA-5111-4D33-9271-2E01EF765EC5}" srcOrd="0" destOrd="0" presId="urn:microsoft.com/office/officeart/2005/8/layout/vProcess5"/>
-    <dgm:cxn modelId="{6FF3FD1A-A77F-4C06-A042-582845D9277E}" type="presOf" srcId="{7DE4E07E-D15C-4580-B9A7-A835E1310B9E}" destId="{E0DCB3AF-3FF1-460D-9536-1DA21ED7DF29}" srcOrd="0" destOrd="0" presId="urn:microsoft.com/office/officeart/2005/8/layout/vProcess5"/>
-    <dgm:cxn modelId="{0C0A8A1C-1409-43B2-AAA8-16AAC72B963A}" type="presOf" srcId="{E723CE57-527D-49EF-8D77-B86EE97098C9}" destId="{0A9BABAD-5F84-4745-9E75-6C3C25FF2AE7}" srcOrd="0" destOrd="0" presId="urn:microsoft.com/office/officeart/2005/8/layout/vProcess5"/>
-    <dgm:cxn modelId="{C0E33237-8331-408D-9225-3EEFC31F771E}" type="presOf" srcId="{E4287D9D-181D-49D2-B608-0AC5A2CCC128}" destId="{41DA9723-47A2-4714-B5B9-2A3EFE97121F}" srcOrd="1" destOrd="0" presId="urn:microsoft.com/office/officeart/2005/8/layout/vProcess5"/>
-    <dgm:cxn modelId="{2F8E855F-32B4-413F-9707-BB021ABADE92}" type="presOf" srcId="{1BE10274-5072-4E51-B5E4-0D6C140CD3FB}" destId="{02F4AAE3-2B9B-410E-976B-74F2A1F4AF30}" srcOrd="0" destOrd="0" presId="urn:microsoft.com/office/officeart/2005/8/layout/vProcess5"/>
+    <dgm:cxn modelId="{202E6209-B7CE-41CC-8869-94BCF06F9DE6}" type="presOf" srcId="{7DE4E07E-D15C-4580-B9A7-A835E1310B9E}" destId="{B092800C-255A-4DE3-A79F-104279910D4D}" srcOrd="0" destOrd="0" presId="urn:microsoft.com/office/officeart/2005/8/layout/vProcess5"/>
+    <dgm:cxn modelId="{18F7DA21-7E27-4A37-8458-2D61CF67C01E}" type="presOf" srcId="{E723CE57-527D-49EF-8D77-B86EE97098C9}" destId="{93EC00D5-8DE8-43E6-8844-F16CE1B5AF43}" srcOrd="0" destOrd="0" presId="urn:microsoft.com/office/officeart/2005/8/layout/vProcess5"/>
+    <dgm:cxn modelId="{CDE77428-0766-417E-A42E-08EC7E69FCDC}" type="presOf" srcId="{E4287D9D-181D-49D2-B608-0AC5A2CCC128}" destId="{DF888B46-212A-438C-8C85-98B08BBFA76D}" srcOrd="1" destOrd="0" presId="urn:microsoft.com/office/officeart/2005/8/layout/vProcess5"/>
+    <dgm:cxn modelId="{EA233F34-B687-43CA-9C15-45997303BF9D}" type="presOf" srcId="{E723CE57-527D-49EF-8D77-B86EE97098C9}" destId="{DB50FB72-1259-4642-A78D-78658C9C3051}" srcOrd="1" destOrd="0" presId="urn:microsoft.com/office/officeart/2005/8/layout/vProcess5"/>
     <dgm:cxn modelId="{77491065-24B3-4DEA-ADEE-3F99822928A7}" srcId="{9491D175-BD86-4614-9BCA-71C625556B3E}" destId="{E723CE57-527D-49EF-8D77-B86EE97098C9}" srcOrd="1" destOrd="0" parTransId="{46D3CAA4-1348-41E5-80F1-6C6776A54C27}" sibTransId="{7DE4E07E-D15C-4580-B9A7-A835E1310B9E}"/>
-    <dgm:cxn modelId="{8ED4156A-283A-4A9A-AB5D-79F7E7D0A3AB}" type="presOf" srcId="{E723CE57-527D-49EF-8D77-B86EE97098C9}" destId="{87A6D876-602E-4663-93AA-AC8BB9F1C6B1}" srcOrd="1" destOrd="0" presId="urn:microsoft.com/office/officeart/2005/8/layout/vProcess5"/>
     <dgm:cxn modelId="{E399DF4D-2AE0-4291-AAB3-19FB0D448864}" srcId="{9491D175-BD86-4614-9BCA-71C625556B3E}" destId="{956A9065-D252-45D1-92B0-ABD5626DBC1C}" srcOrd="0" destOrd="0" parTransId="{5DFF339F-CA11-466C-9F63-EFDBC9B4965B}" sibTransId="{1BE10274-5072-4E51-B5E4-0D6C140CD3FB}"/>
-    <dgm:cxn modelId="{5B802496-8B60-49ED-BF4B-D6A510F6EC3F}" type="presOf" srcId="{9491D175-BD86-4614-9BCA-71C625556B3E}" destId="{D9C446C2-BBD6-4D0C-90FB-FF1C7D0FD9C7}" srcOrd="0" destOrd="0" presId="urn:microsoft.com/office/officeart/2005/8/layout/vProcess5"/>
-    <dgm:cxn modelId="{850DBDCB-F6F9-4F5B-B8E5-46D52367BEA2}" type="presOf" srcId="{E4287D9D-181D-49D2-B608-0AC5A2CCC128}" destId="{972AC1B0-645A-47D9-B9EA-A174560AA8CC}" srcOrd="0" destOrd="0" presId="urn:microsoft.com/office/officeart/2005/8/layout/vProcess5"/>
+    <dgm:cxn modelId="{B8B57D93-C259-4989-9BAE-E805AB7F96AF}" type="presOf" srcId="{E4287D9D-181D-49D2-B608-0AC5A2CCC128}" destId="{83AF8C01-CF9D-4838-A998-9C2C2C655300}" srcOrd="0" destOrd="0" presId="urn:microsoft.com/office/officeart/2005/8/layout/vProcess5"/>
+    <dgm:cxn modelId="{BE88E6A7-7FED-4AAA-9620-E7DD55103F40}" type="presOf" srcId="{956A9065-D252-45D1-92B0-ABD5626DBC1C}" destId="{5D6C0024-414A-4E5B-ACC6-4C6FA698B726}" srcOrd="0" destOrd="0" presId="urn:microsoft.com/office/officeart/2005/8/layout/vProcess5"/>
+    <dgm:cxn modelId="{8E5B37E3-1C11-45CE-8256-24CD5464257B}" type="presOf" srcId="{956A9065-D252-45D1-92B0-ABD5626DBC1C}" destId="{53BBB65E-60EF-47C3-9440-BC960DD1E059}" srcOrd="1" destOrd="0" presId="urn:microsoft.com/office/officeart/2005/8/layout/vProcess5"/>
+    <dgm:cxn modelId="{E8D8D1E9-6976-4BAD-B54C-36184A166233}" type="presOf" srcId="{9491D175-BD86-4614-9BCA-71C625556B3E}" destId="{C3FAEAA5-965B-43D7-81CC-789FE4E9417C}" srcOrd="0" destOrd="0" presId="urn:microsoft.com/office/officeart/2005/8/layout/vProcess5"/>
     <dgm:cxn modelId="{2E8687EF-F5C2-42C5-8700-01F0E34D59BC}" srcId="{9491D175-BD86-4614-9BCA-71C625556B3E}" destId="{E4287D9D-181D-49D2-B608-0AC5A2CCC128}" srcOrd="2" destOrd="0" parTransId="{EA1A0BE9-4D3B-4050-8461-8640155D68ED}" sibTransId="{27857125-4877-488F-941E-F2FA05380B15}"/>
-    <dgm:cxn modelId="{A65FB9F0-298D-4721-A79B-4EEC2C1B0D97}" type="presOf" srcId="{956A9065-D252-45D1-92B0-ABD5626DBC1C}" destId="{F1FBCBAE-9CF8-476F-B533-B9EDA498B98D}" srcOrd="1" destOrd="0" presId="urn:microsoft.com/office/officeart/2005/8/layout/vProcess5"/>
-    <dgm:cxn modelId="{36E09C53-C279-428B-9B03-39CF37607783}" type="presParOf" srcId="{D9C446C2-BBD6-4D0C-90FB-FF1C7D0FD9C7}" destId="{1CA13671-A12A-4074-A36E-79104A7B1550}" srcOrd="0" destOrd="0" presId="urn:microsoft.com/office/officeart/2005/8/layout/vProcess5"/>
-    <dgm:cxn modelId="{2A7DC370-21D1-486A-A039-9E526AAB5554}" type="presParOf" srcId="{D9C446C2-BBD6-4D0C-90FB-FF1C7D0FD9C7}" destId="{FEDE0BBA-5111-4D33-9271-2E01EF765EC5}" srcOrd="1" destOrd="0" presId="urn:microsoft.com/office/officeart/2005/8/layout/vProcess5"/>
-    <dgm:cxn modelId="{B9CB8BB8-C054-4C83-9639-383A3714A8B6}" type="presParOf" srcId="{D9C446C2-BBD6-4D0C-90FB-FF1C7D0FD9C7}" destId="{0A9BABAD-5F84-4745-9E75-6C3C25FF2AE7}" srcOrd="2" destOrd="0" presId="urn:microsoft.com/office/officeart/2005/8/layout/vProcess5"/>
-    <dgm:cxn modelId="{514A5063-EDE3-4099-A9F7-DF33C0486B24}" type="presParOf" srcId="{D9C446C2-BBD6-4D0C-90FB-FF1C7D0FD9C7}" destId="{972AC1B0-645A-47D9-B9EA-A174560AA8CC}" srcOrd="3" destOrd="0" presId="urn:microsoft.com/office/officeart/2005/8/layout/vProcess5"/>
-    <dgm:cxn modelId="{038979C2-6EA5-4E8F-97DE-F5AB2EB770A6}" type="presParOf" srcId="{D9C446C2-BBD6-4D0C-90FB-FF1C7D0FD9C7}" destId="{02F4AAE3-2B9B-410E-976B-74F2A1F4AF30}" srcOrd="4" destOrd="0" presId="urn:microsoft.com/office/officeart/2005/8/layout/vProcess5"/>
-    <dgm:cxn modelId="{AE1474D6-1349-4401-B5ED-6E125426E5EF}" type="presParOf" srcId="{D9C446C2-BBD6-4D0C-90FB-FF1C7D0FD9C7}" destId="{E0DCB3AF-3FF1-460D-9536-1DA21ED7DF29}" srcOrd="5" destOrd="0" presId="urn:microsoft.com/office/officeart/2005/8/layout/vProcess5"/>
-    <dgm:cxn modelId="{D6E8234B-B126-4602-A544-34ED2512F7C7}" type="presParOf" srcId="{D9C446C2-BBD6-4D0C-90FB-FF1C7D0FD9C7}" destId="{F1FBCBAE-9CF8-476F-B533-B9EDA498B98D}" srcOrd="6" destOrd="0" presId="urn:microsoft.com/office/officeart/2005/8/layout/vProcess5"/>
-    <dgm:cxn modelId="{74CA354B-FD26-428C-A5BB-7AE2F15C7C30}" type="presParOf" srcId="{D9C446C2-BBD6-4D0C-90FB-FF1C7D0FD9C7}" destId="{87A6D876-602E-4663-93AA-AC8BB9F1C6B1}" srcOrd="7" destOrd="0" presId="urn:microsoft.com/office/officeart/2005/8/layout/vProcess5"/>
-    <dgm:cxn modelId="{C58108B7-ED45-4E29-ABEB-8AF6D8F5993B}" type="presParOf" srcId="{D9C446C2-BBD6-4D0C-90FB-FF1C7D0FD9C7}" destId="{41DA9723-47A2-4714-B5B9-2A3EFE97121F}" srcOrd="8" destOrd="0" presId="urn:microsoft.com/office/officeart/2005/8/layout/vProcess5"/>
+    <dgm:cxn modelId="{201196F6-91DD-48B6-B2E1-CBF90BB3FF31}" type="presOf" srcId="{1BE10274-5072-4E51-B5E4-0D6C140CD3FB}" destId="{1EC4FBD8-DEBE-43EF-81BB-DCFB8EDFC904}" srcOrd="0" destOrd="0" presId="urn:microsoft.com/office/officeart/2005/8/layout/vProcess5"/>
+    <dgm:cxn modelId="{B6D8B260-4788-4D4E-BA3E-F803423D69B0}" type="presParOf" srcId="{C3FAEAA5-965B-43D7-81CC-789FE4E9417C}" destId="{BAEFEDD1-1E08-4A55-A380-2859F908E30B}" srcOrd="0" destOrd="0" presId="urn:microsoft.com/office/officeart/2005/8/layout/vProcess5"/>
+    <dgm:cxn modelId="{680C62AF-DFBD-4B06-9CD7-623A791AC318}" type="presParOf" srcId="{C3FAEAA5-965B-43D7-81CC-789FE4E9417C}" destId="{5D6C0024-414A-4E5B-ACC6-4C6FA698B726}" srcOrd="1" destOrd="0" presId="urn:microsoft.com/office/officeart/2005/8/layout/vProcess5"/>
+    <dgm:cxn modelId="{EF29DE48-1297-41A4-9050-710EB70376C6}" type="presParOf" srcId="{C3FAEAA5-965B-43D7-81CC-789FE4E9417C}" destId="{93EC00D5-8DE8-43E6-8844-F16CE1B5AF43}" srcOrd="2" destOrd="0" presId="urn:microsoft.com/office/officeart/2005/8/layout/vProcess5"/>
+    <dgm:cxn modelId="{6C39B23E-9790-400C-ADEB-F2C4AC3DB9CA}" type="presParOf" srcId="{C3FAEAA5-965B-43D7-81CC-789FE4E9417C}" destId="{83AF8C01-CF9D-4838-A998-9C2C2C655300}" srcOrd="3" destOrd="0" presId="urn:microsoft.com/office/officeart/2005/8/layout/vProcess5"/>
+    <dgm:cxn modelId="{4D270FC1-4EEA-420B-AB51-6221F0A908B4}" type="presParOf" srcId="{C3FAEAA5-965B-43D7-81CC-789FE4E9417C}" destId="{1EC4FBD8-DEBE-43EF-81BB-DCFB8EDFC904}" srcOrd="4" destOrd="0" presId="urn:microsoft.com/office/officeart/2005/8/layout/vProcess5"/>
+    <dgm:cxn modelId="{E29CCED8-6126-47C3-BFFF-398A54179E8E}" type="presParOf" srcId="{C3FAEAA5-965B-43D7-81CC-789FE4E9417C}" destId="{B092800C-255A-4DE3-A79F-104279910D4D}" srcOrd="5" destOrd="0" presId="urn:microsoft.com/office/officeart/2005/8/layout/vProcess5"/>
+    <dgm:cxn modelId="{3DA94083-0A97-4A0D-A1B2-F7914F923B89}" type="presParOf" srcId="{C3FAEAA5-965B-43D7-81CC-789FE4E9417C}" destId="{53BBB65E-60EF-47C3-9440-BC960DD1E059}" srcOrd="6" destOrd="0" presId="urn:microsoft.com/office/officeart/2005/8/layout/vProcess5"/>
+    <dgm:cxn modelId="{AE3FAFA6-E400-481B-AADF-91D66B1DF481}" type="presParOf" srcId="{C3FAEAA5-965B-43D7-81CC-789FE4E9417C}" destId="{DB50FB72-1259-4642-A78D-78658C9C3051}" srcOrd="7" destOrd="0" presId="urn:microsoft.com/office/officeart/2005/8/layout/vProcess5"/>
+    <dgm:cxn modelId="{C03C7B34-7DDE-4587-A5B3-53FD16442BEA}" type="presParOf" srcId="{C3FAEAA5-965B-43D7-81CC-789FE4E9417C}" destId="{DF888B46-212A-438C-8C85-98B08BBFA76D}" srcOrd="8" destOrd="0" presId="urn:microsoft.com/office/officeart/2005/8/layout/vProcess5"/>
   </dgm:cxnLst>
   <dgm:bg/>
   <dgm:whole/>
@@ -1125,15 +1162,15 @@
       <dsp:cNvGrpSpPr/>
     </dsp:nvGrpSpPr>
     <dsp:grpSpPr/>
-    <dsp:sp modelId="{FEDE0BBA-5111-4D33-9271-2E01EF765EC5}">
+    <dsp:sp modelId="{5D6C0024-414A-4E5B-ACC6-4C6FA698B726}">
       <dsp:nvSpPr>
         <dsp:cNvPr id="0" name=""/>
         <dsp:cNvSpPr/>
       </dsp:nvSpPr>
       <dsp:spPr>
         <a:xfrm>
-          <a:off x="764980" y="216788"/>
-          <a:ext cx="7408298" cy="879339"/>
+          <a:off x="0" y="0"/>
+          <a:ext cx="7306865" cy="1164431"/>
         </a:xfrm>
         <a:prstGeom prst="roundRect">
           <a:avLst>
@@ -1141,14 +1178,14 @@
           </a:avLst>
         </a:prstGeom>
         <a:solidFill>
-          <a:schemeClr val="accent1">
+          <a:schemeClr val="accent2">
             <a:hueOff val="0"/>
             <a:satOff val="0"/>
             <a:lumOff val="0"/>
             <a:alphaOff val="0"/>
           </a:schemeClr>
         </a:solidFill>
-        <a:ln w="12700" cap="flat" cmpd="sng" algn="ctr">
+        <a:ln w="19050" cap="rnd" cmpd="sng" algn="ctr">
           <a:solidFill>
             <a:schemeClr val="lt1">
               <a:hueOff val="0"/>
@@ -1158,7 +1195,6 @@
             </a:schemeClr>
           </a:solidFill>
           <a:prstDash val="solid"/>
-          <a:miter lim="800000"/>
         </a:ln>
         <a:effectLst/>
       </dsp:spPr>
@@ -1177,12 +1213,12 @@
         </a:fontRef>
       </dsp:style>
       <dsp:txBody>
-        <a:bodyPr spcFirstLastPara="0" vert="horz" wrap="square" lIns="87630" tIns="87630" rIns="87630" bIns="87630" numCol="1" spcCol="1270" anchor="ctr" anchorCtr="0">
+        <a:bodyPr spcFirstLastPara="0" vert="horz" wrap="square" lIns="118110" tIns="118110" rIns="118110" bIns="118110" numCol="1" spcCol="1270" anchor="ctr" anchorCtr="0">
           <a:noAutofit/>
         </a:bodyPr>
         <a:lstStyle/>
         <a:p>
-          <a:pPr marL="0" lvl="0" indent="0" algn="l" defTabSz="1022350">
+          <a:pPr marL="0" lvl="0" indent="0" algn="l" defTabSz="1377950">
             <a:lnSpc>
               <a:spcPct val="90000"/>
             </a:lnSpc>
@@ -1195,26 +1231,26 @@
             <a:buNone/>
           </a:pPr>
           <a:r>
-            <a:rPr lang="en-US" sz="2300" kern="1200"/>
+            <a:rPr lang="en-US" sz="3100" kern="1200"/>
             <a:t>Giới thiệu về CMCN 4.0	</a:t>
           </a:r>
-          <a:endParaRPr lang="vi-VN" sz="2300" kern="1200"/>
+          <a:endParaRPr lang="vi-VN" sz="3100" kern="1200"/>
         </a:p>
       </dsp:txBody>
       <dsp:txXfrm>
-        <a:off x="790735" y="242543"/>
-        <a:ext cx="6246294" cy="827829"/>
+        <a:off x="34105" y="34105"/>
+        <a:ext cx="6050353" cy="1096221"/>
       </dsp:txXfrm>
     </dsp:sp>
-    <dsp:sp modelId="{0A9BABAD-5F84-4745-9E75-6C3C25FF2AE7}">
+    <dsp:sp modelId="{93EC00D5-8DE8-43E6-8844-F16CE1B5AF43}">
       <dsp:nvSpPr>
         <dsp:cNvPr id="0" name=""/>
         <dsp:cNvSpPr/>
       </dsp:nvSpPr>
       <dsp:spPr>
         <a:xfrm>
-          <a:off x="1613447" y="1800655"/>
-          <a:ext cx="7288704" cy="828096"/>
+          <a:off x="644723" y="1358502"/>
+          <a:ext cx="7306865" cy="1164431"/>
         </a:xfrm>
         <a:prstGeom prst="roundRect">
           <a:avLst>
@@ -1222,14 +1258,14 @@
           </a:avLst>
         </a:prstGeom>
         <a:solidFill>
-          <a:schemeClr val="accent1">
-            <a:hueOff val="0"/>
-            <a:satOff val="0"/>
-            <a:lumOff val="0"/>
+          <a:schemeClr val="accent2">
+            <a:hueOff val="-1482143"/>
+            <a:satOff val="7100"/>
+            <a:lumOff val="6569"/>
             <a:alphaOff val="0"/>
           </a:schemeClr>
         </a:solidFill>
-        <a:ln w="12700" cap="flat" cmpd="sng" algn="ctr">
+        <a:ln w="19050" cap="rnd" cmpd="sng" algn="ctr">
           <a:solidFill>
             <a:schemeClr val="lt1">
               <a:hueOff val="0"/>
@@ -1239,7 +1275,6 @@
             </a:schemeClr>
           </a:solidFill>
           <a:prstDash val="solid"/>
-          <a:miter lim="800000"/>
         </a:ln>
         <a:effectLst/>
       </dsp:spPr>
@@ -1258,12 +1293,12 @@
         </a:fontRef>
       </dsp:style>
       <dsp:txBody>
-        <a:bodyPr spcFirstLastPara="0" vert="horz" wrap="square" lIns="87630" tIns="87630" rIns="87630" bIns="87630" numCol="1" spcCol="1270" anchor="ctr" anchorCtr="0">
+        <a:bodyPr spcFirstLastPara="0" vert="horz" wrap="square" lIns="118110" tIns="118110" rIns="118110" bIns="118110" numCol="1" spcCol="1270" anchor="ctr" anchorCtr="0">
           <a:noAutofit/>
         </a:bodyPr>
         <a:lstStyle/>
         <a:p>
-          <a:pPr marL="0" lvl="0" indent="0" algn="l" defTabSz="1022350">
+          <a:pPr marL="0" lvl="0" indent="0" algn="l" defTabSz="1377950">
             <a:lnSpc>
               <a:spcPct val="90000"/>
             </a:lnSpc>
@@ -1276,26 +1311,26 @@
             <a:buNone/>
           </a:pPr>
           <a:r>
-            <a:rPr lang="en-US" sz="2300" kern="1200"/>
+            <a:rPr lang="en-US" sz="3100" kern="1200"/>
             <a:t>Nguyên tắc thiết kế trong CMCN 4.0.</a:t>
           </a:r>
-          <a:endParaRPr lang="vi-VN" sz="2300" kern="1200"/>
+          <a:endParaRPr lang="vi-VN" sz="3100" kern="1200"/>
         </a:p>
       </dsp:txBody>
       <dsp:txXfrm>
-        <a:off x="1637701" y="1824909"/>
-        <a:ext cx="5901173" cy="779588"/>
+        <a:off x="678828" y="1392607"/>
+        <a:ext cx="5837051" cy="1096221"/>
       </dsp:txXfrm>
     </dsp:sp>
-    <dsp:sp modelId="{972AC1B0-645A-47D9-B9EA-A174560AA8CC}">
+    <dsp:sp modelId="{83AF8C01-CF9D-4838-A998-9C2C2C655300}">
       <dsp:nvSpPr>
         <dsp:cNvPr id="0" name=""/>
         <dsp:cNvSpPr/>
       </dsp:nvSpPr>
       <dsp:spPr>
         <a:xfrm>
-          <a:off x="2090887" y="3394776"/>
-          <a:ext cx="8070265" cy="782840"/>
+          <a:off x="1289446" y="2717005"/>
+          <a:ext cx="7306865" cy="1164431"/>
         </a:xfrm>
         <a:prstGeom prst="roundRect">
           <a:avLst>
@@ -1303,14 +1338,14 @@
           </a:avLst>
         </a:prstGeom>
         <a:solidFill>
-          <a:schemeClr val="accent1">
-            <a:hueOff val="0"/>
-            <a:satOff val="0"/>
-            <a:lumOff val="0"/>
+          <a:schemeClr val="accent2">
+            <a:hueOff val="-2964286"/>
+            <a:satOff val="14200"/>
+            <a:lumOff val="13137"/>
             <a:alphaOff val="0"/>
           </a:schemeClr>
         </a:solidFill>
-        <a:ln w="12700" cap="flat" cmpd="sng" algn="ctr">
+        <a:ln w="19050" cap="rnd" cmpd="sng" algn="ctr">
           <a:solidFill>
             <a:schemeClr val="lt1">
               <a:hueOff val="0"/>
@@ -1320,7 +1355,6 @@
             </a:schemeClr>
           </a:solidFill>
           <a:prstDash val="solid"/>
-          <a:miter lim="800000"/>
         </a:ln>
         <a:effectLst/>
       </dsp:spPr>
@@ -1339,12 +1373,12 @@
         </a:fontRef>
       </dsp:style>
       <dsp:txBody>
-        <a:bodyPr spcFirstLastPara="0" vert="horz" wrap="square" lIns="87630" tIns="87630" rIns="87630" bIns="87630" numCol="1" spcCol="1270" anchor="ctr" anchorCtr="0">
+        <a:bodyPr spcFirstLastPara="0" vert="horz" wrap="square" lIns="118110" tIns="118110" rIns="118110" bIns="118110" numCol="1" spcCol="1270" anchor="ctr" anchorCtr="0">
           <a:noAutofit/>
         </a:bodyPr>
         <a:lstStyle/>
         <a:p>
-          <a:pPr marL="0" lvl="0" indent="0" algn="l" defTabSz="1022350">
+          <a:pPr marL="0" lvl="0" indent="0" algn="l" defTabSz="1377950">
             <a:lnSpc>
               <a:spcPct val="90000"/>
             </a:lnSpc>
@@ -1357,26 +1391,26 @@
             <a:buNone/>
           </a:pPr>
           <a:r>
-            <a:rPr lang="en-US" sz="2300" kern="1200"/>
+            <a:rPr lang="en-US" sz="3100" kern="1200"/>
             <a:t>Cơ hội và thách thức của Việt Nam trong CMCN 4.0.</a:t>
           </a:r>
-          <a:endParaRPr lang="vi-VN" sz="2300" kern="1200"/>
+          <a:endParaRPr lang="vi-VN" sz="3100" kern="1200"/>
         </a:p>
       </dsp:txBody>
       <dsp:txXfrm>
-        <a:off x="2113816" y="3417705"/>
-        <a:ext cx="6541802" cy="736982"/>
+        <a:off x="1323551" y="2751110"/>
+        <a:ext cx="5837051" cy="1096221"/>
       </dsp:txXfrm>
     </dsp:sp>
-    <dsp:sp modelId="{02F4AAE3-2B9B-410E-976B-74F2A1F4AF30}">
+    <dsp:sp modelId="{1EC4FBD8-DEBE-43EF-81BB-DCFB8EDFC904}">
       <dsp:nvSpPr>
         <dsp:cNvPr id="0" name=""/>
         <dsp:cNvSpPr/>
       </dsp:nvSpPr>
       <dsp:spPr>
         <a:xfrm>
-          <a:off x="4827457" y="1078942"/>
-          <a:ext cx="860684" cy="713277"/>
+          <a:off x="6549984" y="883026"/>
+          <a:ext cx="756880" cy="756880"/>
         </a:xfrm>
         <a:prstGeom prst="downArrow">
           <a:avLst>
@@ -1385,20 +1419,20 @@
           </a:avLst>
         </a:prstGeom>
         <a:solidFill>
-          <a:schemeClr val="accent1">
+          <a:schemeClr val="accent2">
+            <a:tint val="40000"/>
             <a:alpha val="90000"/>
-            <a:tint val="40000"/>
             <a:hueOff val="0"/>
             <a:satOff val="0"/>
             <a:lumOff val="0"/>
             <a:alphaOff val="0"/>
           </a:schemeClr>
         </a:solidFill>
-        <a:ln w="12700" cap="flat" cmpd="sng" algn="ctr">
+        <a:ln w="19050" cap="rnd" cmpd="sng" algn="ctr">
           <a:solidFill>
-            <a:schemeClr val="accent1">
+            <a:schemeClr val="accent2">
+              <a:tint val="40000"/>
               <a:alpha val="90000"/>
-              <a:tint val="40000"/>
               <a:hueOff val="0"/>
               <a:satOff val="0"/>
               <a:lumOff val="0"/>
@@ -1406,87 +1440,6 @@
             </a:schemeClr>
           </a:solidFill>
           <a:prstDash val="solid"/>
-          <a:miter lim="800000"/>
-        </a:ln>
-        <a:effectLst/>
-      </dsp:spPr>
-      <dsp:style>
-        <a:lnRef idx="2">
-          <a:scrgbClr r="0" g="0" b="0"/>
-        </a:lnRef>
-        <a:fillRef idx="1">
-          <a:scrgbClr r="0" g="0" b="0"/>
-        </a:fillRef>
-        <a:effectRef idx="0">
-          <a:scrgbClr r="0" g="0" b="0"/>
-        </a:effectRef>
-        <a:fontRef idx="minor"/>
-      </dsp:style>
-      <dsp:txBody>
-        <a:bodyPr spcFirstLastPara="0" vert="horz" wrap="square" lIns="43180" tIns="43180" rIns="43180" bIns="43180" numCol="1" spcCol="1270" anchor="ctr" anchorCtr="0">
-          <a:noAutofit/>
-        </a:bodyPr>
-        <a:lstStyle/>
-        <a:p>
-          <a:pPr marL="0" lvl="0" indent="0" algn="ctr" defTabSz="1511300">
-            <a:lnSpc>
-              <a:spcPct val="90000"/>
-            </a:lnSpc>
-            <a:spcBef>
-              <a:spcPct val="0"/>
-            </a:spcBef>
-            <a:spcAft>
-              <a:spcPct val="35000"/>
-            </a:spcAft>
-            <a:buNone/>
-          </a:pPr>
-          <a:endParaRPr lang="vi-VN" sz="3400" kern="1200"/>
-        </a:p>
-      </dsp:txBody>
-      <dsp:txXfrm>
-        <a:off x="5021111" y="1078942"/>
-        <a:ext cx="473376" cy="536741"/>
-      </dsp:txXfrm>
-    </dsp:sp>
-    <dsp:sp modelId="{E0DCB3AF-3FF1-460D-9536-1DA21ED7DF29}">
-      <dsp:nvSpPr>
-        <dsp:cNvPr id="0" name=""/>
-        <dsp:cNvSpPr/>
-      </dsp:nvSpPr>
-      <dsp:spPr>
-        <a:xfrm>
-          <a:off x="6411779" y="2627421"/>
-          <a:ext cx="741080" cy="768312"/>
-        </a:xfrm>
-        <a:prstGeom prst="downArrow">
-          <a:avLst>
-            <a:gd name="adj1" fmla="val 55000"/>
-            <a:gd name="adj2" fmla="val 45000"/>
-          </a:avLst>
-        </a:prstGeom>
-        <a:solidFill>
-          <a:schemeClr val="accent1">
-            <a:alpha val="90000"/>
-            <a:tint val="40000"/>
-            <a:hueOff val="0"/>
-            <a:satOff val="0"/>
-            <a:lumOff val="0"/>
-            <a:alphaOff val="0"/>
-          </a:schemeClr>
-        </a:solidFill>
-        <a:ln w="12700" cap="flat" cmpd="sng" algn="ctr">
-          <a:solidFill>
-            <a:schemeClr val="accent1">
-              <a:alpha val="90000"/>
-              <a:tint val="40000"/>
-              <a:hueOff val="0"/>
-              <a:satOff val="0"/>
-              <a:lumOff val="0"/>
-              <a:alphaOff val="0"/>
-            </a:schemeClr>
-          </a:solidFill>
-          <a:prstDash val="solid"/>
-          <a:miter lim="800000"/>
         </a:ln>
         <a:effectLst/>
       </dsp:spPr>
@@ -1524,8 +1477,87 @@
         </a:p>
       </dsp:txBody>
       <dsp:txXfrm>
-        <a:off x="6578522" y="2627421"/>
-        <a:ext cx="407594" cy="584895"/>
+        <a:off x="6720282" y="883026"/>
+        <a:ext cx="416284" cy="569552"/>
+      </dsp:txXfrm>
+    </dsp:sp>
+    <dsp:sp modelId="{B092800C-255A-4DE3-A79F-104279910D4D}">
+      <dsp:nvSpPr>
+        <dsp:cNvPr id="0" name=""/>
+        <dsp:cNvSpPr/>
+      </dsp:nvSpPr>
+      <dsp:spPr>
+        <a:xfrm>
+          <a:off x="7194708" y="2233766"/>
+          <a:ext cx="756880" cy="756880"/>
+        </a:xfrm>
+        <a:prstGeom prst="downArrow">
+          <a:avLst>
+            <a:gd name="adj1" fmla="val 55000"/>
+            <a:gd name="adj2" fmla="val 45000"/>
+          </a:avLst>
+        </a:prstGeom>
+        <a:solidFill>
+          <a:schemeClr val="accent2">
+            <a:tint val="40000"/>
+            <a:alpha val="90000"/>
+            <a:hueOff val="-4091839"/>
+            <a:satOff val="45107"/>
+            <a:lumOff val="4296"/>
+            <a:alphaOff val="0"/>
+          </a:schemeClr>
+        </a:solidFill>
+        <a:ln w="19050" cap="rnd" cmpd="sng" algn="ctr">
+          <a:solidFill>
+            <a:schemeClr val="accent2">
+              <a:tint val="40000"/>
+              <a:alpha val="90000"/>
+              <a:hueOff val="-4091839"/>
+              <a:satOff val="45107"/>
+              <a:lumOff val="4296"/>
+              <a:alphaOff val="0"/>
+            </a:schemeClr>
+          </a:solidFill>
+          <a:prstDash val="solid"/>
+        </a:ln>
+        <a:effectLst/>
+      </dsp:spPr>
+      <dsp:style>
+        <a:lnRef idx="2">
+          <a:scrgbClr r="0" g="0" b="0"/>
+        </a:lnRef>
+        <a:fillRef idx="1">
+          <a:scrgbClr r="0" g="0" b="0"/>
+        </a:fillRef>
+        <a:effectRef idx="0">
+          <a:scrgbClr r="0" g="0" b="0"/>
+        </a:effectRef>
+        <a:fontRef idx="minor"/>
+      </dsp:style>
+      <dsp:txBody>
+        <a:bodyPr spcFirstLastPara="0" vert="horz" wrap="square" lIns="45720" tIns="45720" rIns="45720" bIns="45720" numCol="1" spcCol="1270" anchor="ctr" anchorCtr="0">
+          <a:noAutofit/>
+        </a:bodyPr>
+        <a:lstStyle/>
+        <a:p>
+          <a:pPr marL="0" lvl="0" indent="0" algn="ctr" defTabSz="1600200">
+            <a:lnSpc>
+              <a:spcPct val="90000"/>
+            </a:lnSpc>
+            <a:spcBef>
+              <a:spcPct val="0"/>
+            </a:spcBef>
+            <a:spcAft>
+              <a:spcPct val="35000"/>
+            </a:spcAft>
+            <a:buNone/>
+          </a:pPr>
+          <a:endParaRPr lang="vi-VN" sz="3600" kern="1200"/>
+        </a:p>
+      </dsp:txBody>
+      <dsp:txXfrm>
+        <a:off x="7365006" y="2233766"/>
+        <a:ext cx="416284" cy="569552"/>
       </dsp:txXfrm>
     </dsp:sp>
   </dsp:spTree>
@@ -3793,8 +3825,796 @@
 </file>
 
 <file path=ppt/slideLayouts/slideLayout1.xml><?xml version="1.0" encoding="utf-8"?>
-<p:sldLayout xmlns:a="http://schemas.openxmlformats.org/drawingml/2006/main" xmlns:r="http://schemas.openxmlformats.org/officeDocument/2006/relationships" xmlns:p="http://schemas.openxmlformats.org/presentationml/2006/main" type="title" preserve="1">
+<p:sldLayout xmlns:a="http://schemas.openxmlformats.org/drawingml/2006/main" xmlns:r="http://schemas.openxmlformats.org/officeDocument/2006/relationships" xmlns:p="http://schemas.openxmlformats.org/presentationml/2006/main" showMasterSp="0" type="title" preserve="1">
   <p:cSld name="Title Slide">
+    <p:spTree>
+      <p:nvGrpSpPr>
+        <p:cNvPr id="1" name=""/>
+        <p:cNvGrpSpPr/>
+        <p:nvPr/>
+      </p:nvGrpSpPr>
+      <p:grpSpPr>
+        <a:xfrm>
+          <a:off x="0" y="0"/>
+          <a:ext cx="0" cy="0"/>
+          <a:chOff x="0" y="0"/>
+          <a:chExt cx="0" cy="0"/>
+        </a:xfrm>
+      </p:grpSpPr>
+      <p:grpSp>
+        <p:nvGrpSpPr>
+          <p:cNvPr id="7" name="Group 6"/>
+          <p:cNvGrpSpPr/>
+          <p:nvPr/>
+        </p:nvGrpSpPr>
+        <p:grpSpPr>
+          <a:xfrm>
+            <a:off x="0" y="-8467"/>
+            <a:ext cx="12192000" cy="6866467"/>
+            <a:chOff x="0" y="-8467"/>
+            <a:chExt cx="12192000" cy="6866467"/>
+          </a:xfrm>
+        </p:grpSpPr>
+        <p:cxnSp>
+          <p:nvCxnSpPr>
+            <p:cNvPr id="32" name="Straight Connector 31"/>
+            <p:cNvCxnSpPr/>
+            <p:nvPr/>
+          </p:nvCxnSpPr>
+          <p:spPr>
+            <a:xfrm>
+              <a:off x="9371012" y="0"/>
+              <a:ext cx="1219200" cy="6858000"/>
+            </a:xfrm>
+            <a:prstGeom prst="line">
+              <a:avLst/>
+            </a:prstGeom>
+            <a:ln w="9525">
+              <a:solidFill>
+                <a:schemeClr val="bg1">
+                  <a:lumMod val="75000"/>
+                </a:schemeClr>
+              </a:solidFill>
+            </a:ln>
+          </p:spPr>
+          <p:style>
+            <a:lnRef idx="2">
+              <a:schemeClr val="accent1"/>
+            </a:lnRef>
+            <a:fillRef idx="0">
+              <a:schemeClr val="accent1"/>
+            </a:fillRef>
+            <a:effectRef idx="1">
+              <a:schemeClr val="accent1"/>
+            </a:effectRef>
+            <a:fontRef idx="minor">
+              <a:schemeClr val="tx1"/>
+            </a:fontRef>
+          </p:style>
+        </p:cxnSp>
+        <p:cxnSp>
+          <p:nvCxnSpPr>
+            <p:cNvPr id="21" name="Straight Connector 20"/>
+            <p:cNvCxnSpPr/>
+            <p:nvPr/>
+          </p:nvCxnSpPr>
+          <p:spPr>
+            <a:xfrm flipH="1">
+              <a:off x="7425267" y="3681413"/>
+              <a:ext cx="4763558" cy="3176587"/>
+            </a:xfrm>
+            <a:prstGeom prst="line">
+              <a:avLst/>
+            </a:prstGeom>
+            <a:ln w="9525">
+              <a:solidFill>
+                <a:schemeClr val="bg1">
+                  <a:lumMod val="85000"/>
+                </a:schemeClr>
+              </a:solidFill>
+            </a:ln>
+          </p:spPr>
+          <p:style>
+            <a:lnRef idx="2">
+              <a:schemeClr val="accent1"/>
+            </a:lnRef>
+            <a:fillRef idx="0">
+              <a:schemeClr val="accent1"/>
+            </a:fillRef>
+            <a:effectRef idx="1">
+              <a:schemeClr val="accent1"/>
+            </a:effectRef>
+            <a:fontRef idx="minor">
+              <a:schemeClr val="tx1"/>
+            </a:fontRef>
+          </p:style>
+        </p:cxnSp>
+        <p:sp>
+          <p:nvSpPr>
+            <p:cNvPr id="24" name="Rectangle 23"/>
+            <p:cNvSpPr/>
+            <p:nvPr/>
+          </p:nvSpPr>
+          <p:spPr>
+            <a:xfrm>
+              <a:off x="9181476" y="-8467"/>
+              <a:ext cx="3007349" cy="6866467"/>
+            </a:xfrm>
+            <a:custGeom>
+              <a:avLst/>
+              <a:gdLst/>
+              <a:ahLst/>
+              <a:cxnLst/>
+              <a:rect l="l" t="t" r="r" b="b"/>
+              <a:pathLst>
+                <a:path w="3007349" h="6866467">
+                  <a:moveTo>
+                    <a:pt x="2045532" y="0"/>
+                  </a:moveTo>
+                  <a:lnTo>
+                    <a:pt x="3007349" y="0"/>
+                  </a:lnTo>
+                  <a:lnTo>
+                    <a:pt x="3007349" y="6866467"/>
+                  </a:lnTo>
+                  <a:lnTo>
+                    <a:pt x="0" y="6866467"/>
+                  </a:lnTo>
+                  <a:lnTo>
+                    <a:pt x="2045532" y="0"/>
+                  </a:lnTo>
+                  <a:close/>
+                </a:path>
+              </a:pathLst>
+            </a:custGeom>
+            <a:solidFill>
+              <a:schemeClr val="accent1">
+                <a:alpha val="30000"/>
+              </a:schemeClr>
+            </a:solidFill>
+            <a:ln>
+              <a:noFill/>
+            </a:ln>
+            <a:effectLst/>
+          </p:spPr>
+          <p:style>
+            <a:lnRef idx="1">
+              <a:schemeClr val="accent1"/>
+            </a:lnRef>
+            <a:fillRef idx="3">
+              <a:schemeClr val="accent1"/>
+            </a:fillRef>
+            <a:effectRef idx="2">
+              <a:schemeClr val="accent1"/>
+            </a:effectRef>
+            <a:fontRef idx="minor">
+              <a:schemeClr val="lt1"/>
+            </a:fontRef>
+          </p:style>
+        </p:sp>
+        <p:sp>
+          <p:nvSpPr>
+            <p:cNvPr id="26" name="Rectangle 25"/>
+            <p:cNvSpPr/>
+            <p:nvPr/>
+          </p:nvSpPr>
+          <p:spPr>
+            <a:xfrm>
+              <a:off x="9603442" y="-8467"/>
+              <a:ext cx="2588558" cy="6866467"/>
+            </a:xfrm>
+            <a:custGeom>
+              <a:avLst/>
+              <a:gdLst/>
+              <a:ahLst/>
+              <a:cxnLst/>
+              <a:rect l="l" t="t" r="r" b="b"/>
+              <a:pathLst>
+                <a:path w="2573311" h="6866467">
+                  <a:moveTo>
+                    <a:pt x="0" y="0"/>
+                  </a:moveTo>
+                  <a:lnTo>
+                    <a:pt x="2573311" y="0"/>
+                  </a:lnTo>
+                  <a:lnTo>
+                    <a:pt x="2573311" y="6866467"/>
+                  </a:lnTo>
+                  <a:lnTo>
+                    <a:pt x="1202336" y="6866467"/>
+                  </a:lnTo>
+                  <a:lnTo>
+                    <a:pt x="0" y="0"/>
+                  </a:lnTo>
+                  <a:close/>
+                </a:path>
+              </a:pathLst>
+            </a:custGeom>
+            <a:solidFill>
+              <a:schemeClr val="accent1">
+                <a:alpha val="20000"/>
+              </a:schemeClr>
+            </a:solidFill>
+            <a:ln>
+              <a:noFill/>
+            </a:ln>
+            <a:effectLst/>
+          </p:spPr>
+          <p:style>
+            <a:lnRef idx="1">
+              <a:schemeClr val="accent1"/>
+            </a:lnRef>
+            <a:fillRef idx="3">
+              <a:schemeClr val="accent1"/>
+            </a:fillRef>
+            <a:effectRef idx="2">
+              <a:schemeClr val="accent1"/>
+            </a:effectRef>
+            <a:fontRef idx="minor">
+              <a:schemeClr val="lt1"/>
+            </a:fontRef>
+          </p:style>
+        </p:sp>
+        <p:sp>
+          <p:nvSpPr>
+            <p:cNvPr id="27" name="Isosceles Triangle 26"/>
+            <p:cNvSpPr/>
+            <p:nvPr/>
+          </p:nvSpPr>
+          <p:spPr>
+            <a:xfrm>
+              <a:off x="8932333" y="3048000"/>
+              <a:ext cx="3259667" cy="3810000"/>
+            </a:xfrm>
+            <a:prstGeom prst="triangle">
+              <a:avLst>
+                <a:gd name="adj" fmla="val 100000"/>
+              </a:avLst>
+            </a:prstGeom>
+            <a:solidFill>
+              <a:schemeClr val="accent2">
+                <a:alpha val="72000"/>
+              </a:schemeClr>
+            </a:solidFill>
+            <a:ln>
+              <a:noFill/>
+            </a:ln>
+            <a:effectLst/>
+          </p:spPr>
+          <p:style>
+            <a:lnRef idx="1">
+              <a:schemeClr val="accent1"/>
+            </a:lnRef>
+            <a:fillRef idx="3">
+              <a:schemeClr val="accent1"/>
+            </a:fillRef>
+            <a:effectRef idx="2">
+              <a:schemeClr val="accent1"/>
+            </a:effectRef>
+            <a:fontRef idx="minor">
+              <a:schemeClr val="lt1"/>
+            </a:fontRef>
+          </p:style>
+        </p:sp>
+        <p:sp>
+          <p:nvSpPr>
+            <p:cNvPr id="28" name="Rectangle 27"/>
+            <p:cNvSpPr/>
+            <p:nvPr/>
+          </p:nvSpPr>
+          <p:spPr>
+            <a:xfrm>
+              <a:off x="9334500" y="-8467"/>
+              <a:ext cx="2854326" cy="6866467"/>
+            </a:xfrm>
+            <a:custGeom>
+              <a:avLst/>
+              <a:gdLst/>
+              <a:ahLst/>
+              <a:cxnLst/>
+              <a:rect l="l" t="t" r="r" b="b"/>
+              <a:pathLst>
+                <a:path w="2858013" h="6866467">
+                  <a:moveTo>
+                    <a:pt x="0" y="0"/>
+                  </a:moveTo>
+                  <a:lnTo>
+                    <a:pt x="2858013" y="0"/>
+                  </a:lnTo>
+                  <a:lnTo>
+                    <a:pt x="2858013" y="6866467"/>
+                  </a:lnTo>
+                  <a:lnTo>
+                    <a:pt x="2473942" y="6866467"/>
+                  </a:lnTo>
+                  <a:lnTo>
+                    <a:pt x="0" y="0"/>
+                  </a:lnTo>
+                  <a:close/>
+                </a:path>
+              </a:pathLst>
+            </a:custGeom>
+            <a:solidFill>
+              <a:schemeClr val="accent2">
+                <a:lumMod val="75000"/>
+                <a:alpha val="70000"/>
+              </a:schemeClr>
+            </a:solidFill>
+            <a:ln>
+              <a:noFill/>
+            </a:ln>
+            <a:effectLst/>
+          </p:spPr>
+          <p:style>
+            <a:lnRef idx="1">
+              <a:schemeClr val="accent1"/>
+            </a:lnRef>
+            <a:fillRef idx="3">
+              <a:schemeClr val="accent1"/>
+            </a:fillRef>
+            <a:effectRef idx="2">
+              <a:schemeClr val="accent1"/>
+            </a:effectRef>
+            <a:fontRef idx="minor">
+              <a:schemeClr val="lt1"/>
+            </a:fontRef>
+          </p:style>
+        </p:sp>
+        <p:sp>
+          <p:nvSpPr>
+            <p:cNvPr id="29" name="Rectangle 28"/>
+            <p:cNvSpPr/>
+            <p:nvPr/>
+          </p:nvSpPr>
+          <p:spPr>
+            <a:xfrm>
+              <a:off x="10898730" y="-8467"/>
+              <a:ext cx="1290094" cy="6866467"/>
+            </a:xfrm>
+            <a:custGeom>
+              <a:avLst/>
+              <a:gdLst/>
+              <a:ahLst/>
+              <a:cxnLst/>
+              <a:rect l="l" t="t" r="r" b="b"/>
+              <a:pathLst>
+                <a:path w="1290094" h="6858000">
+                  <a:moveTo>
+                    <a:pt x="1019735" y="0"/>
+                  </a:moveTo>
+                  <a:lnTo>
+                    <a:pt x="1290094" y="0"/>
+                  </a:lnTo>
+                  <a:lnTo>
+                    <a:pt x="1290094" y="6858000"/>
+                  </a:lnTo>
+                  <a:lnTo>
+                    <a:pt x="0" y="6858000"/>
+                  </a:lnTo>
+                  <a:lnTo>
+                    <a:pt x="1019735" y="0"/>
+                  </a:lnTo>
+                  <a:close/>
+                </a:path>
+              </a:pathLst>
+            </a:custGeom>
+            <a:solidFill>
+              <a:schemeClr val="accent1">
+                <a:lumMod val="60000"/>
+                <a:lumOff val="40000"/>
+                <a:alpha val="70000"/>
+              </a:schemeClr>
+            </a:solidFill>
+            <a:ln>
+              <a:noFill/>
+            </a:ln>
+            <a:effectLst/>
+          </p:spPr>
+          <p:style>
+            <a:lnRef idx="1">
+              <a:schemeClr val="accent1"/>
+            </a:lnRef>
+            <a:fillRef idx="3">
+              <a:schemeClr val="accent1"/>
+            </a:fillRef>
+            <a:effectRef idx="2">
+              <a:schemeClr val="accent1"/>
+            </a:effectRef>
+            <a:fontRef idx="minor">
+              <a:schemeClr val="lt1"/>
+            </a:fontRef>
+          </p:style>
+        </p:sp>
+        <p:sp>
+          <p:nvSpPr>
+            <p:cNvPr id="30" name="Rectangle 29"/>
+            <p:cNvSpPr/>
+            <p:nvPr/>
+          </p:nvSpPr>
+          <p:spPr>
+            <a:xfrm>
+              <a:off x="10938999" y="-8467"/>
+              <a:ext cx="1249825" cy="6866467"/>
+            </a:xfrm>
+            <a:custGeom>
+              <a:avLst/>
+              <a:gdLst/>
+              <a:ahLst/>
+              <a:cxnLst/>
+              <a:rect l="l" t="t" r="r" b="b"/>
+              <a:pathLst>
+                <a:path w="1249825" h="6858000">
+                  <a:moveTo>
+                    <a:pt x="0" y="0"/>
+                  </a:moveTo>
+                  <a:lnTo>
+                    <a:pt x="1249825" y="0"/>
+                  </a:lnTo>
+                  <a:lnTo>
+                    <a:pt x="1249825" y="6858000"/>
+                  </a:lnTo>
+                  <a:lnTo>
+                    <a:pt x="1109382" y="6858000"/>
+                  </a:lnTo>
+                  <a:lnTo>
+                    <a:pt x="0" y="0"/>
+                  </a:lnTo>
+                  <a:close/>
+                </a:path>
+              </a:pathLst>
+            </a:custGeom>
+            <a:solidFill>
+              <a:schemeClr val="accent1">
+                <a:alpha val="65000"/>
+              </a:schemeClr>
+            </a:solidFill>
+            <a:ln>
+              <a:noFill/>
+            </a:ln>
+            <a:effectLst/>
+          </p:spPr>
+          <p:style>
+            <a:lnRef idx="1">
+              <a:schemeClr val="accent1"/>
+            </a:lnRef>
+            <a:fillRef idx="3">
+              <a:schemeClr val="accent1"/>
+            </a:fillRef>
+            <a:effectRef idx="2">
+              <a:schemeClr val="accent1"/>
+            </a:effectRef>
+            <a:fontRef idx="minor">
+              <a:schemeClr val="lt1"/>
+            </a:fontRef>
+          </p:style>
+        </p:sp>
+        <p:sp>
+          <p:nvSpPr>
+            <p:cNvPr id="31" name="Isosceles Triangle 30"/>
+            <p:cNvSpPr/>
+            <p:nvPr/>
+          </p:nvSpPr>
+          <p:spPr>
+            <a:xfrm>
+              <a:off x="10371666" y="3589867"/>
+              <a:ext cx="1817159" cy="3268133"/>
+            </a:xfrm>
+            <a:prstGeom prst="triangle">
+              <a:avLst>
+                <a:gd name="adj" fmla="val 100000"/>
+              </a:avLst>
+            </a:prstGeom>
+            <a:solidFill>
+              <a:schemeClr val="accent1">
+                <a:alpha val="80000"/>
+              </a:schemeClr>
+            </a:solidFill>
+            <a:ln>
+              <a:noFill/>
+            </a:ln>
+            <a:effectLst/>
+          </p:spPr>
+          <p:style>
+            <a:lnRef idx="1">
+              <a:schemeClr val="accent1"/>
+            </a:lnRef>
+            <a:fillRef idx="3">
+              <a:schemeClr val="accent1"/>
+            </a:fillRef>
+            <a:effectRef idx="2">
+              <a:schemeClr val="accent1"/>
+            </a:effectRef>
+            <a:fontRef idx="minor">
+              <a:schemeClr val="lt1"/>
+            </a:fontRef>
+          </p:style>
+        </p:sp>
+        <p:sp>
+          <p:nvSpPr>
+            <p:cNvPr id="19" name="Isosceles Triangle 18"/>
+            <p:cNvSpPr/>
+            <p:nvPr/>
+          </p:nvSpPr>
+          <p:spPr>
+            <a:xfrm rot="10800000">
+              <a:off x="0" y="0"/>
+              <a:ext cx="842596" cy="5666154"/>
+            </a:xfrm>
+            <a:prstGeom prst="triangle">
+              <a:avLst>
+                <a:gd name="adj" fmla="val 100000"/>
+              </a:avLst>
+            </a:prstGeom>
+            <a:solidFill>
+              <a:schemeClr val="accent1">
+                <a:alpha val="85000"/>
+              </a:schemeClr>
+            </a:solidFill>
+            <a:ln>
+              <a:noFill/>
+            </a:ln>
+            <a:effectLst/>
+          </p:spPr>
+          <p:style>
+            <a:lnRef idx="1">
+              <a:schemeClr val="accent1"/>
+            </a:lnRef>
+            <a:fillRef idx="3">
+              <a:schemeClr val="accent1"/>
+            </a:fillRef>
+            <a:effectRef idx="2">
+              <a:schemeClr val="accent1"/>
+            </a:effectRef>
+            <a:fontRef idx="minor">
+              <a:schemeClr val="lt1"/>
+            </a:fontRef>
+          </p:style>
+        </p:sp>
+      </p:grpSp>
+      <p:sp>
+        <p:nvSpPr>
+          <p:cNvPr id="2" name="Title 1"/>
+          <p:cNvSpPr>
+            <a:spLocks noGrp="1"/>
+          </p:cNvSpPr>
+          <p:nvPr>
+            <p:ph type="ctrTitle"/>
+          </p:nvPr>
+        </p:nvSpPr>
+        <p:spPr>
+          <a:xfrm>
+            <a:off x="1507067" y="2404534"/>
+            <a:ext cx="7766936" cy="1646302"/>
+          </a:xfrm>
+        </p:spPr>
+        <p:txBody>
+          <a:bodyPr anchor="b">
+            <a:noAutofit/>
+          </a:bodyPr>
+          <a:lstStyle>
+            <a:lvl1pPr algn="r">
+              <a:defRPr sz="5400">
+                <a:solidFill>
+                  <a:schemeClr val="accent1"/>
+                </a:solidFill>
+              </a:defRPr>
+            </a:lvl1pPr>
+          </a:lstStyle>
+          <a:p>
+            <a:r>
+              <a:rPr lang="en-US"/>
+              <a:t>Click to edit Master title style</a:t>
+            </a:r>
+            <a:endParaRPr lang="en-US" dirty="0"/>
+          </a:p>
+        </p:txBody>
+      </p:sp>
+      <p:sp>
+        <p:nvSpPr>
+          <p:cNvPr id="3" name="Subtitle 2"/>
+          <p:cNvSpPr>
+            <a:spLocks noGrp="1"/>
+          </p:cNvSpPr>
+          <p:nvPr>
+            <p:ph type="subTitle" idx="1"/>
+          </p:nvPr>
+        </p:nvSpPr>
+        <p:spPr>
+          <a:xfrm>
+            <a:off x="1507067" y="4050833"/>
+            <a:ext cx="7766936" cy="1096899"/>
+          </a:xfrm>
+        </p:spPr>
+        <p:txBody>
+          <a:bodyPr anchor="t"/>
+          <a:lstStyle>
+            <a:lvl1pPr marL="0" indent="0" algn="r">
+              <a:buNone/>
+              <a:defRPr>
+                <a:solidFill>
+                  <a:schemeClr val="tx1">
+                    <a:lumMod val="50000"/>
+                    <a:lumOff val="50000"/>
+                  </a:schemeClr>
+                </a:solidFill>
+              </a:defRPr>
+            </a:lvl1pPr>
+            <a:lvl2pPr marL="457200" indent="0" algn="ctr">
+              <a:buNone/>
+              <a:defRPr>
+                <a:solidFill>
+                  <a:schemeClr val="tx1">
+                    <a:tint val="75000"/>
+                  </a:schemeClr>
+                </a:solidFill>
+              </a:defRPr>
+            </a:lvl2pPr>
+            <a:lvl3pPr marL="914400" indent="0" algn="ctr">
+              <a:buNone/>
+              <a:defRPr>
+                <a:solidFill>
+                  <a:schemeClr val="tx1">
+                    <a:tint val="75000"/>
+                  </a:schemeClr>
+                </a:solidFill>
+              </a:defRPr>
+            </a:lvl3pPr>
+            <a:lvl4pPr marL="1371600" indent="0" algn="ctr">
+              <a:buNone/>
+              <a:defRPr>
+                <a:solidFill>
+                  <a:schemeClr val="tx1">
+                    <a:tint val="75000"/>
+                  </a:schemeClr>
+                </a:solidFill>
+              </a:defRPr>
+            </a:lvl4pPr>
+            <a:lvl5pPr marL="1828800" indent="0" algn="ctr">
+              <a:buNone/>
+              <a:defRPr>
+                <a:solidFill>
+                  <a:schemeClr val="tx1">
+                    <a:tint val="75000"/>
+                  </a:schemeClr>
+                </a:solidFill>
+              </a:defRPr>
+            </a:lvl5pPr>
+            <a:lvl6pPr marL="2286000" indent="0" algn="ctr">
+              <a:buNone/>
+              <a:defRPr>
+                <a:solidFill>
+                  <a:schemeClr val="tx1">
+                    <a:tint val="75000"/>
+                  </a:schemeClr>
+                </a:solidFill>
+              </a:defRPr>
+            </a:lvl6pPr>
+            <a:lvl7pPr marL="2743200" indent="0" algn="ctr">
+              <a:buNone/>
+              <a:defRPr>
+                <a:solidFill>
+                  <a:schemeClr val="tx1">
+                    <a:tint val="75000"/>
+                  </a:schemeClr>
+                </a:solidFill>
+              </a:defRPr>
+            </a:lvl7pPr>
+            <a:lvl8pPr marL="3200400" indent="0" algn="ctr">
+              <a:buNone/>
+              <a:defRPr>
+                <a:solidFill>
+                  <a:schemeClr val="tx1">
+                    <a:tint val="75000"/>
+                  </a:schemeClr>
+                </a:solidFill>
+              </a:defRPr>
+            </a:lvl8pPr>
+            <a:lvl9pPr marL="3657600" indent="0" algn="ctr">
+              <a:buNone/>
+              <a:defRPr>
+                <a:solidFill>
+                  <a:schemeClr val="tx1">
+                    <a:tint val="75000"/>
+                  </a:schemeClr>
+                </a:solidFill>
+              </a:defRPr>
+            </a:lvl9pPr>
+          </a:lstStyle>
+          <a:p>
+            <a:r>
+              <a:rPr lang="en-US"/>
+              <a:t>Click to edit Master subtitle style</a:t>
+            </a:r>
+            <a:endParaRPr lang="en-US" dirty="0"/>
+          </a:p>
+        </p:txBody>
+      </p:sp>
+      <p:sp>
+        <p:nvSpPr>
+          <p:cNvPr id="4" name="Date Placeholder 3"/>
+          <p:cNvSpPr>
+            <a:spLocks noGrp="1"/>
+          </p:cNvSpPr>
+          <p:nvPr>
+            <p:ph type="dt" sz="half" idx="10"/>
+          </p:nvPr>
+        </p:nvSpPr>
+        <p:spPr/>
+        <p:txBody>
+          <a:bodyPr/>
+          <a:lstStyle/>
+          <a:p>
+            <a:fld id="{B7AE79E7-3A69-41C5-903D-682ADD965818}" type="datetimeFigureOut">
+              <a:rPr lang="vi-VN" smtClean="0"/>
+              <a:t>30/05/2019</a:t>
+            </a:fld>
+            <a:endParaRPr lang="vi-VN"/>
+          </a:p>
+        </p:txBody>
+      </p:sp>
+      <p:sp>
+        <p:nvSpPr>
+          <p:cNvPr id="5" name="Footer Placeholder 4"/>
+          <p:cNvSpPr>
+            <a:spLocks noGrp="1"/>
+          </p:cNvSpPr>
+          <p:nvPr>
+            <p:ph type="ftr" sz="quarter" idx="11"/>
+          </p:nvPr>
+        </p:nvSpPr>
+        <p:spPr/>
+        <p:txBody>
+          <a:bodyPr/>
+          <a:lstStyle/>
+          <a:p>
+            <a:endParaRPr lang="vi-VN"/>
+          </a:p>
+        </p:txBody>
+      </p:sp>
+      <p:sp>
+        <p:nvSpPr>
+          <p:cNvPr id="6" name="Slide Number Placeholder 5"/>
+          <p:cNvSpPr>
+            <a:spLocks noGrp="1"/>
+          </p:cNvSpPr>
+          <p:nvPr>
+            <p:ph type="sldNum" sz="quarter" idx="12"/>
+          </p:nvPr>
+        </p:nvSpPr>
+        <p:spPr/>
+        <p:txBody>
+          <a:bodyPr/>
+          <a:lstStyle/>
+          <a:p>
+            <a:fld id="{DB71D3C8-3975-43E0-A144-FA6528C65F0C}" type="slidenum">
+              <a:rPr lang="vi-VN" smtClean="0"/>
+              <a:t>‹#›</a:t>
+            </a:fld>
+            <a:endParaRPr lang="vi-VN"/>
+          </a:p>
+        </p:txBody>
+      </p:sp>
+    </p:spTree>
+    <p:extLst>
+      <p:ext uri="{BB962C8B-B14F-4D97-AF65-F5344CB8AC3E}">
+        <p14:creationId xmlns:p14="http://schemas.microsoft.com/office/powerpoint/2010/main" val="160488279"/>
+      </p:ext>
+    </p:extLst>
+  </p:cSld>
+  <p:clrMapOvr>
+    <a:masterClrMapping/>
+  </p:clrMapOvr>
+  <p:extLst>
+    <p:ext uri="{DCECCB84-F9BA-43D5-87BE-67443E8EF086}">
+      <p15:sldGuideLst xmlns:p15="http://schemas.microsoft.com/office/powerpoint/2012/main"/>
+    </p:ext>
+  </p:extLst>
+</p:sldLayout>
+</file>
+
+<file path=ppt/slideLayouts/slideLayout10.xml><?xml version="1.0" encoding="utf-8"?>
+<p:sldLayout xmlns:a="http://schemas.openxmlformats.org/drawingml/2006/main" xmlns:r="http://schemas.openxmlformats.org/officeDocument/2006/relationships" xmlns:p="http://schemas.openxmlformats.org/presentationml/2006/main" preserve="1">
+  <p:cSld name="Title and Caption">
     <p:spTree>
       <p:nvGrpSpPr>
         <p:cNvPr id="1" name=""/>
@@ -3811,31 +4631,27 @@
       </p:grpSpPr>
       <p:sp>
         <p:nvSpPr>
-          <p:cNvPr id="2" name="Title 1">
-            <a:extLst>
-              <a:ext uri="{FF2B5EF4-FFF2-40B4-BE49-F238E27FC236}">
-                <a16:creationId xmlns:a16="http://schemas.microsoft.com/office/drawing/2014/main" id="{E724B3FB-8ECC-40AA-A4DF-6B62AF8969F7}"/>
-              </a:ext>
-            </a:extLst>
-          </p:cNvPr>
+          <p:cNvPr id="2" name="Title 1"/>
           <p:cNvSpPr>
             <a:spLocks noGrp="1"/>
           </p:cNvSpPr>
           <p:nvPr>
-            <p:ph type="ctrTitle"/>
+            <p:ph type="title"/>
           </p:nvPr>
         </p:nvSpPr>
         <p:spPr>
           <a:xfrm>
-            <a:off x="1524000" y="1122363"/>
-            <a:ext cx="9144000" cy="2387600"/>
+            <a:off x="677335" y="609600"/>
+            <a:ext cx="8596668" cy="3403600"/>
           </a:xfrm>
         </p:spPr>
         <p:txBody>
-          <a:bodyPr anchor="b"/>
+          <a:bodyPr anchor="ctr">
+            <a:normAutofit/>
+          </a:bodyPr>
           <a:lstStyle>
-            <a:lvl1pPr algn="ctr">
-              <a:defRPr sz="6000"/>
+            <a:lvl1pPr algn="l">
+              <a:defRPr sz="4400" b="0" cap="none"/>
             </a:lvl1pPr>
           </a:lstStyle>
           <a:p>
@@ -3843,90 +4659,135 @@
               <a:rPr lang="en-US"/>
               <a:t>Click to edit Master title style</a:t>
             </a:r>
-            <a:endParaRPr lang="vi-VN"/>
+            <a:endParaRPr lang="en-US" dirty="0"/>
           </a:p>
         </p:txBody>
       </p:sp>
       <p:sp>
         <p:nvSpPr>
-          <p:cNvPr id="3" name="Subtitle 2">
-            <a:extLst>
-              <a:ext uri="{FF2B5EF4-FFF2-40B4-BE49-F238E27FC236}">
-                <a16:creationId xmlns:a16="http://schemas.microsoft.com/office/drawing/2014/main" id="{F92DEDD5-D51A-47FE-A872-2DDCC640EF98}"/>
-              </a:ext>
-            </a:extLst>
-          </p:cNvPr>
+          <p:cNvPr id="3" name="Text Placeholder 2"/>
           <p:cNvSpPr>
             <a:spLocks noGrp="1"/>
           </p:cNvSpPr>
           <p:nvPr>
-            <p:ph type="subTitle" idx="1"/>
+            <p:ph type="body" idx="1"/>
           </p:nvPr>
         </p:nvSpPr>
         <p:spPr>
           <a:xfrm>
-            <a:off x="1524000" y="3602038"/>
-            <a:ext cx="9144000" cy="1655762"/>
+            <a:off x="677335" y="4470400"/>
+            <a:ext cx="8596668" cy="1570962"/>
           </a:xfrm>
         </p:spPr>
         <p:txBody>
-          <a:bodyPr/>
+          <a:bodyPr anchor="ctr">
+            <a:normAutofit/>
+          </a:bodyPr>
           <a:lstStyle>
-            <a:lvl1pPr marL="0" indent="0" algn="ctr">
-              <a:buNone/>
-              <a:defRPr sz="2400"/>
+            <a:lvl1pPr marL="0" indent="0" algn="l">
+              <a:buNone/>
+              <a:defRPr sz="1800">
+                <a:solidFill>
+                  <a:schemeClr val="tx1">
+                    <a:lumMod val="75000"/>
+                    <a:lumOff val="25000"/>
+                  </a:schemeClr>
+                </a:solidFill>
+              </a:defRPr>
             </a:lvl1pPr>
-            <a:lvl2pPr marL="457200" indent="0" algn="ctr">
-              <a:buNone/>
-              <a:defRPr sz="2000"/>
+            <a:lvl2pPr marL="457200" indent="0">
+              <a:buNone/>
+              <a:defRPr sz="1800">
+                <a:solidFill>
+                  <a:schemeClr val="tx1">
+                    <a:tint val="75000"/>
+                  </a:schemeClr>
+                </a:solidFill>
+              </a:defRPr>
             </a:lvl2pPr>
-            <a:lvl3pPr marL="914400" indent="0" algn="ctr">
-              <a:buNone/>
-              <a:defRPr sz="1800"/>
+            <a:lvl3pPr marL="914400" indent="0">
+              <a:buNone/>
+              <a:defRPr sz="1600">
+                <a:solidFill>
+                  <a:schemeClr val="tx1">
+                    <a:tint val="75000"/>
+                  </a:schemeClr>
+                </a:solidFill>
+              </a:defRPr>
             </a:lvl3pPr>
-            <a:lvl4pPr marL="1371600" indent="0" algn="ctr">
-              <a:buNone/>
-              <a:defRPr sz="1600"/>
+            <a:lvl4pPr marL="1371600" indent="0">
+              <a:buNone/>
+              <a:defRPr sz="1400">
+                <a:solidFill>
+                  <a:schemeClr val="tx1">
+                    <a:tint val="75000"/>
+                  </a:schemeClr>
+                </a:solidFill>
+              </a:defRPr>
             </a:lvl4pPr>
-            <a:lvl5pPr marL="1828800" indent="0" algn="ctr">
-              <a:buNone/>
-              <a:defRPr sz="1600"/>
+            <a:lvl5pPr marL="1828800" indent="0">
+              <a:buNone/>
+              <a:defRPr sz="1400">
+                <a:solidFill>
+                  <a:schemeClr val="tx1">
+                    <a:tint val="75000"/>
+                  </a:schemeClr>
+                </a:solidFill>
+              </a:defRPr>
             </a:lvl5pPr>
-            <a:lvl6pPr marL="2286000" indent="0" algn="ctr">
-              <a:buNone/>
-              <a:defRPr sz="1600"/>
+            <a:lvl6pPr marL="2286000" indent="0">
+              <a:buNone/>
+              <a:defRPr sz="1400">
+                <a:solidFill>
+                  <a:schemeClr val="tx1">
+                    <a:tint val="75000"/>
+                  </a:schemeClr>
+                </a:solidFill>
+              </a:defRPr>
             </a:lvl6pPr>
-            <a:lvl7pPr marL="2743200" indent="0" algn="ctr">
-              <a:buNone/>
-              <a:defRPr sz="1600"/>
+            <a:lvl7pPr marL="2743200" indent="0">
+              <a:buNone/>
+              <a:defRPr sz="1400">
+                <a:solidFill>
+                  <a:schemeClr val="tx1">
+                    <a:tint val="75000"/>
+                  </a:schemeClr>
+                </a:solidFill>
+              </a:defRPr>
             </a:lvl7pPr>
-            <a:lvl8pPr marL="3200400" indent="0" algn="ctr">
-              <a:buNone/>
-              <a:defRPr sz="1600"/>
+            <a:lvl8pPr marL="3200400" indent="0">
+              <a:buNone/>
+              <a:defRPr sz="1400">
+                <a:solidFill>
+                  <a:schemeClr val="tx1">
+                    <a:tint val="75000"/>
+                  </a:schemeClr>
+                </a:solidFill>
+              </a:defRPr>
             </a:lvl8pPr>
-            <a:lvl9pPr marL="3657600" indent="0" algn="ctr">
-              <a:buNone/>
-              <a:defRPr sz="1600"/>
+            <a:lvl9pPr marL="3657600" indent="0">
+              <a:buNone/>
+              <a:defRPr sz="1400">
+                <a:solidFill>
+                  <a:schemeClr val="tx1">
+                    <a:tint val="75000"/>
+                  </a:schemeClr>
+                </a:solidFill>
+              </a:defRPr>
             </a:lvl9pPr>
           </a:lstStyle>
           <a:p>
+            <a:pPr lvl="0"/>
             <a:r>
               <a:rPr lang="en-US"/>
-              <a:t>Click to edit Master subtitle style</a:t>
-            </a:r>
-            <a:endParaRPr lang="vi-VN"/>
+              <a:t>Click to edit Master text styles</a:t>
+            </a:r>
           </a:p>
         </p:txBody>
       </p:sp>
       <p:sp>
         <p:nvSpPr>
-          <p:cNvPr id="4" name="Date Placeholder 3">
-            <a:extLst>
-              <a:ext uri="{FF2B5EF4-FFF2-40B4-BE49-F238E27FC236}">
-                <a16:creationId xmlns:a16="http://schemas.microsoft.com/office/drawing/2014/main" id="{E5818332-BB26-41DE-95B1-885BE6F454F9}"/>
-              </a:ext>
-            </a:extLst>
-          </p:cNvPr>
+          <p:cNvPr id="4" name="Date Placeholder 3"/>
           <p:cNvSpPr>
             <a:spLocks noGrp="1"/>
           </p:cNvSpPr>
@@ -3949,13 +4810,7 @@
       </p:sp>
       <p:sp>
         <p:nvSpPr>
-          <p:cNvPr id="5" name="Footer Placeholder 4">
-            <a:extLst>
-              <a:ext uri="{FF2B5EF4-FFF2-40B4-BE49-F238E27FC236}">
-                <a16:creationId xmlns:a16="http://schemas.microsoft.com/office/drawing/2014/main" id="{07D021F5-10F3-41F2-B907-A623D126906E}"/>
-              </a:ext>
-            </a:extLst>
-          </p:cNvPr>
+          <p:cNvPr id="5" name="Footer Placeholder 4"/>
           <p:cNvSpPr>
             <a:spLocks noGrp="1"/>
           </p:cNvSpPr>
@@ -3974,13 +4829,7 @@
       </p:sp>
       <p:sp>
         <p:nvSpPr>
-          <p:cNvPr id="6" name="Slide Number Placeholder 5">
-            <a:extLst>
-              <a:ext uri="{FF2B5EF4-FFF2-40B4-BE49-F238E27FC236}">
-                <a16:creationId xmlns:a16="http://schemas.microsoft.com/office/drawing/2014/main" id="{2B77BF39-A2A1-445D-A586-1236A3CF0A6F}"/>
-              </a:ext>
-            </a:extLst>
-          </p:cNvPr>
+          <p:cNvPr id="6" name="Slide Number Placeholder 5"/>
           <p:cNvSpPr>
             <a:spLocks noGrp="1"/>
           </p:cNvSpPr>
@@ -4004,7 +4853,7 @@
     </p:spTree>
     <p:extLst>
       <p:ext uri="{BB962C8B-B14F-4D97-AF65-F5344CB8AC3E}">
-        <p14:creationId xmlns:p14="http://schemas.microsoft.com/office/powerpoint/2010/main" val="372876971"/>
+        <p14:creationId xmlns:p14="http://schemas.microsoft.com/office/powerpoint/2010/main" val="1532876144"/>
       </p:ext>
     </p:extLst>
   </p:cSld>
@@ -4014,7 +4863,1369 @@
 </p:sldLayout>
 </file>
 
-<file path=ppt/slideLayouts/slideLayout10.xml><?xml version="1.0" encoding="utf-8"?>
+<file path=ppt/slideLayouts/slideLayout11.xml><?xml version="1.0" encoding="utf-8"?>
+<p:sldLayout xmlns:a="http://schemas.openxmlformats.org/drawingml/2006/main" xmlns:r="http://schemas.openxmlformats.org/officeDocument/2006/relationships" xmlns:p="http://schemas.openxmlformats.org/presentationml/2006/main" preserve="1">
+  <p:cSld name="Quote with Caption">
+    <p:spTree>
+      <p:nvGrpSpPr>
+        <p:cNvPr id="1" name=""/>
+        <p:cNvGrpSpPr/>
+        <p:nvPr/>
+      </p:nvGrpSpPr>
+      <p:grpSpPr>
+        <a:xfrm>
+          <a:off x="0" y="0"/>
+          <a:ext cx="0" cy="0"/>
+          <a:chOff x="0" y="0"/>
+          <a:chExt cx="0" cy="0"/>
+        </a:xfrm>
+      </p:grpSpPr>
+      <p:sp>
+        <p:nvSpPr>
+          <p:cNvPr id="2" name="Title 1"/>
+          <p:cNvSpPr>
+            <a:spLocks noGrp="1"/>
+          </p:cNvSpPr>
+          <p:nvPr>
+            <p:ph type="title"/>
+          </p:nvPr>
+        </p:nvSpPr>
+        <p:spPr>
+          <a:xfrm>
+            <a:off x="931334" y="609600"/>
+            <a:ext cx="8094134" cy="3022600"/>
+          </a:xfrm>
+        </p:spPr>
+        <p:txBody>
+          <a:bodyPr anchor="ctr">
+            <a:normAutofit/>
+          </a:bodyPr>
+          <a:lstStyle>
+            <a:lvl1pPr algn="l">
+              <a:defRPr sz="4400" b="0" cap="none"/>
+            </a:lvl1pPr>
+          </a:lstStyle>
+          <a:p>
+            <a:r>
+              <a:rPr lang="en-US"/>
+              <a:t>Click to edit Master title style</a:t>
+            </a:r>
+            <a:endParaRPr lang="en-US" dirty="0"/>
+          </a:p>
+        </p:txBody>
+      </p:sp>
+      <p:sp>
+        <p:nvSpPr>
+          <p:cNvPr id="23" name="Text Placeholder 9"/>
+          <p:cNvSpPr>
+            <a:spLocks noGrp="1"/>
+          </p:cNvSpPr>
+          <p:nvPr>
+            <p:ph type="body" sz="quarter" idx="13"/>
+          </p:nvPr>
+        </p:nvSpPr>
+        <p:spPr>
+          <a:xfrm>
+            <a:off x="1366139" y="3632200"/>
+            <a:ext cx="7224524" cy="381000"/>
+          </a:xfrm>
+        </p:spPr>
+        <p:txBody>
+          <a:bodyPr anchor="ctr">
+            <a:noAutofit/>
+          </a:bodyPr>
+          <a:lstStyle>
+            <a:lvl1pPr marL="0" indent="0">
+              <a:buFontTx/>
+              <a:buNone/>
+              <a:defRPr sz="1600">
+                <a:solidFill>
+                  <a:schemeClr val="tx1">
+                    <a:lumMod val="50000"/>
+                    <a:lumOff val="50000"/>
+                  </a:schemeClr>
+                </a:solidFill>
+              </a:defRPr>
+            </a:lvl1pPr>
+            <a:lvl2pPr marL="457200" indent="0">
+              <a:buFontTx/>
+              <a:buNone/>
+              <a:defRPr/>
+            </a:lvl2pPr>
+            <a:lvl3pPr marL="914400" indent="0">
+              <a:buFontTx/>
+              <a:buNone/>
+              <a:defRPr/>
+            </a:lvl3pPr>
+            <a:lvl4pPr marL="1371600" indent="0">
+              <a:buFontTx/>
+              <a:buNone/>
+              <a:defRPr/>
+            </a:lvl4pPr>
+            <a:lvl5pPr marL="1828800" indent="0">
+              <a:buFontTx/>
+              <a:buNone/>
+              <a:defRPr/>
+            </a:lvl5pPr>
+          </a:lstStyle>
+          <a:p>
+            <a:pPr lvl="0"/>
+            <a:r>
+              <a:rPr lang="en-US"/>
+              <a:t>Click to edit Master text styles</a:t>
+            </a:r>
+          </a:p>
+        </p:txBody>
+      </p:sp>
+      <p:sp>
+        <p:nvSpPr>
+          <p:cNvPr id="3" name="Text Placeholder 2"/>
+          <p:cNvSpPr>
+            <a:spLocks noGrp="1"/>
+          </p:cNvSpPr>
+          <p:nvPr>
+            <p:ph type="body" idx="1"/>
+          </p:nvPr>
+        </p:nvSpPr>
+        <p:spPr>
+          <a:xfrm>
+            <a:off x="677335" y="4470400"/>
+            <a:ext cx="8596668" cy="1570962"/>
+          </a:xfrm>
+        </p:spPr>
+        <p:txBody>
+          <a:bodyPr anchor="ctr">
+            <a:normAutofit/>
+          </a:bodyPr>
+          <a:lstStyle>
+            <a:lvl1pPr marL="0" indent="0" algn="l">
+              <a:buNone/>
+              <a:defRPr sz="1800">
+                <a:solidFill>
+                  <a:schemeClr val="tx1">
+                    <a:lumMod val="75000"/>
+                    <a:lumOff val="25000"/>
+                  </a:schemeClr>
+                </a:solidFill>
+              </a:defRPr>
+            </a:lvl1pPr>
+            <a:lvl2pPr marL="457200" indent="0">
+              <a:buNone/>
+              <a:defRPr sz="1800">
+                <a:solidFill>
+                  <a:schemeClr val="tx1">
+                    <a:tint val="75000"/>
+                  </a:schemeClr>
+                </a:solidFill>
+              </a:defRPr>
+            </a:lvl2pPr>
+            <a:lvl3pPr marL="914400" indent="0">
+              <a:buNone/>
+              <a:defRPr sz="1600">
+                <a:solidFill>
+                  <a:schemeClr val="tx1">
+                    <a:tint val="75000"/>
+                  </a:schemeClr>
+                </a:solidFill>
+              </a:defRPr>
+            </a:lvl3pPr>
+            <a:lvl4pPr marL="1371600" indent="0">
+              <a:buNone/>
+              <a:defRPr sz="1400">
+                <a:solidFill>
+                  <a:schemeClr val="tx1">
+                    <a:tint val="75000"/>
+                  </a:schemeClr>
+                </a:solidFill>
+              </a:defRPr>
+            </a:lvl4pPr>
+            <a:lvl5pPr marL="1828800" indent="0">
+              <a:buNone/>
+              <a:defRPr sz="1400">
+                <a:solidFill>
+                  <a:schemeClr val="tx1">
+                    <a:tint val="75000"/>
+                  </a:schemeClr>
+                </a:solidFill>
+              </a:defRPr>
+            </a:lvl5pPr>
+            <a:lvl6pPr marL="2286000" indent="0">
+              <a:buNone/>
+              <a:defRPr sz="1400">
+                <a:solidFill>
+                  <a:schemeClr val="tx1">
+                    <a:tint val="75000"/>
+                  </a:schemeClr>
+                </a:solidFill>
+              </a:defRPr>
+            </a:lvl6pPr>
+            <a:lvl7pPr marL="2743200" indent="0">
+              <a:buNone/>
+              <a:defRPr sz="1400">
+                <a:solidFill>
+                  <a:schemeClr val="tx1">
+                    <a:tint val="75000"/>
+                  </a:schemeClr>
+                </a:solidFill>
+              </a:defRPr>
+            </a:lvl7pPr>
+            <a:lvl8pPr marL="3200400" indent="0">
+              <a:buNone/>
+              <a:defRPr sz="1400">
+                <a:solidFill>
+                  <a:schemeClr val="tx1">
+                    <a:tint val="75000"/>
+                  </a:schemeClr>
+                </a:solidFill>
+              </a:defRPr>
+            </a:lvl8pPr>
+            <a:lvl9pPr marL="3657600" indent="0">
+              <a:buNone/>
+              <a:defRPr sz="1400">
+                <a:solidFill>
+                  <a:schemeClr val="tx1">
+                    <a:tint val="75000"/>
+                  </a:schemeClr>
+                </a:solidFill>
+              </a:defRPr>
+            </a:lvl9pPr>
+          </a:lstStyle>
+          <a:p>
+            <a:pPr lvl="0"/>
+            <a:r>
+              <a:rPr lang="en-US"/>
+              <a:t>Click to edit Master text styles</a:t>
+            </a:r>
+          </a:p>
+        </p:txBody>
+      </p:sp>
+      <p:sp>
+        <p:nvSpPr>
+          <p:cNvPr id="4" name="Date Placeholder 3"/>
+          <p:cNvSpPr>
+            <a:spLocks noGrp="1"/>
+          </p:cNvSpPr>
+          <p:nvPr>
+            <p:ph type="dt" sz="half" idx="10"/>
+          </p:nvPr>
+        </p:nvSpPr>
+        <p:spPr/>
+        <p:txBody>
+          <a:bodyPr/>
+          <a:lstStyle/>
+          <a:p>
+            <a:fld id="{B7AE79E7-3A69-41C5-903D-682ADD965818}" type="datetimeFigureOut">
+              <a:rPr lang="vi-VN" smtClean="0"/>
+              <a:t>30/05/2019</a:t>
+            </a:fld>
+            <a:endParaRPr lang="vi-VN"/>
+          </a:p>
+        </p:txBody>
+      </p:sp>
+      <p:sp>
+        <p:nvSpPr>
+          <p:cNvPr id="5" name="Footer Placeholder 4"/>
+          <p:cNvSpPr>
+            <a:spLocks noGrp="1"/>
+          </p:cNvSpPr>
+          <p:nvPr>
+            <p:ph type="ftr" sz="quarter" idx="11"/>
+          </p:nvPr>
+        </p:nvSpPr>
+        <p:spPr/>
+        <p:txBody>
+          <a:bodyPr/>
+          <a:lstStyle/>
+          <a:p>
+            <a:endParaRPr lang="vi-VN"/>
+          </a:p>
+        </p:txBody>
+      </p:sp>
+      <p:sp>
+        <p:nvSpPr>
+          <p:cNvPr id="6" name="Slide Number Placeholder 5"/>
+          <p:cNvSpPr>
+            <a:spLocks noGrp="1"/>
+          </p:cNvSpPr>
+          <p:nvPr>
+            <p:ph type="sldNum" sz="quarter" idx="12"/>
+          </p:nvPr>
+        </p:nvSpPr>
+        <p:spPr/>
+        <p:txBody>
+          <a:bodyPr/>
+          <a:lstStyle/>
+          <a:p>
+            <a:fld id="{DB71D3C8-3975-43E0-A144-FA6528C65F0C}" type="slidenum">
+              <a:rPr lang="vi-VN" smtClean="0"/>
+              <a:t>‹#›</a:t>
+            </a:fld>
+            <a:endParaRPr lang="vi-VN"/>
+          </a:p>
+        </p:txBody>
+      </p:sp>
+      <p:sp>
+        <p:nvSpPr>
+          <p:cNvPr id="20" name="TextBox 19"/>
+          <p:cNvSpPr txBox="1"/>
+          <p:nvPr/>
+        </p:nvSpPr>
+        <p:spPr>
+          <a:xfrm>
+            <a:off x="541870" y="790378"/>
+            <a:ext cx="609600" cy="584776"/>
+          </a:xfrm>
+          <a:prstGeom prst="rect">
+            <a:avLst/>
+          </a:prstGeom>
+        </p:spPr>
+        <p:txBody>
+          <a:bodyPr vert="horz" lIns="91440" tIns="45720" rIns="91440" bIns="45720" rtlCol="0" anchor="ctr">
+            <a:noAutofit/>
+          </a:bodyPr>
+          <a:lstStyle/>
+          <a:p>
+            <a:pPr lvl="0"/>
+            <a:r>
+              <a:rPr lang="en-US" sz="8000" baseline="0" dirty="0">
+                <a:ln w="3175" cmpd="sng">
+                  <a:noFill/>
+                </a:ln>
+                <a:solidFill>
+                  <a:schemeClr val="accent1">
+                    <a:lumMod val="60000"/>
+                    <a:lumOff val="40000"/>
+                  </a:schemeClr>
+                </a:solidFill>
+                <a:effectLst/>
+                <a:latin typeface="Arial"/>
+              </a:rPr>
+              <a:t>“</a:t>
+            </a:r>
+          </a:p>
+        </p:txBody>
+      </p:sp>
+      <p:sp>
+        <p:nvSpPr>
+          <p:cNvPr id="22" name="TextBox 21"/>
+          <p:cNvSpPr txBox="1"/>
+          <p:nvPr/>
+        </p:nvSpPr>
+        <p:spPr>
+          <a:xfrm>
+            <a:off x="8893011" y="2886556"/>
+            <a:ext cx="609600" cy="584776"/>
+          </a:xfrm>
+          <a:prstGeom prst="rect">
+            <a:avLst/>
+          </a:prstGeom>
+        </p:spPr>
+        <p:txBody>
+          <a:bodyPr vert="horz" lIns="91440" tIns="45720" rIns="91440" bIns="45720" rtlCol="0" anchor="ctr">
+            <a:noAutofit/>
+          </a:bodyPr>
+          <a:lstStyle/>
+          <a:p>
+            <a:pPr lvl="0"/>
+            <a:r>
+              <a:rPr lang="en-US" sz="8000" baseline="0" dirty="0">
+                <a:ln w="3175" cmpd="sng">
+                  <a:noFill/>
+                </a:ln>
+                <a:solidFill>
+                  <a:schemeClr val="accent1">
+                    <a:lumMod val="60000"/>
+                    <a:lumOff val="40000"/>
+                  </a:schemeClr>
+                </a:solidFill>
+                <a:latin typeface="Arial"/>
+              </a:rPr>
+              <a:t>”</a:t>
+            </a:r>
+            <a:endParaRPr lang="en-US" dirty="0">
+              <a:solidFill>
+                <a:schemeClr val="accent1">
+                  <a:lumMod val="60000"/>
+                  <a:lumOff val="40000"/>
+                </a:schemeClr>
+              </a:solidFill>
+              <a:latin typeface="Arial"/>
+            </a:endParaRPr>
+          </a:p>
+        </p:txBody>
+      </p:sp>
+    </p:spTree>
+    <p:extLst>
+      <p:ext uri="{BB962C8B-B14F-4D97-AF65-F5344CB8AC3E}">
+        <p14:creationId xmlns:p14="http://schemas.microsoft.com/office/powerpoint/2010/main" val="2467128251"/>
+      </p:ext>
+    </p:extLst>
+  </p:cSld>
+  <p:clrMapOvr>
+    <a:masterClrMapping/>
+  </p:clrMapOvr>
+</p:sldLayout>
+</file>
+
+<file path=ppt/slideLayouts/slideLayout12.xml><?xml version="1.0" encoding="utf-8"?>
+<p:sldLayout xmlns:a="http://schemas.openxmlformats.org/drawingml/2006/main" xmlns:r="http://schemas.openxmlformats.org/officeDocument/2006/relationships" xmlns:p="http://schemas.openxmlformats.org/presentationml/2006/main" preserve="1">
+  <p:cSld name="Name Card">
+    <p:spTree>
+      <p:nvGrpSpPr>
+        <p:cNvPr id="1" name=""/>
+        <p:cNvGrpSpPr/>
+        <p:nvPr/>
+      </p:nvGrpSpPr>
+      <p:grpSpPr>
+        <a:xfrm>
+          <a:off x="0" y="0"/>
+          <a:ext cx="0" cy="0"/>
+          <a:chOff x="0" y="0"/>
+          <a:chExt cx="0" cy="0"/>
+        </a:xfrm>
+      </p:grpSpPr>
+      <p:sp>
+        <p:nvSpPr>
+          <p:cNvPr id="2" name="Title 1"/>
+          <p:cNvSpPr>
+            <a:spLocks noGrp="1"/>
+          </p:cNvSpPr>
+          <p:nvPr>
+            <p:ph type="title"/>
+          </p:nvPr>
+        </p:nvSpPr>
+        <p:spPr>
+          <a:xfrm>
+            <a:off x="677335" y="1931988"/>
+            <a:ext cx="8596668" cy="2595460"/>
+          </a:xfrm>
+        </p:spPr>
+        <p:txBody>
+          <a:bodyPr anchor="b">
+            <a:normAutofit/>
+          </a:bodyPr>
+          <a:lstStyle>
+            <a:lvl1pPr algn="l">
+              <a:defRPr sz="4400" b="0" cap="none"/>
+            </a:lvl1pPr>
+          </a:lstStyle>
+          <a:p>
+            <a:r>
+              <a:rPr lang="en-US"/>
+              <a:t>Click to edit Master title style</a:t>
+            </a:r>
+            <a:endParaRPr lang="en-US" dirty="0"/>
+          </a:p>
+        </p:txBody>
+      </p:sp>
+      <p:sp>
+        <p:nvSpPr>
+          <p:cNvPr id="3" name="Text Placeholder 2"/>
+          <p:cNvSpPr>
+            <a:spLocks noGrp="1"/>
+          </p:cNvSpPr>
+          <p:nvPr>
+            <p:ph type="body" idx="1"/>
+          </p:nvPr>
+        </p:nvSpPr>
+        <p:spPr>
+          <a:xfrm>
+            <a:off x="677335" y="4527448"/>
+            <a:ext cx="8596668" cy="1513914"/>
+          </a:xfrm>
+        </p:spPr>
+        <p:txBody>
+          <a:bodyPr anchor="t">
+            <a:normAutofit/>
+          </a:bodyPr>
+          <a:lstStyle>
+            <a:lvl1pPr marL="0" indent="0" algn="l">
+              <a:buNone/>
+              <a:defRPr sz="1800">
+                <a:solidFill>
+                  <a:schemeClr val="tx1">
+                    <a:lumMod val="75000"/>
+                    <a:lumOff val="25000"/>
+                  </a:schemeClr>
+                </a:solidFill>
+              </a:defRPr>
+            </a:lvl1pPr>
+            <a:lvl2pPr marL="457200" indent="0">
+              <a:buNone/>
+              <a:defRPr sz="1800">
+                <a:solidFill>
+                  <a:schemeClr val="tx1">
+                    <a:tint val="75000"/>
+                  </a:schemeClr>
+                </a:solidFill>
+              </a:defRPr>
+            </a:lvl2pPr>
+            <a:lvl3pPr marL="914400" indent="0">
+              <a:buNone/>
+              <a:defRPr sz="1600">
+                <a:solidFill>
+                  <a:schemeClr val="tx1">
+                    <a:tint val="75000"/>
+                  </a:schemeClr>
+                </a:solidFill>
+              </a:defRPr>
+            </a:lvl3pPr>
+            <a:lvl4pPr marL="1371600" indent="0">
+              <a:buNone/>
+              <a:defRPr sz="1400">
+                <a:solidFill>
+                  <a:schemeClr val="tx1">
+                    <a:tint val="75000"/>
+                  </a:schemeClr>
+                </a:solidFill>
+              </a:defRPr>
+            </a:lvl4pPr>
+            <a:lvl5pPr marL="1828800" indent="0">
+              <a:buNone/>
+              <a:defRPr sz="1400">
+                <a:solidFill>
+                  <a:schemeClr val="tx1">
+                    <a:tint val="75000"/>
+                  </a:schemeClr>
+                </a:solidFill>
+              </a:defRPr>
+            </a:lvl5pPr>
+            <a:lvl6pPr marL="2286000" indent="0">
+              <a:buNone/>
+              <a:defRPr sz="1400">
+                <a:solidFill>
+                  <a:schemeClr val="tx1">
+                    <a:tint val="75000"/>
+                  </a:schemeClr>
+                </a:solidFill>
+              </a:defRPr>
+            </a:lvl6pPr>
+            <a:lvl7pPr marL="2743200" indent="0">
+              <a:buNone/>
+              <a:defRPr sz="1400">
+                <a:solidFill>
+                  <a:schemeClr val="tx1">
+                    <a:tint val="75000"/>
+                  </a:schemeClr>
+                </a:solidFill>
+              </a:defRPr>
+            </a:lvl7pPr>
+            <a:lvl8pPr marL="3200400" indent="0">
+              <a:buNone/>
+              <a:defRPr sz="1400">
+                <a:solidFill>
+                  <a:schemeClr val="tx1">
+                    <a:tint val="75000"/>
+                  </a:schemeClr>
+                </a:solidFill>
+              </a:defRPr>
+            </a:lvl8pPr>
+            <a:lvl9pPr marL="3657600" indent="0">
+              <a:buNone/>
+              <a:defRPr sz="1400">
+                <a:solidFill>
+                  <a:schemeClr val="tx1">
+                    <a:tint val="75000"/>
+                  </a:schemeClr>
+                </a:solidFill>
+              </a:defRPr>
+            </a:lvl9pPr>
+          </a:lstStyle>
+          <a:p>
+            <a:pPr lvl="0"/>
+            <a:r>
+              <a:rPr lang="en-US"/>
+              <a:t>Click to edit Master text styles</a:t>
+            </a:r>
+          </a:p>
+        </p:txBody>
+      </p:sp>
+      <p:sp>
+        <p:nvSpPr>
+          <p:cNvPr id="4" name="Date Placeholder 3"/>
+          <p:cNvSpPr>
+            <a:spLocks noGrp="1"/>
+          </p:cNvSpPr>
+          <p:nvPr>
+            <p:ph type="dt" sz="half" idx="10"/>
+          </p:nvPr>
+        </p:nvSpPr>
+        <p:spPr/>
+        <p:txBody>
+          <a:bodyPr/>
+          <a:lstStyle/>
+          <a:p>
+            <a:fld id="{B7AE79E7-3A69-41C5-903D-682ADD965818}" type="datetimeFigureOut">
+              <a:rPr lang="vi-VN" smtClean="0"/>
+              <a:t>30/05/2019</a:t>
+            </a:fld>
+            <a:endParaRPr lang="vi-VN"/>
+          </a:p>
+        </p:txBody>
+      </p:sp>
+      <p:sp>
+        <p:nvSpPr>
+          <p:cNvPr id="5" name="Footer Placeholder 4"/>
+          <p:cNvSpPr>
+            <a:spLocks noGrp="1"/>
+          </p:cNvSpPr>
+          <p:nvPr>
+            <p:ph type="ftr" sz="quarter" idx="11"/>
+          </p:nvPr>
+        </p:nvSpPr>
+        <p:spPr/>
+        <p:txBody>
+          <a:bodyPr/>
+          <a:lstStyle/>
+          <a:p>
+            <a:endParaRPr lang="vi-VN"/>
+          </a:p>
+        </p:txBody>
+      </p:sp>
+      <p:sp>
+        <p:nvSpPr>
+          <p:cNvPr id="6" name="Slide Number Placeholder 5"/>
+          <p:cNvSpPr>
+            <a:spLocks noGrp="1"/>
+          </p:cNvSpPr>
+          <p:nvPr>
+            <p:ph type="sldNum" sz="quarter" idx="12"/>
+          </p:nvPr>
+        </p:nvSpPr>
+        <p:spPr/>
+        <p:txBody>
+          <a:bodyPr/>
+          <a:lstStyle/>
+          <a:p>
+            <a:fld id="{DB71D3C8-3975-43E0-A144-FA6528C65F0C}" type="slidenum">
+              <a:rPr lang="vi-VN" smtClean="0"/>
+              <a:t>‹#›</a:t>
+            </a:fld>
+            <a:endParaRPr lang="vi-VN"/>
+          </a:p>
+        </p:txBody>
+      </p:sp>
+    </p:spTree>
+    <p:extLst>
+      <p:ext uri="{BB962C8B-B14F-4D97-AF65-F5344CB8AC3E}">
+        <p14:creationId xmlns:p14="http://schemas.microsoft.com/office/powerpoint/2010/main" val="1589916600"/>
+      </p:ext>
+    </p:extLst>
+  </p:cSld>
+  <p:clrMapOvr>
+    <a:masterClrMapping/>
+  </p:clrMapOvr>
+</p:sldLayout>
+</file>
+
+<file path=ppt/slideLayouts/slideLayout13.xml><?xml version="1.0" encoding="utf-8"?>
+<p:sldLayout xmlns:a="http://schemas.openxmlformats.org/drawingml/2006/main" xmlns:r="http://schemas.openxmlformats.org/officeDocument/2006/relationships" xmlns:p="http://schemas.openxmlformats.org/presentationml/2006/main" preserve="1">
+  <p:cSld name="Quote Name Card">
+    <p:spTree>
+      <p:nvGrpSpPr>
+        <p:cNvPr id="1" name=""/>
+        <p:cNvGrpSpPr/>
+        <p:nvPr/>
+      </p:nvGrpSpPr>
+      <p:grpSpPr>
+        <a:xfrm>
+          <a:off x="0" y="0"/>
+          <a:ext cx="0" cy="0"/>
+          <a:chOff x="0" y="0"/>
+          <a:chExt cx="0" cy="0"/>
+        </a:xfrm>
+      </p:grpSpPr>
+      <p:sp>
+        <p:nvSpPr>
+          <p:cNvPr id="2" name="Title 1"/>
+          <p:cNvSpPr>
+            <a:spLocks noGrp="1"/>
+          </p:cNvSpPr>
+          <p:nvPr>
+            <p:ph type="title"/>
+          </p:nvPr>
+        </p:nvSpPr>
+        <p:spPr>
+          <a:xfrm>
+            <a:off x="931334" y="609600"/>
+            <a:ext cx="8094134" cy="3022600"/>
+          </a:xfrm>
+        </p:spPr>
+        <p:txBody>
+          <a:bodyPr anchor="ctr">
+            <a:normAutofit/>
+          </a:bodyPr>
+          <a:lstStyle>
+            <a:lvl1pPr algn="l">
+              <a:defRPr sz="4400" b="0" cap="none"/>
+            </a:lvl1pPr>
+          </a:lstStyle>
+          <a:p>
+            <a:r>
+              <a:rPr lang="en-US"/>
+              <a:t>Click to edit Master title style</a:t>
+            </a:r>
+            <a:endParaRPr lang="en-US" dirty="0"/>
+          </a:p>
+        </p:txBody>
+      </p:sp>
+      <p:sp>
+        <p:nvSpPr>
+          <p:cNvPr id="23" name="Text Placeholder 9"/>
+          <p:cNvSpPr>
+            <a:spLocks noGrp="1"/>
+          </p:cNvSpPr>
+          <p:nvPr>
+            <p:ph type="body" sz="quarter" idx="13"/>
+          </p:nvPr>
+        </p:nvSpPr>
+        <p:spPr>
+          <a:xfrm>
+            <a:off x="677332" y="4013200"/>
+            <a:ext cx="8596669" cy="514248"/>
+          </a:xfrm>
+        </p:spPr>
+        <p:txBody>
+          <a:bodyPr anchor="b">
+            <a:noAutofit/>
+          </a:bodyPr>
+          <a:lstStyle>
+            <a:lvl1pPr marL="0" indent="0">
+              <a:buFontTx/>
+              <a:buNone/>
+              <a:defRPr sz="2400">
+                <a:solidFill>
+                  <a:schemeClr val="tx1">
+                    <a:lumMod val="75000"/>
+                    <a:lumOff val="25000"/>
+                  </a:schemeClr>
+                </a:solidFill>
+              </a:defRPr>
+            </a:lvl1pPr>
+            <a:lvl2pPr marL="457200" indent="0">
+              <a:buFontTx/>
+              <a:buNone/>
+              <a:defRPr/>
+            </a:lvl2pPr>
+            <a:lvl3pPr marL="914400" indent="0">
+              <a:buFontTx/>
+              <a:buNone/>
+              <a:defRPr/>
+            </a:lvl3pPr>
+            <a:lvl4pPr marL="1371600" indent="0">
+              <a:buFontTx/>
+              <a:buNone/>
+              <a:defRPr/>
+            </a:lvl4pPr>
+            <a:lvl5pPr marL="1828800" indent="0">
+              <a:buFontTx/>
+              <a:buNone/>
+              <a:defRPr/>
+            </a:lvl5pPr>
+          </a:lstStyle>
+          <a:p>
+            <a:pPr lvl="0"/>
+            <a:r>
+              <a:rPr lang="en-US"/>
+              <a:t>Click to edit Master text styles</a:t>
+            </a:r>
+          </a:p>
+        </p:txBody>
+      </p:sp>
+      <p:sp>
+        <p:nvSpPr>
+          <p:cNvPr id="3" name="Text Placeholder 2"/>
+          <p:cNvSpPr>
+            <a:spLocks noGrp="1"/>
+          </p:cNvSpPr>
+          <p:nvPr>
+            <p:ph type="body" idx="1"/>
+          </p:nvPr>
+        </p:nvSpPr>
+        <p:spPr>
+          <a:xfrm>
+            <a:off x="677335" y="4527448"/>
+            <a:ext cx="8596668" cy="1513914"/>
+          </a:xfrm>
+        </p:spPr>
+        <p:txBody>
+          <a:bodyPr anchor="t">
+            <a:normAutofit/>
+          </a:bodyPr>
+          <a:lstStyle>
+            <a:lvl1pPr marL="0" indent="0" algn="l">
+              <a:buNone/>
+              <a:defRPr sz="1800">
+                <a:solidFill>
+                  <a:schemeClr val="tx1">
+                    <a:lumMod val="50000"/>
+                    <a:lumOff val="50000"/>
+                  </a:schemeClr>
+                </a:solidFill>
+              </a:defRPr>
+            </a:lvl1pPr>
+            <a:lvl2pPr marL="457200" indent="0">
+              <a:buNone/>
+              <a:defRPr sz="1800">
+                <a:solidFill>
+                  <a:schemeClr val="tx1">
+                    <a:tint val="75000"/>
+                  </a:schemeClr>
+                </a:solidFill>
+              </a:defRPr>
+            </a:lvl2pPr>
+            <a:lvl3pPr marL="914400" indent="0">
+              <a:buNone/>
+              <a:defRPr sz="1600">
+                <a:solidFill>
+                  <a:schemeClr val="tx1">
+                    <a:tint val="75000"/>
+                  </a:schemeClr>
+                </a:solidFill>
+              </a:defRPr>
+            </a:lvl3pPr>
+            <a:lvl4pPr marL="1371600" indent="0">
+              <a:buNone/>
+              <a:defRPr sz="1400">
+                <a:solidFill>
+                  <a:schemeClr val="tx1">
+                    <a:tint val="75000"/>
+                  </a:schemeClr>
+                </a:solidFill>
+              </a:defRPr>
+            </a:lvl4pPr>
+            <a:lvl5pPr marL="1828800" indent="0">
+              <a:buNone/>
+              <a:defRPr sz="1400">
+                <a:solidFill>
+                  <a:schemeClr val="tx1">
+                    <a:tint val="75000"/>
+                  </a:schemeClr>
+                </a:solidFill>
+              </a:defRPr>
+            </a:lvl5pPr>
+            <a:lvl6pPr marL="2286000" indent="0">
+              <a:buNone/>
+              <a:defRPr sz="1400">
+                <a:solidFill>
+                  <a:schemeClr val="tx1">
+                    <a:tint val="75000"/>
+                  </a:schemeClr>
+                </a:solidFill>
+              </a:defRPr>
+            </a:lvl6pPr>
+            <a:lvl7pPr marL="2743200" indent="0">
+              <a:buNone/>
+              <a:defRPr sz="1400">
+                <a:solidFill>
+                  <a:schemeClr val="tx1">
+                    <a:tint val="75000"/>
+                  </a:schemeClr>
+                </a:solidFill>
+              </a:defRPr>
+            </a:lvl7pPr>
+            <a:lvl8pPr marL="3200400" indent="0">
+              <a:buNone/>
+              <a:defRPr sz="1400">
+                <a:solidFill>
+                  <a:schemeClr val="tx1">
+                    <a:tint val="75000"/>
+                  </a:schemeClr>
+                </a:solidFill>
+              </a:defRPr>
+            </a:lvl8pPr>
+            <a:lvl9pPr marL="3657600" indent="0">
+              <a:buNone/>
+              <a:defRPr sz="1400">
+                <a:solidFill>
+                  <a:schemeClr val="tx1">
+                    <a:tint val="75000"/>
+                  </a:schemeClr>
+                </a:solidFill>
+              </a:defRPr>
+            </a:lvl9pPr>
+          </a:lstStyle>
+          <a:p>
+            <a:pPr lvl="0"/>
+            <a:r>
+              <a:rPr lang="en-US"/>
+              <a:t>Click to edit Master text styles</a:t>
+            </a:r>
+          </a:p>
+        </p:txBody>
+      </p:sp>
+      <p:sp>
+        <p:nvSpPr>
+          <p:cNvPr id="4" name="Date Placeholder 3"/>
+          <p:cNvSpPr>
+            <a:spLocks noGrp="1"/>
+          </p:cNvSpPr>
+          <p:nvPr>
+            <p:ph type="dt" sz="half" idx="10"/>
+          </p:nvPr>
+        </p:nvSpPr>
+        <p:spPr/>
+        <p:txBody>
+          <a:bodyPr/>
+          <a:lstStyle/>
+          <a:p>
+            <a:fld id="{B7AE79E7-3A69-41C5-903D-682ADD965818}" type="datetimeFigureOut">
+              <a:rPr lang="vi-VN" smtClean="0"/>
+              <a:t>30/05/2019</a:t>
+            </a:fld>
+            <a:endParaRPr lang="vi-VN"/>
+          </a:p>
+        </p:txBody>
+      </p:sp>
+      <p:sp>
+        <p:nvSpPr>
+          <p:cNvPr id="5" name="Footer Placeholder 4"/>
+          <p:cNvSpPr>
+            <a:spLocks noGrp="1"/>
+          </p:cNvSpPr>
+          <p:nvPr>
+            <p:ph type="ftr" sz="quarter" idx="11"/>
+          </p:nvPr>
+        </p:nvSpPr>
+        <p:spPr/>
+        <p:txBody>
+          <a:bodyPr/>
+          <a:lstStyle/>
+          <a:p>
+            <a:endParaRPr lang="vi-VN"/>
+          </a:p>
+        </p:txBody>
+      </p:sp>
+      <p:sp>
+        <p:nvSpPr>
+          <p:cNvPr id="6" name="Slide Number Placeholder 5"/>
+          <p:cNvSpPr>
+            <a:spLocks noGrp="1"/>
+          </p:cNvSpPr>
+          <p:nvPr>
+            <p:ph type="sldNum" sz="quarter" idx="12"/>
+          </p:nvPr>
+        </p:nvSpPr>
+        <p:spPr/>
+        <p:txBody>
+          <a:bodyPr/>
+          <a:lstStyle/>
+          <a:p>
+            <a:fld id="{DB71D3C8-3975-43E0-A144-FA6528C65F0C}" type="slidenum">
+              <a:rPr lang="vi-VN" smtClean="0"/>
+              <a:t>‹#›</a:t>
+            </a:fld>
+            <a:endParaRPr lang="vi-VN"/>
+          </a:p>
+        </p:txBody>
+      </p:sp>
+      <p:sp>
+        <p:nvSpPr>
+          <p:cNvPr id="24" name="TextBox 23"/>
+          <p:cNvSpPr txBox="1"/>
+          <p:nvPr/>
+        </p:nvSpPr>
+        <p:spPr>
+          <a:xfrm>
+            <a:off x="541870" y="790378"/>
+            <a:ext cx="609600" cy="584776"/>
+          </a:xfrm>
+          <a:prstGeom prst="rect">
+            <a:avLst/>
+          </a:prstGeom>
+        </p:spPr>
+        <p:txBody>
+          <a:bodyPr vert="horz" lIns="91440" tIns="45720" rIns="91440" bIns="45720" rtlCol="0" anchor="ctr">
+            <a:noAutofit/>
+          </a:bodyPr>
+          <a:lstStyle/>
+          <a:p>
+            <a:pPr lvl="0"/>
+            <a:r>
+              <a:rPr lang="en-US" sz="8000" baseline="0" dirty="0">
+                <a:ln w="3175" cmpd="sng">
+                  <a:noFill/>
+                </a:ln>
+                <a:solidFill>
+                  <a:schemeClr val="accent1">
+                    <a:lumMod val="60000"/>
+                    <a:lumOff val="40000"/>
+                  </a:schemeClr>
+                </a:solidFill>
+                <a:effectLst/>
+                <a:latin typeface="Arial"/>
+              </a:rPr>
+              <a:t>“</a:t>
+            </a:r>
+          </a:p>
+        </p:txBody>
+      </p:sp>
+      <p:sp>
+        <p:nvSpPr>
+          <p:cNvPr id="25" name="TextBox 24"/>
+          <p:cNvSpPr txBox="1"/>
+          <p:nvPr/>
+        </p:nvSpPr>
+        <p:spPr>
+          <a:xfrm>
+            <a:off x="8893011" y="2886556"/>
+            <a:ext cx="609600" cy="584776"/>
+          </a:xfrm>
+          <a:prstGeom prst="rect">
+            <a:avLst/>
+          </a:prstGeom>
+        </p:spPr>
+        <p:txBody>
+          <a:bodyPr vert="horz" lIns="91440" tIns="45720" rIns="91440" bIns="45720" rtlCol="0" anchor="ctr">
+            <a:noAutofit/>
+          </a:bodyPr>
+          <a:lstStyle/>
+          <a:p>
+            <a:pPr lvl="0"/>
+            <a:r>
+              <a:rPr lang="en-US" sz="8000" baseline="0" dirty="0">
+                <a:ln w="3175" cmpd="sng">
+                  <a:noFill/>
+                </a:ln>
+                <a:solidFill>
+                  <a:schemeClr val="accent1">
+                    <a:lumMod val="60000"/>
+                    <a:lumOff val="40000"/>
+                  </a:schemeClr>
+                </a:solidFill>
+                <a:effectLst/>
+                <a:latin typeface="Arial"/>
+              </a:rPr>
+              <a:t>”</a:t>
+            </a:r>
+          </a:p>
+        </p:txBody>
+      </p:sp>
+    </p:spTree>
+    <p:extLst>
+      <p:ext uri="{BB962C8B-B14F-4D97-AF65-F5344CB8AC3E}">
+        <p14:creationId xmlns:p14="http://schemas.microsoft.com/office/powerpoint/2010/main" val="469863709"/>
+      </p:ext>
+    </p:extLst>
+  </p:cSld>
+  <p:clrMapOvr>
+    <a:masterClrMapping/>
+  </p:clrMapOvr>
+</p:sldLayout>
+</file>
+
+<file path=ppt/slideLayouts/slideLayout14.xml><?xml version="1.0" encoding="utf-8"?>
+<p:sldLayout xmlns:a="http://schemas.openxmlformats.org/drawingml/2006/main" xmlns:r="http://schemas.openxmlformats.org/officeDocument/2006/relationships" xmlns:p="http://schemas.openxmlformats.org/presentationml/2006/main" preserve="1">
+  <p:cSld name="True or False">
+    <p:spTree>
+      <p:nvGrpSpPr>
+        <p:cNvPr id="1" name=""/>
+        <p:cNvGrpSpPr/>
+        <p:nvPr/>
+      </p:nvGrpSpPr>
+      <p:grpSpPr>
+        <a:xfrm>
+          <a:off x="0" y="0"/>
+          <a:ext cx="0" cy="0"/>
+          <a:chOff x="0" y="0"/>
+          <a:chExt cx="0" cy="0"/>
+        </a:xfrm>
+      </p:grpSpPr>
+      <p:sp>
+        <p:nvSpPr>
+          <p:cNvPr id="2" name="Title 1"/>
+          <p:cNvSpPr>
+            <a:spLocks noGrp="1"/>
+          </p:cNvSpPr>
+          <p:nvPr>
+            <p:ph type="title"/>
+          </p:nvPr>
+        </p:nvSpPr>
+        <p:spPr>
+          <a:xfrm>
+            <a:off x="685799" y="609600"/>
+            <a:ext cx="8588203" cy="3022600"/>
+          </a:xfrm>
+        </p:spPr>
+        <p:txBody>
+          <a:bodyPr anchor="ctr">
+            <a:normAutofit/>
+          </a:bodyPr>
+          <a:lstStyle>
+            <a:lvl1pPr algn="l">
+              <a:defRPr sz="4400" b="0" cap="none"/>
+            </a:lvl1pPr>
+          </a:lstStyle>
+          <a:p>
+            <a:r>
+              <a:rPr lang="en-US"/>
+              <a:t>Click to edit Master title style</a:t>
+            </a:r>
+            <a:endParaRPr lang="en-US" dirty="0"/>
+          </a:p>
+        </p:txBody>
+      </p:sp>
+      <p:sp>
+        <p:nvSpPr>
+          <p:cNvPr id="23" name="Text Placeholder 9"/>
+          <p:cNvSpPr>
+            <a:spLocks noGrp="1"/>
+          </p:cNvSpPr>
+          <p:nvPr>
+            <p:ph type="body" sz="quarter" idx="13"/>
+          </p:nvPr>
+        </p:nvSpPr>
+        <p:spPr>
+          <a:xfrm>
+            <a:off x="677332" y="4013200"/>
+            <a:ext cx="8596669" cy="514248"/>
+          </a:xfrm>
+        </p:spPr>
+        <p:txBody>
+          <a:bodyPr anchor="b">
+            <a:noAutofit/>
+          </a:bodyPr>
+          <a:lstStyle>
+            <a:lvl1pPr marL="0" indent="0">
+              <a:buFontTx/>
+              <a:buNone/>
+              <a:defRPr sz="2400">
+                <a:solidFill>
+                  <a:schemeClr val="accent1"/>
+                </a:solidFill>
+              </a:defRPr>
+            </a:lvl1pPr>
+            <a:lvl2pPr marL="457200" indent="0">
+              <a:buFontTx/>
+              <a:buNone/>
+              <a:defRPr/>
+            </a:lvl2pPr>
+            <a:lvl3pPr marL="914400" indent="0">
+              <a:buFontTx/>
+              <a:buNone/>
+              <a:defRPr/>
+            </a:lvl3pPr>
+            <a:lvl4pPr marL="1371600" indent="0">
+              <a:buFontTx/>
+              <a:buNone/>
+              <a:defRPr/>
+            </a:lvl4pPr>
+            <a:lvl5pPr marL="1828800" indent="0">
+              <a:buFontTx/>
+              <a:buNone/>
+              <a:defRPr/>
+            </a:lvl5pPr>
+          </a:lstStyle>
+          <a:p>
+            <a:pPr lvl="0"/>
+            <a:r>
+              <a:rPr lang="en-US"/>
+              <a:t>Click to edit Master text styles</a:t>
+            </a:r>
+          </a:p>
+        </p:txBody>
+      </p:sp>
+      <p:sp>
+        <p:nvSpPr>
+          <p:cNvPr id="3" name="Text Placeholder 2"/>
+          <p:cNvSpPr>
+            <a:spLocks noGrp="1"/>
+          </p:cNvSpPr>
+          <p:nvPr>
+            <p:ph type="body" idx="1"/>
+          </p:nvPr>
+        </p:nvSpPr>
+        <p:spPr>
+          <a:xfrm>
+            <a:off x="677335" y="4527448"/>
+            <a:ext cx="8596668" cy="1513914"/>
+          </a:xfrm>
+        </p:spPr>
+        <p:txBody>
+          <a:bodyPr anchor="t">
+            <a:normAutofit/>
+          </a:bodyPr>
+          <a:lstStyle>
+            <a:lvl1pPr marL="0" indent="0" algn="l">
+              <a:buNone/>
+              <a:defRPr sz="1800">
+                <a:solidFill>
+                  <a:schemeClr val="tx1">
+                    <a:lumMod val="50000"/>
+                    <a:lumOff val="50000"/>
+                  </a:schemeClr>
+                </a:solidFill>
+              </a:defRPr>
+            </a:lvl1pPr>
+            <a:lvl2pPr marL="457200" indent="0">
+              <a:buNone/>
+              <a:defRPr sz="1800">
+                <a:solidFill>
+                  <a:schemeClr val="tx1">
+                    <a:tint val="75000"/>
+                  </a:schemeClr>
+                </a:solidFill>
+              </a:defRPr>
+            </a:lvl2pPr>
+            <a:lvl3pPr marL="914400" indent="0">
+              <a:buNone/>
+              <a:defRPr sz="1600">
+                <a:solidFill>
+                  <a:schemeClr val="tx1">
+                    <a:tint val="75000"/>
+                  </a:schemeClr>
+                </a:solidFill>
+              </a:defRPr>
+            </a:lvl3pPr>
+            <a:lvl4pPr marL="1371600" indent="0">
+              <a:buNone/>
+              <a:defRPr sz="1400">
+                <a:solidFill>
+                  <a:schemeClr val="tx1">
+                    <a:tint val="75000"/>
+                  </a:schemeClr>
+                </a:solidFill>
+              </a:defRPr>
+            </a:lvl4pPr>
+            <a:lvl5pPr marL="1828800" indent="0">
+              <a:buNone/>
+              <a:defRPr sz="1400">
+                <a:solidFill>
+                  <a:schemeClr val="tx1">
+                    <a:tint val="75000"/>
+                  </a:schemeClr>
+                </a:solidFill>
+              </a:defRPr>
+            </a:lvl5pPr>
+            <a:lvl6pPr marL="2286000" indent="0">
+              <a:buNone/>
+              <a:defRPr sz="1400">
+                <a:solidFill>
+                  <a:schemeClr val="tx1">
+                    <a:tint val="75000"/>
+                  </a:schemeClr>
+                </a:solidFill>
+              </a:defRPr>
+            </a:lvl6pPr>
+            <a:lvl7pPr marL="2743200" indent="0">
+              <a:buNone/>
+              <a:defRPr sz="1400">
+                <a:solidFill>
+                  <a:schemeClr val="tx1">
+                    <a:tint val="75000"/>
+                  </a:schemeClr>
+                </a:solidFill>
+              </a:defRPr>
+            </a:lvl7pPr>
+            <a:lvl8pPr marL="3200400" indent="0">
+              <a:buNone/>
+              <a:defRPr sz="1400">
+                <a:solidFill>
+                  <a:schemeClr val="tx1">
+                    <a:tint val="75000"/>
+                  </a:schemeClr>
+                </a:solidFill>
+              </a:defRPr>
+            </a:lvl8pPr>
+            <a:lvl9pPr marL="3657600" indent="0">
+              <a:buNone/>
+              <a:defRPr sz="1400">
+                <a:solidFill>
+                  <a:schemeClr val="tx1">
+                    <a:tint val="75000"/>
+                  </a:schemeClr>
+                </a:solidFill>
+              </a:defRPr>
+            </a:lvl9pPr>
+          </a:lstStyle>
+          <a:p>
+            <a:pPr lvl="0"/>
+            <a:r>
+              <a:rPr lang="en-US"/>
+              <a:t>Click to edit Master text styles</a:t>
+            </a:r>
+          </a:p>
+        </p:txBody>
+      </p:sp>
+      <p:sp>
+        <p:nvSpPr>
+          <p:cNvPr id="4" name="Date Placeholder 3"/>
+          <p:cNvSpPr>
+            <a:spLocks noGrp="1"/>
+          </p:cNvSpPr>
+          <p:nvPr>
+            <p:ph type="dt" sz="half" idx="10"/>
+          </p:nvPr>
+        </p:nvSpPr>
+        <p:spPr/>
+        <p:txBody>
+          <a:bodyPr/>
+          <a:lstStyle/>
+          <a:p>
+            <a:fld id="{B7AE79E7-3A69-41C5-903D-682ADD965818}" type="datetimeFigureOut">
+              <a:rPr lang="vi-VN" smtClean="0"/>
+              <a:t>30/05/2019</a:t>
+            </a:fld>
+            <a:endParaRPr lang="vi-VN"/>
+          </a:p>
+        </p:txBody>
+      </p:sp>
+      <p:sp>
+        <p:nvSpPr>
+          <p:cNvPr id="5" name="Footer Placeholder 4"/>
+          <p:cNvSpPr>
+            <a:spLocks noGrp="1"/>
+          </p:cNvSpPr>
+          <p:nvPr>
+            <p:ph type="ftr" sz="quarter" idx="11"/>
+          </p:nvPr>
+        </p:nvSpPr>
+        <p:spPr/>
+        <p:txBody>
+          <a:bodyPr/>
+          <a:lstStyle/>
+          <a:p>
+            <a:endParaRPr lang="vi-VN"/>
+          </a:p>
+        </p:txBody>
+      </p:sp>
+      <p:sp>
+        <p:nvSpPr>
+          <p:cNvPr id="6" name="Slide Number Placeholder 5"/>
+          <p:cNvSpPr>
+            <a:spLocks noGrp="1"/>
+          </p:cNvSpPr>
+          <p:nvPr>
+            <p:ph type="sldNum" sz="quarter" idx="12"/>
+          </p:nvPr>
+        </p:nvSpPr>
+        <p:spPr/>
+        <p:txBody>
+          <a:bodyPr/>
+          <a:lstStyle/>
+          <a:p>
+            <a:fld id="{DB71D3C8-3975-43E0-A144-FA6528C65F0C}" type="slidenum">
+              <a:rPr lang="vi-VN" smtClean="0"/>
+              <a:t>‹#›</a:t>
+            </a:fld>
+            <a:endParaRPr lang="vi-VN"/>
+          </a:p>
+        </p:txBody>
+      </p:sp>
+    </p:spTree>
+    <p:extLst>
+      <p:ext uri="{BB962C8B-B14F-4D97-AF65-F5344CB8AC3E}">
+        <p14:creationId xmlns:p14="http://schemas.microsoft.com/office/powerpoint/2010/main" val="4083437237"/>
+      </p:ext>
+    </p:extLst>
+  </p:cSld>
+  <p:clrMapOvr>
+    <a:masterClrMapping/>
+  </p:clrMapOvr>
+</p:sldLayout>
+</file>
+
+<file path=ppt/slideLayouts/slideLayout15.xml><?xml version="1.0" encoding="utf-8"?>
 <p:sldLayout xmlns:a="http://schemas.openxmlformats.org/drawingml/2006/main" xmlns:r="http://schemas.openxmlformats.org/officeDocument/2006/relationships" xmlns:p="http://schemas.openxmlformats.org/presentationml/2006/main" type="vertTx" preserve="1">
   <p:cSld name="Title and Vertical Text">
     <p:spTree>
@@ -4033,13 +6244,7 @@
       </p:grpSpPr>
       <p:sp>
         <p:nvSpPr>
-          <p:cNvPr id="2" name="Title 1">
-            <a:extLst>
-              <a:ext uri="{FF2B5EF4-FFF2-40B4-BE49-F238E27FC236}">
-                <a16:creationId xmlns:a16="http://schemas.microsoft.com/office/drawing/2014/main" id="{CEB2EC11-9594-4ACE-AF1C-AF7B8551EBC0}"/>
-              </a:ext>
-            </a:extLst>
-          </p:cNvPr>
+          <p:cNvPr id="2" name="Title 1"/>
           <p:cNvSpPr>
             <a:spLocks noGrp="1"/>
           </p:cNvSpPr>
@@ -4056,19 +6261,13 @@
               <a:rPr lang="en-US"/>
               <a:t>Click to edit Master title style</a:t>
             </a:r>
-            <a:endParaRPr lang="vi-VN"/>
+            <a:endParaRPr lang="en-US" dirty="0"/>
           </a:p>
         </p:txBody>
       </p:sp>
       <p:sp>
         <p:nvSpPr>
-          <p:cNvPr id="3" name="Vertical Text Placeholder 2">
-            <a:extLst>
-              <a:ext uri="{FF2B5EF4-FFF2-40B4-BE49-F238E27FC236}">
-                <a16:creationId xmlns:a16="http://schemas.microsoft.com/office/drawing/2014/main" id="{96F62885-5ED4-45EA-825E-507FF145FF66}"/>
-              </a:ext>
-            </a:extLst>
-          </p:cNvPr>
+          <p:cNvPr id="3" name="Vertical Text Placeholder 2"/>
           <p:cNvSpPr>
             <a:spLocks noGrp="1"/>
           </p:cNvSpPr>
@@ -4114,19 +6313,13 @@
               <a:rPr lang="en-US"/>
               <a:t>Fifth level</a:t>
             </a:r>
-            <a:endParaRPr lang="vi-VN"/>
+            <a:endParaRPr lang="en-US" dirty="0"/>
           </a:p>
         </p:txBody>
       </p:sp>
       <p:sp>
         <p:nvSpPr>
-          <p:cNvPr id="4" name="Date Placeholder 3">
-            <a:extLst>
-              <a:ext uri="{FF2B5EF4-FFF2-40B4-BE49-F238E27FC236}">
-                <a16:creationId xmlns:a16="http://schemas.microsoft.com/office/drawing/2014/main" id="{CA9A41AD-C52C-4843-BCF7-A88063D6CB24}"/>
-              </a:ext>
-            </a:extLst>
-          </p:cNvPr>
+          <p:cNvPr id="4" name="Date Placeholder 3"/>
           <p:cNvSpPr>
             <a:spLocks noGrp="1"/>
           </p:cNvSpPr>
@@ -4149,13 +6342,7 @@
       </p:sp>
       <p:sp>
         <p:nvSpPr>
-          <p:cNvPr id="5" name="Footer Placeholder 4">
-            <a:extLst>
-              <a:ext uri="{FF2B5EF4-FFF2-40B4-BE49-F238E27FC236}">
-                <a16:creationId xmlns:a16="http://schemas.microsoft.com/office/drawing/2014/main" id="{98B8FF4A-2EFA-448E-B8A2-44AA699EFC87}"/>
-              </a:ext>
-            </a:extLst>
-          </p:cNvPr>
+          <p:cNvPr id="5" name="Footer Placeholder 4"/>
           <p:cNvSpPr>
             <a:spLocks noGrp="1"/>
           </p:cNvSpPr>
@@ -4174,13 +6361,7 @@
       </p:sp>
       <p:sp>
         <p:nvSpPr>
-          <p:cNvPr id="6" name="Slide Number Placeholder 5">
-            <a:extLst>
-              <a:ext uri="{FF2B5EF4-FFF2-40B4-BE49-F238E27FC236}">
-                <a16:creationId xmlns:a16="http://schemas.microsoft.com/office/drawing/2014/main" id="{9B927CE3-0E62-4B02-A6AF-9349C29F14BC}"/>
-              </a:ext>
-            </a:extLst>
-          </p:cNvPr>
+          <p:cNvPr id="6" name="Slide Number Placeholder 5"/>
           <p:cNvSpPr>
             <a:spLocks noGrp="1"/>
           </p:cNvSpPr>
@@ -4204,7 +6385,7 @@
     </p:spTree>
     <p:extLst>
       <p:ext uri="{BB962C8B-B14F-4D97-AF65-F5344CB8AC3E}">
-        <p14:creationId xmlns:p14="http://schemas.microsoft.com/office/powerpoint/2010/main" val="3736827902"/>
+        <p14:creationId xmlns:p14="http://schemas.microsoft.com/office/powerpoint/2010/main" val="3529158220"/>
       </p:ext>
     </p:extLst>
   </p:cSld>
@@ -4214,7 +6395,7 @@
 </p:sldLayout>
 </file>
 
-<file path=ppt/slideLayouts/slideLayout11.xml><?xml version="1.0" encoding="utf-8"?>
+<file path=ppt/slideLayouts/slideLayout16.xml><?xml version="1.0" encoding="utf-8"?>
 <p:sldLayout xmlns:a="http://schemas.openxmlformats.org/drawingml/2006/main" xmlns:r="http://schemas.openxmlformats.org/officeDocument/2006/relationships" xmlns:p="http://schemas.openxmlformats.org/presentationml/2006/main" type="vertTitleAndTx" preserve="1">
   <p:cSld name="Vertical Title and Text">
     <p:spTree>
@@ -4233,13 +6414,7 @@
       </p:grpSpPr>
       <p:sp>
         <p:nvSpPr>
-          <p:cNvPr id="2" name="Vertical Title 1">
-            <a:extLst>
-              <a:ext uri="{FF2B5EF4-FFF2-40B4-BE49-F238E27FC236}">
-                <a16:creationId xmlns:a16="http://schemas.microsoft.com/office/drawing/2014/main" id="{A42A52BF-3AC2-4855-9C6C-2B84900ABDB4}"/>
-              </a:ext>
-            </a:extLst>
-          </p:cNvPr>
+          <p:cNvPr id="2" name="Vertical Title 1"/>
           <p:cNvSpPr>
             <a:spLocks noGrp="1"/>
           </p:cNvSpPr>
@@ -4249,31 +6424,25 @@
         </p:nvSpPr>
         <p:spPr>
           <a:xfrm>
-            <a:off x="8724900" y="365125"/>
-            <a:ext cx="2628900" cy="5811838"/>
+            <a:off x="7967673" y="609599"/>
+            <a:ext cx="1304743" cy="5251451"/>
           </a:xfrm>
         </p:spPr>
         <p:txBody>
-          <a:bodyPr vert="eaVert"/>
+          <a:bodyPr vert="eaVert" anchor="ctr"/>
           <a:lstStyle/>
           <a:p>
             <a:r>
               <a:rPr lang="en-US"/>
               <a:t>Click to edit Master title style</a:t>
             </a:r>
-            <a:endParaRPr lang="vi-VN"/>
+            <a:endParaRPr lang="en-US" dirty="0"/>
           </a:p>
         </p:txBody>
       </p:sp>
       <p:sp>
         <p:nvSpPr>
-          <p:cNvPr id="3" name="Vertical Text Placeholder 2">
-            <a:extLst>
-              <a:ext uri="{FF2B5EF4-FFF2-40B4-BE49-F238E27FC236}">
-                <a16:creationId xmlns:a16="http://schemas.microsoft.com/office/drawing/2014/main" id="{67BE99D7-1EF8-4C31-98BA-106321662C38}"/>
-              </a:ext>
-            </a:extLst>
-          </p:cNvPr>
+          <p:cNvPr id="3" name="Vertical Text Placeholder 2"/>
           <p:cNvSpPr>
             <a:spLocks noGrp="1"/>
           </p:cNvSpPr>
@@ -4283,8 +6452,8 @@
         </p:nvSpPr>
         <p:spPr>
           <a:xfrm>
-            <a:off x="838200" y="365125"/>
-            <a:ext cx="7734300" cy="5811838"/>
+            <a:off x="677335" y="609600"/>
+            <a:ext cx="7060150" cy="5251450"/>
           </a:xfrm>
         </p:spPr>
         <p:txBody>
@@ -4324,19 +6493,13 @@
               <a:rPr lang="en-US"/>
               <a:t>Fifth level</a:t>
             </a:r>
-            <a:endParaRPr lang="vi-VN"/>
+            <a:endParaRPr lang="en-US" dirty="0"/>
           </a:p>
         </p:txBody>
       </p:sp>
       <p:sp>
         <p:nvSpPr>
-          <p:cNvPr id="4" name="Date Placeholder 3">
-            <a:extLst>
-              <a:ext uri="{FF2B5EF4-FFF2-40B4-BE49-F238E27FC236}">
-                <a16:creationId xmlns:a16="http://schemas.microsoft.com/office/drawing/2014/main" id="{1B26E11C-B8B6-408C-B63F-AC630561EDC4}"/>
-              </a:ext>
-            </a:extLst>
-          </p:cNvPr>
+          <p:cNvPr id="4" name="Date Placeholder 3"/>
           <p:cNvSpPr>
             <a:spLocks noGrp="1"/>
           </p:cNvSpPr>
@@ -4359,13 +6522,7 @@
       </p:sp>
       <p:sp>
         <p:nvSpPr>
-          <p:cNvPr id="5" name="Footer Placeholder 4">
-            <a:extLst>
-              <a:ext uri="{FF2B5EF4-FFF2-40B4-BE49-F238E27FC236}">
-                <a16:creationId xmlns:a16="http://schemas.microsoft.com/office/drawing/2014/main" id="{6B8761C3-2DF2-4D3C-9521-4C2706838A82}"/>
-              </a:ext>
-            </a:extLst>
-          </p:cNvPr>
+          <p:cNvPr id="5" name="Footer Placeholder 4"/>
           <p:cNvSpPr>
             <a:spLocks noGrp="1"/>
           </p:cNvSpPr>
@@ -4384,13 +6541,7 @@
       </p:sp>
       <p:sp>
         <p:nvSpPr>
-          <p:cNvPr id="6" name="Slide Number Placeholder 5">
-            <a:extLst>
-              <a:ext uri="{FF2B5EF4-FFF2-40B4-BE49-F238E27FC236}">
-                <a16:creationId xmlns:a16="http://schemas.microsoft.com/office/drawing/2014/main" id="{55904938-6C80-4CBD-BB6D-F00114AEEA97}"/>
-              </a:ext>
-            </a:extLst>
-          </p:cNvPr>
+          <p:cNvPr id="6" name="Slide Number Placeholder 5"/>
           <p:cNvSpPr>
             <a:spLocks noGrp="1"/>
           </p:cNvSpPr>
@@ -4414,7 +6565,7 @@
     </p:spTree>
     <p:extLst>
       <p:ext uri="{BB962C8B-B14F-4D97-AF65-F5344CB8AC3E}">
-        <p14:creationId xmlns:p14="http://schemas.microsoft.com/office/powerpoint/2010/main" val="18966893"/>
+        <p14:creationId xmlns:p14="http://schemas.microsoft.com/office/powerpoint/2010/main" val="1479603327"/>
       </p:ext>
     </p:extLst>
   </p:cSld>
@@ -4443,13 +6594,7 @@
       </p:grpSpPr>
       <p:sp>
         <p:nvSpPr>
-          <p:cNvPr id="2" name="Title 1">
-            <a:extLst>
-              <a:ext uri="{FF2B5EF4-FFF2-40B4-BE49-F238E27FC236}">
-                <a16:creationId xmlns:a16="http://schemas.microsoft.com/office/drawing/2014/main" id="{EC15A7E6-C4FF-48CB-BEAB-07998C3F060E}"/>
-              </a:ext>
-            </a:extLst>
-          </p:cNvPr>
+          <p:cNvPr id="2" name="Title 1"/>
           <p:cNvSpPr>
             <a:spLocks noGrp="1"/>
           </p:cNvSpPr>
@@ -4459,26 +6604,26 @@
         </p:nvSpPr>
         <p:spPr/>
         <p:txBody>
-          <a:bodyPr/>
-          <a:lstStyle/>
+          <a:bodyPr>
+            <a:normAutofit/>
+          </a:bodyPr>
+          <a:lstStyle>
+            <a:lvl1pPr>
+              <a:defRPr sz="3600"/>
+            </a:lvl1pPr>
+          </a:lstStyle>
           <a:p>
             <a:r>
               <a:rPr lang="en-US"/>
               <a:t>Click to edit Master title style</a:t>
             </a:r>
-            <a:endParaRPr lang="vi-VN"/>
+            <a:endParaRPr lang="en-US" dirty="0"/>
           </a:p>
         </p:txBody>
       </p:sp>
       <p:sp>
         <p:nvSpPr>
-          <p:cNvPr id="3" name="Content Placeholder 2">
-            <a:extLst>
-              <a:ext uri="{FF2B5EF4-FFF2-40B4-BE49-F238E27FC236}">
-                <a16:creationId xmlns:a16="http://schemas.microsoft.com/office/drawing/2014/main" id="{E08F8011-FFA8-4EAC-B8B2-8436ABD66E12}"/>
-              </a:ext>
-            </a:extLst>
-          </p:cNvPr>
+          <p:cNvPr id="3" name="Content Placeholder 2"/>
           <p:cNvSpPr>
             <a:spLocks noGrp="1"/>
           </p:cNvSpPr>
@@ -4524,19 +6669,13 @@
               <a:rPr lang="en-US"/>
               <a:t>Fifth level</a:t>
             </a:r>
-            <a:endParaRPr lang="vi-VN"/>
+            <a:endParaRPr lang="en-US" dirty="0"/>
           </a:p>
         </p:txBody>
       </p:sp>
       <p:sp>
         <p:nvSpPr>
-          <p:cNvPr id="4" name="Date Placeholder 3">
-            <a:extLst>
-              <a:ext uri="{FF2B5EF4-FFF2-40B4-BE49-F238E27FC236}">
-                <a16:creationId xmlns:a16="http://schemas.microsoft.com/office/drawing/2014/main" id="{AF79BB32-778B-4E88-836F-05EC8BB02063}"/>
-              </a:ext>
-            </a:extLst>
-          </p:cNvPr>
+          <p:cNvPr id="4" name="Date Placeholder 3"/>
           <p:cNvSpPr>
             <a:spLocks noGrp="1"/>
           </p:cNvSpPr>
@@ -4559,13 +6698,7 @@
       </p:sp>
       <p:sp>
         <p:nvSpPr>
-          <p:cNvPr id="5" name="Footer Placeholder 4">
-            <a:extLst>
-              <a:ext uri="{FF2B5EF4-FFF2-40B4-BE49-F238E27FC236}">
-                <a16:creationId xmlns:a16="http://schemas.microsoft.com/office/drawing/2014/main" id="{F36284A0-8D06-4940-A81C-831259783739}"/>
-              </a:ext>
-            </a:extLst>
-          </p:cNvPr>
+          <p:cNvPr id="5" name="Footer Placeholder 4"/>
           <p:cNvSpPr>
             <a:spLocks noGrp="1"/>
           </p:cNvSpPr>
@@ -4584,13 +6717,7 @@
       </p:sp>
       <p:sp>
         <p:nvSpPr>
-          <p:cNvPr id="6" name="Slide Number Placeholder 5">
-            <a:extLst>
-              <a:ext uri="{FF2B5EF4-FFF2-40B4-BE49-F238E27FC236}">
-                <a16:creationId xmlns:a16="http://schemas.microsoft.com/office/drawing/2014/main" id="{F56F1456-4156-4A4E-BF70-B4A223ADA41E}"/>
-              </a:ext>
-            </a:extLst>
-          </p:cNvPr>
+          <p:cNvPr id="6" name="Slide Number Placeholder 5"/>
           <p:cNvSpPr>
             <a:spLocks noGrp="1"/>
           </p:cNvSpPr>
@@ -4614,7 +6741,7 @@
     </p:spTree>
     <p:extLst>
       <p:ext uri="{BB962C8B-B14F-4D97-AF65-F5344CB8AC3E}">
-        <p14:creationId xmlns:p14="http://schemas.microsoft.com/office/powerpoint/2010/main" val="1885518490"/>
+        <p14:creationId xmlns:p14="http://schemas.microsoft.com/office/powerpoint/2010/main" val="766723537"/>
       </p:ext>
     </p:extLst>
   </p:cSld>
@@ -4643,13 +6770,7 @@
       </p:grpSpPr>
       <p:sp>
         <p:nvSpPr>
-          <p:cNvPr id="2" name="Title 1">
-            <a:extLst>
-              <a:ext uri="{FF2B5EF4-FFF2-40B4-BE49-F238E27FC236}">
-                <a16:creationId xmlns:a16="http://schemas.microsoft.com/office/drawing/2014/main" id="{325B8410-1A44-4B19-BE93-67EAB3EFEC58}"/>
-              </a:ext>
-            </a:extLst>
-          </p:cNvPr>
+          <p:cNvPr id="2" name="Title 1"/>
           <p:cNvSpPr>
             <a:spLocks noGrp="1"/>
           </p:cNvSpPr>
@@ -4659,15 +6780,15 @@
         </p:nvSpPr>
         <p:spPr>
           <a:xfrm>
-            <a:off x="831850" y="1709738"/>
-            <a:ext cx="10515600" cy="2852737"/>
+            <a:off x="677335" y="2700867"/>
+            <a:ext cx="8596668" cy="1826581"/>
           </a:xfrm>
         </p:spPr>
         <p:txBody>
           <a:bodyPr anchor="b"/>
           <a:lstStyle>
-            <a:lvl1pPr>
-              <a:defRPr sz="6000"/>
+            <a:lvl1pPr algn="l">
+              <a:defRPr sz="4000" b="0" cap="none"/>
             </a:lvl1pPr>
           </a:lstStyle>
           <a:p>
@@ -4675,19 +6796,13 @@
               <a:rPr lang="en-US"/>
               <a:t>Click to edit Master title style</a:t>
             </a:r>
-            <a:endParaRPr lang="vi-VN"/>
+            <a:endParaRPr lang="en-US" dirty="0"/>
           </a:p>
         </p:txBody>
       </p:sp>
       <p:sp>
         <p:nvSpPr>
-          <p:cNvPr id="3" name="Text Placeholder 2">
-            <a:extLst>
-              <a:ext uri="{FF2B5EF4-FFF2-40B4-BE49-F238E27FC236}">
-                <a16:creationId xmlns:a16="http://schemas.microsoft.com/office/drawing/2014/main" id="{9CDA8CB1-BA5D-41CB-B469-2035B3076E19}"/>
-              </a:ext>
-            </a:extLst>
-          </p:cNvPr>
+          <p:cNvPr id="3" name="Text Placeholder 2"/>
           <p:cNvSpPr>
             <a:spLocks noGrp="1"/>
           </p:cNvSpPr>
@@ -4697,26 +6812,27 @@
         </p:nvSpPr>
         <p:spPr>
           <a:xfrm>
-            <a:off x="831850" y="4589463"/>
-            <a:ext cx="10515600" cy="1500187"/>
+            <a:off x="677335" y="4527448"/>
+            <a:ext cx="8596668" cy="860400"/>
           </a:xfrm>
         </p:spPr>
         <p:txBody>
-          <a:bodyPr/>
+          <a:bodyPr anchor="t"/>
           <a:lstStyle>
-            <a:lvl1pPr marL="0" indent="0">
-              <a:buNone/>
-              <a:defRPr sz="2400">
+            <a:lvl1pPr marL="0" indent="0" algn="l">
+              <a:buNone/>
+              <a:defRPr sz="2000">
                 <a:solidFill>
                   <a:schemeClr val="tx1">
-                    <a:tint val="75000"/>
+                    <a:lumMod val="50000"/>
+                    <a:lumOff val="50000"/>
                   </a:schemeClr>
                 </a:solidFill>
               </a:defRPr>
             </a:lvl1pPr>
             <a:lvl2pPr marL="457200" indent="0">
               <a:buNone/>
-              <a:defRPr sz="2000">
+              <a:defRPr sz="1800">
                 <a:solidFill>
                   <a:schemeClr val="tx1">
                     <a:tint val="75000"/>
@@ -4726,7 +6842,7 @@
             </a:lvl2pPr>
             <a:lvl3pPr marL="914400" indent="0">
               <a:buNone/>
-              <a:defRPr sz="1800">
+              <a:defRPr sz="1600">
                 <a:solidFill>
                   <a:schemeClr val="tx1">
                     <a:tint val="75000"/>
@@ -4736,7 +6852,7 @@
             </a:lvl3pPr>
             <a:lvl4pPr marL="1371600" indent="0">
               <a:buNone/>
-              <a:defRPr sz="1600">
+              <a:defRPr sz="1400">
                 <a:solidFill>
                   <a:schemeClr val="tx1">
                     <a:tint val="75000"/>
@@ -4746,7 +6862,7 @@
             </a:lvl4pPr>
             <a:lvl5pPr marL="1828800" indent="0">
               <a:buNone/>
-              <a:defRPr sz="1600">
+              <a:defRPr sz="1400">
                 <a:solidFill>
                   <a:schemeClr val="tx1">
                     <a:tint val="75000"/>
@@ -4756,7 +6872,7 @@
             </a:lvl5pPr>
             <a:lvl6pPr marL="2286000" indent="0">
               <a:buNone/>
-              <a:defRPr sz="1600">
+              <a:defRPr sz="1400">
                 <a:solidFill>
                   <a:schemeClr val="tx1">
                     <a:tint val="75000"/>
@@ -4766,7 +6882,7 @@
             </a:lvl6pPr>
             <a:lvl7pPr marL="2743200" indent="0">
               <a:buNone/>
-              <a:defRPr sz="1600">
+              <a:defRPr sz="1400">
                 <a:solidFill>
                   <a:schemeClr val="tx1">
                     <a:tint val="75000"/>
@@ -4776,7 +6892,7 @@
             </a:lvl7pPr>
             <a:lvl8pPr marL="3200400" indent="0">
               <a:buNone/>
-              <a:defRPr sz="1600">
+              <a:defRPr sz="1400">
                 <a:solidFill>
                   <a:schemeClr val="tx1">
                     <a:tint val="75000"/>
@@ -4786,7 +6902,7 @@
             </a:lvl8pPr>
             <a:lvl9pPr marL="3657600" indent="0">
               <a:buNone/>
-              <a:defRPr sz="1600">
+              <a:defRPr sz="1400">
                 <a:solidFill>
                   <a:schemeClr val="tx1">
                     <a:tint val="75000"/>
@@ -4806,13 +6922,7 @@
       </p:sp>
       <p:sp>
         <p:nvSpPr>
-          <p:cNvPr id="4" name="Date Placeholder 3">
-            <a:extLst>
-              <a:ext uri="{FF2B5EF4-FFF2-40B4-BE49-F238E27FC236}">
-                <a16:creationId xmlns:a16="http://schemas.microsoft.com/office/drawing/2014/main" id="{AA420864-4676-406C-84E3-584AFF88123A}"/>
-              </a:ext>
-            </a:extLst>
-          </p:cNvPr>
+          <p:cNvPr id="4" name="Date Placeholder 3"/>
           <p:cNvSpPr>
             <a:spLocks noGrp="1"/>
           </p:cNvSpPr>
@@ -4835,13 +6945,7 @@
       </p:sp>
       <p:sp>
         <p:nvSpPr>
-          <p:cNvPr id="5" name="Footer Placeholder 4">
-            <a:extLst>
-              <a:ext uri="{FF2B5EF4-FFF2-40B4-BE49-F238E27FC236}">
-                <a16:creationId xmlns:a16="http://schemas.microsoft.com/office/drawing/2014/main" id="{955A676D-C2BC-41F1-8A4C-1AF3A857D88D}"/>
-              </a:ext>
-            </a:extLst>
-          </p:cNvPr>
+          <p:cNvPr id="5" name="Footer Placeholder 4"/>
           <p:cNvSpPr>
             <a:spLocks noGrp="1"/>
           </p:cNvSpPr>
@@ -4860,13 +6964,7 @@
       </p:sp>
       <p:sp>
         <p:nvSpPr>
-          <p:cNvPr id="6" name="Slide Number Placeholder 5">
-            <a:extLst>
-              <a:ext uri="{FF2B5EF4-FFF2-40B4-BE49-F238E27FC236}">
-                <a16:creationId xmlns:a16="http://schemas.microsoft.com/office/drawing/2014/main" id="{357F7D69-2921-4D33-81B3-C1ECF930ED06}"/>
-              </a:ext>
-            </a:extLst>
-          </p:cNvPr>
+          <p:cNvPr id="6" name="Slide Number Placeholder 5"/>
           <p:cNvSpPr>
             <a:spLocks noGrp="1"/>
           </p:cNvSpPr>
@@ -4890,7 +6988,7 @@
     </p:spTree>
     <p:extLst>
       <p:ext uri="{BB962C8B-B14F-4D97-AF65-F5344CB8AC3E}">
-        <p14:creationId xmlns:p14="http://schemas.microsoft.com/office/powerpoint/2010/main" val="3531432984"/>
+        <p14:creationId xmlns:p14="http://schemas.microsoft.com/office/powerpoint/2010/main" val="4208021443"/>
       </p:ext>
     </p:extLst>
   </p:cSld>
@@ -4919,13 +7017,7 @@
       </p:grpSpPr>
       <p:sp>
         <p:nvSpPr>
-          <p:cNvPr id="2" name="Title 1">
-            <a:extLst>
-              <a:ext uri="{FF2B5EF4-FFF2-40B4-BE49-F238E27FC236}">
-                <a16:creationId xmlns:a16="http://schemas.microsoft.com/office/drawing/2014/main" id="{D2F8F83E-48F8-40D3-81C6-8DBED17F601A}"/>
-              </a:ext>
-            </a:extLst>
-          </p:cNvPr>
+          <p:cNvPr id="2" name="Title 1"/>
           <p:cNvSpPr>
             <a:spLocks noGrp="1"/>
           </p:cNvSpPr>
@@ -4942,19 +7034,13 @@
               <a:rPr lang="en-US"/>
               <a:t>Click to edit Master title style</a:t>
             </a:r>
-            <a:endParaRPr lang="vi-VN"/>
+            <a:endParaRPr lang="en-US" dirty="0"/>
           </a:p>
         </p:txBody>
       </p:sp>
       <p:sp>
         <p:nvSpPr>
-          <p:cNvPr id="3" name="Content Placeholder 2">
-            <a:extLst>
-              <a:ext uri="{FF2B5EF4-FFF2-40B4-BE49-F238E27FC236}">
-                <a16:creationId xmlns:a16="http://schemas.microsoft.com/office/drawing/2014/main" id="{4AD94554-CFDC-4168-B7D4-212BAA19F8E3}"/>
-              </a:ext>
-            </a:extLst>
-          </p:cNvPr>
+          <p:cNvPr id="3" name="Content Placeholder 2"/>
           <p:cNvSpPr>
             <a:spLocks noGrp="1"/>
           </p:cNvSpPr>
@@ -4964,8 +7050,8 @@
         </p:nvSpPr>
         <p:spPr>
           <a:xfrm>
-            <a:off x="838200" y="1825625"/>
-            <a:ext cx="5181600" cy="4351338"/>
+            <a:off x="677334" y="2160589"/>
+            <a:ext cx="4184035" cy="3880772"/>
           </a:xfrm>
         </p:spPr>
         <p:txBody>
@@ -5005,19 +7091,13 @@
               <a:rPr lang="en-US"/>
               <a:t>Fifth level</a:t>
             </a:r>
-            <a:endParaRPr lang="vi-VN"/>
+            <a:endParaRPr lang="en-US" dirty="0"/>
           </a:p>
         </p:txBody>
       </p:sp>
       <p:sp>
         <p:nvSpPr>
-          <p:cNvPr id="4" name="Content Placeholder 3">
-            <a:extLst>
-              <a:ext uri="{FF2B5EF4-FFF2-40B4-BE49-F238E27FC236}">
-                <a16:creationId xmlns:a16="http://schemas.microsoft.com/office/drawing/2014/main" id="{9FFE815D-BE4C-4F0E-8ADB-D9503512E81B}"/>
-              </a:ext>
-            </a:extLst>
-          </p:cNvPr>
+          <p:cNvPr id="4" name="Content Placeholder 3"/>
           <p:cNvSpPr>
             <a:spLocks noGrp="1"/>
           </p:cNvSpPr>
@@ -5027,8 +7107,8 @@
         </p:nvSpPr>
         <p:spPr>
           <a:xfrm>
-            <a:off x="6172200" y="1825625"/>
-            <a:ext cx="5181600" cy="4351338"/>
+            <a:off x="5089970" y="2160589"/>
+            <a:ext cx="4184034" cy="3880773"/>
           </a:xfrm>
         </p:spPr>
         <p:txBody>
@@ -5068,19 +7148,13 @@
               <a:rPr lang="en-US"/>
               <a:t>Fifth level</a:t>
             </a:r>
-            <a:endParaRPr lang="vi-VN"/>
+            <a:endParaRPr lang="en-US" dirty="0"/>
           </a:p>
         </p:txBody>
       </p:sp>
       <p:sp>
         <p:nvSpPr>
-          <p:cNvPr id="5" name="Date Placeholder 4">
-            <a:extLst>
-              <a:ext uri="{FF2B5EF4-FFF2-40B4-BE49-F238E27FC236}">
-                <a16:creationId xmlns:a16="http://schemas.microsoft.com/office/drawing/2014/main" id="{AACC5DF7-7EFD-49C2-B0A5-32E9052DFFA7}"/>
-              </a:ext>
-            </a:extLst>
-          </p:cNvPr>
+          <p:cNvPr id="5" name="Date Placeholder 4"/>
           <p:cNvSpPr>
             <a:spLocks noGrp="1"/>
           </p:cNvSpPr>
@@ -5103,13 +7177,7 @@
       </p:sp>
       <p:sp>
         <p:nvSpPr>
-          <p:cNvPr id="6" name="Footer Placeholder 5">
-            <a:extLst>
-              <a:ext uri="{FF2B5EF4-FFF2-40B4-BE49-F238E27FC236}">
-                <a16:creationId xmlns:a16="http://schemas.microsoft.com/office/drawing/2014/main" id="{F801276B-5EBC-4F66-848D-1BB1C87E5CB0}"/>
-              </a:ext>
-            </a:extLst>
-          </p:cNvPr>
+          <p:cNvPr id="6" name="Footer Placeholder 5"/>
           <p:cNvSpPr>
             <a:spLocks noGrp="1"/>
           </p:cNvSpPr>
@@ -5128,13 +7196,7 @@
       </p:sp>
       <p:sp>
         <p:nvSpPr>
-          <p:cNvPr id="7" name="Slide Number Placeholder 6">
-            <a:extLst>
-              <a:ext uri="{FF2B5EF4-FFF2-40B4-BE49-F238E27FC236}">
-                <a16:creationId xmlns:a16="http://schemas.microsoft.com/office/drawing/2014/main" id="{4A94CEC1-5E24-4076-9FA4-2B4C814B3FD6}"/>
-              </a:ext>
-            </a:extLst>
-          </p:cNvPr>
+          <p:cNvPr id="7" name="Slide Number Placeholder 6"/>
           <p:cNvSpPr>
             <a:spLocks noGrp="1"/>
           </p:cNvSpPr>
@@ -5158,7 +7220,7 @@
     </p:spTree>
     <p:extLst>
       <p:ext uri="{BB962C8B-B14F-4D97-AF65-F5344CB8AC3E}">
-        <p14:creationId xmlns:p14="http://schemas.microsoft.com/office/powerpoint/2010/main" val="821703618"/>
+        <p14:creationId xmlns:p14="http://schemas.microsoft.com/office/powerpoint/2010/main" val="1469435642"/>
       </p:ext>
     </p:extLst>
   </p:cSld>
@@ -5187,13 +7249,7 @@
       </p:grpSpPr>
       <p:sp>
         <p:nvSpPr>
-          <p:cNvPr id="2" name="Title 1">
-            <a:extLst>
-              <a:ext uri="{FF2B5EF4-FFF2-40B4-BE49-F238E27FC236}">
-                <a16:creationId xmlns:a16="http://schemas.microsoft.com/office/drawing/2014/main" id="{60723043-99D4-4672-ACA5-CEBE6606A401}"/>
-              </a:ext>
-            </a:extLst>
-          </p:cNvPr>
+          <p:cNvPr id="2" name="Title 1"/>
           <p:cNvSpPr>
             <a:spLocks noGrp="1"/>
           </p:cNvSpPr>
@@ -5201,33 +7257,26 @@
             <p:ph type="title"/>
           </p:nvPr>
         </p:nvSpPr>
-        <p:spPr>
-          <a:xfrm>
-            <a:off x="839788" y="365125"/>
-            <a:ext cx="10515600" cy="1325563"/>
-          </a:xfrm>
-        </p:spPr>
+        <p:spPr/>
         <p:txBody>
           <a:bodyPr/>
-          <a:lstStyle/>
+          <a:lstStyle>
+            <a:lvl1pPr>
+              <a:defRPr/>
+            </a:lvl1pPr>
+          </a:lstStyle>
           <a:p>
             <a:r>
               <a:rPr lang="en-US"/>
               <a:t>Click to edit Master title style</a:t>
             </a:r>
-            <a:endParaRPr lang="vi-VN"/>
+            <a:endParaRPr lang="en-US" dirty="0"/>
           </a:p>
         </p:txBody>
       </p:sp>
       <p:sp>
         <p:nvSpPr>
-          <p:cNvPr id="3" name="Text Placeholder 2">
-            <a:extLst>
-              <a:ext uri="{FF2B5EF4-FFF2-40B4-BE49-F238E27FC236}">
-                <a16:creationId xmlns:a16="http://schemas.microsoft.com/office/drawing/2014/main" id="{A4E935A8-D5DB-4A13-B4D8-BB8A800EC8A1}"/>
-              </a:ext>
-            </a:extLst>
-          </p:cNvPr>
+          <p:cNvPr id="3" name="Text Placeholder 2"/>
           <p:cNvSpPr>
             <a:spLocks noGrp="1"/>
           </p:cNvSpPr>
@@ -5237,16 +7286,18 @@
         </p:nvSpPr>
         <p:spPr>
           <a:xfrm>
-            <a:off x="839788" y="1681163"/>
-            <a:ext cx="5157787" cy="823912"/>
+            <a:off x="675745" y="2160983"/>
+            <a:ext cx="4185623" cy="576262"/>
           </a:xfrm>
         </p:spPr>
         <p:txBody>
-          <a:bodyPr anchor="b"/>
+          <a:bodyPr anchor="b">
+            <a:noAutofit/>
+          </a:bodyPr>
           <a:lstStyle>
             <a:lvl1pPr marL="0" indent="0">
               <a:buNone/>
-              <a:defRPr sz="2400" b="1"/>
+              <a:defRPr sz="2400" b="0"/>
             </a:lvl1pPr>
             <a:lvl2pPr marL="457200" indent="0">
               <a:buNone/>
@@ -5292,13 +7343,7 @@
       </p:sp>
       <p:sp>
         <p:nvSpPr>
-          <p:cNvPr id="4" name="Content Placeholder 3">
-            <a:extLst>
-              <a:ext uri="{FF2B5EF4-FFF2-40B4-BE49-F238E27FC236}">
-                <a16:creationId xmlns:a16="http://schemas.microsoft.com/office/drawing/2014/main" id="{18104C26-7D3F-40C8-AE02-4C66F344C672}"/>
-              </a:ext>
-            </a:extLst>
-          </p:cNvPr>
+          <p:cNvPr id="4" name="Content Placeholder 3"/>
           <p:cNvSpPr>
             <a:spLocks noGrp="1"/>
           </p:cNvSpPr>
@@ -5308,12 +7353,14 @@
         </p:nvSpPr>
         <p:spPr>
           <a:xfrm>
-            <a:off x="839788" y="2505075"/>
-            <a:ext cx="5157787" cy="3684588"/>
+            <a:off x="675745" y="2737245"/>
+            <a:ext cx="4185623" cy="3304117"/>
           </a:xfrm>
         </p:spPr>
         <p:txBody>
-          <a:bodyPr/>
+          <a:bodyPr>
+            <a:normAutofit/>
+          </a:bodyPr>
           <a:lstStyle/>
           <a:p>
             <a:pPr lvl="0"/>
@@ -5349,19 +7396,13 @@
               <a:rPr lang="en-US"/>
               <a:t>Fifth level</a:t>
             </a:r>
-            <a:endParaRPr lang="vi-VN"/>
+            <a:endParaRPr lang="en-US" dirty="0"/>
           </a:p>
         </p:txBody>
       </p:sp>
       <p:sp>
         <p:nvSpPr>
-          <p:cNvPr id="5" name="Text Placeholder 4">
-            <a:extLst>
-              <a:ext uri="{FF2B5EF4-FFF2-40B4-BE49-F238E27FC236}">
-                <a16:creationId xmlns:a16="http://schemas.microsoft.com/office/drawing/2014/main" id="{AA419034-D9F3-46F4-BCE7-5F4A91ABC065}"/>
-              </a:ext>
-            </a:extLst>
-          </p:cNvPr>
+          <p:cNvPr id="5" name="Text Placeholder 4"/>
           <p:cNvSpPr>
             <a:spLocks noGrp="1"/>
           </p:cNvSpPr>
@@ -5371,16 +7412,18 @@
         </p:nvSpPr>
         <p:spPr>
           <a:xfrm>
-            <a:off x="6172200" y="1681163"/>
-            <a:ext cx="5183188" cy="823912"/>
+            <a:off x="5088383" y="2160983"/>
+            <a:ext cx="4185618" cy="576262"/>
           </a:xfrm>
         </p:spPr>
         <p:txBody>
-          <a:bodyPr anchor="b"/>
+          <a:bodyPr anchor="b">
+            <a:noAutofit/>
+          </a:bodyPr>
           <a:lstStyle>
             <a:lvl1pPr marL="0" indent="0">
               <a:buNone/>
-              <a:defRPr sz="2400" b="1"/>
+              <a:defRPr sz="2400" b="0"/>
             </a:lvl1pPr>
             <a:lvl2pPr marL="457200" indent="0">
               <a:buNone/>
@@ -5426,13 +7469,7 @@
       </p:sp>
       <p:sp>
         <p:nvSpPr>
-          <p:cNvPr id="6" name="Content Placeholder 5">
-            <a:extLst>
-              <a:ext uri="{FF2B5EF4-FFF2-40B4-BE49-F238E27FC236}">
-                <a16:creationId xmlns:a16="http://schemas.microsoft.com/office/drawing/2014/main" id="{740B7D82-FF44-477C-A46F-872BDBCAF4C6}"/>
-              </a:ext>
-            </a:extLst>
-          </p:cNvPr>
+          <p:cNvPr id="6" name="Content Placeholder 5"/>
           <p:cNvSpPr>
             <a:spLocks noGrp="1"/>
           </p:cNvSpPr>
@@ -5442,12 +7479,14 @@
         </p:nvSpPr>
         <p:spPr>
           <a:xfrm>
-            <a:off x="6172200" y="2505075"/>
-            <a:ext cx="5183188" cy="3684588"/>
+            <a:off x="5088384" y="2737245"/>
+            <a:ext cx="4185617" cy="3304117"/>
           </a:xfrm>
         </p:spPr>
         <p:txBody>
-          <a:bodyPr/>
+          <a:bodyPr>
+            <a:normAutofit/>
+          </a:bodyPr>
           <a:lstStyle/>
           <a:p>
             <a:pPr lvl="0"/>
@@ -5483,19 +7522,13 @@
               <a:rPr lang="en-US"/>
               <a:t>Fifth level</a:t>
             </a:r>
-            <a:endParaRPr lang="vi-VN"/>
+            <a:endParaRPr lang="en-US" dirty="0"/>
           </a:p>
         </p:txBody>
       </p:sp>
       <p:sp>
         <p:nvSpPr>
-          <p:cNvPr id="7" name="Date Placeholder 6">
-            <a:extLst>
-              <a:ext uri="{FF2B5EF4-FFF2-40B4-BE49-F238E27FC236}">
-                <a16:creationId xmlns:a16="http://schemas.microsoft.com/office/drawing/2014/main" id="{408545F0-8856-4495-827A-6B485832A5DF}"/>
-              </a:ext>
-            </a:extLst>
-          </p:cNvPr>
+          <p:cNvPr id="7" name="Date Placeholder 6"/>
           <p:cNvSpPr>
             <a:spLocks noGrp="1"/>
           </p:cNvSpPr>
@@ -5518,13 +7551,7 @@
       </p:sp>
       <p:sp>
         <p:nvSpPr>
-          <p:cNvPr id="8" name="Footer Placeholder 7">
-            <a:extLst>
-              <a:ext uri="{FF2B5EF4-FFF2-40B4-BE49-F238E27FC236}">
-                <a16:creationId xmlns:a16="http://schemas.microsoft.com/office/drawing/2014/main" id="{5246CD39-EBB9-4D6B-A449-D5D10BF7DB75}"/>
-              </a:ext>
-            </a:extLst>
-          </p:cNvPr>
+          <p:cNvPr id="8" name="Footer Placeholder 7"/>
           <p:cNvSpPr>
             <a:spLocks noGrp="1"/>
           </p:cNvSpPr>
@@ -5543,13 +7570,7 @@
       </p:sp>
       <p:sp>
         <p:nvSpPr>
-          <p:cNvPr id="9" name="Slide Number Placeholder 8">
-            <a:extLst>
-              <a:ext uri="{FF2B5EF4-FFF2-40B4-BE49-F238E27FC236}">
-                <a16:creationId xmlns:a16="http://schemas.microsoft.com/office/drawing/2014/main" id="{23CE6E42-9BAC-4D33-81DF-792508456234}"/>
-              </a:ext>
-            </a:extLst>
-          </p:cNvPr>
+          <p:cNvPr id="9" name="Slide Number Placeholder 8"/>
           <p:cNvSpPr>
             <a:spLocks noGrp="1"/>
           </p:cNvSpPr>
@@ -5573,7 +7594,7 @@
     </p:spTree>
     <p:extLst>
       <p:ext uri="{BB962C8B-B14F-4D97-AF65-F5344CB8AC3E}">
-        <p14:creationId xmlns:p14="http://schemas.microsoft.com/office/powerpoint/2010/main" val="3577363263"/>
+        <p14:creationId xmlns:p14="http://schemas.microsoft.com/office/powerpoint/2010/main" val="3844174594"/>
       </p:ext>
     </p:extLst>
   </p:cSld>
@@ -5602,13 +7623,7 @@
       </p:grpSpPr>
       <p:sp>
         <p:nvSpPr>
-          <p:cNvPr id="2" name="Title 1">
-            <a:extLst>
-              <a:ext uri="{FF2B5EF4-FFF2-40B4-BE49-F238E27FC236}">
-                <a16:creationId xmlns:a16="http://schemas.microsoft.com/office/drawing/2014/main" id="{72975FE3-178A-41DC-B2FB-0A42D10A58E2}"/>
-              </a:ext>
-            </a:extLst>
-          </p:cNvPr>
+          <p:cNvPr id="2" name="Title 1"/>
           <p:cNvSpPr>
             <a:spLocks noGrp="1"/>
           </p:cNvSpPr>
@@ -5616,7 +7631,12 @@
             <p:ph type="title"/>
           </p:nvPr>
         </p:nvSpPr>
-        <p:spPr/>
+        <p:spPr>
+          <a:xfrm>
+            <a:off x="677334" y="609600"/>
+            <a:ext cx="8596668" cy="1320800"/>
+          </a:xfrm>
+        </p:spPr>
         <p:txBody>
           <a:bodyPr/>
           <a:lstStyle/>
@@ -5625,19 +7645,13 @@
               <a:rPr lang="en-US"/>
               <a:t>Click to edit Master title style</a:t>
             </a:r>
-            <a:endParaRPr lang="vi-VN"/>
+            <a:endParaRPr lang="en-US" dirty="0"/>
           </a:p>
         </p:txBody>
       </p:sp>
       <p:sp>
         <p:nvSpPr>
-          <p:cNvPr id="3" name="Date Placeholder 2">
-            <a:extLst>
-              <a:ext uri="{FF2B5EF4-FFF2-40B4-BE49-F238E27FC236}">
-                <a16:creationId xmlns:a16="http://schemas.microsoft.com/office/drawing/2014/main" id="{9FA15168-D330-4F29-97FE-426BBFCED50D}"/>
-              </a:ext>
-            </a:extLst>
-          </p:cNvPr>
+          <p:cNvPr id="3" name="Date Placeholder 2"/>
           <p:cNvSpPr>
             <a:spLocks noGrp="1"/>
           </p:cNvSpPr>
@@ -5660,13 +7674,7 @@
       </p:sp>
       <p:sp>
         <p:nvSpPr>
-          <p:cNvPr id="4" name="Footer Placeholder 3">
-            <a:extLst>
-              <a:ext uri="{FF2B5EF4-FFF2-40B4-BE49-F238E27FC236}">
-                <a16:creationId xmlns:a16="http://schemas.microsoft.com/office/drawing/2014/main" id="{459CBFDB-747B-4C69-AF58-550B190F269E}"/>
-              </a:ext>
-            </a:extLst>
-          </p:cNvPr>
+          <p:cNvPr id="4" name="Footer Placeholder 3"/>
           <p:cNvSpPr>
             <a:spLocks noGrp="1"/>
           </p:cNvSpPr>
@@ -5685,13 +7693,7 @@
       </p:sp>
       <p:sp>
         <p:nvSpPr>
-          <p:cNvPr id="5" name="Slide Number Placeholder 4">
-            <a:extLst>
-              <a:ext uri="{FF2B5EF4-FFF2-40B4-BE49-F238E27FC236}">
-                <a16:creationId xmlns:a16="http://schemas.microsoft.com/office/drawing/2014/main" id="{B33F296A-F450-40C5-BB88-AA54ABCC8E17}"/>
-              </a:ext>
-            </a:extLst>
-          </p:cNvPr>
+          <p:cNvPr id="5" name="Slide Number Placeholder 4"/>
           <p:cNvSpPr>
             <a:spLocks noGrp="1"/>
           </p:cNvSpPr>
@@ -5715,7 +7717,7 @@
     </p:spTree>
     <p:extLst>
       <p:ext uri="{BB962C8B-B14F-4D97-AF65-F5344CB8AC3E}">
-        <p14:creationId xmlns:p14="http://schemas.microsoft.com/office/powerpoint/2010/main" val="2327176148"/>
+        <p14:creationId xmlns:p14="http://schemas.microsoft.com/office/powerpoint/2010/main" val="1129945686"/>
       </p:ext>
     </p:extLst>
   </p:cSld>
@@ -5744,13 +7746,7 @@
       </p:grpSpPr>
       <p:sp>
         <p:nvSpPr>
-          <p:cNvPr id="2" name="Date Placeholder 1">
-            <a:extLst>
-              <a:ext uri="{FF2B5EF4-FFF2-40B4-BE49-F238E27FC236}">
-                <a16:creationId xmlns:a16="http://schemas.microsoft.com/office/drawing/2014/main" id="{C1E78B6B-A57A-48F2-8B0A-CF5688B8D5CC}"/>
-              </a:ext>
-            </a:extLst>
-          </p:cNvPr>
+          <p:cNvPr id="2" name="Date Placeholder 1"/>
           <p:cNvSpPr>
             <a:spLocks noGrp="1"/>
           </p:cNvSpPr>
@@ -5773,13 +7769,7 @@
       </p:sp>
       <p:sp>
         <p:nvSpPr>
-          <p:cNvPr id="3" name="Footer Placeholder 2">
-            <a:extLst>
-              <a:ext uri="{FF2B5EF4-FFF2-40B4-BE49-F238E27FC236}">
-                <a16:creationId xmlns:a16="http://schemas.microsoft.com/office/drawing/2014/main" id="{6C58FA95-32BF-401C-8DAA-30BB8FBD1F9D}"/>
-              </a:ext>
-            </a:extLst>
-          </p:cNvPr>
+          <p:cNvPr id="3" name="Footer Placeholder 2"/>
           <p:cNvSpPr>
             <a:spLocks noGrp="1"/>
           </p:cNvSpPr>
@@ -5798,13 +7788,7 @@
       </p:sp>
       <p:sp>
         <p:nvSpPr>
-          <p:cNvPr id="4" name="Slide Number Placeholder 3">
-            <a:extLst>
-              <a:ext uri="{FF2B5EF4-FFF2-40B4-BE49-F238E27FC236}">
-                <a16:creationId xmlns:a16="http://schemas.microsoft.com/office/drawing/2014/main" id="{15FCC24B-D286-49F4-9345-4F81B335E393}"/>
-              </a:ext>
-            </a:extLst>
-          </p:cNvPr>
+          <p:cNvPr id="4" name="Slide Number Placeholder 3"/>
           <p:cNvSpPr>
             <a:spLocks noGrp="1"/>
           </p:cNvSpPr>
@@ -5828,13 +7812,18 @@
     </p:spTree>
     <p:extLst>
       <p:ext uri="{BB962C8B-B14F-4D97-AF65-F5344CB8AC3E}">
-        <p14:creationId xmlns:p14="http://schemas.microsoft.com/office/powerpoint/2010/main" val="2392694347"/>
+        <p14:creationId xmlns:p14="http://schemas.microsoft.com/office/powerpoint/2010/main" val="1532848231"/>
       </p:ext>
     </p:extLst>
   </p:cSld>
   <p:clrMapOvr>
     <a:masterClrMapping/>
   </p:clrMapOvr>
+  <p:extLst>
+    <p:ext uri="{DCECCB84-F9BA-43D5-87BE-67443E8EF086}">
+      <p15:sldGuideLst xmlns:p15="http://schemas.microsoft.com/office/powerpoint/2012/main"/>
+    </p:ext>
+  </p:extLst>
 </p:sldLayout>
 </file>
 
@@ -5857,13 +7846,7 @@
       </p:grpSpPr>
       <p:sp>
         <p:nvSpPr>
-          <p:cNvPr id="2" name="Title 1">
-            <a:extLst>
-              <a:ext uri="{FF2B5EF4-FFF2-40B4-BE49-F238E27FC236}">
-                <a16:creationId xmlns:a16="http://schemas.microsoft.com/office/drawing/2014/main" id="{EE2E148B-D051-48F2-A34C-B69C1EA309BC}"/>
-              </a:ext>
-            </a:extLst>
-          </p:cNvPr>
+          <p:cNvPr id="2" name="Title 1"/>
           <p:cNvSpPr>
             <a:spLocks noGrp="1"/>
           </p:cNvSpPr>
@@ -5873,15 +7856,17 @@
         </p:nvSpPr>
         <p:spPr>
           <a:xfrm>
-            <a:off x="839788" y="457200"/>
-            <a:ext cx="3932237" cy="1600200"/>
+            <a:off x="677334" y="1498604"/>
+            <a:ext cx="3854528" cy="1278466"/>
           </a:xfrm>
         </p:spPr>
         <p:txBody>
-          <a:bodyPr anchor="b"/>
+          <a:bodyPr anchor="b">
+            <a:normAutofit/>
+          </a:bodyPr>
           <a:lstStyle>
             <a:lvl1pPr>
-              <a:defRPr sz="3200"/>
+              <a:defRPr sz="2000"/>
             </a:lvl1pPr>
           </a:lstStyle>
           <a:p>
@@ -5889,19 +7874,13 @@
               <a:rPr lang="en-US"/>
               <a:t>Click to edit Master title style</a:t>
             </a:r>
-            <a:endParaRPr lang="vi-VN"/>
+            <a:endParaRPr lang="en-US" dirty="0"/>
           </a:p>
         </p:txBody>
       </p:sp>
       <p:sp>
         <p:nvSpPr>
-          <p:cNvPr id="3" name="Content Placeholder 2">
-            <a:extLst>
-              <a:ext uri="{FF2B5EF4-FFF2-40B4-BE49-F238E27FC236}">
-                <a16:creationId xmlns:a16="http://schemas.microsoft.com/office/drawing/2014/main" id="{AF5B7475-58A4-41C1-94B1-A57A7591F85E}"/>
-              </a:ext>
-            </a:extLst>
-          </p:cNvPr>
+          <p:cNvPr id="3" name="Content Placeholder 2"/>
           <p:cNvSpPr>
             <a:spLocks noGrp="1"/>
           </p:cNvSpPr>
@@ -5911,41 +7890,15 @@
         </p:nvSpPr>
         <p:spPr>
           <a:xfrm>
-            <a:off x="5183188" y="987425"/>
-            <a:ext cx="6172200" cy="4873625"/>
+            <a:off x="4760461" y="514924"/>
+            <a:ext cx="4513541" cy="5526437"/>
           </a:xfrm>
         </p:spPr>
         <p:txBody>
-          <a:bodyPr/>
-          <a:lstStyle>
-            <a:lvl1pPr>
-              <a:defRPr sz="3200"/>
-            </a:lvl1pPr>
-            <a:lvl2pPr>
-              <a:defRPr sz="2800"/>
-            </a:lvl2pPr>
-            <a:lvl3pPr>
-              <a:defRPr sz="2400"/>
-            </a:lvl3pPr>
-            <a:lvl4pPr>
-              <a:defRPr sz="2000"/>
-            </a:lvl4pPr>
-            <a:lvl5pPr>
-              <a:defRPr sz="2000"/>
-            </a:lvl5pPr>
-            <a:lvl6pPr>
-              <a:defRPr sz="2000"/>
-            </a:lvl6pPr>
-            <a:lvl7pPr>
-              <a:defRPr sz="2000"/>
-            </a:lvl7pPr>
-            <a:lvl8pPr>
-              <a:defRPr sz="2000"/>
-            </a:lvl8pPr>
-            <a:lvl9pPr>
-              <a:defRPr sz="2000"/>
-            </a:lvl9pPr>
-          </a:lstStyle>
+          <a:bodyPr>
+            <a:normAutofit/>
+          </a:bodyPr>
+          <a:lstStyle/>
           <a:p>
             <a:pPr lvl="0"/>
             <a:r>
@@ -5980,19 +7933,13 @@
               <a:rPr lang="en-US"/>
               <a:t>Fifth level</a:t>
             </a:r>
-            <a:endParaRPr lang="vi-VN"/>
+            <a:endParaRPr lang="en-US" dirty="0"/>
           </a:p>
         </p:txBody>
       </p:sp>
       <p:sp>
         <p:nvSpPr>
-          <p:cNvPr id="4" name="Text Placeholder 3">
-            <a:extLst>
-              <a:ext uri="{FF2B5EF4-FFF2-40B4-BE49-F238E27FC236}">
-                <a16:creationId xmlns:a16="http://schemas.microsoft.com/office/drawing/2014/main" id="{92F7789E-4956-45A8-8A7A-D2173A63AC52}"/>
-              </a:ext>
-            </a:extLst>
-          </p:cNvPr>
+          <p:cNvPr id="4" name="Text Placeholder 3"/>
           <p:cNvSpPr>
             <a:spLocks noGrp="1"/>
           </p:cNvSpPr>
@@ -6002,46 +7949,48 @@
         </p:nvSpPr>
         <p:spPr>
           <a:xfrm>
-            <a:off x="839788" y="2057400"/>
-            <a:ext cx="3932237" cy="3811588"/>
+            <a:off x="677334" y="2777069"/>
+            <a:ext cx="3854528" cy="2584449"/>
           </a:xfrm>
         </p:spPr>
         <p:txBody>
-          <a:bodyPr/>
+          <a:bodyPr>
+            <a:normAutofit/>
+          </a:bodyPr>
           <a:lstStyle>
             <a:lvl1pPr marL="0" indent="0">
               <a:buNone/>
-              <a:defRPr sz="1600"/>
+              <a:defRPr sz="1400"/>
             </a:lvl1pPr>
-            <a:lvl2pPr marL="457200" indent="0">
+            <a:lvl2pPr marL="457063" indent="0">
               <a:buNone/>
               <a:defRPr sz="1400"/>
             </a:lvl2pPr>
-            <a:lvl3pPr marL="914400" indent="0">
+            <a:lvl3pPr marL="914126" indent="0">
               <a:buNone/>
               <a:defRPr sz="1200"/>
             </a:lvl3pPr>
-            <a:lvl4pPr marL="1371600" indent="0">
+            <a:lvl4pPr marL="1371189" indent="0">
               <a:buNone/>
               <a:defRPr sz="1000"/>
             </a:lvl4pPr>
-            <a:lvl5pPr marL="1828800" indent="0">
+            <a:lvl5pPr marL="1828251" indent="0">
               <a:buNone/>
               <a:defRPr sz="1000"/>
             </a:lvl5pPr>
-            <a:lvl6pPr marL="2286000" indent="0">
+            <a:lvl6pPr marL="2285314" indent="0">
               <a:buNone/>
               <a:defRPr sz="1000"/>
             </a:lvl6pPr>
-            <a:lvl7pPr marL="2743200" indent="0">
+            <a:lvl7pPr marL="2742377" indent="0">
               <a:buNone/>
               <a:defRPr sz="1000"/>
             </a:lvl7pPr>
-            <a:lvl8pPr marL="3200400" indent="0">
+            <a:lvl8pPr marL="3199440" indent="0">
               <a:buNone/>
               <a:defRPr sz="1000"/>
             </a:lvl8pPr>
-            <a:lvl9pPr marL="3657600" indent="0">
+            <a:lvl9pPr marL="3656503" indent="0">
               <a:buNone/>
               <a:defRPr sz="1000"/>
             </a:lvl9pPr>
@@ -6057,13 +8006,7 @@
       </p:sp>
       <p:sp>
         <p:nvSpPr>
-          <p:cNvPr id="5" name="Date Placeholder 4">
-            <a:extLst>
-              <a:ext uri="{FF2B5EF4-FFF2-40B4-BE49-F238E27FC236}">
-                <a16:creationId xmlns:a16="http://schemas.microsoft.com/office/drawing/2014/main" id="{CA2DF3F2-7172-4F27-9200-CDE90AA8D14F}"/>
-              </a:ext>
-            </a:extLst>
-          </p:cNvPr>
+          <p:cNvPr id="5" name="Date Placeholder 4"/>
           <p:cNvSpPr>
             <a:spLocks noGrp="1"/>
           </p:cNvSpPr>
@@ -6086,13 +8029,7 @@
       </p:sp>
       <p:sp>
         <p:nvSpPr>
-          <p:cNvPr id="6" name="Footer Placeholder 5">
-            <a:extLst>
-              <a:ext uri="{FF2B5EF4-FFF2-40B4-BE49-F238E27FC236}">
-                <a16:creationId xmlns:a16="http://schemas.microsoft.com/office/drawing/2014/main" id="{1033B1C6-FBE2-456A-9947-F0C38FEEAAA1}"/>
-              </a:ext>
-            </a:extLst>
-          </p:cNvPr>
+          <p:cNvPr id="6" name="Footer Placeholder 5"/>
           <p:cNvSpPr>
             <a:spLocks noGrp="1"/>
           </p:cNvSpPr>
@@ -6111,13 +8048,7 @@
       </p:sp>
       <p:sp>
         <p:nvSpPr>
-          <p:cNvPr id="7" name="Slide Number Placeholder 6">
-            <a:extLst>
-              <a:ext uri="{FF2B5EF4-FFF2-40B4-BE49-F238E27FC236}">
-                <a16:creationId xmlns:a16="http://schemas.microsoft.com/office/drawing/2014/main" id="{F10AFB96-296B-4D94-8DE5-9754B8304126}"/>
-              </a:ext>
-            </a:extLst>
-          </p:cNvPr>
+          <p:cNvPr id="7" name="Slide Number Placeholder 6"/>
           <p:cNvSpPr>
             <a:spLocks noGrp="1"/>
           </p:cNvSpPr>
@@ -6141,13 +8072,18 @@
     </p:spTree>
     <p:extLst>
       <p:ext uri="{BB962C8B-B14F-4D97-AF65-F5344CB8AC3E}">
-        <p14:creationId xmlns:p14="http://schemas.microsoft.com/office/powerpoint/2010/main" val="2460590128"/>
+        <p14:creationId xmlns:p14="http://schemas.microsoft.com/office/powerpoint/2010/main" val="3213893980"/>
       </p:ext>
     </p:extLst>
   </p:cSld>
   <p:clrMapOvr>
     <a:masterClrMapping/>
   </p:clrMapOvr>
+  <p:extLst>
+    <p:ext uri="{DCECCB84-F9BA-43D5-87BE-67443E8EF086}">
+      <p15:sldGuideLst xmlns:p15="http://schemas.microsoft.com/office/powerpoint/2012/main"/>
+    </p:ext>
+  </p:extLst>
 </p:sldLayout>
 </file>
 
@@ -6170,13 +8106,7 @@
       </p:grpSpPr>
       <p:sp>
         <p:nvSpPr>
-          <p:cNvPr id="2" name="Title 1">
-            <a:extLst>
-              <a:ext uri="{FF2B5EF4-FFF2-40B4-BE49-F238E27FC236}">
-                <a16:creationId xmlns:a16="http://schemas.microsoft.com/office/drawing/2014/main" id="{470BF9F4-EC92-4FC4-A387-0012B76CA968}"/>
-              </a:ext>
-            </a:extLst>
-          </p:cNvPr>
+          <p:cNvPr id="2" name="Title 1"/>
           <p:cNvSpPr>
             <a:spLocks noGrp="1"/>
           </p:cNvSpPr>
@@ -6186,15 +8116,17 @@
         </p:nvSpPr>
         <p:spPr>
           <a:xfrm>
-            <a:off x="839788" y="457200"/>
-            <a:ext cx="3932237" cy="1600200"/>
+            <a:off x="677334" y="4800600"/>
+            <a:ext cx="8596667" cy="566738"/>
           </a:xfrm>
         </p:spPr>
         <p:txBody>
-          <a:bodyPr anchor="b"/>
+          <a:bodyPr anchor="b">
+            <a:normAutofit/>
+          </a:bodyPr>
           <a:lstStyle>
-            <a:lvl1pPr>
-              <a:defRPr sz="3200"/>
+            <a:lvl1pPr algn="l">
+              <a:defRPr sz="2400" b="0"/>
             </a:lvl1pPr>
           </a:lstStyle>
           <a:p>
@@ -6202,21 +8134,15 @@
               <a:rPr lang="en-US"/>
               <a:t>Click to edit Master title style</a:t>
             </a:r>
-            <a:endParaRPr lang="vi-VN"/>
+            <a:endParaRPr lang="en-US" dirty="0"/>
           </a:p>
         </p:txBody>
       </p:sp>
       <p:sp>
         <p:nvSpPr>
-          <p:cNvPr id="3" name="Picture Placeholder 2">
-            <a:extLst>
-              <a:ext uri="{FF2B5EF4-FFF2-40B4-BE49-F238E27FC236}">
-                <a16:creationId xmlns:a16="http://schemas.microsoft.com/office/drawing/2014/main" id="{61E76673-088C-4654-92D1-F8EBEBD983D6}"/>
-              </a:ext>
-            </a:extLst>
-          </p:cNvPr>
+          <p:cNvPr id="3" name="Picture Placeholder 2"/>
           <p:cNvSpPr>
-            <a:spLocks noGrp="1"/>
+            <a:spLocks noGrp="1" noChangeAspect="1"/>
           </p:cNvSpPr>
           <p:nvPr>
             <p:ph type="pic" idx="1"/>
@@ -6224,64 +8150,64 @@
         </p:nvSpPr>
         <p:spPr>
           <a:xfrm>
-            <a:off x="5183188" y="987425"/>
-            <a:ext cx="6172200" cy="4873625"/>
+            <a:off x="677334" y="609600"/>
+            <a:ext cx="8596668" cy="3845718"/>
           </a:xfrm>
         </p:spPr>
         <p:txBody>
-          <a:bodyPr/>
+          <a:bodyPr anchor="t">
+            <a:normAutofit/>
+          </a:bodyPr>
           <a:lstStyle>
-            <a:lvl1pPr marL="0" indent="0">
-              <a:buNone/>
-              <a:defRPr sz="3200"/>
+            <a:lvl1pPr marL="0" indent="0" algn="ctr">
+              <a:buNone/>
+              <a:defRPr sz="1600"/>
             </a:lvl1pPr>
             <a:lvl2pPr marL="457200" indent="0">
               <a:buNone/>
-              <a:defRPr sz="2800"/>
+              <a:defRPr sz="1600"/>
             </a:lvl2pPr>
             <a:lvl3pPr marL="914400" indent="0">
               <a:buNone/>
-              <a:defRPr sz="2400"/>
+              <a:defRPr sz="1600"/>
             </a:lvl3pPr>
             <a:lvl4pPr marL="1371600" indent="0">
               <a:buNone/>
-              <a:defRPr sz="2000"/>
+              <a:defRPr sz="1600"/>
             </a:lvl4pPr>
             <a:lvl5pPr marL="1828800" indent="0">
               <a:buNone/>
-              <a:defRPr sz="2000"/>
+              <a:defRPr sz="1600"/>
             </a:lvl5pPr>
             <a:lvl6pPr marL="2286000" indent="0">
               <a:buNone/>
-              <a:defRPr sz="2000"/>
+              <a:defRPr sz="1600"/>
             </a:lvl6pPr>
             <a:lvl7pPr marL="2743200" indent="0">
               <a:buNone/>
-              <a:defRPr sz="2000"/>
+              <a:defRPr sz="1600"/>
             </a:lvl7pPr>
             <a:lvl8pPr marL="3200400" indent="0">
               <a:buNone/>
-              <a:defRPr sz="2000"/>
+              <a:defRPr sz="1600"/>
             </a:lvl8pPr>
             <a:lvl9pPr marL="3657600" indent="0">
               <a:buNone/>
-              <a:defRPr sz="2000"/>
+              <a:defRPr sz="1600"/>
             </a:lvl9pPr>
           </a:lstStyle>
           <a:p>
-            <a:endParaRPr lang="vi-VN"/>
+            <a:r>
+              <a:rPr lang="en-US"/>
+              <a:t>Click icon to add picture</a:t>
+            </a:r>
+            <a:endParaRPr lang="en-US" dirty="0"/>
           </a:p>
         </p:txBody>
       </p:sp>
       <p:sp>
         <p:nvSpPr>
-          <p:cNvPr id="4" name="Text Placeholder 3">
-            <a:extLst>
-              <a:ext uri="{FF2B5EF4-FFF2-40B4-BE49-F238E27FC236}">
-                <a16:creationId xmlns:a16="http://schemas.microsoft.com/office/drawing/2014/main" id="{C9991D02-6809-4D5C-B486-EEF87BED7391}"/>
-              </a:ext>
-            </a:extLst>
-          </p:cNvPr>
+          <p:cNvPr id="4" name="Text Placeholder 3"/>
           <p:cNvSpPr>
             <a:spLocks noGrp="1"/>
           </p:cNvSpPr>
@@ -6291,48 +8217,50 @@
         </p:nvSpPr>
         <p:spPr>
           <a:xfrm>
-            <a:off x="839788" y="2057400"/>
-            <a:ext cx="3932237" cy="3811588"/>
+            <a:off x="677334" y="5367338"/>
+            <a:ext cx="8596667" cy="674024"/>
           </a:xfrm>
         </p:spPr>
         <p:txBody>
-          <a:bodyPr/>
+          <a:bodyPr>
+            <a:normAutofit/>
+          </a:bodyPr>
           <a:lstStyle>
             <a:lvl1pPr marL="0" indent="0">
               <a:buNone/>
-              <a:defRPr sz="1600"/>
+              <a:defRPr sz="1200"/>
             </a:lvl1pPr>
             <a:lvl2pPr marL="457200" indent="0">
               <a:buNone/>
-              <a:defRPr sz="1400"/>
+              <a:defRPr sz="1200"/>
             </a:lvl2pPr>
             <a:lvl3pPr marL="914400" indent="0">
               <a:buNone/>
-              <a:defRPr sz="1200"/>
+              <a:defRPr sz="1000"/>
             </a:lvl3pPr>
             <a:lvl4pPr marL="1371600" indent="0">
               <a:buNone/>
-              <a:defRPr sz="1000"/>
+              <a:defRPr sz="900"/>
             </a:lvl4pPr>
             <a:lvl5pPr marL="1828800" indent="0">
               <a:buNone/>
-              <a:defRPr sz="1000"/>
+              <a:defRPr sz="900"/>
             </a:lvl5pPr>
             <a:lvl6pPr marL="2286000" indent="0">
               <a:buNone/>
-              <a:defRPr sz="1000"/>
+              <a:defRPr sz="900"/>
             </a:lvl6pPr>
             <a:lvl7pPr marL="2743200" indent="0">
               <a:buNone/>
-              <a:defRPr sz="1000"/>
+              <a:defRPr sz="900"/>
             </a:lvl7pPr>
             <a:lvl8pPr marL="3200400" indent="0">
               <a:buNone/>
-              <a:defRPr sz="1000"/>
+              <a:defRPr sz="900"/>
             </a:lvl8pPr>
             <a:lvl9pPr marL="3657600" indent="0">
               <a:buNone/>
-              <a:defRPr sz="1000"/>
+              <a:defRPr sz="900"/>
             </a:lvl9pPr>
           </a:lstStyle>
           <a:p>
@@ -6346,13 +8274,7 @@
       </p:sp>
       <p:sp>
         <p:nvSpPr>
-          <p:cNvPr id="5" name="Date Placeholder 4">
-            <a:extLst>
-              <a:ext uri="{FF2B5EF4-FFF2-40B4-BE49-F238E27FC236}">
-                <a16:creationId xmlns:a16="http://schemas.microsoft.com/office/drawing/2014/main" id="{3BE0491D-5FA4-42D1-AFCC-EAEC3A7BE453}"/>
-              </a:ext>
-            </a:extLst>
-          </p:cNvPr>
+          <p:cNvPr id="5" name="Date Placeholder 4"/>
           <p:cNvSpPr>
             <a:spLocks noGrp="1"/>
           </p:cNvSpPr>
@@ -6375,13 +8297,7 @@
       </p:sp>
       <p:sp>
         <p:nvSpPr>
-          <p:cNvPr id="6" name="Footer Placeholder 5">
-            <a:extLst>
-              <a:ext uri="{FF2B5EF4-FFF2-40B4-BE49-F238E27FC236}">
-                <a16:creationId xmlns:a16="http://schemas.microsoft.com/office/drawing/2014/main" id="{C91EE726-CC64-43B6-AA2B-17FDF77DFCA8}"/>
-              </a:ext>
-            </a:extLst>
-          </p:cNvPr>
+          <p:cNvPr id="6" name="Footer Placeholder 5"/>
           <p:cNvSpPr>
             <a:spLocks noGrp="1"/>
           </p:cNvSpPr>
@@ -6400,13 +8316,7 @@
       </p:sp>
       <p:sp>
         <p:nvSpPr>
-          <p:cNvPr id="7" name="Slide Number Placeholder 6">
-            <a:extLst>
-              <a:ext uri="{FF2B5EF4-FFF2-40B4-BE49-F238E27FC236}">
-                <a16:creationId xmlns:a16="http://schemas.microsoft.com/office/drawing/2014/main" id="{6506621C-0266-4199-9748-585F640EF662}"/>
-              </a:ext>
-            </a:extLst>
-          </p:cNvPr>
+          <p:cNvPr id="7" name="Slide Number Placeholder 6"/>
           <p:cNvSpPr>
             <a:spLocks noGrp="1"/>
           </p:cNvSpPr>
@@ -6430,7 +8340,7 @@
     </p:spTree>
     <p:extLst>
       <p:ext uri="{BB962C8B-B14F-4D97-AF65-F5344CB8AC3E}">
-        <p14:creationId xmlns:p14="http://schemas.microsoft.com/office/powerpoint/2010/main" val="2631709011"/>
+        <p14:creationId xmlns:p14="http://schemas.microsoft.com/office/powerpoint/2010/main" val="4213747670"/>
       </p:ext>
     </p:extLst>
   </p:cSld>
@@ -6462,15 +8372,539 @@
           <a:chExt cx="0" cy="0"/>
         </a:xfrm>
       </p:grpSpPr>
+      <p:grpSp>
+        <p:nvGrpSpPr>
+          <p:cNvPr id="7" name="Group 6"/>
+          <p:cNvGrpSpPr/>
+          <p:nvPr/>
+        </p:nvGrpSpPr>
+        <p:grpSpPr>
+          <a:xfrm>
+            <a:off x="0" y="-8467"/>
+            <a:ext cx="12192000" cy="6866467"/>
+            <a:chOff x="0" y="-8467"/>
+            <a:chExt cx="12192000" cy="6866467"/>
+          </a:xfrm>
+        </p:grpSpPr>
+        <p:cxnSp>
+          <p:nvCxnSpPr>
+            <p:cNvPr id="20" name="Straight Connector 19"/>
+            <p:cNvCxnSpPr/>
+            <p:nvPr/>
+          </p:nvCxnSpPr>
+          <p:spPr>
+            <a:xfrm>
+              <a:off x="9371012" y="0"/>
+              <a:ext cx="1219200" cy="6858000"/>
+            </a:xfrm>
+            <a:prstGeom prst="line">
+              <a:avLst/>
+            </a:prstGeom>
+            <a:ln w="9525">
+              <a:solidFill>
+                <a:schemeClr val="bg1">
+                  <a:lumMod val="75000"/>
+                </a:schemeClr>
+              </a:solidFill>
+            </a:ln>
+          </p:spPr>
+          <p:style>
+            <a:lnRef idx="2">
+              <a:schemeClr val="accent1"/>
+            </a:lnRef>
+            <a:fillRef idx="0">
+              <a:schemeClr val="accent1"/>
+            </a:fillRef>
+            <a:effectRef idx="1">
+              <a:schemeClr val="accent1"/>
+            </a:effectRef>
+            <a:fontRef idx="minor">
+              <a:schemeClr val="tx1"/>
+            </a:fontRef>
+          </p:style>
+        </p:cxnSp>
+        <p:cxnSp>
+          <p:nvCxnSpPr>
+            <p:cNvPr id="21" name="Straight Connector 20"/>
+            <p:cNvCxnSpPr/>
+            <p:nvPr/>
+          </p:nvCxnSpPr>
+          <p:spPr>
+            <a:xfrm flipH="1">
+              <a:off x="7425267" y="3681413"/>
+              <a:ext cx="4763558" cy="3176587"/>
+            </a:xfrm>
+            <a:prstGeom prst="line">
+              <a:avLst/>
+            </a:prstGeom>
+            <a:ln w="9525">
+              <a:solidFill>
+                <a:schemeClr val="bg1">
+                  <a:lumMod val="85000"/>
+                </a:schemeClr>
+              </a:solidFill>
+            </a:ln>
+          </p:spPr>
+          <p:style>
+            <a:lnRef idx="2">
+              <a:schemeClr val="accent1"/>
+            </a:lnRef>
+            <a:fillRef idx="0">
+              <a:schemeClr val="accent1"/>
+            </a:fillRef>
+            <a:effectRef idx="1">
+              <a:schemeClr val="accent1"/>
+            </a:effectRef>
+            <a:fontRef idx="minor">
+              <a:schemeClr val="tx1"/>
+            </a:fontRef>
+          </p:style>
+        </p:cxnSp>
+        <p:sp>
+          <p:nvSpPr>
+            <p:cNvPr id="22" name="Rectangle 23"/>
+            <p:cNvSpPr/>
+            <p:nvPr/>
+          </p:nvSpPr>
+          <p:spPr>
+            <a:xfrm>
+              <a:off x="9181476" y="-8467"/>
+              <a:ext cx="3007349" cy="6866467"/>
+            </a:xfrm>
+            <a:custGeom>
+              <a:avLst/>
+              <a:gdLst/>
+              <a:ahLst/>
+              <a:cxnLst/>
+              <a:rect l="l" t="t" r="r" b="b"/>
+              <a:pathLst>
+                <a:path w="3007349" h="6866467">
+                  <a:moveTo>
+                    <a:pt x="2045532" y="0"/>
+                  </a:moveTo>
+                  <a:lnTo>
+                    <a:pt x="3007349" y="0"/>
+                  </a:lnTo>
+                  <a:lnTo>
+                    <a:pt x="3007349" y="6866467"/>
+                  </a:lnTo>
+                  <a:lnTo>
+                    <a:pt x="0" y="6866467"/>
+                  </a:lnTo>
+                  <a:lnTo>
+                    <a:pt x="2045532" y="0"/>
+                  </a:lnTo>
+                  <a:close/>
+                </a:path>
+              </a:pathLst>
+            </a:custGeom>
+            <a:solidFill>
+              <a:schemeClr val="accent1">
+                <a:alpha val="30000"/>
+              </a:schemeClr>
+            </a:solidFill>
+            <a:ln>
+              <a:noFill/>
+            </a:ln>
+            <a:effectLst/>
+          </p:spPr>
+          <p:style>
+            <a:lnRef idx="1">
+              <a:schemeClr val="accent1"/>
+            </a:lnRef>
+            <a:fillRef idx="3">
+              <a:schemeClr val="accent1"/>
+            </a:fillRef>
+            <a:effectRef idx="2">
+              <a:schemeClr val="accent1"/>
+            </a:effectRef>
+            <a:fontRef idx="minor">
+              <a:schemeClr val="lt1"/>
+            </a:fontRef>
+          </p:style>
+        </p:sp>
+        <p:sp>
+          <p:nvSpPr>
+            <p:cNvPr id="23" name="Rectangle 25"/>
+            <p:cNvSpPr/>
+            <p:nvPr/>
+          </p:nvSpPr>
+          <p:spPr>
+            <a:xfrm>
+              <a:off x="9603442" y="-8467"/>
+              <a:ext cx="2588558" cy="6866467"/>
+            </a:xfrm>
+            <a:custGeom>
+              <a:avLst/>
+              <a:gdLst/>
+              <a:ahLst/>
+              <a:cxnLst/>
+              <a:rect l="l" t="t" r="r" b="b"/>
+              <a:pathLst>
+                <a:path w="2573311" h="6866467">
+                  <a:moveTo>
+                    <a:pt x="0" y="0"/>
+                  </a:moveTo>
+                  <a:lnTo>
+                    <a:pt x="2573311" y="0"/>
+                  </a:lnTo>
+                  <a:lnTo>
+                    <a:pt x="2573311" y="6866467"/>
+                  </a:lnTo>
+                  <a:lnTo>
+                    <a:pt x="1202336" y="6866467"/>
+                  </a:lnTo>
+                  <a:lnTo>
+                    <a:pt x="0" y="0"/>
+                  </a:lnTo>
+                  <a:close/>
+                </a:path>
+              </a:pathLst>
+            </a:custGeom>
+            <a:solidFill>
+              <a:schemeClr val="accent1">
+                <a:alpha val="20000"/>
+              </a:schemeClr>
+            </a:solidFill>
+            <a:ln>
+              <a:noFill/>
+            </a:ln>
+            <a:effectLst/>
+          </p:spPr>
+          <p:style>
+            <a:lnRef idx="1">
+              <a:schemeClr val="accent1"/>
+            </a:lnRef>
+            <a:fillRef idx="3">
+              <a:schemeClr val="accent1"/>
+            </a:fillRef>
+            <a:effectRef idx="2">
+              <a:schemeClr val="accent1"/>
+            </a:effectRef>
+            <a:fontRef idx="minor">
+              <a:schemeClr val="lt1"/>
+            </a:fontRef>
+          </p:style>
+        </p:sp>
+        <p:sp>
+          <p:nvSpPr>
+            <p:cNvPr id="24" name="Isosceles Triangle 23"/>
+            <p:cNvSpPr/>
+            <p:nvPr/>
+          </p:nvSpPr>
+          <p:spPr>
+            <a:xfrm>
+              <a:off x="8932333" y="3048000"/>
+              <a:ext cx="3259667" cy="3810000"/>
+            </a:xfrm>
+            <a:prstGeom prst="triangle">
+              <a:avLst>
+                <a:gd name="adj" fmla="val 100000"/>
+              </a:avLst>
+            </a:prstGeom>
+            <a:solidFill>
+              <a:schemeClr val="accent2">
+                <a:alpha val="72000"/>
+              </a:schemeClr>
+            </a:solidFill>
+            <a:ln>
+              <a:noFill/>
+            </a:ln>
+            <a:effectLst/>
+          </p:spPr>
+          <p:style>
+            <a:lnRef idx="1">
+              <a:schemeClr val="accent1"/>
+            </a:lnRef>
+            <a:fillRef idx="3">
+              <a:schemeClr val="accent1"/>
+            </a:fillRef>
+            <a:effectRef idx="2">
+              <a:schemeClr val="accent1"/>
+            </a:effectRef>
+            <a:fontRef idx="minor">
+              <a:schemeClr val="lt1"/>
+            </a:fontRef>
+          </p:style>
+        </p:sp>
+        <p:sp>
+          <p:nvSpPr>
+            <p:cNvPr id="25" name="Rectangle 27"/>
+            <p:cNvSpPr/>
+            <p:nvPr/>
+          </p:nvSpPr>
+          <p:spPr>
+            <a:xfrm>
+              <a:off x="9334500" y="-8467"/>
+              <a:ext cx="2854326" cy="6866467"/>
+            </a:xfrm>
+            <a:custGeom>
+              <a:avLst/>
+              <a:gdLst/>
+              <a:ahLst/>
+              <a:cxnLst/>
+              <a:rect l="l" t="t" r="r" b="b"/>
+              <a:pathLst>
+                <a:path w="2858013" h="6866467">
+                  <a:moveTo>
+                    <a:pt x="0" y="0"/>
+                  </a:moveTo>
+                  <a:lnTo>
+                    <a:pt x="2858013" y="0"/>
+                  </a:lnTo>
+                  <a:lnTo>
+                    <a:pt x="2858013" y="6866467"/>
+                  </a:lnTo>
+                  <a:lnTo>
+                    <a:pt x="2473942" y="6866467"/>
+                  </a:lnTo>
+                  <a:lnTo>
+                    <a:pt x="0" y="0"/>
+                  </a:lnTo>
+                  <a:close/>
+                </a:path>
+              </a:pathLst>
+            </a:custGeom>
+            <a:solidFill>
+              <a:schemeClr val="accent2">
+                <a:lumMod val="75000"/>
+                <a:alpha val="70000"/>
+              </a:schemeClr>
+            </a:solidFill>
+            <a:ln>
+              <a:noFill/>
+            </a:ln>
+            <a:effectLst/>
+          </p:spPr>
+          <p:style>
+            <a:lnRef idx="1">
+              <a:schemeClr val="accent1"/>
+            </a:lnRef>
+            <a:fillRef idx="3">
+              <a:schemeClr val="accent1"/>
+            </a:fillRef>
+            <a:effectRef idx="2">
+              <a:schemeClr val="accent1"/>
+            </a:effectRef>
+            <a:fontRef idx="minor">
+              <a:schemeClr val="lt1"/>
+            </a:fontRef>
+          </p:style>
+        </p:sp>
+        <p:sp>
+          <p:nvSpPr>
+            <p:cNvPr id="26" name="Rectangle 28"/>
+            <p:cNvSpPr/>
+            <p:nvPr/>
+          </p:nvSpPr>
+          <p:spPr>
+            <a:xfrm>
+              <a:off x="10898730" y="-8467"/>
+              <a:ext cx="1290094" cy="6866467"/>
+            </a:xfrm>
+            <a:custGeom>
+              <a:avLst/>
+              <a:gdLst/>
+              <a:ahLst/>
+              <a:cxnLst/>
+              <a:rect l="l" t="t" r="r" b="b"/>
+              <a:pathLst>
+                <a:path w="1290094" h="6858000">
+                  <a:moveTo>
+                    <a:pt x="1019735" y="0"/>
+                  </a:moveTo>
+                  <a:lnTo>
+                    <a:pt x="1290094" y="0"/>
+                  </a:lnTo>
+                  <a:lnTo>
+                    <a:pt x="1290094" y="6858000"/>
+                  </a:lnTo>
+                  <a:lnTo>
+                    <a:pt x="0" y="6858000"/>
+                  </a:lnTo>
+                  <a:lnTo>
+                    <a:pt x="1019735" y="0"/>
+                  </a:lnTo>
+                  <a:close/>
+                </a:path>
+              </a:pathLst>
+            </a:custGeom>
+            <a:solidFill>
+              <a:schemeClr val="accent1">
+                <a:lumMod val="60000"/>
+                <a:lumOff val="40000"/>
+                <a:alpha val="70000"/>
+              </a:schemeClr>
+            </a:solidFill>
+            <a:ln>
+              <a:noFill/>
+            </a:ln>
+            <a:effectLst/>
+          </p:spPr>
+          <p:style>
+            <a:lnRef idx="1">
+              <a:schemeClr val="accent1"/>
+            </a:lnRef>
+            <a:fillRef idx="3">
+              <a:schemeClr val="accent1"/>
+            </a:fillRef>
+            <a:effectRef idx="2">
+              <a:schemeClr val="accent1"/>
+            </a:effectRef>
+            <a:fontRef idx="minor">
+              <a:schemeClr val="lt1"/>
+            </a:fontRef>
+          </p:style>
+        </p:sp>
+        <p:sp>
+          <p:nvSpPr>
+            <p:cNvPr id="27" name="Rectangle 29"/>
+            <p:cNvSpPr/>
+            <p:nvPr/>
+          </p:nvSpPr>
+          <p:spPr>
+            <a:xfrm>
+              <a:off x="10938999" y="-8467"/>
+              <a:ext cx="1249825" cy="6866467"/>
+            </a:xfrm>
+            <a:custGeom>
+              <a:avLst/>
+              <a:gdLst/>
+              <a:ahLst/>
+              <a:cxnLst/>
+              <a:rect l="l" t="t" r="r" b="b"/>
+              <a:pathLst>
+                <a:path w="1249825" h="6858000">
+                  <a:moveTo>
+                    <a:pt x="0" y="0"/>
+                  </a:moveTo>
+                  <a:lnTo>
+                    <a:pt x="1249825" y="0"/>
+                  </a:lnTo>
+                  <a:lnTo>
+                    <a:pt x="1249825" y="6858000"/>
+                  </a:lnTo>
+                  <a:lnTo>
+                    <a:pt x="1109382" y="6858000"/>
+                  </a:lnTo>
+                  <a:lnTo>
+                    <a:pt x="0" y="0"/>
+                  </a:lnTo>
+                  <a:close/>
+                </a:path>
+              </a:pathLst>
+            </a:custGeom>
+            <a:solidFill>
+              <a:schemeClr val="accent1">
+                <a:alpha val="65000"/>
+              </a:schemeClr>
+            </a:solidFill>
+            <a:ln>
+              <a:noFill/>
+            </a:ln>
+            <a:effectLst/>
+          </p:spPr>
+          <p:style>
+            <a:lnRef idx="1">
+              <a:schemeClr val="accent1"/>
+            </a:lnRef>
+            <a:fillRef idx="3">
+              <a:schemeClr val="accent1"/>
+            </a:fillRef>
+            <a:effectRef idx="2">
+              <a:schemeClr val="accent1"/>
+            </a:effectRef>
+            <a:fontRef idx="minor">
+              <a:schemeClr val="lt1"/>
+            </a:fontRef>
+          </p:style>
+        </p:sp>
+        <p:sp>
+          <p:nvSpPr>
+            <p:cNvPr id="28" name="Isosceles Triangle 27"/>
+            <p:cNvSpPr/>
+            <p:nvPr/>
+          </p:nvSpPr>
+          <p:spPr>
+            <a:xfrm>
+              <a:off x="10371666" y="3589867"/>
+              <a:ext cx="1817159" cy="3268133"/>
+            </a:xfrm>
+            <a:prstGeom prst="triangle">
+              <a:avLst>
+                <a:gd name="adj" fmla="val 100000"/>
+              </a:avLst>
+            </a:prstGeom>
+            <a:solidFill>
+              <a:schemeClr val="accent1">
+                <a:alpha val="80000"/>
+              </a:schemeClr>
+            </a:solidFill>
+            <a:ln>
+              <a:noFill/>
+            </a:ln>
+            <a:effectLst/>
+          </p:spPr>
+          <p:style>
+            <a:lnRef idx="1">
+              <a:schemeClr val="accent1"/>
+            </a:lnRef>
+            <a:fillRef idx="3">
+              <a:schemeClr val="accent1"/>
+            </a:fillRef>
+            <a:effectRef idx="2">
+              <a:schemeClr val="accent1"/>
+            </a:effectRef>
+            <a:fontRef idx="minor">
+              <a:schemeClr val="lt1"/>
+            </a:fontRef>
+          </p:style>
+        </p:sp>
+        <p:sp>
+          <p:nvSpPr>
+            <p:cNvPr id="29" name="Isosceles Triangle 28"/>
+            <p:cNvSpPr/>
+            <p:nvPr/>
+          </p:nvSpPr>
+          <p:spPr>
+            <a:xfrm>
+              <a:off x="0" y="4013200"/>
+              <a:ext cx="448733" cy="2844800"/>
+            </a:xfrm>
+            <a:prstGeom prst="triangle">
+              <a:avLst>
+                <a:gd name="adj" fmla="val 0"/>
+              </a:avLst>
+            </a:prstGeom>
+            <a:solidFill>
+              <a:schemeClr val="accent1">
+                <a:alpha val="85000"/>
+              </a:schemeClr>
+            </a:solidFill>
+            <a:ln>
+              <a:noFill/>
+            </a:ln>
+            <a:effectLst/>
+          </p:spPr>
+          <p:style>
+            <a:lnRef idx="1">
+              <a:schemeClr val="accent1"/>
+            </a:lnRef>
+            <a:fillRef idx="3">
+              <a:schemeClr val="accent1"/>
+            </a:fillRef>
+            <a:effectRef idx="2">
+              <a:schemeClr val="accent1"/>
+            </a:effectRef>
+            <a:fontRef idx="minor">
+              <a:schemeClr val="lt1"/>
+            </a:fontRef>
+          </p:style>
+        </p:sp>
+      </p:grpSp>
       <p:sp>
         <p:nvSpPr>
-          <p:cNvPr id="2" name="Title Placeholder 1">
-            <a:extLst>
-              <a:ext uri="{FF2B5EF4-FFF2-40B4-BE49-F238E27FC236}">
-                <a16:creationId xmlns:a16="http://schemas.microsoft.com/office/drawing/2014/main" id="{9A11EF6F-7616-45A4-A71C-A854A7ABB6BF}"/>
-              </a:ext>
-            </a:extLst>
-          </p:cNvPr>
+          <p:cNvPr id="2" name="Title Placeholder 1"/>
           <p:cNvSpPr>
             <a:spLocks noGrp="1"/>
           </p:cNvSpPr>
@@ -6480,15 +8914,15 @@
         </p:nvSpPr>
         <p:spPr>
           <a:xfrm>
-            <a:off x="838200" y="365125"/>
-            <a:ext cx="10515600" cy="1325563"/>
+            <a:off x="677334" y="609600"/>
+            <a:ext cx="8596668" cy="1320800"/>
           </a:xfrm>
           <a:prstGeom prst="rect">
             <a:avLst/>
           </a:prstGeom>
         </p:spPr>
         <p:txBody>
-          <a:bodyPr vert="horz" lIns="91440" tIns="45720" rIns="91440" bIns="45720" rtlCol="0" anchor="ctr">
+          <a:bodyPr vert="horz" lIns="91440" tIns="45720" rIns="91440" bIns="45720" rtlCol="0" anchor="t">
             <a:normAutofit/>
           </a:bodyPr>
           <a:lstStyle/>
@@ -6497,19 +8931,13 @@
               <a:rPr lang="en-US"/>
               <a:t>Click to edit Master title style</a:t>
             </a:r>
-            <a:endParaRPr lang="vi-VN"/>
+            <a:endParaRPr lang="en-US" dirty="0"/>
           </a:p>
         </p:txBody>
       </p:sp>
       <p:sp>
         <p:nvSpPr>
-          <p:cNvPr id="3" name="Text Placeholder 2">
-            <a:extLst>
-              <a:ext uri="{FF2B5EF4-FFF2-40B4-BE49-F238E27FC236}">
-                <a16:creationId xmlns:a16="http://schemas.microsoft.com/office/drawing/2014/main" id="{5786452B-F987-401A-BE5E-3D984D474A6B}"/>
-              </a:ext>
-            </a:extLst>
-          </p:cNvPr>
+          <p:cNvPr id="3" name="Text Placeholder 2"/>
           <p:cNvSpPr>
             <a:spLocks noGrp="1"/>
           </p:cNvSpPr>
@@ -6519,8 +8947,8 @@
         </p:nvSpPr>
         <p:spPr>
           <a:xfrm>
-            <a:off x="838200" y="1825625"/>
-            <a:ext cx="10515600" cy="4351338"/>
+            <a:off x="677334" y="2160589"/>
+            <a:ext cx="8596668" cy="3880773"/>
           </a:xfrm>
           <a:prstGeom prst="rect">
             <a:avLst/>
@@ -6565,19 +8993,13 @@
               <a:rPr lang="en-US"/>
               <a:t>Fifth level</a:t>
             </a:r>
-            <a:endParaRPr lang="vi-VN"/>
+            <a:endParaRPr lang="en-US" dirty="0"/>
           </a:p>
         </p:txBody>
       </p:sp>
       <p:sp>
         <p:nvSpPr>
-          <p:cNvPr id="4" name="Date Placeholder 3">
-            <a:extLst>
-              <a:ext uri="{FF2B5EF4-FFF2-40B4-BE49-F238E27FC236}">
-                <a16:creationId xmlns:a16="http://schemas.microsoft.com/office/drawing/2014/main" id="{88A19ABD-A372-49C8-8428-AA796B0DD0FB}"/>
-              </a:ext>
-            </a:extLst>
-          </p:cNvPr>
+          <p:cNvPr id="4" name="Date Placeholder 3"/>
           <p:cNvSpPr>
             <a:spLocks noGrp="1"/>
           </p:cNvSpPr>
@@ -6587,8 +9009,49 @@
         </p:nvSpPr>
         <p:spPr>
           <a:xfrm>
-            <a:off x="838200" y="6356350"/>
-            <a:ext cx="2743200" cy="365125"/>
+            <a:off x="7205133" y="6041362"/>
+            <a:ext cx="911939" cy="365125"/>
+          </a:xfrm>
+          <a:prstGeom prst="rect">
+            <a:avLst/>
+          </a:prstGeom>
+        </p:spPr>
+        <p:txBody>
+          <a:bodyPr vert="horz" lIns="91440" tIns="45720" rIns="91440" bIns="45720" rtlCol="0" anchor="ctr"/>
+          <a:lstStyle>
+            <a:lvl1pPr algn="r">
+              <a:defRPr sz="900">
+                <a:solidFill>
+                  <a:schemeClr val="tx1">
+                    <a:tint val="75000"/>
+                  </a:schemeClr>
+                </a:solidFill>
+              </a:defRPr>
+            </a:lvl1pPr>
+          </a:lstStyle>
+          <a:p>
+            <a:fld id="{B7AE79E7-3A69-41C5-903D-682ADD965818}" type="datetimeFigureOut">
+              <a:rPr lang="vi-VN" smtClean="0"/>
+              <a:t>30/05/2019</a:t>
+            </a:fld>
+            <a:endParaRPr lang="vi-VN"/>
+          </a:p>
+        </p:txBody>
+      </p:sp>
+      <p:sp>
+        <p:nvSpPr>
+          <p:cNvPr id="5" name="Footer Placeholder 4"/>
+          <p:cNvSpPr>
+            <a:spLocks noGrp="1"/>
+          </p:cNvSpPr>
+          <p:nvPr>
+            <p:ph type="ftr" sz="quarter" idx="3"/>
+          </p:nvPr>
+        </p:nvSpPr>
+        <p:spPr>
+          <a:xfrm>
+            <a:off x="677334" y="6041362"/>
+            <a:ext cx="6297612" cy="365125"/>
           </a:xfrm>
           <a:prstGeom prst="rect">
             <a:avLst/>
@@ -6598,7 +9061,7 @@
           <a:bodyPr vert="horz" lIns="91440" tIns="45720" rIns="91440" bIns="45720" rtlCol="0" anchor="ctr"/>
           <a:lstStyle>
             <a:lvl1pPr algn="l">
-              <a:defRPr sz="1200">
+              <a:defRPr sz="900">
                 <a:solidFill>
                   <a:schemeClr val="tx1">
                     <a:tint val="75000"/>
@@ -6608,66 +9071,13 @@
             </a:lvl1pPr>
           </a:lstStyle>
           <a:p>
-            <a:fld id="{B7AE79E7-3A69-41C5-903D-682ADD965818}" type="datetimeFigureOut">
-              <a:rPr lang="vi-VN" smtClean="0"/>
-              <a:t>30/05/2019</a:t>
-            </a:fld>
             <a:endParaRPr lang="vi-VN"/>
           </a:p>
         </p:txBody>
       </p:sp>
       <p:sp>
         <p:nvSpPr>
-          <p:cNvPr id="5" name="Footer Placeholder 4">
-            <a:extLst>
-              <a:ext uri="{FF2B5EF4-FFF2-40B4-BE49-F238E27FC236}">
-                <a16:creationId xmlns:a16="http://schemas.microsoft.com/office/drawing/2014/main" id="{0514419E-9269-4F4E-B897-0CF4FACAA3C6}"/>
-              </a:ext>
-            </a:extLst>
-          </p:cNvPr>
-          <p:cNvSpPr>
-            <a:spLocks noGrp="1"/>
-          </p:cNvSpPr>
-          <p:nvPr>
-            <p:ph type="ftr" sz="quarter" idx="3"/>
-          </p:nvPr>
-        </p:nvSpPr>
-        <p:spPr>
-          <a:xfrm>
-            <a:off x="4038600" y="6356350"/>
-            <a:ext cx="4114800" cy="365125"/>
-          </a:xfrm>
-          <a:prstGeom prst="rect">
-            <a:avLst/>
-          </a:prstGeom>
-        </p:spPr>
-        <p:txBody>
-          <a:bodyPr vert="horz" lIns="91440" tIns="45720" rIns="91440" bIns="45720" rtlCol="0" anchor="ctr"/>
-          <a:lstStyle>
-            <a:lvl1pPr algn="ctr">
-              <a:defRPr sz="1200">
-                <a:solidFill>
-                  <a:schemeClr val="tx1">
-                    <a:tint val="75000"/>
-                  </a:schemeClr>
-                </a:solidFill>
-              </a:defRPr>
-            </a:lvl1pPr>
-          </a:lstStyle>
-          <a:p>
-            <a:endParaRPr lang="vi-VN"/>
-          </a:p>
-        </p:txBody>
-      </p:sp>
-      <p:sp>
-        <p:nvSpPr>
-          <p:cNvPr id="6" name="Slide Number Placeholder 5">
-            <a:extLst>
-              <a:ext uri="{FF2B5EF4-FFF2-40B4-BE49-F238E27FC236}">
-                <a16:creationId xmlns:a16="http://schemas.microsoft.com/office/drawing/2014/main" id="{58C03D17-1C23-42BB-A5DF-1CDD52D361AB}"/>
-              </a:ext>
-            </a:extLst>
-          </p:cNvPr>
+          <p:cNvPr id="6" name="Slide Number Placeholder 5"/>
           <p:cNvSpPr>
             <a:spLocks noGrp="1"/>
           </p:cNvSpPr>
@@ -6677,8 +9087,8 @@
         </p:nvSpPr>
         <p:spPr>
           <a:xfrm>
-            <a:off x="8610600" y="6356350"/>
-            <a:ext cx="2743200" cy="365125"/>
+            <a:off x="8590663" y="6041362"/>
+            <a:ext cx="683339" cy="365125"/>
           </a:xfrm>
           <a:prstGeom prst="rect">
             <a:avLst/>
@@ -6688,11 +9098,9 @@
           <a:bodyPr vert="horz" lIns="91440" tIns="45720" rIns="91440" bIns="45720" rtlCol="0" anchor="ctr"/>
           <a:lstStyle>
             <a:lvl1pPr algn="r">
-              <a:defRPr sz="1200">
+              <a:defRPr sz="900">
                 <a:solidFill>
-                  <a:schemeClr val="tx1">
-                    <a:tint val="75000"/>
-                  </a:schemeClr>
+                  <a:schemeClr val="accent1"/>
                 </a:solidFill>
               </a:defRPr>
             </a:lvl1pPr>
@@ -6709,55 +9117,335 @@
     </p:spTree>
     <p:extLst>
       <p:ext uri="{BB962C8B-B14F-4D97-AF65-F5344CB8AC3E}">
-        <p14:creationId xmlns:p14="http://schemas.microsoft.com/office/powerpoint/2010/main" val="3755805114"/>
+        <p14:creationId xmlns:p14="http://schemas.microsoft.com/office/powerpoint/2010/main" val="3480988885"/>
       </p:ext>
     </p:extLst>
   </p:cSld>
   <p:clrMap bg1="lt1" tx1="dk1" bg2="lt2" tx2="dk2" accent1="accent1" accent2="accent2" accent3="accent3" accent4="accent4" accent5="accent5" accent6="accent6" hlink="hlink" folHlink="folHlink"/>
   <p:sldLayoutIdLst>
-    <p:sldLayoutId id="2147483649" r:id="rId1"/>
-    <p:sldLayoutId id="2147483650" r:id="rId2"/>
-    <p:sldLayoutId id="2147483651" r:id="rId3"/>
-    <p:sldLayoutId id="2147483652" r:id="rId4"/>
-    <p:sldLayoutId id="2147483653" r:id="rId5"/>
-    <p:sldLayoutId id="2147483654" r:id="rId6"/>
-    <p:sldLayoutId id="2147483655" r:id="rId7"/>
-    <p:sldLayoutId id="2147483656" r:id="rId8"/>
-    <p:sldLayoutId id="2147483657" r:id="rId9"/>
-    <p:sldLayoutId id="2147483658" r:id="rId10"/>
-    <p:sldLayoutId id="2147483659" r:id="rId11"/>
+    <p:sldLayoutId id="2147483755" r:id="rId1"/>
+    <p:sldLayoutId id="2147483756" r:id="rId2"/>
+    <p:sldLayoutId id="2147483757" r:id="rId3"/>
+    <p:sldLayoutId id="2147483758" r:id="rId4"/>
+    <p:sldLayoutId id="2147483759" r:id="rId5"/>
+    <p:sldLayoutId id="2147483760" r:id="rId6"/>
+    <p:sldLayoutId id="2147483761" r:id="rId7"/>
+    <p:sldLayoutId id="2147483762" r:id="rId8"/>
+    <p:sldLayoutId id="2147483763" r:id="rId9"/>
+    <p:sldLayoutId id="2147483764" r:id="rId10"/>
+    <p:sldLayoutId id="2147483765" r:id="rId11"/>
+    <p:sldLayoutId id="2147483766" r:id="rId12"/>
+    <p:sldLayoutId id="2147483767" r:id="rId13"/>
+    <p:sldLayoutId id="2147483768" r:id="rId14"/>
+    <p:sldLayoutId id="2147483769" r:id="rId15"/>
+    <p:sldLayoutId id="2147483770" r:id="rId16"/>
   </p:sldLayoutIdLst>
   <p:txStyles>
     <p:titleStyle>
-      <a:lvl1pPr algn="l" defTabSz="914400" rtl="0" eaLnBrk="1" latinLnBrk="0" hangingPunct="1">
-        <a:lnSpc>
-          <a:spcPct val="90000"/>
-        </a:lnSpc>
+      <a:lvl1pPr algn="l" defTabSz="457200" rtl="0" eaLnBrk="1" latinLnBrk="0" hangingPunct="1">
         <a:spcBef>
           <a:spcPct val="0"/>
         </a:spcBef>
         <a:buNone/>
-        <a:defRPr sz="4400" kern="1200">
+        <a:defRPr sz="3600" kern="1200">
           <a:solidFill>
-            <a:schemeClr val="tx1"/>
+            <a:schemeClr val="accent1"/>
           </a:solidFill>
           <a:latin typeface="+mj-lt"/>
           <a:ea typeface="+mj-ea"/>
           <a:cs typeface="+mj-cs"/>
         </a:defRPr>
       </a:lvl1pPr>
+      <a:lvl2pPr eaLnBrk="1" hangingPunct="1">
+        <a:defRPr>
+          <a:solidFill>
+            <a:schemeClr val="tx2"/>
+          </a:solidFill>
+        </a:defRPr>
+      </a:lvl2pPr>
+      <a:lvl3pPr eaLnBrk="1" hangingPunct="1">
+        <a:defRPr>
+          <a:solidFill>
+            <a:schemeClr val="tx2"/>
+          </a:solidFill>
+        </a:defRPr>
+      </a:lvl3pPr>
+      <a:lvl4pPr eaLnBrk="1" hangingPunct="1">
+        <a:defRPr>
+          <a:solidFill>
+            <a:schemeClr val="tx2"/>
+          </a:solidFill>
+        </a:defRPr>
+      </a:lvl4pPr>
+      <a:lvl5pPr eaLnBrk="1" hangingPunct="1">
+        <a:defRPr>
+          <a:solidFill>
+            <a:schemeClr val="tx2"/>
+          </a:solidFill>
+        </a:defRPr>
+      </a:lvl5pPr>
+      <a:lvl6pPr eaLnBrk="1" hangingPunct="1">
+        <a:defRPr>
+          <a:solidFill>
+            <a:schemeClr val="tx2"/>
+          </a:solidFill>
+        </a:defRPr>
+      </a:lvl6pPr>
+      <a:lvl7pPr eaLnBrk="1" hangingPunct="1">
+        <a:defRPr>
+          <a:solidFill>
+            <a:schemeClr val="tx2"/>
+          </a:solidFill>
+        </a:defRPr>
+      </a:lvl7pPr>
+      <a:lvl8pPr eaLnBrk="1" hangingPunct="1">
+        <a:defRPr>
+          <a:solidFill>
+            <a:schemeClr val="tx2"/>
+          </a:solidFill>
+        </a:defRPr>
+      </a:lvl8pPr>
+      <a:lvl9pPr eaLnBrk="1" hangingPunct="1">
+        <a:defRPr>
+          <a:solidFill>
+            <a:schemeClr val="tx2"/>
+          </a:solidFill>
+        </a:defRPr>
+      </a:lvl9pPr>
     </p:titleStyle>
     <p:bodyStyle>
-      <a:lvl1pPr marL="228600" indent="-228600" algn="l" defTabSz="914400" rtl="0" eaLnBrk="1" latinLnBrk="0" hangingPunct="1">
-        <a:lnSpc>
-          <a:spcPct val="90000"/>
-        </a:lnSpc>
+      <a:lvl1pPr marL="342900" indent="-342900" algn="l" defTabSz="457200" rtl="0" eaLnBrk="1" latinLnBrk="0" hangingPunct="1">
         <a:spcBef>
           <a:spcPts val="1000"/>
         </a:spcBef>
-        <a:buFont typeface="Arial" panose="020B0604020202020204" pitchFamily="34" charset="0"/>
-        <a:buChar char="•"/>
-        <a:defRPr sz="2800" kern="1200">
+        <a:spcAft>
+          <a:spcPts val="0"/>
+        </a:spcAft>
+        <a:buClr>
+          <a:schemeClr val="accent1"/>
+        </a:buClr>
+        <a:buSzPct val="80000"/>
+        <a:buFont typeface="Wingdings 3" charset="2"/>
+        <a:buChar char=""/>
+        <a:defRPr sz="1800" kern="1200">
+          <a:solidFill>
+            <a:schemeClr val="tx1">
+              <a:lumMod val="75000"/>
+              <a:lumOff val="25000"/>
+            </a:schemeClr>
+          </a:solidFill>
+          <a:latin typeface="+mn-lt"/>
+          <a:ea typeface="+mn-ea"/>
+          <a:cs typeface="+mn-cs"/>
+        </a:defRPr>
+      </a:lvl1pPr>
+      <a:lvl2pPr marL="742950" indent="-285750" algn="l" defTabSz="457200" rtl="0" eaLnBrk="1" latinLnBrk="0" hangingPunct="1">
+        <a:spcBef>
+          <a:spcPts val="1000"/>
+        </a:spcBef>
+        <a:spcAft>
+          <a:spcPts val="0"/>
+        </a:spcAft>
+        <a:buClr>
+          <a:schemeClr val="accent1"/>
+        </a:buClr>
+        <a:buSzPct val="80000"/>
+        <a:buFont typeface="Wingdings 3" charset="2"/>
+        <a:buChar char=""/>
+        <a:defRPr sz="1600" kern="1200">
+          <a:solidFill>
+            <a:schemeClr val="tx1">
+              <a:lumMod val="75000"/>
+              <a:lumOff val="25000"/>
+            </a:schemeClr>
+          </a:solidFill>
+          <a:latin typeface="+mn-lt"/>
+          <a:ea typeface="+mn-ea"/>
+          <a:cs typeface="+mn-cs"/>
+        </a:defRPr>
+      </a:lvl2pPr>
+      <a:lvl3pPr marL="1143000" indent="-228600" algn="l" defTabSz="457200" rtl="0" eaLnBrk="1" latinLnBrk="0" hangingPunct="1">
+        <a:spcBef>
+          <a:spcPts val="1000"/>
+        </a:spcBef>
+        <a:spcAft>
+          <a:spcPts val="0"/>
+        </a:spcAft>
+        <a:buClr>
+          <a:schemeClr val="accent1"/>
+        </a:buClr>
+        <a:buSzPct val="80000"/>
+        <a:buFont typeface="Wingdings 3" charset="2"/>
+        <a:buChar char=""/>
+        <a:defRPr sz="1400" kern="1200">
+          <a:solidFill>
+            <a:schemeClr val="tx1">
+              <a:lumMod val="75000"/>
+              <a:lumOff val="25000"/>
+            </a:schemeClr>
+          </a:solidFill>
+          <a:latin typeface="+mn-lt"/>
+          <a:ea typeface="+mn-ea"/>
+          <a:cs typeface="+mn-cs"/>
+        </a:defRPr>
+      </a:lvl3pPr>
+      <a:lvl4pPr marL="1600200" indent="-228600" algn="l" defTabSz="457200" rtl="0" eaLnBrk="1" latinLnBrk="0" hangingPunct="1">
+        <a:spcBef>
+          <a:spcPts val="1000"/>
+        </a:spcBef>
+        <a:spcAft>
+          <a:spcPts val="0"/>
+        </a:spcAft>
+        <a:buClr>
+          <a:schemeClr val="accent1"/>
+        </a:buClr>
+        <a:buSzPct val="80000"/>
+        <a:buFont typeface="Wingdings 3" charset="2"/>
+        <a:buChar char=""/>
+        <a:defRPr sz="1200" kern="1200">
+          <a:solidFill>
+            <a:schemeClr val="tx1">
+              <a:lumMod val="75000"/>
+              <a:lumOff val="25000"/>
+            </a:schemeClr>
+          </a:solidFill>
+          <a:latin typeface="+mn-lt"/>
+          <a:ea typeface="+mn-ea"/>
+          <a:cs typeface="+mn-cs"/>
+        </a:defRPr>
+      </a:lvl4pPr>
+      <a:lvl5pPr marL="2057400" indent="-228600" algn="l" defTabSz="457200" rtl="0" eaLnBrk="1" latinLnBrk="0" hangingPunct="1">
+        <a:spcBef>
+          <a:spcPts val="1000"/>
+        </a:spcBef>
+        <a:spcAft>
+          <a:spcPts val="0"/>
+        </a:spcAft>
+        <a:buClr>
+          <a:schemeClr val="accent1"/>
+        </a:buClr>
+        <a:buSzPct val="80000"/>
+        <a:buFont typeface="Wingdings 3" charset="2"/>
+        <a:buChar char=""/>
+        <a:defRPr sz="1200" kern="1200">
+          <a:solidFill>
+            <a:schemeClr val="tx1">
+              <a:lumMod val="75000"/>
+              <a:lumOff val="25000"/>
+            </a:schemeClr>
+          </a:solidFill>
+          <a:latin typeface="+mn-lt"/>
+          <a:ea typeface="+mn-ea"/>
+          <a:cs typeface="+mn-cs"/>
+        </a:defRPr>
+      </a:lvl5pPr>
+      <a:lvl6pPr marL="2514600" indent="-228600" algn="l" defTabSz="457200" rtl="0" eaLnBrk="1" latinLnBrk="0" hangingPunct="1">
+        <a:spcBef>
+          <a:spcPts val="1000"/>
+        </a:spcBef>
+        <a:spcAft>
+          <a:spcPts val="0"/>
+        </a:spcAft>
+        <a:buClr>
+          <a:schemeClr val="accent1"/>
+        </a:buClr>
+        <a:buSzPct val="80000"/>
+        <a:buFont typeface="Wingdings 3" charset="2"/>
+        <a:buChar char=""/>
+        <a:defRPr sz="1200" kern="1200">
+          <a:solidFill>
+            <a:schemeClr val="tx1">
+              <a:lumMod val="75000"/>
+              <a:lumOff val="25000"/>
+            </a:schemeClr>
+          </a:solidFill>
+          <a:latin typeface="+mn-lt"/>
+          <a:ea typeface="+mn-ea"/>
+          <a:cs typeface="+mn-cs"/>
+        </a:defRPr>
+      </a:lvl6pPr>
+      <a:lvl7pPr marL="2971800" indent="-228600" algn="l" defTabSz="457200" rtl="0" eaLnBrk="1" latinLnBrk="0" hangingPunct="1">
+        <a:spcBef>
+          <a:spcPts val="1000"/>
+        </a:spcBef>
+        <a:spcAft>
+          <a:spcPts val="0"/>
+        </a:spcAft>
+        <a:buClr>
+          <a:schemeClr val="accent1"/>
+        </a:buClr>
+        <a:buSzPct val="80000"/>
+        <a:buFont typeface="Wingdings 3" charset="2"/>
+        <a:buChar char=""/>
+        <a:defRPr sz="1200" kern="1200">
+          <a:solidFill>
+            <a:schemeClr val="tx1">
+              <a:lumMod val="75000"/>
+              <a:lumOff val="25000"/>
+            </a:schemeClr>
+          </a:solidFill>
+          <a:latin typeface="+mn-lt"/>
+          <a:ea typeface="+mn-ea"/>
+          <a:cs typeface="+mn-cs"/>
+        </a:defRPr>
+      </a:lvl7pPr>
+      <a:lvl8pPr marL="3429000" indent="-228600" algn="l" defTabSz="457200" rtl="0" eaLnBrk="1" latinLnBrk="0" hangingPunct="1">
+        <a:spcBef>
+          <a:spcPts val="1000"/>
+        </a:spcBef>
+        <a:spcAft>
+          <a:spcPts val="0"/>
+        </a:spcAft>
+        <a:buClr>
+          <a:schemeClr val="accent1"/>
+        </a:buClr>
+        <a:buSzPct val="80000"/>
+        <a:buFont typeface="Wingdings 3" charset="2"/>
+        <a:buChar char=""/>
+        <a:defRPr sz="1200" kern="1200">
+          <a:solidFill>
+            <a:schemeClr val="tx1">
+              <a:lumMod val="75000"/>
+              <a:lumOff val="25000"/>
+            </a:schemeClr>
+          </a:solidFill>
+          <a:latin typeface="+mn-lt"/>
+          <a:ea typeface="+mn-ea"/>
+          <a:cs typeface="+mn-cs"/>
+        </a:defRPr>
+      </a:lvl8pPr>
+      <a:lvl9pPr marL="3886200" indent="-228600" algn="l" defTabSz="457200" rtl="0" eaLnBrk="1" latinLnBrk="0" hangingPunct="1">
+        <a:spcBef>
+          <a:spcPts val="1000"/>
+        </a:spcBef>
+        <a:spcAft>
+          <a:spcPts val="0"/>
+        </a:spcAft>
+        <a:buClr>
+          <a:schemeClr val="accent1"/>
+        </a:buClr>
+        <a:buSzPct val="80000"/>
+        <a:buFont typeface="Wingdings 3" charset="2"/>
+        <a:buChar char=""/>
+        <a:defRPr sz="1200" kern="1200">
+          <a:solidFill>
+            <a:schemeClr val="tx1">
+              <a:lumMod val="75000"/>
+              <a:lumOff val="25000"/>
+            </a:schemeClr>
+          </a:solidFill>
+          <a:latin typeface="+mn-lt"/>
+          <a:ea typeface="+mn-ea"/>
+          <a:cs typeface="+mn-cs"/>
+        </a:defRPr>
+      </a:lvl9pPr>
+    </p:bodyStyle>
+    <p:otherStyle>
+      <a:defPPr>
+        <a:defRPr lang="en-US"/>
+      </a:defPPr>
+      <a:lvl1pPr marL="0" algn="l" defTabSz="457200" rtl="0" eaLnBrk="1" latinLnBrk="0" hangingPunct="1">
+        <a:defRPr sz="1800" kern="1200">
           <a:solidFill>
             <a:schemeClr val="tx1"/>
           </a:solidFill>
@@ -6766,16 +9454,8 @@
           <a:cs typeface="+mn-cs"/>
         </a:defRPr>
       </a:lvl1pPr>
-      <a:lvl2pPr marL="685800" indent="-228600" algn="l" defTabSz="914400" rtl="0" eaLnBrk="1" latinLnBrk="0" hangingPunct="1">
-        <a:lnSpc>
-          <a:spcPct val="90000"/>
-        </a:lnSpc>
-        <a:spcBef>
-          <a:spcPts val="500"/>
-        </a:spcBef>
-        <a:buFont typeface="Arial" panose="020B0604020202020204" pitchFamily="34" charset="0"/>
-        <a:buChar char="•"/>
-        <a:defRPr sz="2400" kern="1200">
+      <a:lvl2pPr marL="457200" algn="l" defTabSz="457200" rtl="0" eaLnBrk="1" latinLnBrk="0" hangingPunct="1">
+        <a:defRPr sz="1800" kern="1200">
           <a:solidFill>
             <a:schemeClr val="tx1"/>
           </a:solidFill>
@@ -6784,16 +9464,8 @@
           <a:cs typeface="+mn-cs"/>
         </a:defRPr>
       </a:lvl2pPr>
-      <a:lvl3pPr marL="1143000" indent="-228600" algn="l" defTabSz="914400" rtl="0" eaLnBrk="1" latinLnBrk="0" hangingPunct="1">
-        <a:lnSpc>
-          <a:spcPct val="90000"/>
-        </a:lnSpc>
-        <a:spcBef>
-          <a:spcPts val="500"/>
-        </a:spcBef>
-        <a:buFont typeface="Arial" panose="020B0604020202020204" pitchFamily="34" charset="0"/>
-        <a:buChar char="•"/>
-        <a:defRPr sz="2000" kern="1200">
+      <a:lvl3pPr marL="914400" algn="l" defTabSz="457200" rtl="0" eaLnBrk="1" latinLnBrk="0" hangingPunct="1">
+        <a:defRPr sz="1800" kern="1200">
           <a:solidFill>
             <a:schemeClr val="tx1"/>
           </a:solidFill>
@@ -6802,15 +9474,7 @@
           <a:cs typeface="+mn-cs"/>
         </a:defRPr>
       </a:lvl3pPr>
-      <a:lvl4pPr marL="1600200" indent="-228600" algn="l" defTabSz="914400" rtl="0" eaLnBrk="1" latinLnBrk="0" hangingPunct="1">
-        <a:lnSpc>
-          <a:spcPct val="90000"/>
-        </a:lnSpc>
-        <a:spcBef>
-          <a:spcPts val="500"/>
-        </a:spcBef>
-        <a:buFont typeface="Arial" panose="020B0604020202020204" pitchFamily="34" charset="0"/>
-        <a:buChar char="•"/>
+      <a:lvl4pPr marL="1371600" algn="l" defTabSz="457200" rtl="0" eaLnBrk="1" latinLnBrk="0" hangingPunct="1">
         <a:defRPr sz="1800" kern="1200">
           <a:solidFill>
             <a:schemeClr val="tx1"/>
@@ -6820,15 +9484,7 @@
           <a:cs typeface="+mn-cs"/>
         </a:defRPr>
       </a:lvl4pPr>
-      <a:lvl5pPr marL="2057400" indent="-228600" algn="l" defTabSz="914400" rtl="0" eaLnBrk="1" latinLnBrk="0" hangingPunct="1">
-        <a:lnSpc>
-          <a:spcPct val="90000"/>
-        </a:lnSpc>
-        <a:spcBef>
-          <a:spcPts val="500"/>
-        </a:spcBef>
-        <a:buFont typeface="Arial" panose="020B0604020202020204" pitchFamily="34" charset="0"/>
-        <a:buChar char="•"/>
+      <a:lvl5pPr marL="1828800" algn="l" defTabSz="457200" rtl="0" eaLnBrk="1" latinLnBrk="0" hangingPunct="1">
         <a:defRPr sz="1800" kern="1200">
           <a:solidFill>
             <a:schemeClr val="tx1"/>
@@ -6838,15 +9494,7 @@
           <a:cs typeface="+mn-cs"/>
         </a:defRPr>
       </a:lvl5pPr>
-      <a:lvl6pPr marL="2514600" indent="-228600" algn="l" defTabSz="914400" rtl="0" eaLnBrk="1" latinLnBrk="0" hangingPunct="1">
-        <a:lnSpc>
-          <a:spcPct val="90000"/>
-        </a:lnSpc>
-        <a:spcBef>
-          <a:spcPts val="500"/>
-        </a:spcBef>
-        <a:buFont typeface="Arial" panose="020B0604020202020204" pitchFamily="34" charset="0"/>
-        <a:buChar char="•"/>
+      <a:lvl6pPr marL="2286000" algn="l" defTabSz="457200" rtl="0" eaLnBrk="1" latinLnBrk="0" hangingPunct="1">
         <a:defRPr sz="1800" kern="1200">
           <a:solidFill>
             <a:schemeClr val="tx1"/>
@@ -6856,15 +9504,7 @@
           <a:cs typeface="+mn-cs"/>
         </a:defRPr>
       </a:lvl6pPr>
-      <a:lvl7pPr marL="2971800" indent="-228600" algn="l" defTabSz="914400" rtl="0" eaLnBrk="1" latinLnBrk="0" hangingPunct="1">
-        <a:lnSpc>
-          <a:spcPct val="90000"/>
-        </a:lnSpc>
-        <a:spcBef>
-          <a:spcPts val="500"/>
-        </a:spcBef>
-        <a:buFont typeface="Arial" panose="020B0604020202020204" pitchFamily="34" charset="0"/>
-        <a:buChar char="•"/>
+      <a:lvl7pPr marL="2743200" algn="l" defTabSz="457200" rtl="0" eaLnBrk="1" latinLnBrk="0" hangingPunct="1">
         <a:defRPr sz="1800" kern="1200">
           <a:solidFill>
             <a:schemeClr val="tx1"/>
@@ -6874,15 +9514,7 @@
           <a:cs typeface="+mn-cs"/>
         </a:defRPr>
       </a:lvl7pPr>
-      <a:lvl8pPr marL="3429000" indent="-228600" algn="l" defTabSz="914400" rtl="0" eaLnBrk="1" latinLnBrk="0" hangingPunct="1">
-        <a:lnSpc>
-          <a:spcPct val="90000"/>
-        </a:lnSpc>
-        <a:spcBef>
-          <a:spcPts val="500"/>
-        </a:spcBef>
-        <a:buFont typeface="Arial" panose="020B0604020202020204" pitchFamily="34" charset="0"/>
-        <a:buChar char="•"/>
+      <a:lvl8pPr marL="3200400" algn="l" defTabSz="457200" rtl="0" eaLnBrk="1" latinLnBrk="0" hangingPunct="1">
         <a:defRPr sz="1800" kern="1200">
           <a:solidFill>
             <a:schemeClr val="tx1"/>
@@ -6892,110 +9524,7 @@
           <a:cs typeface="+mn-cs"/>
         </a:defRPr>
       </a:lvl8pPr>
-      <a:lvl9pPr marL="3886200" indent="-228600" algn="l" defTabSz="914400" rtl="0" eaLnBrk="1" latinLnBrk="0" hangingPunct="1">
-        <a:lnSpc>
-          <a:spcPct val="90000"/>
-        </a:lnSpc>
-        <a:spcBef>
-          <a:spcPts val="500"/>
-        </a:spcBef>
-        <a:buFont typeface="Arial" panose="020B0604020202020204" pitchFamily="34" charset="0"/>
-        <a:buChar char="•"/>
-        <a:defRPr sz="1800" kern="1200">
-          <a:solidFill>
-            <a:schemeClr val="tx1"/>
-          </a:solidFill>
-          <a:latin typeface="+mn-lt"/>
-          <a:ea typeface="+mn-ea"/>
-          <a:cs typeface="+mn-cs"/>
-        </a:defRPr>
-      </a:lvl9pPr>
-    </p:bodyStyle>
-    <p:otherStyle>
-      <a:defPPr>
-        <a:defRPr lang="vi-VN"/>
-      </a:defPPr>
-      <a:lvl1pPr marL="0" algn="l" defTabSz="914400" rtl="0" eaLnBrk="1" latinLnBrk="0" hangingPunct="1">
-        <a:defRPr sz="1800" kern="1200">
-          <a:solidFill>
-            <a:schemeClr val="tx1"/>
-          </a:solidFill>
-          <a:latin typeface="+mn-lt"/>
-          <a:ea typeface="+mn-ea"/>
-          <a:cs typeface="+mn-cs"/>
-        </a:defRPr>
-      </a:lvl1pPr>
-      <a:lvl2pPr marL="457200" algn="l" defTabSz="914400" rtl="0" eaLnBrk="1" latinLnBrk="0" hangingPunct="1">
-        <a:defRPr sz="1800" kern="1200">
-          <a:solidFill>
-            <a:schemeClr val="tx1"/>
-          </a:solidFill>
-          <a:latin typeface="+mn-lt"/>
-          <a:ea typeface="+mn-ea"/>
-          <a:cs typeface="+mn-cs"/>
-        </a:defRPr>
-      </a:lvl2pPr>
-      <a:lvl3pPr marL="914400" algn="l" defTabSz="914400" rtl="0" eaLnBrk="1" latinLnBrk="0" hangingPunct="1">
-        <a:defRPr sz="1800" kern="1200">
-          <a:solidFill>
-            <a:schemeClr val="tx1"/>
-          </a:solidFill>
-          <a:latin typeface="+mn-lt"/>
-          <a:ea typeface="+mn-ea"/>
-          <a:cs typeface="+mn-cs"/>
-        </a:defRPr>
-      </a:lvl3pPr>
-      <a:lvl4pPr marL="1371600" algn="l" defTabSz="914400" rtl="0" eaLnBrk="1" latinLnBrk="0" hangingPunct="1">
-        <a:defRPr sz="1800" kern="1200">
-          <a:solidFill>
-            <a:schemeClr val="tx1"/>
-          </a:solidFill>
-          <a:latin typeface="+mn-lt"/>
-          <a:ea typeface="+mn-ea"/>
-          <a:cs typeface="+mn-cs"/>
-        </a:defRPr>
-      </a:lvl4pPr>
-      <a:lvl5pPr marL="1828800" algn="l" defTabSz="914400" rtl="0" eaLnBrk="1" latinLnBrk="0" hangingPunct="1">
-        <a:defRPr sz="1800" kern="1200">
-          <a:solidFill>
-            <a:schemeClr val="tx1"/>
-          </a:solidFill>
-          <a:latin typeface="+mn-lt"/>
-          <a:ea typeface="+mn-ea"/>
-          <a:cs typeface="+mn-cs"/>
-        </a:defRPr>
-      </a:lvl5pPr>
-      <a:lvl6pPr marL="2286000" algn="l" defTabSz="914400" rtl="0" eaLnBrk="1" latinLnBrk="0" hangingPunct="1">
-        <a:defRPr sz="1800" kern="1200">
-          <a:solidFill>
-            <a:schemeClr val="tx1"/>
-          </a:solidFill>
-          <a:latin typeface="+mn-lt"/>
-          <a:ea typeface="+mn-ea"/>
-          <a:cs typeface="+mn-cs"/>
-        </a:defRPr>
-      </a:lvl6pPr>
-      <a:lvl7pPr marL="2743200" algn="l" defTabSz="914400" rtl="0" eaLnBrk="1" latinLnBrk="0" hangingPunct="1">
-        <a:defRPr sz="1800" kern="1200">
-          <a:solidFill>
-            <a:schemeClr val="tx1"/>
-          </a:solidFill>
-          <a:latin typeface="+mn-lt"/>
-          <a:ea typeface="+mn-ea"/>
-          <a:cs typeface="+mn-cs"/>
-        </a:defRPr>
-      </a:lvl7pPr>
-      <a:lvl8pPr marL="3200400" algn="l" defTabSz="914400" rtl="0" eaLnBrk="1" latinLnBrk="0" hangingPunct="1">
-        <a:defRPr sz="1800" kern="1200">
-          <a:solidFill>
-            <a:schemeClr val="tx1"/>
-          </a:solidFill>
-          <a:latin typeface="+mn-lt"/>
-          <a:ea typeface="+mn-ea"/>
-          <a:cs typeface="+mn-cs"/>
-        </a:defRPr>
-      </a:lvl8pPr>
-      <a:lvl9pPr marL="3657600" algn="l" defTabSz="914400" rtl="0" eaLnBrk="1" latinLnBrk="0" hangingPunct="1">
+      <a:lvl9pPr marL="3657600" algn="l" defTabSz="457200" rtl="0" eaLnBrk="1" latinLnBrk="0" hangingPunct="1">
         <a:defRPr sz="1800" kern="1200">
           <a:solidFill>
             <a:schemeClr val="tx1"/>
@@ -7007,12 +9536,25 @@
       </a:lvl9pPr>
     </p:otherStyle>
   </p:txStyles>
+  <p:extLst>
+    <p:ext uri="{27BBF7A9-308A-43DC-89C8-2F10F3537804}">
+      <p15:sldGuideLst xmlns:p15="http://schemas.microsoft.com/office/powerpoint/2012/main"/>
+    </p:ext>
+  </p:extLst>
 </p:sldMaster>
 </file>
 
 <file path=ppt/slides/slide1.xml><?xml version="1.0" encoding="utf-8"?>
 <p:sld xmlns:a="http://schemas.openxmlformats.org/drawingml/2006/main" xmlns:r="http://schemas.openxmlformats.org/officeDocument/2006/relationships" xmlns:p="http://schemas.openxmlformats.org/presentationml/2006/main">
   <p:cSld>
+    <p:bg>
+      <p:bgPr>
+        <a:solidFill>
+          <a:schemeClr val="bg1"/>
+        </a:solidFill>
+        <a:effectLst/>
+      </p:bgPr>
+    </p:bg>
     <p:spTree>
       <p:nvGrpSpPr>
         <p:cNvPr id="1" name=""/>
@@ -7045,40 +9587,52 @@
         </p:nvSpPr>
         <p:spPr>
           <a:xfrm>
-            <a:off x="1524000" y="1427163"/>
-            <a:ext cx="9144000" cy="2387600"/>
+            <a:off x="7181723" y="609600"/>
+            <a:ext cx="4512989" cy="2227730"/>
           </a:xfrm>
         </p:spPr>
         <p:txBody>
-          <a:bodyPr>
+          <a:bodyPr vert="horz" lIns="91440" tIns="45720" rIns="91440" bIns="45720" rtlCol="0" anchor="ctr">
             <a:normAutofit/>
           </a:bodyPr>
           <a:lstStyle/>
           <a:p>
-            <a:r>
-              <a:rPr lang="en-US">
-                <a:latin typeface="Segoe UI" panose="020B0502040204020203" pitchFamily="34" charset="0"/>
-                <a:cs typeface="Segoe UI" panose="020B0502040204020203" pitchFamily="34" charset="0"/>
+            <a:pPr algn="l">
+              <a:lnSpc>
+                <a:spcPct val="90000"/>
+              </a:lnSpc>
+            </a:pPr>
+            <a:r>
+              <a:rPr lang="en-US" sz="3600" b="1">
+                <a:solidFill>
+                  <a:srgbClr val="FFFFFF"/>
+                </a:solidFill>
               </a:rPr>
               <a:t>BÁO CÁO ĐỒ ÁN KNSBC</a:t>
             </a:r>
             <a:br>
-              <a:rPr lang="en-US">
-                <a:latin typeface="Segoe UI" panose="020B0502040204020203" pitchFamily="34" charset="0"/>
-                <a:cs typeface="Segoe UI" panose="020B0502040204020203" pitchFamily="34" charset="0"/>
+              <a:rPr lang="en-US" sz="3600" b="1">
+                <a:solidFill>
+                  <a:srgbClr val="FFFFFF"/>
+                </a:solidFill>
               </a:rPr>
             </a:br>
             <a:r>
-              <a:rPr lang="en-US" sz="4000">
-                <a:latin typeface="Segoe UI" panose="020B0502040204020203" pitchFamily="34" charset="0"/>
-                <a:cs typeface="Segoe UI" panose="020B0502040204020203" pitchFamily="34" charset="0"/>
+              <a:rPr lang="en-US" sz="3600" b="1">
+                <a:solidFill>
+                  <a:srgbClr val="FFFFFF"/>
+                </a:solidFill>
               </a:rPr>
-              <a:t>“Cách mạng công nghiệp 4.0”</a:t>
-            </a:r>
-            <a:endParaRPr lang="vi-VN">
-              <a:latin typeface="Segoe UI" panose="020B0502040204020203" pitchFamily="34" charset="0"/>
-              <a:cs typeface="Segoe UI" panose="020B0502040204020203" pitchFamily="34" charset="0"/>
-            </a:endParaRPr>
+              <a:t>“Cách mạng công nghiệp 4.</a:t>
+            </a:r>
+            <a:r>
+              <a:rPr lang="en-US" sz="3600">
+                <a:solidFill>
+                  <a:srgbClr val="FFFFFF"/>
+                </a:solidFill>
+              </a:rPr>
+              <a:t>0”</a:t>
+            </a:r>
           </a:p>
         </p:txBody>
       </p:sp>
@@ -7100,72 +9654,166 @@
         </p:nvSpPr>
         <p:spPr>
           <a:xfrm>
-            <a:off x="1524000" y="4079875"/>
-            <a:ext cx="9144000" cy="1655762"/>
+            <a:off x="7181725" y="2837329"/>
+            <a:ext cx="4512988" cy="3317938"/>
           </a:xfrm>
         </p:spPr>
         <p:txBody>
-          <a:bodyPr>
-            <a:normAutofit fontScale="77500" lnSpcReduction="20000"/>
+          <a:bodyPr vert="horz" lIns="91440" tIns="45720" rIns="91440" bIns="45720" rtlCol="0" anchor="t">
+            <a:normAutofit/>
           </a:bodyPr>
           <a:lstStyle/>
           <a:p>
-            <a:r>
-              <a:rPr lang="en-US"/>
+            <a:pPr indent="-320040" algn="l">
+              <a:buFont typeface="Wingdings 3" charset="2"/>
+              <a:buChar char=""/>
+            </a:pPr>
+            <a:r>
+              <a:rPr lang="en-US" sz="1700">
+                <a:solidFill>
+                  <a:srgbClr val="FFFFFF"/>
+                </a:solidFill>
+              </a:rPr>
               <a:t>Giáo viên phụ trách: Thầy Nguyễn Đức Huy</a:t>
             </a:r>
           </a:p>
           <a:p>
-            <a:r>
-              <a:rPr lang="en-US"/>
+            <a:pPr indent="-320040" algn="l">
+              <a:buFont typeface="Wingdings 3" charset="2"/>
+              <a:buChar char=""/>
+            </a:pPr>
+            <a:r>
+              <a:rPr lang="en-US" sz="1700">
+                <a:solidFill>
+                  <a:srgbClr val="FFFFFF"/>
+                </a:solidFill>
+              </a:rPr>
               <a:t>Nhóm soạn thảo:</a:t>
             </a:r>
-            <a:endParaRPr lang="vi-VN"/>
-          </a:p>
-          <a:p>
-            <a:r>
-              <a:rPr lang="en-US"/>
+          </a:p>
+          <a:p>
+            <a:pPr indent="-320040" algn="l">
+              <a:buFont typeface="Wingdings 3" charset="2"/>
+              <a:buChar char=""/>
+            </a:pPr>
+            <a:r>
+              <a:rPr lang="en-US" sz="1700">
+                <a:solidFill>
+                  <a:srgbClr val="FFFFFF"/>
+                </a:solidFill>
+              </a:rPr>
               <a:t>Sinh viên: Nguyễn Minh Trọng Trí MSSV: 18600287 .Email: </a:t>
             </a:r>
             <a:r>
-              <a:rPr lang="en-US" u="sng">
-                <a:hlinkClick r:id="rId2"/>
+              <a:rPr lang="en-US" sz="1700" u="sng">
+                <a:solidFill>
+                  <a:srgbClr val="FFFF00"/>
+                </a:solidFill>
+                <a:hlinkClick r:id="rId2">
+                  <a:extLst>
+                    <a:ext uri="{A12FA001-AC4F-418D-AE19-62706E023703}">
+                      <ahyp:hlinkClr xmlns:ahyp="http://schemas.microsoft.com/office/drawing/2018/hyperlinkcolor" val="tx"/>
+                    </a:ext>
+                  </a:extLst>
+                </a:hlinkClick>
               </a:rPr>
               <a:t>trongtri2410@gmail.com</a:t>
             </a:r>
-            <a:endParaRPr lang="vi-VN"/>
-          </a:p>
-          <a:p>
-            <a:r>
-              <a:rPr lang="en-US"/>
+            <a:endParaRPr lang="en-US" sz="1700">
+              <a:solidFill>
+                <a:srgbClr val="FFFF00"/>
+              </a:solidFill>
+            </a:endParaRPr>
+          </a:p>
+          <a:p>
+            <a:pPr indent="-320040" algn="l">
+              <a:buFont typeface="Wingdings 3" charset="2"/>
+              <a:buChar char=""/>
+            </a:pPr>
+            <a:r>
+              <a:rPr lang="en-US" sz="1700">
+                <a:solidFill>
+                  <a:srgbClr val="FFFFFF"/>
+                </a:solidFill>
+              </a:rPr>
               <a:t>Sinh viên: Nguyễn Huy Nam MSSV: 18600358 .Email: </a:t>
             </a:r>
             <a:r>
-              <a:rPr lang="en-US" u="sng">
-                <a:hlinkClick r:id="rId3"/>
+              <a:rPr lang="en-US" sz="1700" u="sng">
+                <a:solidFill>
+                  <a:srgbClr val="FFFF00"/>
+                </a:solidFill>
+                <a:hlinkClick r:id="rId3">
+                  <a:extLst>
+                    <a:ext uri="{A12FA001-AC4F-418D-AE19-62706E023703}">
+                      <ahyp:hlinkClr xmlns:ahyp="http://schemas.microsoft.com/office/drawing/2018/hyperlinkcolor" val="tx"/>
+                    </a:ext>
+                  </a:extLst>
+                </a:hlinkClick>
               </a:rPr>
               <a:t>huynamthaoquyen@gmail.com</a:t>
             </a:r>
-            <a:endParaRPr lang="vi-VN"/>
-          </a:p>
-          <a:p>
-            <a:r>
-              <a:rPr lang="en-US"/>
+            <a:endParaRPr lang="en-US" sz="1700">
+              <a:solidFill>
+                <a:srgbClr val="FFFF00"/>
+              </a:solidFill>
+            </a:endParaRPr>
+          </a:p>
+          <a:p>
+            <a:pPr indent="-320040" algn="l">
+              <a:buFont typeface="Wingdings 3" charset="2"/>
+              <a:buChar char=""/>
+            </a:pPr>
+            <a:r>
+              <a:rPr lang="en-US" sz="1700">
+                <a:solidFill>
+                  <a:srgbClr val="FFFFFF"/>
+                </a:solidFill>
+              </a:rPr>
               <a:t>Sinh viên: Phạm Đình Văn MSSV: 18600319 .Email: </a:t>
             </a:r>
             <a:r>
-              <a:rPr lang="en-US" u="sng">
-                <a:hlinkClick r:id="rId4"/>
+              <a:rPr lang="en-US" sz="1700" u="sng">
+                <a:solidFill>
+                  <a:srgbClr val="FFFF00"/>
+                </a:solidFill>
+                <a:hlinkClick r:id="rId4">
+                  <a:extLst>
+                    <a:ext uri="{A12FA001-AC4F-418D-AE19-62706E023703}">
+                      <ahyp:hlinkClr xmlns:ahyp="http://schemas.microsoft.com/office/drawing/2018/hyperlinkcolor" val="tx"/>
+                    </a:ext>
+                  </a:extLst>
+                </a:hlinkClick>
               </a:rPr>
               <a:t>dinhvan1599@gmail.com</a:t>
             </a:r>
-            <a:endParaRPr lang="vi-VN"/>
-          </a:p>
-          <a:p>
-            <a:endParaRPr lang="en-US"/>
-          </a:p>
-          <a:p>
-            <a:endParaRPr lang="vi-VN"/>
+            <a:endParaRPr lang="en-US" sz="1700">
+              <a:solidFill>
+                <a:srgbClr val="FFFF00"/>
+              </a:solidFill>
+            </a:endParaRPr>
+          </a:p>
+          <a:p>
+            <a:pPr indent="-320040" algn="l">
+              <a:buFont typeface="Wingdings 3" charset="2"/>
+              <a:buChar char=""/>
+            </a:pPr>
+            <a:endParaRPr lang="en-US" sz="1700">
+              <a:solidFill>
+                <a:srgbClr val="FFFFFF"/>
+              </a:solidFill>
+            </a:endParaRPr>
+          </a:p>
+          <a:p>
+            <a:pPr indent="-320040" algn="l">
+              <a:buFont typeface="Wingdings 3" charset="2"/>
+              <a:buChar char=""/>
+            </a:pPr>
+            <a:endParaRPr lang="en-US" sz="1700">
+              <a:solidFill>
+                <a:srgbClr val="FFFFFF"/>
+              </a:solidFill>
+            </a:endParaRPr>
           </a:p>
         </p:txBody>
       </p:sp>
@@ -7191,15 +9839,14 @@
               </a:ext>
             </a:extLst>
           </a:blip>
-          <a:srcRect/>
           <a:stretch>
             <a:fillRect/>
           </a:stretch>
         </p:blipFill>
         <p:spPr bwMode="auto">
           <a:xfrm>
-            <a:off x="9554818" y="106797"/>
-            <a:ext cx="2464904" cy="1939058"/>
+            <a:off x="757251" y="1954845"/>
+            <a:ext cx="3856774" cy="3037209"/>
           </a:xfrm>
           <a:prstGeom prst="rect">
             <a:avLst/>
@@ -7232,6 +9879,14 @@
 <file path=ppt/slides/slide2.xml><?xml version="1.0" encoding="utf-8"?>
 <p:sld xmlns:a="http://schemas.openxmlformats.org/drawingml/2006/main" xmlns:r="http://schemas.openxmlformats.org/officeDocument/2006/relationships" xmlns:p="http://schemas.openxmlformats.org/presentationml/2006/main">
   <p:cSld>
+    <p:bg>
+      <p:bgPr>
+        <a:solidFill>
+          <a:schemeClr val="bg1"/>
+        </a:solidFill>
+        <a:effectLst/>
+      </p:bgPr>
+    </p:bg>
     <p:spTree>
       <p:nvGrpSpPr>
         <p:cNvPr id="1" name=""/>
@@ -7262,18 +9917,20 @@
             <p:ph type="title"/>
           </p:nvPr>
         </p:nvSpPr>
-        <p:spPr/>
+        <p:spPr>
+          <a:xfrm>
+            <a:off x="677334" y="609600"/>
+            <a:ext cx="8596668" cy="1320800"/>
+          </a:xfrm>
+        </p:spPr>
         <p:txBody>
-          <a:bodyPr/>
+          <a:bodyPr>
+            <a:normAutofit/>
+          </a:bodyPr>
           <a:lstStyle/>
           <a:p>
-            <a:pPr algn="ctr"/>
-            <a:r>
-              <a:rPr lang="vi-VN">
-                <a:solidFill>
-                  <a:schemeClr val="accent2"/>
-                </a:solidFill>
-              </a:rPr>
+            <a:r>
+              <a:rPr lang="vi-VN"/>
               <a:t>SECTION</a:t>
             </a:r>
           </a:p>
@@ -7295,14 +9952,14 @@
             <p:ph idx="1"/>
             <p:extLst>
               <p:ext uri="{D42A27DB-BD31-4B8C-83A1-F6EECF244321}">
-                <p14:modId xmlns:p14="http://schemas.microsoft.com/office/powerpoint/2010/main" val="58457907"/>
+                <p14:modId xmlns:p14="http://schemas.microsoft.com/office/powerpoint/2010/main" val="479102904"/>
               </p:ext>
             </p:extLst>
           </p:nvPr>
         </p:nvGraphicFramePr>
         <p:xfrm>
-          <a:off x="838200" y="1825625"/>
-          <a:ext cx="10515600" cy="4376392"/>
+          <a:off x="677863" y="2160588"/>
+          <a:ext cx="8596312" cy="3881437"/>
         </p:xfrm>
         <a:graphic>
           <a:graphicData uri="http://schemas.openxmlformats.org/drawingml/2006/diagram">
@@ -7396,7 +10053,9 @@
         </p:nvSpPr>
         <p:spPr/>
         <p:txBody>
-          <a:bodyPr/>
+          <a:bodyPr>
+            <a:normAutofit fontScale="92500" lnSpcReduction="10000"/>
+          </a:bodyPr>
           <a:lstStyle/>
           <a:p>
             <a:pPr lvl="1"/>
@@ -7424,7 +10083,7 @@
           <a:p>
             <a:pPr lvl="1"/>
             <a:r>
-              <a:rPr lang="en-US" sz="2000" b="1"/>
+              <a:rPr lang="en-US" sz="2000" b="1" dirty="0"/>
               <a:t>C</a:t>
             </a:r>
             <a:r>
@@ -7480,7 +10139,7 @@
               <a:t>điện toán nhận thức</a:t>
             </a:r>
             <a:r>
-              <a:rPr lang="en-US"/>
+              <a:rPr lang="en-US" dirty="0"/>
               <a:t>.</a:t>
             </a:r>
             <a:endParaRPr lang="vi-VN"/>
@@ -7534,98 +10193,6 @@
       </p:grpSpPr>
       <p:sp>
         <p:nvSpPr>
-          <p:cNvPr id="13" name="Rectangle 8">
-            <a:extLst>
-              <a:ext uri="{FF2B5EF4-FFF2-40B4-BE49-F238E27FC236}">
-                <a16:creationId xmlns:a16="http://schemas.microsoft.com/office/drawing/2014/main" id="{42A5316D-ED2F-4F89-B4B4-8D9240B1A348}"/>
-              </a:ext>
-              <a:ext uri="{C183D7F6-B498-43B3-948B-1728B52AA6E4}">
-                <adec:decorative xmlns:adec="http://schemas.microsoft.com/office/drawing/2017/decorative" val="1"/>
-              </a:ext>
-            </a:extLst>
-          </p:cNvPr>
-          <p:cNvSpPr>
-            <a:spLocks noGrp="1" noRot="1" noChangeAspect="1" noMove="1" noResize="1" noEditPoints="1" noAdjustHandles="1" noChangeArrowheads="1" noChangeShapeType="1" noTextEdit="1"/>
-          </p:cNvSpPr>
-          <p:nvPr>
-            <p:extLst>
-              <p:ext uri="{386F3935-93C4-4BCD-93E2-E3B085C9AB24}">
-                <p16:designElem xmlns:p16="http://schemas.microsoft.com/office/powerpoint/2015/main" val="1"/>
-              </p:ext>
-            </p:extLst>
-          </p:nvPr>
-        </p:nvSpPr>
-        <p:spPr>
-          <a:xfrm>
-            <a:off x="0" y="0"/>
-            <a:ext cx="2013557" cy="6858000"/>
-          </a:xfrm>
-          <a:prstGeom prst="rect">
-            <a:avLst/>
-          </a:prstGeom>
-          <a:solidFill>
-            <a:srgbClr val="7F7F7F"/>
-          </a:solidFill>
-          <a:ln>
-            <a:noFill/>
-          </a:ln>
-        </p:spPr>
-        <p:style>
-          <a:lnRef idx="2">
-            <a:schemeClr val="accent1">
-              <a:shade val="50000"/>
-            </a:schemeClr>
-          </a:lnRef>
-          <a:fillRef idx="1">
-            <a:schemeClr val="accent1"/>
-          </a:fillRef>
-          <a:effectRef idx="0">
-            <a:schemeClr val="accent1"/>
-          </a:effectRef>
-          <a:fontRef idx="minor">
-            <a:schemeClr val="lt1"/>
-          </a:fontRef>
-        </p:style>
-        <p:txBody>
-          <a:bodyPr rtlCol="0" anchor="ctr"/>
-          <a:lstStyle/>
-          <a:p>
-            <a:pPr marL="0" marR="0" lvl="0" indent="0" algn="ctr" defTabSz="914400" rtl="0" eaLnBrk="1" fontAlgn="auto" latinLnBrk="0" hangingPunct="1">
-              <a:lnSpc>
-                <a:spcPct val="100000"/>
-              </a:lnSpc>
-              <a:spcBef>
-                <a:spcPts val="0"/>
-              </a:spcBef>
-              <a:spcAft>
-                <a:spcPts val="0"/>
-              </a:spcAft>
-              <a:buClrTx/>
-              <a:buSzTx/>
-              <a:buFontTx/>
-              <a:buNone/>
-              <a:tabLst/>
-              <a:defRPr/>
-            </a:pPr>
-            <a:endParaRPr kumimoji="0" lang="en-US" sz="1800" b="0" i="0" u="none" strike="noStrike" kern="1200" cap="none" spc="0" normalizeH="0" baseline="0" noProof="0">
-              <a:ln>
-                <a:noFill/>
-              </a:ln>
-              <a:solidFill>
-                <a:prstClr val="white"/>
-              </a:solidFill>
-              <a:effectLst/>
-              <a:uLnTx/>
-              <a:uFillTx/>
-              <a:latin typeface="Calibri" panose="020F0502020204030204"/>
-              <a:ea typeface="+mn-ea"/>
-              <a:cs typeface="+mn-cs"/>
-            </a:endParaRPr>
-          </a:p>
-        </p:txBody>
-      </p:sp>
-      <p:sp>
-        <p:nvSpPr>
           <p:cNvPr id="2" name="Title 1">
             <a:extLst>
               <a:ext uri="{FF2B5EF4-FFF2-40B4-BE49-F238E27FC236}">
@@ -7682,6 +10249,50 @@
                 <a:srgbClr val="FFFFFF"/>
               </a:solidFill>
             </a:endParaRPr>
+          </a:p>
+        </p:txBody>
+      </p:sp>
+      <p:sp>
+        <p:nvSpPr>
+          <p:cNvPr id="3" name="Content Placeholder 2">
+            <a:extLst>
+              <a:ext uri="{FF2B5EF4-FFF2-40B4-BE49-F238E27FC236}">
+                <a16:creationId xmlns:a16="http://schemas.microsoft.com/office/drawing/2014/main" id="{B8C3586C-BB7A-454A-AA27-E8A3A9764B1E}"/>
+              </a:ext>
+            </a:extLst>
+          </p:cNvPr>
+          <p:cNvSpPr>
+            <a:spLocks noGrp="1"/>
+          </p:cNvSpPr>
+          <p:nvPr>
+            <p:ph idx="1"/>
+          </p:nvPr>
+        </p:nvSpPr>
+        <p:spPr>
+          <a:xfrm>
+            <a:off x="4038600" y="4884873"/>
+            <a:ext cx="7188199" cy="1292090"/>
+          </a:xfrm>
+        </p:spPr>
+        <p:txBody>
+          <a:bodyPr>
+            <a:normAutofit/>
+          </a:bodyPr>
+          <a:lstStyle/>
+          <a:p>
+            <a:pPr marL="0" indent="0">
+              <a:buNone/>
+            </a:pPr>
+            <a:r>
+              <a:rPr lang="vi-VN" sz="1800"/>
+              <a:t>Hình ảnh những cuộc CMCN qua từng thời kì lịch sử </a:t>
+            </a:r>
+          </a:p>
+          <a:p>
+            <a:pPr marL="0" indent="0">
+              <a:buNone/>
+            </a:pPr>
+            <a:endParaRPr lang="vi-VN" sz="1800"/>
           </a:p>
         </p:txBody>
       </p:sp>
@@ -7720,50 +10331,6 @@
           <a:noFill/>
         </p:spPr>
       </p:pic>
-      <p:sp>
-        <p:nvSpPr>
-          <p:cNvPr id="3" name="Content Placeholder 2">
-            <a:extLst>
-              <a:ext uri="{FF2B5EF4-FFF2-40B4-BE49-F238E27FC236}">
-                <a16:creationId xmlns:a16="http://schemas.microsoft.com/office/drawing/2014/main" id="{B8C3586C-BB7A-454A-AA27-E8A3A9764B1E}"/>
-              </a:ext>
-            </a:extLst>
-          </p:cNvPr>
-          <p:cNvSpPr>
-            <a:spLocks noGrp="1"/>
-          </p:cNvSpPr>
-          <p:nvPr>
-            <p:ph idx="1"/>
-          </p:nvPr>
-        </p:nvSpPr>
-        <p:spPr>
-          <a:xfrm>
-            <a:off x="4038600" y="4884873"/>
-            <a:ext cx="7188199" cy="1292090"/>
-          </a:xfrm>
-        </p:spPr>
-        <p:txBody>
-          <a:bodyPr>
-            <a:normAutofit/>
-          </a:bodyPr>
-          <a:lstStyle/>
-          <a:p>
-            <a:pPr marL="0" indent="0">
-              <a:buNone/>
-            </a:pPr>
-            <a:r>
-              <a:rPr lang="vi-VN" sz="1800"/>
-              <a:t>Hình ảnh những cuộc CMCN qua từng thời kì lịch sử </a:t>
-            </a:r>
-          </a:p>
-          <a:p>
-            <a:pPr marL="0" indent="0">
-              <a:buNone/>
-            </a:pPr>
-            <a:endParaRPr lang="vi-VN" sz="1800"/>
-          </a:p>
-        </p:txBody>
-      </p:sp>
     </p:spTree>
     <p:extLst>
       <p:ext uri="{BB962C8B-B14F-4D97-AF65-F5344CB8AC3E}">
@@ -7777,10 +10344,148 @@
 </p:sld>
 </file>
 
+<file path=ppt/slides/slide5.xml><?xml version="1.0" encoding="utf-8"?>
+<p:sld xmlns:a="http://schemas.openxmlformats.org/drawingml/2006/main" xmlns:r="http://schemas.openxmlformats.org/officeDocument/2006/relationships" xmlns:p="http://schemas.openxmlformats.org/presentationml/2006/main">
+  <p:cSld>
+    <p:spTree>
+      <p:nvGrpSpPr>
+        <p:cNvPr id="1" name=""/>
+        <p:cNvGrpSpPr/>
+        <p:nvPr/>
+      </p:nvGrpSpPr>
+      <p:grpSpPr>
+        <a:xfrm>
+          <a:off x="0" y="0"/>
+          <a:ext cx="0" cy="0"/>
+          <a:chOff x="0" y="0"/>
+          <a:chExt cx="0" cy="0"/>
+        </a:xfrm>
+      </p:grpSpPr>
+      <p:sp>
+        <p:nvSpPr>
+          <p:cNvPr id="2" name="Title 1">
+            <a:extLst>
+              <a:ext uri="{FF2B5EF4-FFF2-40B4-BE49-F238E27FC236}">
+                <a16:creationId xmlns:a16="http://schemas.microsoft.com/office/drawing/2014/main" id="{B80B815D-9C23-443E-8AE5-287DED1DE324}"/>
+              </a:ext>
+            </a:extLst>
+          </p:cNvPr>
+          <p:cNvSpPr>
+            <a:spLocks noGrp="1"/>
+          </p:cNvSpPr>
+          <p:nvPr>
+            <p:ph type="title"/>
+          </p:nvPr>
+        </p:nvSpPr>
+        <p:spPr/>
+        <p:txBody>
+          <a:bodyPr/>
+          <a:lstStyle/>
+          <a:p>
+            <a:pPr marL="857250" indent="-857250">
+              <a:buFont typeface="+mj-lt"/>
+              <a:buAutoNum type="romanUcPeriod"/>
+            </a:pPr>
+            <a:r>
+              <a:rPr lang="vi-VN">
+                <a:solidFill>
+                  <a:srgbClr val="FF0000"/>
+                </a:solidFill>
+                <a:latin typeface="Segoe UI" panose="020B0502040204020203" pitchFamily="34" charset="0"/>
+                <a:cs typeface="Segoe UI" panose="020B0502040204020203" pitchFamily="34" charset="0"/>
+              </a:rPr>
+              <a:t>Giới thiệu về CMCN 4.0 </a:t>
+            </a:r>
+            <a:endParaRPr lang="vi-VN"/>
+          </a:p>
+        </p:txBody>
+      </p:sp>
+      <p:sp>
+        <p:nvSpPr>
+          <p:cNvPr id="3" name="Content Placeholder 2">
+            <a:extLst>
+              <a:ext uri="{FF2B5EF4-FFF2-40B4-BE49-F238E27FC236}">
+                <a16:creationId xmlns:a16="http://schemas.microsoft.com/office/drawing/2014/main" id="{8377BF02-A763-43A0-93B9-B40AEB2ED709}"/>
+              </a:ext>
+            </a:extLst>
+          </p:cNvPr>
+          <p:cNvSpPr>
+            <a:spLocks noGrp="1"/>
+          </p:cNvSpPr>
+          <p:nvPr>
+            <p:ph idx="1"/>
+          </p:nvPr>
+        </p:nvSpPr>
+        <p:spPr/>
+        <p:txBody>
+          <a:bodyPr/>
+          <a:lstStyle/>
+          <a:p>
+            <a:r>
+              <a:rPr lang="vi-VN" sz="2000"/>
+              <a:t>Công nghiệp 4.0 tạo ra </a:t>
+            </a:r>
+            <a:r>
+              <a:rPr lang="vi-VN" sz="2000" i="1"/>
+              <a:t>nhà máy thông minh</a:t>
+            </a:r>
+            <a:r>
+              <a:rPr lang="vi-VN" sz="2000"/>
+              <a:t> (tiếng Anh: </a:t>
+            </a:r>
+            <a:r>
+              <a:rPr lang="vi-VN" sz="2000" i="1"/>
+              <a:t>smart factory</a:t>
+            </a:r>
+            <a:r>
+              <a:rPr lang="vi-VN" sz="2000"/>
+              <a:t>). Trong các </a:t>
+            </a:r>
+            <a:r>
+              <a:rPr lang="vi-VN" sz="2000" i="1"/>
+              <a:t>nhà máy thông minh</a:t>
+            </a:r>
+            <a:r>
+              <a:rPr lang="vi-VN" sz="2000"/>
+              <a:t> với cấu trúc kiểu mô-đun, hệ thống thực-ảo giám sát các quy trình thực tế, tạo ra một bản sao ảo của thế giới thực và đưa ra các quyết định phân tán. Qua Internet Vạn Vật, các hệ thống thực-ảo giao tiếp và cộng tác với nhau và với con người trong thời gian thực, và với sự hỗ trợ của Internet Dịch vụ, dịch vụ nội hàm và dịch vụ xuyên tổ chức được cung cấp cho các bên tham gia </a:t>
+            </a:r>
+            <a:r>
+              <a:rPr lang="vi-VN" sz="2000" u="sng">
+                <a:hlinkClick r:id="rId2" tooltip="Chuỗi giá trị"/>
+              </a:rPr>
+              <a:t>chuỗi giá trị</a:t>
+            </a:r>
+            <a:r>
+              <a:rPr lang="vi-VN" sz="2000"/>
+              <a:t> sử dụng</a:t>
+            </a:r>
+            <a:r>
+              <a:rPr lang="vi-VN" sz="2400"/>
+              <a:t>.</a:t>
+            </a:r>
+          </a:p>
+          <a:p>
+            <a:endParaRPr lang="vi-VN"/>
+          </a:p>
+        </p:txBody>
+      </p:sp>
+    </p:spTree>
+    <p:extLst>
+      <p:ext uri="{BB962C8B-B14F-4D97-AF65-F5344CB8AC3E}">
+        <p14:creationId xmlns:p14="http://schemas.microsoft.com/office/powerpoint/2010/main" val="2968454009"/>
+      </p:ext>
+    </p:extLst>
+  </p:cSld>
+  <p:clrMapOvr>
+    <a:masterClrMapping/>
+  </p:clrMapOvr>
+</p:sld>
+</file>
+
 <file path=ppt/theme/theme1.xml><?xml version="1.0" encoding="utf-8"?>
-<a:theme xmlns:a="http://schemas.openxmlformats.org/drawingml/2006/main" name="Office Theme">
+<a:theme xmlns:a="http://schemas.openxmlformats.org/drawingml/2006/main" name="Facet">
   <a:themeElements>
-    <a:clrScheme name="Office">
+    <a:clrScheme name="Facet">
       <a:dk1>
         <a:sysClr val="windowText" lastClr="000000"/>
       </a:dk1>
@@ -7788,52 +10493,52 @@
         <a:sysClr val="window" lastClr="FFFFFF"/>
       </a:lt1>
       <a:dk2>
-        <a:srgbClr val="44546A"/>
+        <a:srgbClr val="2C3C43"/>
       </a:dk2>
       <a:lt2>
-        <a:srgbClr val="E7E6E6"/>
+        <a:srgbClr val="EBEBEB"/>
       </a:lt2>
       <a:accent1>
-        <a:srgbClr val="4472C4"/>
+        <a:srgbClr val="90C226"/>
       </a:accent1>
       <a:accent2>
-        <a:srgbClr val="ED7D31"/>
+        <a:srgbClr val="54A021"/>
       </a:accent2>
       <a:accent3>
-        <a:srgbClr val="A5A5A5"/>
+        <a:srgbClr val="E6B91E"/>
       </a:accent3>
       <a:accent4>
-        <a:srgbClr val="FFC000"/>
+        <a:srgbClr val="E76618"/>
       </a:accent4>
       <a:accent5>
-        <a:srgbClr val="5B9BD5"/>
+        <a:srgbClr val="C42F1A"/>
       </a:accent5>
       <a:accent6>
-        <a:srgbClr val="70AD47"/>
+        <a:srgbClr val="918655"/>
       </a:accent6>
       <a:hlink>
-        <a:srgbClr val="0563C1"/>
+        <a:srgbClr val="99CA3C"/>
       </a:hlink>
       <a:folHlink>
-        <a:srgbClr val="954F72"/>
+        <a:srgbClr val="B9D181"/>
       </a:folHlink>
     </a:clrScheme>
-    <a:fontScheme name="Office">
+    <a:fontScheme name="Facet">
       <a:majorFont>
-        <a:latin typeface="Calibri Light" panose="020F0302020204030204"/>
+        <a:latin typeface="Trebuchet MS" panose="020B0603020202020204"/>
         <a:ea typeface=""/>
         <a:cs typeface=""/>
-        <a:font script="Jpan" typeface="游ゴシック Light"/>
+        <a:font script="Jpan" typeface="メイリオ"/>
         <a:font script="Hang" typeface="맑은 고딕"/>
-        <a:font script="Hans" typeface="等线 Light"/>
-        <a:font script="Hant" typeface="新細明體"/>
-        <a:font script="Arab" typeface="Times New Roman"/>
-        <a:font script="Hebr" typeface="Times New Roman"/>
-        <a:font script="Thai" typeface="Angsana New"/>
+        <a:font script="Hans" typeface="方正姚体"/>
+        <a:font script="Hant" typeface="微軟正黑體"/>
+        <a:font script="Arab" typeface="Tahoma"/>
+        <a:font script="Hebr" typeface="Arial"/>
+        <a:font script="Thai" typeface="Cordia New"/>
         <a:font script="Ethi" typeface="Nyala"/>
         <a:font script="Beng" typeface="Vrinda"/>
         <a:font script="Gujr" typeface="Shruti"/>
-        <a:font script="Khmr" typeface="MoolBoran"/>
+        <a:font script="Khmr" typeface="DaunPenh"/>
         <a:font script="Knda" typeface="Tunga"/>
         <a:font script="Guru" typeface="Raavi"/>
         <a:font script="Cans" typeface="Euphemia"/>
@@ -7850,38 +10555,21 @@
         <a:font script="Laoo" typeface="DokChampa"/>
         <a:font script="Sinh" typeface="Iskoola Pota"/>
         <a:font script="Mong" typeface="Mongolian Baiti"/>
-        <a:font script="Viet" typeface="Times New Roman"/>
+        <a:font script="Viet" typeface="Tahoma"/>
         <a:font script="Uigh" typeface="Microsoft Uighur"/>
         <a:font script="Geor" typeface="Sylfaen"/>
-        <a:font script="Armn" typeface="Arial"/>
-        <a:font script="Bugi" typeface="Leelawadee UI"/>
-        <a:font script="Bopo" typeface="Microsoft JhengHei"/>
-        <a:font script="Java" typeface="Javanese Text"/>
-        <a:font script="Lisu" typeface="Segoe UI"/>
-        <a:font script="Mymr" typeface="Myanmar Text"/>
-        <a:font script="Nkoo" typeface="Ebrima"/>
-        <a:font script="Olck" typeface="Nirmala UI"/>
-        <a:font script="Osma" typeface="Ebrima"/>
-        <a:font script="Phag" typeface="Phagspa"/>
-        <a:font script="Syrn" typeface="Estrangelo Edessa"/>
-        <a:font script="Syrj" typeface="Estrangelo Edessa"/>
-        <a:font script="Syre" typeface="Estrangelo Edessa"/>
-        <a:font script="Sora" typeface="Nirmala UI"/>
-        <a:font script="Tale" typeface="Microsoft Tai Le"/>
-        <a:font script="Talu" typeface="Microsoft New Tai Lue"/>
-        <a:font script="Tfng" typeface="Ebrima"/>
       </a:majorFont>
       <a:minorFont>
-        <a:latin typeface="Calibri" panose="020F0502020204030204"/>
+        <a:latin typeface="Trebuchet MS" panose="020B0603020202020204"/>
         <a:ea typeface=""/>
         <a:cs typeface=""/>
-        <a:font script="Jpan" typeface="游ゴシック"/>
-        <a:font script="Hang" typeface="맑은 고딕"/>
-        <a:font script="Hans" typeface="等线"/>
-        <a:font script="Hant" typeface="新細明體"/>
-        <a:font script="Arab" typeface="Arial"/>
-        <a:font script="Hebr" typeface="Arial"/>
-        <a:font script="Thai" typeface="Cordia New"/>
+        <a:font script="Jpan" typeface="メイリオ"/>
+        <a:font script="Hang" typeface="HY그래픽M"/>
+        <a:font script="Hans" typeface="华文新魏"/>
+        <a:font script="Hant" typeface="微軟正黑體"/>
+        <a:font script="Arab" typeface="Tahoma"/>
+        <a:font script="Hebr" typeface="Gisha"/>
+        <a:font script="Thai" typeface="IrisUPC"/>
         <a:font script="Ethi" typeface="Nyala"/>
         <a:font script="Beng" typeface="Vrinda"/>
         <a:font script="Gujr" typeface="Shruti"/>
@@ -7905,26 +10593,9 @@
         <a:font script="Viet" typeface="Arial"/>
         <a:font script="Uigh" typeface="Microsoft Uighur"/>
         <a:font script="Geor" typeface="Sylfaen"/>
-        <a:font script="Armn" typeface="Arial"/>
-        <a:font script="Bugi" typeface="Leelawadee UI"/>
-        <a:font script="Bopo" typeface="Microsoft JhengHei"/>
-        <a:font script="Java" typeface="Javanese Text"/>
-        <a:font script="Lisu" typeface="Segoe UI"/>
-        <a:font script="Mymr" typeface="Myanmar Text"/>
-        <a:font script="Nkoo" typeface="Ebrima"/>
-        <a:font script="Olck" typeface="Nirmala UI"/>
-        <a:font script="Osma" typeface="Ebrima"/>
-        <a:font script="Phag" typeface="Phagspa"/>
-        <a:font script="Syrn" typeface="Estrangelo Edessa"/>
-        <a:font script="Syrj" typeface="Estrangelo Edessa"/>
-        <a:font script="Syre" typeface="Estrangelo Edessa"/>
-        <a:font script="Sora" typeface="Nirmala UI"/>
-        <a:font script="Tale" typeface="Microsoft Tai Le"/>
-        <a:font script="Talu" typeface="Microsoft New Tai Lue"/>
-        <a:font script="Tfng" typeface="Ebrima"/>
       </a:minorFont>
     </a:fontScheme>
-    <a:fmtScheme name="Office">
+    <a:fmtScheme name="Facet">
       <a:fillStyleLst>
         <a:solidFill>
           <a:schemeClr val="phClr"/>
@@ -7933,23 +10604,13 @@
           <a:gsLst>
             <a:gs pos="0">
               <a:schemeClr val="phClr">
+                <a:tint val="65000"/>
                 <a:lumMod val="110000"/>
-                <a:satMod val="105000"/>
-                <a:tint val="67000"/>
               </a:schemeClr>
             </a:gs>
-            <a:gs pos="50000">
+            <a:gs pos="88000">
               <a:schemeClr val="phClr">
-                <a:lumMod val="105000"/>
-                <a:satMod val="103000"/>
-                <a:tint val="73000"/>
-              </a:schemeClr>
-            </a:gs>
-            <a:gs pos="100000">
-              <a:schemeClr val="phClr">
-                <a:lumMod val="105000"/>
-                <a:satMod val="109000"/>
-                <a:tint val="81000"/>
+                <a:tint val="90000"/>
               </a:schemeClr>
             </a:gs>
           </a:gsLst>
@@ -7959,23 +10620,14 @@
           <a:gsLst>
             <a:gs pos="0">
               <a:schemeClr val="phClr">
-                <a:satMod val="103000"/>
-                <a:lumMod val="102000"/>
-                <a:tint val="94000"/>
+                <a:tint val="96000"/>
+                <a:lumMod val="100000"/>
               </a:schemeClr>
             </a:gs>
-            <a:gs pos="50000">
+            <a:gs pos="78000">
               <a:schemeClr val="phClr">
-                <a:satMod val="110000"/>
-                <a:lumMod val="100000"/>
-                <a:shade val="100000"/>
-              </a:schemeClr>
-            </a:gs>
-            <a:gs pos="100000">
-              <a:schemeClr val="phClr">
-                <a:lumMod val="99000"/>
-                <a:satMod val="120000"/>
-                <a:shade val="78000"/>
+                <a:shade val="94000"/>
+                <a:lumMod val="94000"/>
               </a:schemeClr>
             </a:gs>
           </a:gsLst>
@@ -7983,26 +10635,23 @@
         </a:gradFill>
       </a:fillStyleLst>
       <a:lnStyleLst>
-        <a:ln w="6350" cap="flat" cmpd="sng" algn="ctr">
+        <a:ln w="12700" cap="rnd" cmpd="sng" algn="ctr">
           <a:solidFill>
             <a:schemeClr val="phClr"/>
           </a:solidFill>
           <a:prstDash val="solid"/>
-          <a:miter lim="800000"/>
         </a:ln>
-        <a:ln w="12700" cap="flat" cmpd="sng" algn="ctr">
+        <a:ln w="19050" cap="rnd" cmpd="sng" algn="ctr">
           <a:solidFill>
             <a:schemeClr val="phClr"/>
           </a:solidFill>
           <a:prstDash val="solid"/>
-          <a:miter lim="800000"/>
         </a:ln>
-        <a:ln w="19050" cap="flat" cmpd="sng" algn="ctr">
+        <a:ln w="25400" cap="rnd" cmpd="sng" algn="ctr">
           <a:solidFill>
             <a:schemeClr val="phClr"/>
           </a:solidFill>
           <a:prstDash val="solid"/>
-          <a:miter lim="800000"/>
         </a:ln>
       </a:lnStyleLst>
       <a:effectStyleLst>
@@ -8010,54 +10659,72 @@
           <a:effectLst/>
         </a:effectStyle>
         <a:effectStyle>
-          <a:effectLst/>
+          <a:effectLst>
+            <a:outerShdw blurRad="38100" dist="25400" dir="5400000" rotWithShape="0">
+              <a:srgbClr val="000000">
+                <a:alpha val="35000"/>
+              </a:srgbClr>
+            </a:outerShdw>
+          </a:effectLst>
         </a:effectStyle>
         <a:effectStyle>
           <a:effectLst>
-            <a:outerShdw blurRad="57150" dist="19050" dir="5400000" algn="ctr" rotWithShape="0">
+            <a:outerShdw blurRad="50800" dist="38100" dir="5400000" rotWithShape="0">
               <a:srgbClr val="000000">
-                <a:alpha val="63000"/>
+                <a:alpha val="35000"/>
               </a:srgbClr>
             </a:outerShdw>
           </a:effectLst>
+          <a:scene3d>
+            <a:camera prst="orthographicFront">
+              <a:rot lat="0" lon="0" rev="0"/>
+            </a:camera>
+            <a:lightRig rig="threePt" dir="tl"/>
+          </a:scene3d>
+          <a:sp3d prstMaterial="plastic">
+            <a:bevelT w="0" h="0"/>
+          </a:sp3d>
         </a:effectStyle>
       </a:effectStyleLst>
       <a:bgFillStyleLst>
         <a:solidFill>
           <a:schemeClr val="phClr"/>
         </a:solidFill>
-        <a:solidFill>
-          <a:schemeClr val="phClr">
-            <a:tint val="95000"/>
-            <a:satMod val="170000"/>
-          </a:schemeClr>
-        </a:solidFill>
         <a:gradFill rotWithShape="1">
           <a:gsLst>
             <a:gs pos="0">
               <a:schemeClr val="phClr">
-                <a:tint val="93000"/>
-                <a:satMod val="150000"/>
-                <a:shade val="98000"/>
-                <a:lumMod val="102000"/>
+                <a:tint val="90000"/>
+                <a:lumMod val="104000"/>
               </a:schemeClr>
             </a:gs>
-            <a:gs pos="50000">
+            <a:gs pos="94000">
               <a:schemeClr val="phClr">
-                <a:tint val="98000"/>
-                <a:satMod val="130000"/>
-                <a:shade val="90000"/>
-                <a:lumMod val="103000"/>
+                <a:shade val="96000"/>
+                <a:lumMod val="82000"/>
+              </a:schemeClr>
+            </a:gs>
+          </a:gsLst>
+          <a:lin ang="5400000" scaled="0"/>
+        </a:gradFill>
+        <a:gradFill rotWithShape="1">
+          <a:gsLst>
+            <a:gs pos="0">
+              <a:schemeClr val="phClr">
+                <a:tint val="90000"/>
+                <a:lumMod val="110000"/>
               </a:schemeClr>
             </a:gs>
             <a:gs pos="100000">
               <a:schemeClr val="phClr">
-                <a:shade val="63000"/>
-                <a:satMod val="120000"/>
+                <a:shade val="94000"/>
+                <a:lumMod val="96000"/>
               </a:schemeClr>
             </a:gs>
           </a:gsLst>
-          <a:lin ang="5400000" scaled="0"/>
+          <a:path path="circle">
+            <a:fillToRect l="50000" t="50000" r="100000" b="100000"/>
+          </a:path>
         </a:gradFill>
       </a:bgFillStyleLst>
     </a:fmtScheme>
@@ -8066,7 +10733,7 @@
   <a:extraClrSchemeLst/>
   <a:extLst>
     <a:ext uri="{05A4C25C-085E-4340-85A3-A5531E510DB2}">
-      <thm15:themeFamily xmlns:thm15="http://schemas.microsoft.com/office/thememl/2012/main" name="Office Theme" id="{62F939B6-93AF-4DB8-9C6B-D6C7DFDC589F}" vid="{4A3C46E8-61CC-4603-A589-7422A47A8E4A}"/>
+      <thm15:themeFamily xmlns:thm15="http://schemas.microsoft.com/office/thememl/2012/main" name="Facet" id="{C0C680CD-088A-49FC-A102-D699147F32B2}" vid="{CFBC31BA-B70F-4F30-BCAA-4F3011E16C4D}"/>
     </a:ext>
   </a:extLst>
 </a:theme>

--- a/BÁO CÁO ĐỒ ÁN KNSBC.pptx
+++ b/BÁO CÁO ĐỒ ÁN KNSBC.pptx
@@ -2,7 +2,7 @@
 <file path=ppt/presentation.xml><?xml version="1.0" encoding="utf-8"?>
 <p:presentation xmlns:a="http://schemas.openxmlformats.org/drawingml/2006/main" xmlns:r="http://schemas.openxmlformats.org/officeDocument/2006/relationships" xmlns:p="http://schemas.openxmlformats.org/presentationml/2006/main" saveSubsetFonts="1">
   <p:sldMasterIdLst>
-    <p:sldMasterId id="2147483754" r:id="rId1"/>
+    <p:sldMasterId id="2147483771" r:id="rId1"/>
   </p:sldMasterIdLst>
   <p:sldIdLst>
     <p:sldId id="256" r:id="rId2"/>
@@ -10,6 +10,8 @@
     <p:sldId id="258" r:id="rId4"/>
     <p:sldId id="259" r:id="rId5"/>
     <p:sldId id="260" r:id="rId6"/>
+    <p:sldId id="261" r:id="rId7"/>
+    <p:sldId id="262" r:id="rId8"/>
   </p:sldIdLst>
   <p:sldSz cx="12192000" cy="6858000"/>
   <p:notesSz cx="6858000" cy="9144000"/>
@@ -122,6 +124,8 @@
             <p14:sldId id="258"/>
             <p14:sldId id="259"/>
             <p14:sldId id="260"/>
+            <p14:sldId id="261"/>
+            <p14:sldId id="262"/>
           </p14:sldIdLst>
         </p14:section>
       </p14:sectionLst>
@@ -4597,7 +4601,7 @@
     </p:spTree>
     <p:extLst>
       <p:ext uri="{BB962C8B-B14F-4D97-AF65-F5344CB8AC3E}">
-        <p14:creationId xmlns:p14="http://schemas.microsoft.com/office/powerpoint/2010/main" val="160488279"/>
+        <p14:creationId xmlns:p14="http://schemas.microsoft.com/office/powerpoint/2010/main" val="214290951"/>
       </p:ext>
     </p:extLst>
   </p:cSld>
@@ -4853,7 +4857,7 @@
     </p:spTree>
     <p:extLst>
       <p:ext uri="{BB962C8B-B14F-4D97-AF65-F5344CB8AC3E}">
-        <p14:creationId xmlns:p14="http://schemas.microsoft.com/office/powerpoint/2010/main" val="1532876144"/>
+        <p14:creationId xmlns:p14="http://schemas.microsoft.com/office/powerpoint/2010/main" val="2690090599"/>
       </p:ext>
     </p:extLst>
   </p:cSld>
@@ -5257,7 +5261,7 @@
     </p:spTree>
     <p:extLst>
       <p:ext uri="{BB962C8B-B14F-4D97-AF65-F5344CB8AC3E}">
-        <p14:creationId xmlns:p14="http://schemas.microsoft.com/office/powerpoint/2010/main" val="2467128251"/>
+        <p14:creationId xmlns:p14="http://schemas.microsoft.com/office/powerpoint/2010/main" val="1663921666"/>
       </p:ext>
     </p:extLst>
   </p:cSld>
@@ -5508,7 +5512,7 @@
     </p:spTree>
     <p:extLst>
       <p:ext uri="{BB962C8B-B14F-4D97-AF65-F5344CB8AC3E}">
-        <p14:creationId xmlns:p14="http://schemas.microsoft.com/office/powerpoint/2010/main" val="1589916600"/>
+        <p14:creationId xmlns:p14="http://schemas.microsoft.com/office/powerpoint/2010/main" val="2629338706"/>
       </p:ext>
     </p:extLst>
   </p:cSld>
@@ -5904,7 +5908,7 @@
     </p:spTree>
     <p:extLst>
       <p:ext uri="{BB962C8B-B14F-4D97-AF65-F5344CB8AC3E}">
-        <p14:creationId xmlns:p14="http://schemas.microsoft.com/office/powerpoint/2010/main" val="469863709"/>
+        <p14:creationId xmlns:p14="http://schemas.microsoft.com/office/powerpoint/2010/main" val="552611343"/>
       </p:ext>
     </p:extLst>
   </p:cSld>
@@ -6215,7 +6219,7 @@
     </p:spTree>
     <p:extLst>
       <p:ext uri="{BB962C8B-B14F-4D97-AF65-F5344CB8AC3E}">
-        <p14:creationId xmlns:p14="http://schemas.microsoft.com/office/powerpoint/2010/main" val="4083437237"/>
+        <p14:creationId xmlns:p14="http://schemas.microsoft.com/office/powerpoint/2010/main" val="3679286296"/>
       </p:ext>
     </p:extLst>
   </p:cSld>
@@ -6385,7 +6389,7 @@
     </p:spTree>
     <p:extLst>
       <p:ext uri="{BB962C8B-B14F-4D97-AF65-F5344CB8AC3E}">
-        <p14:creationId xmlns:p14="http://schemas.microsoft.com/office/powerpoint/2010/main" val="3529158220"/>
+        <p14:creationId xmlns:p14="http://schemas.microsoft.com/office/powerpoint/2010/main" val="1519660120"/>
       </p:ext>
     </p:extLst>
   </p:cSld>
@@ -6565,7 +6569,7 @@
     </p:spTree>
     <p:extLst>
       <p:ext uri="{BB962C8B-B14F-4D97-AF65-F5344CB8AC3E}">
-        <p14:creationId xmlns:p14="http://schemas.microsoft.com/office/powerpoint/2010/main" val="1479603327"/>
+        <p14:creationId xmlns:p14="http://schemas.microsoft.com/office/powerpoint/2010/main" val="3366070815"/>
       </p:ext>
     </p:extLst>
   </p:cSld>
@@ -6741,7 +6745,7 @@
     </p:spTree>
     <p:extLst>
       <p:ext uri="{BB962C8B-B14F-4D97-AF65-F5344CB8AC3E}">
-        <p14:creationId xmlns:p14="http://schemas.microsoft.com/office/powerpoint/2010/main" val="766723537"/>
+        <p14:creationId xmlns:p14="http://schemas.microsoft.com/office/powerpoint/2010/main" val="3608850969"/>
       </p:ext>
     </p:extLst>
   </p:cSld>
@@ -6988,7 +6992,7 @@
     </p:spTree>
     <p:extLst>
       <p:ext uri="{BB962C8B-B14F-4D97-AF65-F5344CB8AC3E}">
-        <p14:creationId xmlns:p14="http://schemas.microsoft.com/office/powerpoint/2010/main" val="4208021443"/>
+        <p14:creationId xmlns:p14="http://schemas.microsoft.com/office/powerpoint/2010/main" val="2627889660"/>
       </p:ext>
     </p:extLst>
   </p:cSld>
@@ -7220,7 +7224,7 @@
     </p:spTree>
     <p:extLst>
       <p:ext uri="{BB962C8B-B14F-4D97-AF65-F5344CB8AC3E}">
-        <p14:creationId xmlns:p14="http://schemas.microsoft.com/office/powerpoint/2010/main" val="1469435642"/>
+        <p14:creationId xmlns:p14="http://schemas.microsoft.com/office/powerpoint/2010/main" val="2745128001"/>
       </p:ext>
     </p:extLst>
   </p:cSld>
@@ -7594,7 +7598,7 @@
     </p:spTree>
     <p:extLst>
       <p:ext uri="{BB962C8B-B14F-4D97-AF65-F5344CB8AC3E}">
-        <p14:creationId xmlns:p14="http://schemas.microsoft.com/office/powerpoint/2010/main" val="3844174594"/>
+        <p14:creationId xmlns:p14="http://schemas.microsoft.com/office/powerpoint/2010/main" val="3984735203"/>
       </p:ext>
     </p:extLst>
   </p:cSld>
@@ -7717,7 +7721,7 @@
     </p:spTree>
     <p:extLst>
       <p:ext uri="{BB962C8B-B14F-4D97-AF65-F5344CB8AC3E}">
-        <p14:creationId xmlns:p14="http://schemas.microsoft.com/office/powerpoint/2010/main" val="1129945686"/>
+        <p14:creationId xmlns:p14="http://schemas.microsoft.com/office/powerpoint/2010/main" val="4266687633"/>
       </p:ext>
     </p:extLst>
   </p:cSld>
@@ -7812,7 +7816,7 @@
     </p:spTree>
     <p:extLst>
       <p:ext uri="{BB962C8B-B14F-4D97-AF65-F5344CB8AC3E}">
-        <p14:creationId xmlns:p14="http://schemas.microsoft.com/office/powerpoint/2010/main" val="1532848231"/>
+        <p14:creationId xmlns:p14="http://schemas.microsoft.com/office/powerpoint/2010/main" val="1061226102"/>
       </p:ext>
     </p:extLst>
   </p:cSld>
@@ -8072,7 +8076,7 @@
     </p:spTree>
     <p:extLst>
       <p:ext uri="{BB962C8B-B14F-4D97-AF65-F5344CB8AC3E}">
-        <p14:creationId xmlns:p14="http://schemas.microsoft.com/office/powerpoint/2010/main" val="3213893980"/>
+        <p14:creationId xmlns:p14="http://schemas.microsoft.com/office/powerpoint/2010/main" val="3022283692"/>
       </p:ext>
     </p:extLst>
   </p:cSld>
@@ -8340,7 +8344,7 @@
     </p:spTree>
     <p:extLst>
       <p:ext uri="{BB962C8B-B14F-4D97-AF65-F5344CB8AC3E}">
-        <p14:creationId xmlns:p14="http://schemas.microsoft.com/office/powerpoint/2010/main" val="4213747670"/>
+        <p14:creationId xmlns:p14="http://schemas.microsoft.com/office/powerpoint/2010/main" val="3441109011"/>
       </p:ext>
     </p:extLst>
   </p:cSld>
@@ -9117,28 +9121,28 @@
     </p:spTree>
     <p:extLst>
       <p:ext uri="{BB962C8B-B14F-4D97-AF65-F5344CB8AC3E}">
-        <p14:creationId xmlns:p14="http://schemas.microsoft.com/office/powerpoint/2010/main" val="3480988885"/>
+        <p14:creationId xmlns:p14="http://schemas.microsoft.com/office/powerpoint/2010/main" val="438170890"/>
       </p:ext>
     </p:extLst>
   </p:cSld>
   <p:clrMap bg1="lt1" tx1="dk1" bg2="lt2" tx2="dk2" accent1="accent1" accent2="accent2" accent3="accent3" accent4="accent4" accent5="accent5" accent6="accent6" hlink="hlink" folHlink="folHlink"/>
   <p:sldLayoutIdLst>
-    <p:sldLayoutId id="2147483755" r:id="rId1"/>
-    <p:sldLayoutId id="2147483756" r:id="rId2"/>
-    <p:sldLayoutId id="2147483757" r:id="rId3"/>
-    <p:sldLayoutId id="2147483758" r:id="rId4"/>
-    <p:sldLayoutId id="2147483759" r:id="rId5"/>
-    <p:sldLayoutId id="2147483760" r:id="rId6"/>
-    <p:sldLayoutId id="2147483761" r:id="rId7"/>
-    <p:sldLayoutId id="2147483762" r:id="rId8"/>
-    <p:sldLayoutId id="2147483763" r:id="rId9"/>
-    <p:sldLayoutId id="2147483764" r:id="rId10"/>
-    <p:sldLayoutId id="2147483765" r:id="rId11"/>
-    <p:sldLayoutId id="2147483766" r:id="rId12"/>
-    <p:sldLayoutId id="2147483767" r:id="rId13"/>
-    <p:sldLayoutId id="2147483768" r:id="rId14"/>
-    <p:sldLayoutId id="2147483769" r:id="rId15"/>
-    <p:sldLayoutId id="2147483770" r:id="rId16"/>
+    <p:sldLayoutId id="2147483772" r:id="rId1"/>
+    <p:sldLayoutId id="2147483773" r:id="rId2"/>
+    <p:sldLayoutId id="2147483774" r:id="rId3"/>
+    <p:sldLayoutId id="2147483775" r:id="rId4"/>
+    <p:sldLayoutId id="2147483776" r:id="rId5"/>
+    <p:sldLayoutId id="2147483777" r:id="rId6"/>
+    <p:sldLayoutId id="2147483778" r:id="rId7"/>
+    <p:sldLayoutId id="2147483779" r:id="rId8"/>
+    <p:sldLayoutId id="2147483780" r:id="rId9"/>
+    <p:sldLayoutId id="2147483781" r:id="rId10"/>
+    <p:sldLayoutId id="2147483782" r:id="rId11"/>
+    <p:sldLayoutId id="2147483783" r:id="rId12"/>
+    <p:sldLayoutId id="2147483784" r:id="rId13"/>
+    <p:sldLayoutId id="2147483785" r:id="rId14"/>
+    <p:sldLayoutId id="2147483786" r:id="rId15"/>
+    <p:sldLayoutId id="2147483787" r:id="rId16"/>
   </p:sldLayoutIdLst>
   <p:txStyles>
     <p:titleStyle>
@@ -9569,6 +9573,1424 @@
           <a:chExt cx="0" cy="0"/>
         </a:xfrm>
       </p:grpSpPr>
+      <p:grpSp>
+        <p:nvGrpSpPr>
+          <p:cNvPr id="1030" name="Group 72">
+            <a:extLst>
+              <a:ext uri="{FF2B5EF4-FFF2-40B4-BE49-F238E27FC236}">
+                <a16:creationId xmlns:a16="http://schemas.microsoft.com/office/drawing/2014/main" id="{1F2B4773-3207-44CC-B7AC-892B70498211}"/>
+              </a:ext>
+              <a:ext uri="{C183D7F6-B498-43B3-948B-1728B52AA6E4}">
+                <adec:decorative xmlns:adec="http://schemas.microsoft.com/office/drawing/2017/decorative" val="1"/>
+              </a:ext>
+            </a:extLst>
+          </p:cNvPr>
+          <p:cNvGrpSpPr>
+            <a:grpSpLocks noGrp="1" noUngrp="1" noRot="1" noChangeAspect="1" noMove="1" noResize="1"/>
+          </p:cNvGrpSpPr>
+          <p:nvPr>
+            <p:extLst>
+              <p:ext uri="{386F3935-93C4-4BCD-93E2-E3B085C9AB24}">
+                <p16:designElem xmlns:p16="http://schemas.microsoft.com/office/powerpoint/2015/main" val="1"/>
+              </p:ext>
+            </p:extLst>
+          </p:nvPr>
+        </p:nvGrpSpPr>
+        <p:grpSpPr>
+          <a:xfrm>
+            <a:off x="0" y="-8467"/>
+            <a:ext cx="12192000" cy="6866467"/>
+            <a:chOff x="0" y="-8467"/>
+            <a:chExt cx="12192000" cy="6866467"/>
+          </a:xfrm>
+        </p:grpSpPr>
+        <p:cxnSp>
+          <p:nvCxnSpPr>
+            <p:cNvPr id="74" name="Straight Connector 73">
+              <a:extLst>
+                <a:ext uri="{FF2B5EF4-FFF2-40B4-BE49-F238E27FC236}">
+                  <a16:creationId xmlns:a16="http://schemas.microsoft.com/office/drawing/2014/main" id="{2B8267CA-A7A5-4E11-9D92-4EAC3DD3E809}"/>
+                </a:ext>
+                <a:ext uri="{C183D7F6-B498-43B3-948B-1728B52AA6E4}">
+                  <adec:decorative xmlns:adec="http://schemas.microsoft.com/office/drawing/2017/decorative" val="1"/>
+                </a:ext>
+              </a:extLst>
+            </p:cNvPr>
+            <p:cNvCxnSpPr/>
+            <p:nvPr>
+              <p:extLst>
+                <p:ext uri="{386F3935-93C4-4BCD-93E2-E3B085C9AB24}">
+                  <p16:designElem xmlns:p16="http://schemas.microsoft.com/office/powerpoint/2015/main" val="1"/>
+                </p:ext>
+              </p:extLst>
+            </p:nvPr>
+          </p:nvCxnSpPr>
+          <p:spPr>
+            <a:xfrm>
+              <a:off x="9371012" y="0"/>
+              <a:ext cx="1219200" cy="6858000"/>
+            </a:xfrm>
+            <a:prstGeom prst="line">
+              <a:avLst/>
+            </a:prstGeom>
+            <a:ln w="9525">
+              <a:solidFill>
+                <a:schemeClr val="bg1">
+                  <a:lumMod val="75000"/>
+                </a:schemeClr>
+              </a:solidFill>
+            </a:ln>
+          </p:spPr>
+          <p:style>
+            <a:lnRef idx="2">
+              <a:schemeClr val="accent1"/>
+            </a:lnRef>
+            <a:fillRef idx="0">
+              <a:schemeClr val="accent1"/>
+            </a:fillRef>
+            <a:effectRef idx="1">
+              <a:schemeClr val="accent1"/>
+            </a:effectRef>
+            <a:fontRef idx="minor">
+              <a:schemeClr val="tx1"/>
+            </a:fontRef>
+          </p:style>
+        </p:cxnSp>
+        <p:cxnSp>
+          <p:nvCxnSpPr>
+            <p:cNvPr id="1031" name="Straight Connector 74">
+              <a:extLst>
+                <a:ext uri="{FF2B5EF4-FFF2-40B4-BE49-F238E27FC236}">
+                  <a16:creationId xmlns:a16="http://schemas.microsoft.com/office/drawing/2014/main" id="{E83D61B5-C6B4-4A4B-85AD-FEE7A54912C0}"/>
+                </a:ext>
+                <a:ext uri="{C183D7F6-B498-43B3-948B-1728B52AA6E4}">
+                  <adec:decorative xmlns:adec="http://schemas.microsoft.com/office/drawing/2017/decorative" val="1"/>
+                </a:ext>
+              </a:extLst>
+            </p:cNvPr>
+            <p:cNvCxnSpPr/>
+            <p:nvPr>
+              <p:extLst>
+                <p:ext uri="{386F3935-93C4-4BCD-93E2-E3B085C9AB24}">
+                  <p16:designElem xmlns:p16="http://schemas.microsoft.com/office/powerpoint/2015/main" val="1"/>
+                </p:ext>
+              </p:extLst>
+            </p:nvPr>
+          </p:nvCxnSpPr>
+          <p:spPr>
+            <a:xfrm flipH="1">
+              <a:off x="7425267" y="3681413"/>
+              <a:ext cx="4763558" cy="3176587"/>
+            </a:xfrm>
+            <a:prstGeom prst="line">
+              <a:avLst/>
+            </a:prstGeom>
+            <a:ln w="9525">
+              <a:solidFill>
+                <a:schemeClr val="bg1">
+                  <a:lumMod val="85000"/>
+                </a:schemeClr>
+              </a:solidFill>
+            </a:ln>
+          </p:spPr>
+          <p:style>
+            <a:lnRef idx="2">
+              <a:schemeClr val="accent1"/>
+            </a:lnRef>
+            <a:fillRef idx="0">
+              <a:schemeClr val="accent1"/>
+            </a:fillRef>
+            <a:effectRef idx="1">
+              <a:schemeClr val="accent1"/>
+            </a:effectRef>
+            <a:fontRef idx="minor">
+              <a:schemeClr val="tx1"/>
+            </a:fontRef>
+          </p:style>
+        </p:cxnSp>
+        <p:sp>
+          <p:nvSpPr>
+            <p:cNvPr id="76" name="Rectangle 23">
+              <a:extLst>
+                <a:ext uri="{FF2B5EF4-FFF2-40B4-BE49-F238E27FC236}">
+                  <a16:creationId xmlns:a16="http://schemas.microsoft.com/office/drawing/2014/main" id="{A0B67FE4-688F-4497-8BFD-157613A697D3}"/>
+                </a:ext>
+                <a:ext uri="{C183D7F6-B498-43B3-948B-1728B52AA6E4}">
+                  <adec:decorative xmlns:adec="http://schemas.microsoft.com/office/drawing/2017/decorative" val="1"/>
+                </a:ext>
+              </a:extLst>
+            </p:cNvPr>
+            <p:cNvSpPr/>
+            <p:nvPr>
+              <p:extLst>
+                <p:ext uri="{386F3935-93C4-4BCD-93E2-E3B085C9AB24}">
+                  <p16:designElem xmlns:p16="http://schemas.microsoft.com/office/powerpoint/2015/main" val="1"/>
+                </p:ext>
+              </p:extLst>
+            </p:nvPr>
+          </p:nvSpPr>
+          <p:spPr>
+            <a:xfrm>
+              <a:off x="9181476" y="-8467"/>
+              <a:ext cx="3007349" cy="6866467"/>
+            </a:xfrm>
+            <a:custGeom>
+              <a:avLst/>
+              <a:gdLst/>
+              <a:ahLst/>
+              <a:cxnLst/>
+              <a:rect l="l" t="t" r="r" b="b"/>
+              <a:pathLst>
+                <a:path w="3007349" h="6866467">
+                  <a:moveTo>
+                    <a:pt x="2045532" y="0"/>
+                  </a:moveTo>
+                  <a:lnTo>
+                    <a:pt x="3007349" y="0"/>
+                  </a:lnTo>
+                  <a:lnTo>
+                    <a:pt x="3007349" y="6866467"/>
+                  </a:lnTo>
+                  <a:lnTo>
+                    <a:pt x="0" y="6866467"/>
+                  </a:lnTo>
+                  <a:lnTo>
+                    <a:pt x="2045532" y="0"/>
+                  </a:lnTo>
+                  <a:close/>
+                </a:path>
+              </a:pathLst>
+            </a:custGeom>
+            <a:solidFill>
+              <a:schemeClr val="accent1">
+                <a:alpha val="30000"/>
+              </a:schemeClr>
+            </a:solidFill>
+            <a:ln>
+              <a:noFill/>
+            </a:ln>
+            <a:effectLst/>
+          </p:spPr>
+          <p:style>
+            <a:lnRef idx="1">
+              <a:schemeClr val="accent1"/>
+            </a:lnRef>
+            <a:fillRef idx="3">
+              <a:schemeClr val="accent1"/>
+            </a:fillRef>
+            <a:effectRef idx="2">
+              <a:schemeClr val="accent1"/>
+            </a:effectRef>
+            <a:fontRef idx="minor">
+              <a:schemeClr val="lt1"/>
+            </a:fontRef>
+          </p:style>
+        </p:sp>
+        <p:sp>
+          <p:nvSpPr>
+            <p:cNvPr id="1032" name="Rectangle 25">
+              <a:extLst>
+                <a:ext uri="{FF2B5EF4-FFF2-40B4-BE49-F238E27FC236}">
+                  <a16:creationId xmlns:a16="http://schemas.microsoft.com/office/drawing/2014/main" id="{3BF5BE1A-9BAC-4581-A82B-FD8FE31595B4}"/>
+                </a:ext>
+                <a:ext uri="{C183D7F6-B498-43B3-948B-1728B52AA6E4}">
+                  <adec:decorative xmlns:adec="http://schemas.microsoft.com/office/drawing/2017/decorative" val="1"/>
+                </a:ext>
+              </a:extLst>
+            </p:cNvPr>
+            <p:cNvSpPr/>
+            <p:nvPr>
+              <p:extLst>
+                <p:ext uri="{386F3935-93C4-4BCD-93E2-E3B085C9AB24}">
+                  <p16:designElem xmlns:p16="http://schemas.microsoft.com/office/powerpoint/2015/main" val="1"/>
+                </p:ext>
+              </p:extLst>
+            </p:nvPr>
+          </p:nvSpPr>
+          <p:spPr>
+            <a:xfrm>
+              <a:off x="9603442" y="-8467"/>
+              <a:ext cx="2588558" cy="6866467"/>
+            </a:xfrm>
+            <a:custGeom>
+              <a:avLst/>
+              <a:gdLst/>
+              <a:ahLst/>
+              <a:cxnLst/>
+              <a:rect l="l" t="t" r="r" b="b"/>
+              <a:pathLst>
+                <a:path w="2573311" h="6866467">
+                  <a:moveTo>
+                    <a:pt x="0" y="0"/>
+                  </a:moveTo>
+                  <a:lnTo>
+                    <a:pt x="2573311" y="0"/>
+                  </a:lnTo>
+                  <a:lnTo>
+                    <a:pt x="2573311" y="6866467"/>
+                  </a:lnTo>
+                  <a:lnTo>
+                    <a:pt x="1202336" y="6866467"/>
+                  </a:lnTo>
+                  <a:lnTo>
+                    <a:pt x="0" y="0"/>
+                  </a:lnTo>
+                  <a:close/>
+                </a:path>
+              </a:pathLst>
+            </a:custGeom>
+            <a:solidFill>
+              <a:schemeClr val="accent1">
+                <a:alpha val="20000"/>
+              </a:schemeClr>
+            </a:solidFill>
+            <a:ln>
+              <a:noFill/>
+            </a:ln>
+            <a:effectLst/>
+          </p:spPr>
+          <p:style>
+            <a:lnRef idx="1">
+              <a:schemeClr val="accent1"/>
+            </a:lnRef>
+            <a:fillRef idx="3">
+              <a:schemeClr val="accent1"/>
+            </a:fillRef>
+            <a:effectRef idx="2">
+              <a:schemeClr val="accent1"/>
+            </a:effectRef>
+            <a:fontRef idx="minor">
+              <a:schemeClr val="lt1"/>
+            </a:fontRef>
+          </p:style>
+        </p:sp>
+        <p:sp>
+          <p:nvSpPr>
+            <p:cNvPr id="78" name="Isosceles Triangle 77">
+              <a:extLst>
+                <a:ext uri="{FF2B5EF4-FFF2-40B4-BE49-F238E27FC236}">
+                  <a16:creationId xmlns:a16="http://schemas.microsoft.com/office/drawing/2014/main" id="{971E5644-6772-414A-8199-E30BFB02A5DF}"/>
+                </a:ext>
+                <a:ext uri="{C183D7F6-B498-43B3-948B-1728B52AA6E4}">
+                  <adec:decorative xmlns:adec="http://schemas.microsoft.com/office/drawing/2017/decorative" val="1"/>
+                </a:ext>
+              </a:extLst>
+            </p:cNvPr>
+            <p:cNvSpPr/>
+            <p:nvPr>
+              <p:extLst>
+                <p:ext uri="{386F3935-93C4-4BCD-93E2-E3B085C9AB24}">
+                  <p16:designElem xmlns:p16="http://schemas.microsoft.com/office/powerpoint/2015/main" val="1"/>
+                </p:ext>
+              </p:extLst>
+            </p:nvPr>
+          </p:nvSpPr>
+          <p:spPr>
+            <a:xfrm>
+              <a:off x="8932333" y="3048000"/>
+              <a:ext cx="3259667" cy="3810000"/>
+            </a:xfrm>
+            <a:prstGeom prst="triangle">
+              <a:avLst>
+                <a:gd name="adj" fmla="val 100000"/>
+              </a:avLst>
+            </a:prstGeom>
+            <a:solidFill>
+              <a:schemeClr val="accent2">
+                <a:alpha val="72000"/>
+              </a:schemeClr>
+            </a:solidFill>
+            <a:ln>
+              <a:noFill/>
+            </a:ln>
+            <a:effectLst/>
+          </p:spPr>
+          <p:style>
+            <a:lnRef idx="1">
+              <a:schemeClr val="accent1"/>
+            </a:lnRef>
+            <a:fillRef idx="3">
+              <a:schemeClr val="accent1"/>
+            </a:fillRef>
+            <a:effectRef idx="2">
+              <a:schemeClr val="accent1"/>
+            </a:effectRef>
+            <a:fontRef idx="minor">
+              <a:schemeClr val="lt1"/>
+            </a:fontRef>
+          </p:style>
+        </p:sp>
+        <p:sp>
+          <p:nvSpPr>
+            <p:cNvPr id="1033" name="Rectangle 27">
+              <a:extLst>
+                <a:ext uri="{FF2B5EF4-FFF2-40B4-BE49-F238E27FC236}">
+                  <a16:creationId xmlns:a16="http://schemas.microsoft.com/office/drawing/2014/main" id="{E8246D50-BB0C-408E-93FD-7B8D63A7F784}"/>
+                </a:ext>
+                <a:ext uri="{C183D7F6-B498-43B3-948B-1728B52AA6E4}">
+                  <adec:decorative xmlns:adec="http://schemas.microsoft.com/office/drawing/2017/decorative" val="1"/>
+                </a:ext>
+              </a:extLst>
+            </p:cNvPr>
+            <p:cNvSpPr/>
+            <p:nvPr>
+              <p:extLst>
+                <p:ext uri="{386F3935-93C4-4BCD-93E2-E3B085C9AB24}">
+                  <p16:designElem xmlns:p16="http://schemas.microsoft.com/office/powerpoint/2015/main" val="1"/>
+                </p:ext>
+              </p:extLst>
+            </p:nvPr>
+          </p:nvSpPr>
+          <p:spPr>
+            <a:xfrm>
+              <a:off x="9334500" y="-8467"/>
+              <a:ext cx="2854326" cy="6866467"/>
+            </a:xfrm>
+            <a:custGeom>
+              <a:avLst/>
+              <a:gdLst/>
+              <a:ahLst/>
+              <a:cxnLst/>
+              <a:rect l="l" t="t" r="r" b="b"/>
+              <a:pathLst>
+                <a:path w="2858013" h="6866467">
+                  <a:moveTo>
+                    <a:pt x="0" y="0"/>
+                  </a:moveTo>
+                  <a:lnTo>
+                    <a:pt x="2858013" y="0"/>
+                  </a:lnTo>
+                  <a:lnTo>
+                    <a:pt x="2858013" y="6866467"/>
+                  </a:lnTo>
+                  <a:lnTo>
+                    <a:pt x="2473942" y="6866467"/>
+                  </a:lnTo>
+                  <a:lnTo>
+                    <a:pt x="0" y="0"/>
+                  </a:lnTo>
+                  <a:close/>
+                </a:path>
+              </a:pathLst>
+            </a:custGeom>
+            <a:solidFill>
+              <a:schemeClr val="accent2">
+                <a:lumMod val="75000"/>
+                <a:alpha val="70000"/>
+              </a:schemeClr>
+            </a:solidFill>
+            <a:ln>
+              <a:noFill/>
+            </a:ln>
+            <a:effectLst/>
+          </p:spPr>
+          <p:style>
+            <a:lnRef idx="1">
+              <a:schemeClr val="accent1"/>
+            </a:lnRef>
+            <a:fillRef idx="3">
+              <a:schemeClr val="accent1"/>
+            </a:fillRef>
+            <a:effectRef idx="2">
+              <a:schemeClr val="accent1"/>
+            </a:effectRef>
+            <a:fontRef idx="minor">
+              <a:schemeClr val="lt1"/>
+            </a:fontRef>
+          </p:style>
+        </p:sp>
+        <p:sp>
+          <p:nvSpPr>
+            <p:cNvPr id="80" name="Rectangle 28">
+              <a:extLst>
+                <a:ext uri="{FF2B5EF4-FFF2-40B4-BE49-F238E27FC236}">
+                  <a16:creationId xmlns:a16="http://schemas.microsoft.com/office/drawing/2014/main" id="{AFBC5D22-68C1-44FB-8181-CB84ECAA83FC}"/>
+                </a:ext>
+                <a:ext uri="{C183D7F6-B498-43B3-948B-1728B52AA6E4}">
+                  <adec:decorative xmlns:adec="http://schemas.microsoft.com/office/drawing/2017/decorative" val="1"/>
+                </a:ext>
+              </a:extLst>
+            </p:cNvPr>
+            <p:cNvSpPr/>
+            <p:nvPr>
+              <p:extLst>
+                <p:ext uri="{386F3935-93C4-4BCD-93E2-E3B085C9AB24}">
+                  <p16:designElem xmlns:p16="http://schemas.microsoft.com/office/powerpoint/2015/main" val="1"/>
+                </p:ext>
+              </p:extLst>
+            </p:nvPr>
+          </p:nvSpPr>
+          <p:spPr>
+            <a:xfrm>
+              <a:off x="10898730" y="-8467"/>
+              <a:ext cx="1290094" cy="6866467"/>
+            </a:xfrm>
+            <a:custGeom>
+              <a:avLst/>
+              <a:gdLst/>
+              <a:ahLst/>
+              <a:cxnLst/>
+              <a:rect l="l" t="t" r="r" b="b"/>
+              <a:pathLst>
+                <a:path w="1290094" h="6858000">
+                  <a:moveTo>
+                    <a:pt x="1019735" y="0"/>
+                  </a:moveTo>
+                  <a:lnTo>
+                    <a:pt x="1290094" y="0"/>
+                  </a:lnTo>
+                  <a:lnTo>
+                    <a:pt x="1290094" y="6858000"/>
+                  </a:lnTo>
+                  <a:lnTo>
+                    <a:pt x="0" y="6858000"/>
+                  </a:lnTo>
+                  <a:lnTo>
+                    <a:pt x="1019735" y="0"/>
+                  </a:lnTo>
+                  <a:close/>
+                </a:path>
+              </a:pathLst>
+            </a:custGeom>
+            <a:solidFill>
+              <a:schemeClr val="accent1">
+                <a:lumMod val="60000"/>
+                <a:lumOff val="40000"/>
+                <a:alpha val="70000"/>
+              </a:schemeClr>
+            </a:solidFill>
+            <a:ln>
+              <a:noFill/>
+            </a:ln>
+            <a:effectLst/>
+          </p:spPr>
+          <p:style>
+            <a:lnRef idx="1">
+              <a:schemeClr val="accent1"/>
+            </a:lnRef>
+            <a:fillRef idx="3">
+              <a:schemeClr val="accent1"/>
+            </a:fillRef>
+            <a:effectRef idx="2">
+              <a:schemeClr val="accent1"/>
+            </a:effectRef>
+            <a:fontRef idx="minor">
+              <a:schemeClr val="lt1"/>
+            </a:fontRef>
+          </p:style>
+        </p:sp>
+        <p:sp>
+          <p:nvSpPr>
+            <p:cNvPr id="1034" name="Rectangle 29">
+              <a:extLst>
+                <a:ext uri="{FF2B5EF4-FFF2-40B4-BE49-F238E27FC236}">
+                  <a16:creationId xmlns:a16="http://schemas.microsoft.com/office/drawing/2014/main" id="{FB6D0FCE-FBDB-4655-A1A7-640B1E86B56A}"/>
+                </a:ext>
+                <a:ext uri="{C183D7F6-B498-43B3-948B-1728B52AA6E4}">
+                  <adec:decorative xmlns:adec="http://schemas.microsoft.com/office/drawing/2017/decorative" val="1"/>
+                </a:ext>
+              </a:extLst>
+            </p:cNvPr>
+            <p:cNvSpPr/>
+            <p:nvPr>
+              <p:extLst>
+                <p:ext uri="{386F3935-93C4-4BCD-93E2-E3B085C9AB24}">
+                  <p16:designElem xmlns:p16="http://schemas.microsoft.com/office/powerpoint/2015/main" val="1"/>
+                </p:ext>
+              </p:extLst>
+            </p:nvPr>
+          </p:nvSpPr>
+          <p:spPr>
+            <a:xfrm>
+              <a:off x="10938999" y="-8467"/>
+              <a:ext cx="1249825" cy="6866467"/>
+            </a:xfrm>
+            <a:custGeom>
+              <a:avLst/>
+              <a:gdLst/>
+              <a:ahLst/>
+              <a:cxnLst/>
+              <a:rect l="l" t="t" r="r" b="b"/>
+              <a:pathLst>
+                <a:path w="1249825" h="6858000">
+                  <a:moveTo>
+                    <a:pt x="0" y="0"/>
+                  </a:moveTo>
+                  <a:lnTo>
+                    <a:pt x="1249825" y="0"/>
+                  </a:lnTo>
+                  <a:lnTo>
+                    <a:pt x="1249825" y="6858000"/>
+                  </a:lnTo>
+                  <a:lnTo>
+                    <a:pt x="1109382" y="6858000"/>
+                  </a:lnTo>
+                  <a:lnTo>
+                    <a:pt x="0" y="0"/>
+                  </a:lnTo>
+                  <a:close/>
+                </a:path>
+              </a:pathLst>
+            </a:custGeom>
+            <a:solidFill>
+              <a:schemeClr val="accent1">
+                <a:alpha val="65000"/>
+              </a:schemeClr>
+            </a:solidFill>
+            <a:ln>
+              <a:noFill/>
+            </a:ln>
+            <a:effectLst/>
+          </p:spPr>
+          <p:style>
+            <a:lnRef idx="1">
+              <a:schemeClr val="accent1"/>
+            </a:lnRef>
+            <a:fillRef idx="3">
+              <a:schemeClr val="accent1"/>
+            </a:fillRef>
+            <a:effectRef idx="2">
+              <a:schemeClr val="accent1"/>
+            </a:effectRef>
+            <a:fontRef idx="minor">
+              <a:schemeClr val="lt1"/>
+            </a:fontRef>
+          </p:style>
+        </p:sp>
+        <p:sp>
+          <p:nvSpPr>
+            <p:cNvPr id="82" name="Isosceles Triangle 81">
+              <a:extLst>
+                <a:ext uri="{FF2B5EF4-FFF2-40B4-BE49-F238E27FC236}">
+                  <a16:creationId xmlns:a16="http://schemas.microsoft.com/office/drawing/2014/main" id="{BC8157DF-FD90-4AD6-B803-3AC0ACD8E6A0}"/>
+                </a:ext>
+                <a:ext uri="{C183D7F6-B498-43B3-948B-1728B52AA6E4}">
+                  <adec:decorative xmlns:adec="http://schemas.microsoft.com/office/drawing/2017/decorative" val="1"/>
+                </a:ext>
+              </a:extLst>
+            </p:cNvPr>
+            <p:cNvSpPr/>
+            <p:nvPr>
+              <p:extLst>
+                <p:ext uri="{386F3935-93C4-4BCD-93E2-E3B085C9AB24}">
+                  <p16:designElem xmlns:p16="http://schemas.microsoft.com/office/powerpoint/2015/main" val="1"/>
+                </p:ext>
+              </p:extLst>
+            </p:nvPr>
+          </p:nvSpPr>
+          <p:spPr>
+            <a:xfrm>
+              <a:off x="10371666" y="3589867"/>
+              <a:ext cx="1817159" cy="3268133"/>
+            </a:xfrm>
+            <a:prstGeom prst="triangle">
+              <a:avLst>
+                <a:gd name="adj" fmla="val 100000"/>
+              </a:avLst>
+            </a:prstGeom>
+            <a:solidFill>
+              <a:schemeClr val="accent1">
+                <a:alpha val="80000"/>
+              </a:schemeClr>
+            </a:solidFill>
+            <a:ln>
+              <a:noFill/>
+            </a:ln>
+            <a:effectLst/>
+          </p:spPr>
+          <p:style>
+            <a:lnRef idx="1">
+              <a:schemeClr val="accent1"/>
+            </a:lnRef>
+            <a:fillRef idx="3">
+              <a:schemeClr val="accent1"/>
+            </a:fillRef>
+            <a:effectRef idx="2">
+              <a:schemeClr val="accent1"/>
+            </a:effectRef>
+            <a:fontRef idx="minor">
+              <a:schemeClr val="lt1"/>
+            </a:fontRef>
+          </p:style>
+        </p:sp>
+        <p:sp>
+          <p:nvSpPr>
+            <p:cNvPr id="1035" name="Isosceles Triangle 82">
+              <a:extLst>
+                <a:ext uri="{FF2B5EF4-FFF2-40B4-BE49-F238E27FC236}">
+                  <a16:creationId xmlns:a16="http://schemas.microsoft.com/office/drawing/2014/main" id="{3548B067-9D63-4D21-92EF-CBC9E6338C85}"/>
+                </a:ext>
+                <a:ext uri="{C183D7F6-B498-43B3-948B-1728B52AA6E4}">
+                  <adec:decorative xmlns:adec="http://schemas.microsoft.com/office/drawing/2017/decorative" val="1"/>
+                </a:ext>
+              </a:extLst>
+            </p:cNvPr>
+            <p:cNvSpPr/>
+            <p:nvPr>
+              <p:extLst>
+                <p:ext uri="{386F3935-93C4-4BCD-93E2-E3B085C9AB24}">
+                  <p16:designElem xmlns:p16="http://schemas.microsoft.com/office/powerpoint/2015/main" val="1"/>
+                </p:ext>
+              </p:extLst>
+            </p:nvPr>
+          </p:nvSpPr>
+          <p:spPr>
+            <a:xfrm>
+              <a:off x="0" y="4013200"/>
+              <a:ext cx="448733" cy="2844800"/>
+            </a:xfrm>
+            <a:prstGeom prst="triangle">
+              <a:avLst>
+                <a:gd name="adj" fmla="val 0"/>
+              </a:avLst>
+            </a:prstGeom>
+            <a:solidFill>
+              <a:schemeClr val="accent1">
+                <a:alpha val="85000"/>
+              </a:schemeClr>
+            </a:solidFill>
+            <a:ln>
+              <a:noFill/>
+            </a:ln>
+            <a:effectLst/>
+          </p:spPr>
+          <p:style>
+            <a:lnRef idx="1">
+              <a:schemeClr val="accent1"/>
+            </a:lnRef>
+            <a:fillRef idx="3">
+              <a:schemeClr val="accent1"/>
+            </a:fillRef>
+            <a:effectRef idx="2">
+              <a:schemeClr val="accent1"/>
+            </a:effectRef>
+            <a:fontRef idx="minor">
+              <a:schemeClr val="lt1"/>
+            </a:fontRef>
+          </p:style>
+        </p:sp>
+      </p:grpSp>
+      <p:sp useBgFill="1">
+        <p:nvSpPr>
+          <p:cNvPr id="1036" name="Rectangle 84">
+            <a:extLst>
+              <a:ext uri="{FF2B5EF4-FFF2-40B4-BE49-F238E27FC236}">
+                <a16:creationId xmlns:a16="http://schemas.microsoft.com/office/drawing/2014/main" id="{A65AC7D1-EAA9-48F5-B509-60A7F50BF703}"/>
+              </a:ext>
+              <a:ext uri="{C183D7F6-B498-43B3-948B-1728B52AA6E4}">
+                <adec:decorative xmlns:adec="http://schemas.microsoft.com/office/drawing/2017/decorative" val="1"/>
+              </a:ext>
+            </a:extLst>
+          </p:cNvPr>
+          <p:cNvSpPr>
+            <a:spLocks noGrp="1" noRot="1" noChangeAspect="1" noMove="1" noResize="1" noEditPoints="1" noAdjustHandles="1" noChangeArrowheads="1" noChangeShapeType="1" noTextEdit="1"/>
+          </p:cNvSpPr>
+          <p:nvPr>
+            <p:extLst>
+              <p:ext uri="{386F3935-93C4-4BCD-93E2-E3B085C9AB24}">
+                <p16:designElem xmlns:p16="http://schemas.microsoft.com/office/powerpoint/2015/main" val="1"/>
+              </p:ext>
+            </p:extLst>
+          </p:nvPr>
+        </p:nvSpPr>
+        <p:spPr>
+          <a:xfrm>
+            <a:off x="0" y="0"/>
+            <a:ext cx="12192000" cy="6858000"/>
+          </a:xfrm>
+          <a:prstGeom prst="rect">
+            <a:avLst/>
+          </a:prstGeom>
+          <a:ln>
+            <a:noFill/>
+          </a:ln>
+        </p:spPr>
+        <p:style>
+          <a:lnRef idx="2">
+            <a:schemeClr val="accent1">
+              <a:shade val="50000"/>
+            </a:schemeClr>
+          </a:lnRef>
+          <a:fillRef idx="1">
+            <a:schemeClr val="accent1"/>
+          </a:fillRef>
+          <a:effectRef idx="0">
+            <a:schemeClr val="accent1"/>
+          </a:effectRef>
+          <a:fontRef idx="minor">
+            <a:schemeClr val="lt1"/>
+          </a:fontRef>
+        </p:style>
+        <p:txBody>
+          <a:bodyPr rtlCol="0" anchor="ctr"/>
+          <a:lstStyle/>
+          <a:p>
+            <a:pPr algn="ctr"/>
+            <a:endParaRPr lang="en-US" dirty="0"/>
+          </a:p>
+        </p:txBody>
+      </p:sp>
+      <p:sp useBgFill="1">
+        <p:nvSpPr>
+          <p:cNvPr id="1037" name="Rectangle 86">
+            <a:extLst>
+              <a:ext uri="{FF2B5EF4-FFF2-40B4-BE49-F238E27FC236}">
+                <a16:creationId xmlns:a16="http://schemas.microsoft.com/office/drawing/2014/main" id="{D6320AF9-619A-4175-865B-5663E1AEF4C5}"/>
+              </a:ext>
+              <a:ext uri="{C183D7F6-B498-43B3-948B-1728B52AA6E4}">
+                <adec:decorative xmlns:adec="http://schemas.microsoft.com/office/drawing/2017/decorative" val="1"/>
+              </a:ext>
+            </a:extLst>
+          </p:cNvPr>
+          <p:cNvSpPr>
+            <a:spLocks noGrp="1" noRot="1" noChangeAspect="1" noMove="1" noResize="1" noEditPoints="1" noAdjustHandles="1" noChangeArrowheads="1" noChangeShapeType="1" noTextEdit="1"/>
+          </p:cNvSpPr>
+          <p:nvPr>
+            <p:extLst>
+              <p:ext uri="{386F3935-93C4-4BCD-93E2-E3B085C9AB24}">
+                <p16:designElem xmlns:p16="http://schemas.microsoft.com/office/powerpoint/2015/main" val="1"/>
+              </p:ext>
+            </p:extLst>
+          </p:nvPr>
+        </p:nvSpPr>
+        <p:spPr>
+          <a:xfrm>
+            <a:off x="0" y="0"/>
+            <a:ext cx="12192000" cy="6858000"/>
+          </a:xfrm>
+          <a:prstGeom prst="rect">
+            <a:avLst/>
+          </a:prstGeom>
+          <a:ln>
+            <a:noFill/>
+          </a:ln>
+        </p:spPr>
+        <p:style>
+          <a:lnRef idx="2">
+            <a:schemeClr val="accent1">
+              <a:shade val="50000"/>
+            </a:schemeClr>
+          </a:lnRef>
+          <a:fillRef idx="1">
+            <a:schemeClr val="accent1"/>
+          </a:fillRef>
+          <a:effectRef idx="0">
+            <a:schemeClr val="accent1"/>
+          </a:effectRef>
+          <a:fontRef idx="minor">
+            <a:schemeClr val="lt1"/>
+          </a:fontRef>
+        </p:style>
+        <p:txBody>
+          <a:bodyPr rtlCol="0" anchor="ctr"/>
+          <a:lstStyle/>
+          <a:p>
+            <a:pPr algn="ctr"/>
+            <a:endParaRPr lang="en-US"/>
+          </a:p>
+        </p:txBody>
+      </p:sp>
+      <p:cxnSp>
+        <p:nvCxnSpPr>
+          <p:cNvPr id="1038" name="Straight Connector 88">
+            <a:extLst>
+              <a:ext uri="{FF2B5EF4-FFF2-40B4-BE49-F238E27FC236}">
+                <a16:creationId xmlns:a16="http://schemas.microsoft.com/office/drawing/2014/main" id="{063B6EC6-D752-4EE7-908B-F8F19E8C7FEA}"/>
+              </a:ext>
+              <a:ext uri="{C183D7F6-B498-43B3-948B-1728B52AA6E4}">
+                <adec:decorative xmlns:adec="http://schemas.microsoft.com/office/drawing/2017/decorative" val="1"/>
+              </a:ext>
+            </a:extLst>
+          </p:cNvPr>
+          <p:cNvCxnSpPr>
+            <a:cxnSpLocks noGrp="1" noRot="1" noChangeAspect="1" noMove="1" noResize="1" noEditPoints="1" noAdjustHandles="1" noChangeArrowheads="1" noChangeShapeType="1"/>
+          </p:cNvCxnSpPr>
+          <p:nvPr>
+            <p:extLst>
+              <p:ext uri="{386F3935-93C4-4BCD-93E2-E3B085C9AB24}">
+                <p16:designElem xmlns:p16="http://schemas.microsoft.com/office/powerpoint/2015/main" val="1"/>
+              </p:ext>
+            </p:extLst>
+          </p:nvPr>
+        </p:nvCxnSpPr>
+        <p:spPr>
+          <a:xfrm>
+            <a:off x="5111313" y="0"/>
+            <a:ext cx="1219200" cy="6858000"/>
+          </a:xfrm>
+          <a:prstGeom prst="line">
+            <a:avLst/>
+          </a:prstGeom>
+          <a:ln w="9525">
+            <a:solidFill>
+              <a:schemeClr val="accent1">
+                <a:lumMod val="75000"/>
+              </a:schemeClr>
+            </a:solidFill>
+          </a:ln>
+        </p:spPr>
+        <p:style>
+          <a:lnRef idx="2">
+            <a:schemeClr val="accent1"/>
+          </a:lnRef>
+          <a:fillRef idx="0">
+            <a:schemeClr val="accent1"/>
+          </a:fillRef>
+          <a:effectRef idx="1">
+            <a:schemeClr val="accent1"/>
+          </a:effectRef>
+          <a:fontRef idx="minor">
+            <a:schemeClr val="tx1"/>
+          </a:fontRef>
+        </p:style>
+      </p:cxnSp>
+      <p:cxnSp>
+        <p:nvCxnSpPr>
+          <p:cNvPr id="91" name="Straight Connector 90">
+            <a:extLst>
+              <a:ext uri="{FF2B5EF4-FFF2-40B4-BE49-F238E27FC236}">
+                <a16:creationId xmlns:a16="http://schemas.microsoft.com/office/drawing/2014/main" id="{EFECD4E8-AD3E-4228-82A2-9461958EA94D}"/>
+              </a:ext>
+              <a:ext uri="{C183D7F6-B498-43B3-948B-1728B52AA6E4}">
+                <adec:decorative xmlns:adec="http://schemas.microsoft.com/office/drawing/2017/decorative" val="1"/>
+              </a:ext>
+            </a:extLst>
+          </p:cNvPr>
+          <p:cNvCxnSpPr>
+            <a:cxnSpLocks noGrp="1" noRot="1" noChangeAspect="1" noMove="1" noResize="1" noEditPoints="1" noAdjustHandles="1" noChangeArrowheads="1" noChangeShapeType="1"/>
+          </p:cNvCxnSpPr>
+          <p:nvPr>
+            <p:extLst>
+              <p:ext uri="{386F3935-93C4-4BCD-93E2-E3B085C9AB24}">
+                <p16:designElem xmlns:p16="http://schemas.microsoft.com/office/powerpoint/2015/main" val="1"/>
+              </p:ext>
+            </p:extLst>
+          </p:nvPr>
+        </p:nvCxnSpPr>
+        <p:spPr>
+          <a:xfrm flipH="1">
+            <a:off x="3290979" y="3681413"/>
+            <a:ext cx="4763558" cy="3176587"/>
+          </a:xfrm>
+          <a:prstGeom prst="line">
+            <a:avLst/>
+          </a:prstGeom>
+          <a:ln w="9525">
+            <a:solidFill>
+              <a:schemeClr val="tx1">
+                <a:lumMod val="50000"/>
+                <a:lumOff val="50000"/>
+                <a:alpha val="80000"/>
+              </a:schemeClr>
+            </a:solidFill>
+          </a:ln>
+        </p:spPr>
+        <p:style>
+          <a:lnRef idx="2">
+            <a:schemeClr val="accent1"/>
+          </a:lnRef>
+          <a:fillRef idx="0">
+            <a:schemeClr val="accent1"/>
+          </a:fillRef>
+          <a:effectRef idx="1">
+            <a:schemeClr val="accent1"/>
+          </a:effectRef>
+          <a:fontRef idx="minor">
+            <a:schemeClr val="tx1"/>
+          </a:fontRef>
+        </p:style>
+      </p:cxnSp>
+      <p:sp>
+        <p:nvSpPr>
+          <p:cNvPr id="93" name="Rectangle 23">
+            <a:extLst>
+              <a:ext uri="{FF2B5EF4-FFF2-40B4-BE49-F238E27FC236}">
+                <a16:creationId xmlns:a16="http://schemas.microsoft.com/office/drawing/2014/main" id="{7E018740-5C2B-4A41-AC1A-7E68D1EC1954}"/>
+              </a:ext>
+              <a:ext uri="{C183D7F6-B498-43B3-948B-1728B52AA6E4}">
+                <adec:decorative xmlns:adec="http://schemas.microsoft.com/office/drawing/2017/decorative" val="1"/>
+              </a:ext>
+            </a:extLst>
+          </p:cNvPr>
+          <p:cNvSpPr>
+            <a:spLocks noGrp="1" noRot="1" noChangeAspect="1" noMove="1" noResize="1" noEditPoints="1" noAdjustHandles="1" noChangeArrowheads="1" noChangeShapeType="1" noTextEdit="1"/>
+          </p:cNvSpPr>
+          <p:nvPr>
+            <p:extLst>
+              <p:ext uri="{386F3935-93C4-4BCD-93E2-E3B085C9AB24}">
+                <p16:designElem xmlns:p16="http://schemas.microsoft.com/office/powerpoint/2015/main" val="1"/>
+              </p:ext>
+            </p:extLst>
+          </p:nvPr>
+        </p:nvSpPr>
+        <p:spPr>
+          <a:xfrm>
+            <a:off x="4482568" y="-8467"/>
+            <a:ext cx="3007349" cy="6866467"/>
+          </a:xfrm>
+          <a:custGeom>
+            <a:avLst/>
+            <a:gdLst/>
+            <a:ahLst/>
+            <a:cxnLst/>
+            <a:rect l="l" t="t" r="r" b="b"/>
+            <a:pathLst>
+              <a:path w="3007349" h="6866467">
+                <a:moveTo>
+                  <a:pt x="2045532" y="0"/>
+                </a:moveTo>
+                <a:lnTo>
+                  <a:pt x="3007349" y="0"/>
+                </a:lnTo>
+                <a:lnTo>
+                  <a:pt x="3007349" y="6866467"/>
+                </a:lnTo>
+                <a:lnTo>
+                  <a:pt x="0" y="6866467"/>
+                </a:lnTo>
+                <a:lnTo>
+                  <a:pt x="2045532" y="0"/>
+                </a:lnTo>
+                <a:close/>
+              </a:path>
+            </a:pathLst>
+          </a:custGeom>
+          <a:solidFill>
+            <a:schemeClr val="accent1">
+              <a:alpha val="30000"/>
+            </a:schemeClr>
+          </a:solidFill>
+          <a:ln>
+            <a:noFill/>
+          </a:ln>
+          <a:effectLst/>
+        </p:spPr>
+        <p:style>
+          <a:lnRef idx="1">
+            <a:schemeClr val="accent1"/>
+          </a:lnRef>
+          <a:fillRef idx="3">
+            <a:schemeClr val="accent1"/>
+          </a:fillRef>
+          <a:effectRef idx="2">
+            <a:schemeClr val="accent1"/>
+          </a:effectRef>
+          <a:fontRef idx="minor">
+            <a:schemeClr val="lt1"/>
+          </a:fontRef>
+        </p:style>
+      </p:sp>
+      <p:sp>
+        <p:nvSpPr>
+          <p:cNvPr id="95" name="Rectangle 25">
+            <a:extLst>
+              <a:ext uri="{FF2B5EF4-FFF2-40B4-BE49-F238E27FC236}">
+                <a16:creationId xmlns:a16="http://schemas.microsoft.com/office/drawing/2014/main" id="{166F75A4-C475-4941-8EE2-B80A06A2C1BB}"/>
+              </a:ext>
+              <a:ext uri="{C183D7F6-B498-43B3-948B-1728B52AA6E4}">
+                <adec:decorative xmlns:adec="http://schemas.microsoft.com/office/drawing/2017/decorative" val="1"/>
+              </a:ext>
+            </a:extLst>
+          </p:cNvPr>
+          <p:cNvSpPr>
+            <a:spLocks noGrp="1" noRot="1" noChangeAspect="1" noMove="1" noResize="1" noEditPoints="1" noAdjustHandles="1" noChangeArrowheads="1" noChangeShapeType="1" noTextEdit="1"/>
+          </p:cNvSpPr>
+          <p:nvPr>
+            <p:extLst>
+              <p:ext uri="{386F3935-93C4-4BCD-93E2-E3B085C9AB24}">
+                <p16:designElem xmlns:p16="http://schemas.microsoft.com/office/powerpoint/2015/main" val="1"/>
+              </p:ext>
+            </p:extLst>
+          </p:nvPr>
+        </p:nvSpPr>
+        <p:spPr>
+          <a:xfrm>
+            <a:off x="4904534" y="-8467"/>
+            <a:ext cx="2588558" cy="6866467"/>
+          </a:xfrm>
+          <a:custGeom>
+            <a:avLst/>
+            <a:gdLst/>
+            <a:ahLst/>
+            <a:cxnLst/>
+            <a:rect l="l" t="t" r="r" b="b"/>
+            <a:pathLst>
+              <a:path w="2573311" h="6866467">
+                <a:moveTo>
+                  <a:pt x="0" y="0"/>
+                </a:moveTo>
+                <a:lnTo>
+                  <a:pt x="2573311" y="0"/>
+                </a:lnTo>
+                <a:lnTo>
+                  <a:pt x="2573311" y="6866467"/>
+                </a:lnTo>
+                <a:lnTo>
+                  <a:pt x="1202336" y="6866467"/>
+                </a:lnTo>
+                <a:lnTo>
+                  <a:pt x="0" y="0"/>
+                </a:lnTo>
+                <a:close/>
+              </a:path>
+            </a:pathLst>
+          </a:custGeom>
+          <a:solidFill>
+            <a:schemeClr val="accent1">
+              <a:alpha val="20000"/>
+            </a:schemeClr>
+          </a:solidFill>
+          <a:ln>
+            <a:noFill/>
+          </a:ln>
+          <a:effectLst/>
+        </p:spPr>
+        <p:style>
+          <a:lnRef idx="1">
+            <a:schemeClr val="accent1"/>
+          </a:lnRef>
+          <a:fillRef idx="3">
+            <a:schemeClr val="accent1"/>
+          </a:fillRef>
+          <a:effectRef idx="2">
+            <a:schemeClr val="accent1"/>
+          </a:effectRef>
+          <a:fontRef idx="minor">
+            <a:schemeClr val="lt1"/>
+          </a:fontRef>
+        </p:style>
+      </p:sp>
+      <p:sp>
+        <p:nvSpPr>
+          <p:cNvPr id="97" name="Isosceles Triangle 96">
+            <a:extLst>
+              <a:ext uri="{FF2B5EF4-FFF2-40B4-BE49-F238E27FC236}">
+                <a16:creationId xmlns:a16="http://schemas.microsoft.com/office/drawing/2014/main" id="{A032553A-72E8-4B0D-8405-FF9771C9AF05}"/>
+              </a:ext>
+              <a:ext uri="{C183D7F6-B498-43B3-948B-1728B52AA6E4}">
+                <adec:decorative xmlns:adec="http://schemas.microsoft.com/office/drawing/2017/decorative" val="1"/>
+              </a:ext>
+            </a:extLst>
+          </p:cNvPr>
+          <p:cNvSpPr>
+            <a:spLocks noGrp="1" noRot="1" noChangeAspect="1" noMove="1" noResize="1" noEditPoints="1" noAdjustHandles="1" noChangeArrowheads="1" noChangeShapeType="1" noTextEdit="1"/>
+          </p:cNvSpPr>
+          <p:nvPr>
+            <p:extLst>
+              <p:ext uri="{386F3935-93C4-4BCD-93E2-E3B085C9AB24}">
+                <p16:designElem xmlns:p16="http://schemas.microsoft.com/office/powerpoint/2015/main" val="1"/>
+              </p:ext>
+            </p:extLst>
+          </p:nvPr>
+        </p:nvSpPr>
+        <p:spPr>
+          <a:xfrm>
+            <a:off x="4233425" y="3048000"/>
+            <a:ext cx="3259667" cy="3810000"/>
+          </a:xfrm>
+          <a:prstGeom prst="triangle">
+            <a:avLst>
+              <a:gd name="adj" fmla="val 100000"/>
+            </a:avLst>
+          </a:prstGeom>
+          <a:solidFill>
+            <a:schemeClr val="accent2">
+              <a:alpha val="72000"/>
+            </a:schemeClr>
+          </a:solidFill>
+          <a:ln>
+            <a:noFill/>
+          </a:ln>
+          <a:effectLst/>
+        </p:spPr>
+        <p:style>
+          <a:lnRef idx="1">
+            <a:schemeClr val="accent1"/>
+          </a:lnRef>
+          <a:fillRef idx="3">
+            <a:schemeClr val="accent1"/>
+          </a:fillRef>
+          <a:effectRef idx="2">
+            <a:schemeClr val="accent1"/>
+          </a:effectRef>
+          <a:fontRef idx="minor">
+            <a:schemeClr val="lt1"/>
+          </a:fontRef>
+        </p:style>
+      </p:sp>
+      <p:sp>
+        <p:nvSpPr>
+          <p:cNvPr id="99" name="Rectangle 27">
+            <a:extLst>
+              <a:ext uri="{FF2B5EF4-FFF2-40B4-BE49-F238E27FC236}">
+                <a16:creationId xmlns:a16="http://schemas.microsoft.com/office/drawing/2014/main" id="{765800AC-C3B9-498E-87BC-29FAE4C76B21}"/>
+              </a:ext>
+              <a:ext uri="{C183D7F6-B498-43B3-948B-1728B52AA6E4}">
+                <adec:decorative xmlns:adec="http://schemas.microsoft.com/office/drawing/2017/decorative" val="1"/>
+              </a:ext>
+            </a:extLst>
+          </p:cNvPr>
+          <p:cNvSpPr>
+            <a:spLocks noGrp="1" noRot="1" noChangeAspect="1" noMove="1" noResize="1" noEditPoints="1" noAdjustHandles="1" noChangeArrowheads="1" noChangeShapeType="1" noTextEdit="1"/>
+          </p:cNvSpPr>
+          <p:nvPr>
+            <p:extLst>
+              <p:ext uri="{386F3935-93C4-4BCD-93E2-E3B085C9AB24}">
+                <p16:designElem xmlns:p16="http://schemas.microsoft.com/office/powerpoint/2015/main" val="1"/>
+              </p:ext>
+            </p:extLst>
+          </p:nvPr>
+        </p:nvSpPr>
+        <p:spPr>
+          <a:xfrm>
+            <a:off x="4635592" y="-8467"/>
+            <a:ext cx="2854326" cy="6866467"/>
+          </a:xfrm>
+          <a:custGeom>
+            <a:avLst/>
+            <a:gdLst/>
+            <a:ahLst/>
+            <a:cxnLst/>
+            <a:rect l="l" t="t" r="r" b="b"/>
+            <a:pathLst>
+              <a:path w="2858013" h="6866467">
+                <a:moveTo>
+                  <a:pt x="0" y="0"/>
+                </a:moveTo>
+                <a:lnTo>
+                  <a:pt x="2858013" y="0"/>
+                </a:lnTo>
+                <a:lnTo>
+                  <a:pt x="2858013" y="6866467"/>
+                </a:lnTo>
+                <a:lnTo>
+                  <a:pt x="2473942" y="6866467"/>
+                </a:lnTo>
+                <a:lnTo>
+                  <a:pt x="0" y="0"/>
+                </a:lnTo>
+                <a:close/>
+              </a:path>
+            </a:pathLst>
+          </a:custGeom>
+          <a:solidFill>
+            <a:schemeClr val="accent2">
+              <a:lumMod val="75000"/>
+              <a:alpha val="70000"/>
+            </a:schemeClr>
+          </a:solidFill>
+          <a:ln>
+            <a:noFill/>
+          </a:ln>
+          <a:effectLst/>
+        </p:spPr>
+        <p:style>
+          <a:lnRef idx="1">
+            <a:schemeClr val="accent1"/>
+          </a:lnRef>
+          <a:fillRef idx="3">
+            <a:schemeClr val="accent1"/>
+          </a:fillRef>
+          <a:effectRef idx="2">
+            <a:schemeClr val="accent1"/>
+          </a:effectRef>
+          <a:fontRef idx="minor">
+            <a:schemeClr val="lt1"/>
+          </a:fontRef>
+        </p:style>
+      </p:sp>
+      <p:sp>
+        <p:nvSpPr>
+          <p:cNvPr id="101" name="Isosceles Triangle 100">
+            <a:extLst>
+              <a:ext uri="{FF2B5EF4-FFF2-40B4-BE49-F238E27FC236}">
+                <a16:creationId xmlns:a16="http://schemas.microsoft.com/office/drawing/2014/main" id="{1F9D6ACB-2FF4-49F9-978A-E0D5327FC635}"/>
+              </a:ext>
+              <a:ext uri="{C183D7F6-B498-43B3-948B-1728B52AA6E4}">
+                <adec:decorative xmlns:adec="http://schemas.microsoft.com/office/drawing/2017/decorative" val="1"/>
+              </a:ext>
+            </a:extLst>
+          </p:cNvPr>
+          <p:cNvSpPr>
+            <a:spLocks noGrp="1" noRot="1" noChangeAspect="1" noMove="1" noResize="1" noEditPoints="1" noAdjustHandles="1" noChangeArrowheads="1" noChangeShapeType="1" noTextEdit="1"/>
+          </p:cNvSpPr>
+          <p:nvPr>
+            <p:extLst>
+              <p:ext uri="{386F3935-93C4-4BCD-93E2-E3B085C9AB24}">
+                <p16:designElem xmlns:p16="http://schemas.microsoft.com/office/powerpoint/2015/main" val="1"/>
+              </p:ext>
+            </p:extLst>
+          </p:nvPr>
+        </p:nvSpPr>
+        <p:spPr>
+          <a:xfrm>
+            <a:off x="5672758" y="3589867"/>
+            <a:ext cx="1817159" cy="3268133"/>
+          </a:xfrm>
+          <a:prstGeom prst="triangle">
+            <a:avLst>
+              <a:gd name="adj" fmla="val 100000"/>
+            </a:avLst>
+          </a:prstGeom>
+          <a:solidFill>
+            <a:schemeClr val="accent1">
+              <a:alpha val="80000"/>
+            </a:schemeClr>
+          </a:solidFill>
+          <a:ln>
+            <a:noFill/>
+          </a:ln>
+          <a:effectLst/>
+        </p:spPr>
+        <p:style>
+          <a:lnRef idx="1">
+            <a:schemeClr val="accent1"/>
+          </a:lnRef>
+          <a:fillRef idx="3">
+            <a:schemeClr val="accent1"/>
+          </a:fillRef>
+          <a:effectRef idx="2">
+            <a:schemeClr val="accent1"/>
+          </a:effectRef>
+          <a:fontRef idx="minor">
+            <a:schemeClr val="lt1"/>
+          </a:fontRef>
+        </p:style>
+      </p:sp>
+      <p:sp>
+        <p:nvSpPr>
+          <p:cNvPr id="103" name="Freeform: Shape 102">
+            <a:extLst>
+              <a:ext uri="{FF2B5EF4-FFF2-40B4-BE49-F238E27FC236}">
+                <a16:creationId xmlns:a16="http://schemas.microsoft.com/office/drawing/2014/main" id="{A5EC319D-0FEA-4B95-A3EA-01E35672C95B}"/>
+              </a:ext>
+              <a:ext uri="{C183D7F6-B498-43B3-948B-1728B52AA6E4}">
+                <adec:decorative xmlns:adec="http://schemas.microsoft.com/office/drawing/2017/decorative" val="1"/>
+              </a:ext>
+            </a:extLst>
+          </p:cNvPr>
+          <p:cNvSpPr>
+            <a:spLocks noGrp="1" noRot="1" noChangeAspect="1" noMove="1" noResize="1" noEditPoints="1" noAdjustHandles="1" noChangeArrowheads="1" noChangeShapeType="1" noTextEdit="1"/>
+          </p:cNvSpPr>
+          <p:nvPr>
+            <p:extLst>
+              <p:ext uri="{386F3935-93C4-4BCD-93E2-E3B085C9AB24}">
+                <p16:designElem xmlns:p16="http://schemas.microsoft.com/office/powerpoint/2015/main" val="1"/>
+              </p:ext>
+            </p:extLst>
+          </p:nvPr>
+        </p:nvSpPr>
+        <p:spPr>
+          <a:xfrm>
+            <a:off x="6197631" y="-8467"/>
+            <a:ext cx="5994369" cy="6866467"/>
+          </a:xfrm>
+          <a:custGeom>
+            <a:avLst/>
+            <a:gdLst>
+              <a:gd name="connsiteX0" fmla="*/ 0 w 5994369"/>
+              <a:gd name="connsiteY0" fmla="*/ 0 h 6866467"/>
+              <a:gd name="connsiteX1" fmla="*/ 1249825 w 5994369"/>
+              <a:gd name="connsiteY1" fmla="*/ 0 h 6866467"/>
+              <a:gd name="connsiteX2" fmla="*/ 1249825 w 5994369"/>
+              <a:gd name="connsiteY2" fmla="*/ 8467 h 6866467"/>
+              <a:gd name="connsiteX3" fmla="*/ 5994369 w 5994369"/>
+              <a:gd name="connsiteY3" fmla="*/ 8467 h 6866467"/>
+              <a:gd name="connsiteX4" fmla="*/ 5994369 w 5994369"/>
+              <a:gd name="connsiteY4" fmla="*/ 6866467 h 6866467"/>
+              <a:gd name="connsiteX5" fmla="*/ 1249825 w 5994369"/>
+              <a:gd name="connsiteY5" fmla="*/ 6866467 h 6866467"/>
+              <a:gd name="connsiteX6" fmla="*/ 1109382 w 5994369"/>
+              <a:gd name="connsiteY6" fmla="*/ 6866467 h 6866467"/>
+            </a:gdLst>
+            <a:ahLst/>
+            <a:cxnLst>
+              <a:cxn ang="0">
+                <a:pos x="connsiteX0" y="connsiteY0"/>
+              </a:cxn>
+              <a:cxn ang="0">
+                <a:pos x="connsiteX1" y="connsiteY1"/>
+              </a:cxn>
+              <a:cxn ang="0">
+                <a:pos x="connsiteX2" y="connsiteY2"/>
+              </a:cxn>
+              <a:cxn ang="0">
+                <a:pos x="connsiteX3" y="connsiteY3"/>
+              </a:cxn>
+              <a:cxn ang="0">
+                <a:pos x="connsiteX4" y="connsiteY4"/>
+              </a:cxn>
+              <a:cxn ang="0">
+                <a:pos x="connsiteX5" y="connsiteY5"/>
+              </a:cxn>
+              <a:cxn ang="0">
+                <a:pos x="connsiteX6" y="connsiteY6"/>
+              </a:cxn>
+            </a:cxnLst>
+            <a:rect l="l" t="t" r="r" b="b"/>
+            <a:pathLst>
+              <a:path w="5994369" h="6866467">
+                <a:moveTo>
+                  <a:pt x="0" y="0"/>
+                </a:moveTo>
+                <a:lnTo>
+                  <a:pt x="1249825" y="0"/>
+                </a:lnTo>
+                <a:lnTo>
+                  <a:pt x="1249825" y="8467"/>
+                </a:lnTo>
+                <a:lnTo>
+                  <a:pt x="5994369" y="8467"/>
+                </a:lnTo>
+                <a:lnTo>
+                  <a:pt x="5994369" y="6866467"/>
+                </a:lnTo>
+                <a:lnTo>
+                  <a:pt x="1249825" y="6866467"/>
+                </a:lnTo>
+                <a:lnTo>
+                  <a:pt x="1109382" y="6866467"/>
+                </a:lnTo>
+                <a:close/>
+              </a:path>
+            </a:pathLst>
+          </a:custGeom>
+          <a:solidFill>
+            <a:schemeClr val="accent2">
+              <a:lumMod val="75000"/>
+            </a:schemeClr>
+          </a:solidFill>
+          <a:ln>
+            <a:noFill/>
+          </a:ln>
+        </p:spPr>
+        <p:style>
+          <a:lnRef idx="2">
+            <a:schemeClr val="accent1">
+              <a:shade val="50000"/>
+            </a:schemeClr>
+          </a:lnRef>
+          <a:fillRef idx="1">
+            <a:schemeClr val="accent1"/>
+          </a:fillRef>
+          <a:effectRef idx="0">
+            <a:schemeClr val="accent1"/>
+          </a:effectRef>
+          <a:fontRef idx="minor">
+            <a:schemeClr val="lt1"/>
+          </a:fontRef>
+        </p:style>
+        <p:txBody>
+          <a:bodyPr wrap="square" rtlCol="0" anchor="ctr">
+            <a:noAutofit/>
+          </a:bodyPr>
+          <a:lstStyle/>
+          <a:p>
+            <a:pPr algn="ctr"/>
+            <a:endParaRPr lang="en-US"/>
+          </a:p>
+        </p:txBody>
+      </p:sp>
       <p:sp>
         <p:nvSpPr>
           <p:cNvPr id="2" name="Title 1">
@@ -9636,187 +11058,6 @@
           </a:p>
         </p:txBody>
       </p:sp>
-      <p:sp>
-        <p:nvSpPr>
-          <p:cNvPr id="3" name="Subtitle 2">
-            <a:extLst>
-              <a:ext uri="{FF2B5EF4-FFF2-40B4-BE49-F238E27FC236}">
-                <a16:creationId xmlns:a16="http://schemas.microsoft.com/office/drawing/2014/main" id="{B63A08B2-8C4F-4FE8-8785-7816AE7C7DE9}"/>
-              </a:ext>
-            </a:extLst>
-          </p:cNvPr>
-          <p:cNvSpPr>
-            <a:spLocks noGrp="1"/>
-          </p:cNvSpPr>
-          <p:nvPr>
-            <p:ph type="subTitle" idx="1"/>
-          </p:nvPr>
-        </p:nvSpPr>
-        <p:spPr>
-          <a:xfrm>
-            <a:off x="7181725" y="2837329"/>
-            <a:ext cx="4512988" cy="3317938"/>
-          </a:xfrm>
-        </p:spPr>
-        <p:txBody>
-          <a:bodyPr vert="horz" lIns="91440" tIns="45720" rIns="91440" bIns="45720" rtlCol="0" anchor="t">
-            <a:normAutofit/>
-          </a:bodyPr>
-          <a:lstStyle/>
-          <a:p>
-            <a:pPr indent="-320040" algn="l">
-              <a:buFont typeface="Wingdings 3" charset="2"/>
-              <a:buChar char=""/>
-            </a:pPr>
-            <a:r>
-              <a:rPr lang="en-US" sz="1700">
-                <a:solidFill>
-                  <a:srgbClr val="FFFFFF"/>
-                </a:solidFill>
-              </a:rPr>
-              <a:t>Giáo viên phụ trách: Thầy Nguyễn Đức Huy</a:t>
-            </a:r>
-          </a:p>
-          <a:p>
-            <a:pPr indent="-320040" algn="l">
-              <a:buFont typeface="Wingdings 3" charset="2"/>
-              <a:buChar char=""/>
-            </a:pPr>
-            <a:r>
-              <a:rPr lang="en-US" sz="1700">
-                <a:solidFill>
-                  <a:srgbClr val="FFFFFF"/>
-                </a:solidFill>
-              </a:rPr>
-              <a:t>Nhóm soạn thảo:</a:t>
-            </a:r>
-          </a:p>
-          <a:p>
-            <a:pPr indent="-320040" algn="l">
-              <a:buFont typeface="Wingdings 3" charset="2"/>
-              <a:buChar char=""/>
-            </a:pPr>
-            <a:r>
-              <a:rPr lang="en-US" sz="1700">
-                <a:solidFill>
-                  <a:srgbClr val="FFFFFF"/>
-                </a:solidFill>
-              </a:rPr>
-              <a:t>Sinh viên: Nguyễn Minh Trọng Trí MSSV: 18600287 .Email: </a:t>
-            </a:r>
-            <a:r>
-              <a:rPr lang="en-US" sz="1700" u="sng">
-                <a:solidFill>
-                  <a:srgbClr val="FFFF00"/>
-                </a:solidFill>
-                <a:hlinkClick r:id="rId2">
-                  <a:extLst>
-                    <a:ext uri="{A12FA001-AC4F-418D-AE19-62706E023703}">
-                      <ahyp:hlinkClr xmlns:ahyp="http://schemas.microsoft.com/office/drawing/2018/hyperlinkcolor" val="tx"/>
-                    </a:ext>
-                  </a:extLst>
-                </a:hlinkClick>
-              </a:rPr>
-              <a:t>trongtri2410@gmail.com</a:t>
-            </a:r>
-            <a:endParaRPr lang="en-US" sz="1700">
-              <a:solidFill>
-                <a:srgbClr val="FFFF00"/>
-              </a:solidFill>
-            </a:endParaRPr>
-          </a:p>
-          <a:p>
-            <a:pPr indent="-320040" algn="l">
-              <a:buFont typeface="Wingdings 3" charset="2"/>
-              <a:buChar char=""/>
-            </a:pPr>
-            <a:r>
-              <a:rPr lang="en-US" sz="1700">
-                <a:solidFill>
-                  <a:srgbClr val="FFFFFF"/>
-                </a:solidFill>
-              </a:rPr>
-              <a:t>Sinh viên: Nguyễn Huy Nam MSSV: 18600358 .Email: </a:t>
-            </a:r>
-            <a:r>
-              <a:rPr lang="en-US" sz="1700" u="sng">
-                <a:solidFill>
-                  <a:srgbClr val="FFFF00"/>
-                </a:solidFill>
-                <a:hlinkClick r:id="rId3">
-                  <a:extLst>
-                    <a:ext uri="{A12FA001-AC4F-418D-AE19-62706E023703}">
-                      <ahyp:hlinkClr xmlns:ahyp="http://schemas.microsoft.com/office/drawing/2018/hyperlinkcolor" val="tx"/>
-                    </a:ext>
-                  </a:extLst>
-                </a:hlinkClick>
-              </a:rPr>
-              <a:t>huynamthaoquyen@gmail.com</a:t>
-            </a:r>
-            <a:endParaRPr lang="en-US" sz="1700">
-              <a:solidFill>
-                <a:srgbClr val="FFFF00"/>
-              </a:solidFill>
-            </a:endParaRPr>
-          </a:p>
-          <a:p>
-            <a:pPr indent="-320040" algn="l">
-              <a:buFont typeface="Wingdings 3" charset="2"/>
-              <a:buChar char=""/>
-            </a:pPr>
-            <a:r>
-              <a:rPr lang="en-US" sz="1700">
-                <a:solidFill>
-                  <a:srgbClr val="FFFFFF"/>
-                </a:solidFill>
-              </a:rPr>
-              <a:t>Sinh viên: Phạm Đình Văn MSSV: 18600319 .Email: </a:t>
-            </a:r>
-            <a:r>
-              <a:rPr lang="en-US" sz="1700" u="sng">
-                <a:solidFill>
-                  <a:srgbClr val="FFFF00"/>
-                </a:solidFill>
-                <a:hlinkClick r:id="rId4">
-                  <a:extLst>
-                    <a:ext uri="{A12FA001-AC4F-418D-AE19-62706E023703}">
-                      <ahyp:hlinkClr xmlns:ahyp="http://schemas.microsoft.com/office/drawing/2018/hyperlinkcolor" val="tx"/>
-                    </a:ext>
-                  </a:extLst>
-                </a:hlinkClick>
-              </a:rPr>
-              <a:t>dinhvan1599@gmail.com</a:t>
-            </a:r>
-            <a:endParaRPr lang="en-US" sz="1700">
-              <a:solidFill>
-                <a:srgbClr val="FFFF00"/>
-              </a:solidFill>
-            </a:endParaRPr>
-          </a:p>
-          <a:p>
-            <a:pPr indent="-320040" algn="l">
-              <a:buFont typeface="Wingdings 3" charset="2"/>
-              <a:buChar char=""/>
-            </a:pPr>
-            <a:endParaRPr lang="en-US" sz="1700">
-              <a:solidFill>
-                <a:srgbClr val="FFFFFF"/>
-              </a:solidFill>
-            </a:endParaRPr>
-          </a:p>
-          <a:p>
-            <a:pPr indent="-320040" algn="l">
-              <a:buFont typeface="Wingdings 3" charset="2"/>
-              <a:buChar char=""/>
-            </a:pPr>
-            <a:endParaRPr lang="en-US" sz="1700">
-              <a:solidFill>
-                <a:srgbClr val="FFFFFF"/>
-              </a:solidFill>
-            </a:endParaRPr>
-          </a:p>
-        </p:txBody>
-      </p:sp>
       <p:pic>
         <p:nvPicPr>
           <p:cNvPr id="1028" name="Picture 4" descr="Káº¿t quáº£ hÃ¬nh áº£nh cho logo hcmus">
@@ -9832,7 +11073,7 @@
           <p:nvPr/>
         </p:nvPicPr>
         <p:blipFill>
-          <a:blip r:embed="rId5">
+          <a:blip r:embed="rId2">
             <a:extLst>
               <a:ext uri="{28A0092B-C50C-407E-A947-70E740481C1C}">
                 <a14:useLocalDpi xmlns:a14="http://schemas.microsoft.com/office/drawing/2010/main" val="0"/>
@@ -9863,6 +11104,187 @@
           </a:extLst>
         </p:spPr>
       </p:pic>
+      <p:sp>
+        <p:nvSpPr>
+          <p:cNvPr id="3" name="Subtitle 2">
+            <a:extLst>
+              <a:ext uri="{FF2B5EF4-FFF2-40B4-BE49-F238E27FC236}">
+                <a16:creationId xmlns:a16="http://schemas.microsoft.com/office/drawing/2014/main" id="{B63A08B2-8C4F-4FE8-8785-7816AE7C7DE9}"/>
+              </a:ext>
+            </a:extLst>
+          </p:cNvPr>
+          <p:cNvSpPr>
+            <a:spLocks noGrp="1"/>
+          </p:cNvSpPr>
+          <p:nvPr>
+            <p:ph type="subTitle" idx="1"/>
+          </p:nvPr>
+        </p:nvSpPr>
+        <p:spPr>
+          <a:xfrm>
+            <a:off x="7181725" y="2837329"/>
+            <a:ext cx="4512988" cy="3317938"/>
+          </a:xfrm>
+        </p:spPr>
+        <p:txBody>
+          <a:bodyPr vert="horz" lIns="91440" tIns="45720" rIns="91440" bIns="45720" rtlCol="0" anchor="t">
+            <a:normAutofit/>
+          </a:bodyPr>
+          <a:lstStyle/>
+          <a:p>
+            <a:pPr indent="-320040" algn="l">
+              <a:buFont typeface="Wingdings 3" charset="2"/>
+              <a:buChar char=""/>
+            </a:pPr>
+            <a:r>
+              <a:rPr lang="en-US" sz="1700">
+                <a:solidFill>
+                  <a:srgbClr val="FFFFFF"/>
+                </a:solidFill>
+              </a:rPr>
+              <a:t>Giáo viên phụ trách: Thầy Nguyễn Đức Huy</a:t>
+            </a:r>
+          </a:p>
+          <a:p>
+            <a:pPr indent="-320040" algn="l">
+              <a:buFont typeface="Wingdings 3" charset="2"/>
+              <a:buChar char=""/>
+            </a:pPr>
+            <a:r>
+              <a:rPr lang="en-US" sz="1700">
+                <a:solidFill>
+                  <a:srgbClr val="FFFFFF"/>
+                </a:solidFill>
+              </a:rPr>
+              <a:t>Nhóm soạn thảo:</a:t>
+            </a:r>
+          </a:p>
+          <a:p>
+            <a:pPr indent="-320040" algn="l">
+              <a:buFont typeface="Wingdings 3" charset="2"/>
+              <a:buChar char=""/>
+            </a:pPr>
+            <a:r>
+              <a:rPr lang="en-US" sz="1700">
+                <a:solidFill>
+                  <a:srgbClr val="FFFFFF"/>
+                </a:solidFill>
+              </a:rPr>
+              <a:t>Sinh viên: Nguyễn Minh Trọng Trí MSSV: 18600287 .Email: </a:t>
+            </a:r>
+            <a:r>
+              <a:rPr lang="en-US" sz="1700" u="sng">
+                <a:solidFill>
+                  <a:srgbClr val="FFFFFF"/>
+                </a:solidFill>
+                <a:hlinkClick r:id="rId3">
+                  <a:extLst>
+                    <a:ext uri="{A12FA001-AC4F-418D-AE19-62706E023703}">
+                      <ahyp:hlinkClr xmlns:ahyp="http://schemas.microsoft.com/office/drawing/2018/hyperlinkcolor" val="tx"/>
+                    </a:ext>
+                  </a:extLst>
+                </a:hlinkClick>
+              </a:rPr>
+              <a:t>trongtri2410@gmail.com</a:t>
+            </a:r>
+            <a:endParaRPr lang="en-US" sz="1700">
+              <a:solidFill>
+                <a:srgbClr val="FFFFFF"/>
+              </a:solidFill>
+            </a:endParaRPr>
+          </a:p>
+          <a:p>
+            <a:pPr indent="-320040" algn="l">
+              <a:buFont typeface="Wingdings 3" charset="2"/>
+              <a:buChar char=""/>
+            </a:pPr>
+            <a:r>
+              <a:rPr lang="en-US" sz="1700">
+                <a:solidFill>
+                  <a:srgbClr val="FFFFFF"/>
+                </a:solidFill>
+              </a:rPr>
+              <a:t>Sinh viên: Nguyễn Huy Nam MSSV: 18600358 .Email: </a:t>
+            </a:r>
+            <a:r>
+              <a:rPr lang="en-US" sz="1700" u="sng">
+                <a:solidFill>
+                  <a:srgbClr val="FFFFFF"/>
+                </a:solidFill>
+                <a:hlinkClick r:id="rId4">
+                  <a:extLst>
+                    <a:ext uri="{A12FA001-AC4F-418D-AE19-62706E023703}">
+                      <ahyp:hlinkClr xmlns:ahyp="http://schemas.microsoft.com/office/drawing/2018/hyperlinkcolor" val="tx"/>
+                    </a:ext>
+                  </a:extLst>
+                </a:hlinkClick>
+              </a:rPr>
+              <a:t>huynamthaoquyen@gmail.com</a:t>
+            </a:r>
+            <a:endParaRPr lang="en-US" sz="1700">
+              <a:solidFill>
+                <a:srgbClr val="FFFFFF"/>
+              </a:solidFill>
+            </a:endParaRPr>
+          </a:p>
+          <a:p>
+            <a:pPr indent="-320040" algn="l">
+              <a:buFont typeface="Wingdings 3" charset="2"/>
+              <a:buChar char=""/>
+            </a:pPr>
+            <a:r>
+              <a:rPr lang="en-US" sz="1700">
+                <a:solidFill>
+                  <a:srgbClr val="FFFFFF"/>
+                </a:solidFill>
+              </a:rPr>
+              <a:t>Sinh viên: Phạm Đình Văn MSSV: 18600319 .Email: </a:t>
+            </a:r>
+            <a:r>
+              <a:rPr lang="en-US" sz="1700" u="sng">
+                <a:solidFill>
+                  <a:srgbClr val="FFFFFF"/>
+                </a:solidFill>
+                <a:hlinkClick r:id="rId5">
+                  <a:extLst>
+                    <a:ext uri="{A12FA001-AC4F-418D-AE19-62706E023703}">
+                      <ahyp:hlinkClr xmlns:ahyp="http://schemas.microsoft.com/office/drawing/2018/hyperlinkcolor" val="tx"/>
+                    </a:ext>
+                  </a:extLst>
+                </a:hlinkClick>
+              </a:rPr>
+              <a:t>dinhvan1599@gmail.com</a:t>
+            </a:r>
+            <a:endParaRPr lang="en-US" sz="1700">
+              <a:solidFill>
+                <a:srgbClr val="FFFFFF"/>
+              </a:solidFill>
+            </a:endParaRPr>
+          </a:p>
+          <a:p>
+            <a:pPr indent="-320040" algn="l">
+              <a:buFont typeface="Wingdings 3" charset="2"/>
+              <a:buChar char=""/>
+            </a:pPr>
+            <a:endParaRPr lang="en-US" sz="1700">
+              <a:solidFill>
+                <a:srgbClr val="FFFFFF"/>
+              </a:solidFill>
+            </a:endParaRPr>
+          </a:p>
+          <a:p>
+            <a:pPr indent="-320040" algn="l">
+              <a:buFont typeface="Wingdings 3" charset="2"/>
+              <a:buChar char=""/>
+            </a:pPr>
+            <a:endParaRPr lang="en-US" sz="1700">
+              <a:solidFill>
+                <a:srgbClr val="FFFFFF"/>
+              </a:solidFill>
+            </a:endParaRPr>
+          </a:p>
+        </p:txBody>
+      </p:sp>
     </p:spTree>
     <p:extLst>
       <p:ext uri="{BB962C8B-B14F-4D97-AF65-F5344CB8AC3E}">
@@ -9917,12 +11339,7 @@
             <p:ph type="title"/>
           </p:nvPr>
         </p:nvSpPr>
-        <p:spPr>
-          <a:xfrm>
-            <a:off x="677334" y="609600"/>
-            <a:ext cx="8596668" cy="1320800"/>
-          </a:xfrm>
-        </p:spPr>
+        <p:spPr/>
         <p:txBody>
           <a:bodyPr>
             <a:normAutofit/>
@@ -10473,6 +11890,266 @@
     <p:extLst>
       <p:ext uri="{BB962C8B-B14F-4D97-AF65-F5344CB8AC3E}">
         <p14:creationId xmlns:p14="http://schemas.microsoft.com/office/powerpoint/2010/main" val="2968454009"/>
+      </p:ext>
+    </p:extLst>
+  </p:cSld>
+  <p:clrMapOvr>
+    <a:masterClrMapping/>
+  </p:clrMapOvr>
+</p:sld>
+</file>
+
+<file path=ppt/slides/slide6.xml><?xml version="1.0" encoding="utf-8"?>
+<p:sld xmlns:a="http://schemas.openxmlformats.org/drawingml/2006/main" xmlns:r="http://schemas.openxmlformats.org/officeDocument/2006/relationships" xmlns:p="http://schemas.openxmlformats.org/presentationml/2006/main">
+  <p:cSld>
+    <p:spTree>
+      <p:nvGrpSpPr>
+        <p:cNvPr id="1" name=""/>
+        <p:cNvGrpSpPr/>
+        <p:nvPr/>
+      </p:nvGrpSpPr>
+      <p:grpSpPr>
+        <a:xfrm>
+          <a:off x="0" y="0"/>
+          <a:ext cx="0" cy="0"/>
+          <a:chOff x="0" y="0"/>
+          <a:chExt cx="0" cy="0"/>
+        </a:xfrm>
+      </p:grpSpPr>
+      <p:sp>
+        <p:nvSpPr>
+          <p:cNvPr id="2" name="Title 1">
+            <a:extLst>
+              <a:ext uri="{FF2B5EF4-FFF2-40B4-BE49-F238E27FC236}">
+                <a16:creationId xmlns:a16="http://schemas.microsoft.com/office/drawing/2014/main" id="{B0AE9E39-82E9-41DD-A255-9A3C928CD83E}"/>
+              </a:ext>
+            </a:extLst>
+          </p:cNvPr>
+          <p:cNvSpPr>
+            <a:spLocks noGrp="1"/>
+          </p:cNvSpPr>
+          <p:nvPr>
+            <p:ph type="title"/>
+          </p:nvPr>
+        </p:nvSpPr>
+        <p:spPr/>
+        <p:txBody>
+          <a:bodyPr/>
+          <a:lstStyle/>
+          <a:p>
+            <a:pPr marL="857250" indent="-857250">
+              <a:buFont typeface="+mj-lt"/>
+              <a:buAutoNum type="romanUcPeriod"/>
+            </a:pPr>
+            <a:r>
+              <a:rPr lang="vi-VN">
+                <a:solidFill>
+                  <a:srgbClr val="FF0000"/>
+                </a:solidFill>
+                <a:latin typeface="Segoe UI" panose="020B0502040204020203" pitchFamily="34" charset="0"/>
+                <a:cs typeface="Segoe UI" panose="020B0502040204020203" pitchFamily="34" charset="0"/>
+              </a:rPr>
+              <a:t>Giới thiệu về CMCN 4.0 </a:t>
+            </a:r>
+            <a:endParaRPr lang="vi-VN"/>
+          </a:p>
+        </p:txBody>
+      </p:sp>
+      <p:sp>
+        <p:nvSpPr>
+          <p:cNvPr id="3" name="Content Placeholder 2">
+            <a:extLst>
+              <a:ext uri="{FF2B5EF4-FFF2-40B4-BE49-F238E27FC236}">
+                <a16:creationId xmlns:a16="http://schemas.microsoft.com/office/drawing/2014/main" id="{7DCB31DA-BCB8-4A4A-8EB4-B5D593253352}"/>
+              </a:ext>
+            </a:extLst>
+          </p:cNvPr>
+          <p:cNvSpPr>
+            <a:spLocks noGrp="1"/>
+          </p:cNvSpPr>
+          <p:nvPr>
+            <p:ph idx="1"/>
+          </p:nvPr>
+        </p:nvSpPr>
+        <p:spPr/>
+        <p:txBody>
+          <a:bodyPr>
+            <a:normAutofit fontScale="92500" lnSpcReduction="20000"/>
+          </a:bodyPr>
+          <a:lstStyle/>
+          <a:p>
+            <a:r>
+              <a:rPr lang="vi-VN" sz="2400" b="1"/>
+              <a:t>Lịch sử hình thành:</a:t>
+            </a:r>
+          </a:p>
+          <a:p>
+            <a:r>
+              <a:rPr lang="vi-VN"/>
+              <a:t>Thuật ngữ "Công nghiệp 4.0" (tiếng Đức: </a:t>
+            </a:r>
+            <a:r>
+              <a:rPr lang="vi-VN" i="1"/>
+              <a:t>Industrie 4.0</a:t>
+            </a:r>
+            <a:r>
+              <a:rPr lang="vi-VN"/>
+              <a:t>) khởi nguồn từ một dự án trong chiến lược công nghệ cao của </a:t>
+            </a:r>
+            <a:r>
+              <a:rPr lang="vi-VN" u="sng">
+                <a:hlinkClick r:id="rId2" tooltip="Chính phủ Đức"/>
+              </a:rPr>
+              <a:t>chính phủ Đức</a:t>
+            </a:r>
+            <a:r>
+              <a:rPr lang="vi-VN"/>
+              <a:t>, nó thúc đẩy việc sản xuất </a:t>
+            </a:r>
+            <a:r>
+              <a:rPr lang="vi-VN" u="sng">
+                <a:hlinkClick r:id="rId3" tooltip="Cách mạng kỹ thuật số (trang chưa được viết)"/>
+              </a:rPr>
+              <a:t>điện toán hóa</a:t>
+            </a:r>
+            <a:r>
+              <a:rPr lang="vi-VN"/>
+              <a:t> sản xuất</a:t>
+            </a:r>
+            <a:r>
+              <a:rPr lang="en-US"/>
+              <a:t>.</a:t>
+            </a:r>
+            <a:endParaRPr lang="vi-VN"/>
+          </a:p>
+          <a:p>
+            <a:r>
+              <a:rPr lang="vi-VN"/>
+              <a:t>Một số đã so sánh Công nghiệp 4.0 với cuộc </a:t>
+            </a:r>
+            <a:r>
+              <a:rPr lang="vi-VN" u="sng">
+                <a:hlinkClick r:id="rId4" tooltip="Cách mạng Công nghiệp lần thứ tư"/>
+              </a:rPr>
+              <a:t>cách mạng Công nghiệp lần thứ tư</a:t>
+            </a:r>
+            <a:r>
+              <a:rPr lang="vi-VN"/>
+              <a:t>. Tuy nhiên, điều này đề cập đến một sự chuyển đổi có tính hệ thống bao gồm tác động lên xã hội dân sự, cơ cấu quản trị và bản sắc con người, ngoài các chi nhánh kinh tế / sản xuất. Cuộc cách mạng công nghiệp đầu tiên đã huy động việc cơ giới hóa sản xuất sử dụng nước và hơi nước; Cuộc cách mạng thứ hai là cách mạng về kỹ thuật số và việc sử dụng các thiết bị điện tử và công nghệ thông tin để tiến tới tự động hoá sản xuấ</a:t>
+            </a:r>
+            <a:r>
+              <a:rPr lang="en-US"/>
+              <a:t>t</a:t>
+            </a:r>
+            <a:r>
+              <a:rPr lang="vi-VN"/>
+              <a:t>;... Thuật ngữ "Cách mạng công nghiệp lần thứ tư" đã được áp dụng cho sự phát triển công nghệ quan trọng một vài lần trong 75 năm qua, và là để thảo luận về học thuật. Công nghiệp 4.0, mặt khác, tập trung vào sản xuất đặc biệt trong bối cảnh hiện tại, và do đó là tách biệt với cuộc cách mạng công nghiệp lần thứ tư về phạm vi.</a:t>
+            </a:r>
+            <a:endParaRPr lang="vi-VN" sz="2400"/>
+          </a:p>
+          <a:p>
+            <a:endParaRPr lang="vi-VN" sz="2800" b="1"/>
+          </a:p>
+        </p:txBody>
+      </p:sp>
+    </p:spTree>
+    <p:extLst>
+      <p:ext uri="{BB962C8B-B14F-4D97-AF65-F5344CB8AC3E}">
+        <p14:creationId xmlns:p14="http://schemas.microsoft.com/office/powerpoint/2010/main" val="2564713199"/>
+      </p:ext>
+    </p:extLst>
+  </p:cSld>
+  <p:clrMapOvr>
+    <a:masterClrMapping/>
+  </p:clrMapOvr>
+</p:sld>
+</file>
+
+<file path=ppt/slides/slide7.xml><?xml version="1.0" encoding="utf-8"?>
+<p:sld xmlns:a="http://schemas.openxmlformats.org/drawingml/2006/main" xmlns:r="http://schemas.openxmlformats.org/officeDocument/2006/relationships" xmlns:p="http://schemas.openxmlformats.org/presentationml/2006/main">
+  <p:cSld>
+    <p:spTree>
+      <p:nvGrpSpPr>
+        <p:cNvPr id="1" name=""/>
+        <p:cNvGrpSpPr/>
+        <p:nvPr/>
+      </p:nvGrpSpPr>
+      <p:grpSpPr>
+        <a:xfrm>
+          <a:off x="0" y="0"/>
+          <a:ext cx="0" cy="0"/>
+          <a:chOff x="0" y="0"/>
+          <a:chExt cx="0" cy="0"/>
+        </a:xfrm>
+      </p:grpSpPr>
+      <p:sp>
+        <p:nvSpPr>
+          <p:cNvPr id="2" name="Title 1">
+            <a:extLst>
+              <a:ext uri="{FF2B5EF4-FFF2-40B4-BE49-F238E27FC236}">
+                <a16:creationId xmlns:a16="http://schemas.microsoft.com/office/drawing/2014/main" id="{260F0437-6224-4417-BA71-0C453C50DCCF}"/>
+              </a:ext>
+            </a:extLst>
+          </p:cNvPr>
+          <p:cNvSpPr>
+            <a:spLocks noGrp="1"/>
+          </p:cNvSpPr>
+          <p:nvPr>
+            <p:ph type="title"/>
+          </p:nvPr>
+        </p:nvSpPr>
+        <p:spPr/>
+        <p:txBody>
+          <a:bodyPr/>
+          <a:lstStyle/>
+          <a:p>
+            <a:pPr marL="857250" indent="-857250">
+              <a:buFont typeface="+mj-lt"/>
+              <a:buAutoNum type="romanUcPeriod"/>
+            </a:pPr>
+            <a:r>
+              <a:rPr lang="vi-VN">
+                <a:solidFill>
+                  <a:srgbClr val="FF0000"/>
+                </a:solidFill>
+                <a:latin typeface="Segoe UI" panose="020B0502040204020203" pitchFamily="34" charset="0"/>
+                <a:cs typeface="Segoe UI" panose="020B0502040204020203" pitchFamily="34" charset="0"/>
+              </a:rPr>
+              <a:t>Giới thiệu về CMCN 4.0 </a:t>
+            </a:r>
+            <a:endParaRPr lang="vi-VN"/>
+          </a:p>
+        </p:txBody>
+      </p:sp>
+      <p:sp>
+        <p:nvSpPr>
+          <p:cNvPr id="3" name="Content Placeholder 2">
+            <a:extLst>
+              <a:ext uri="{FF2B5EF4-FFF2-40B4-BE49-F238E27FC236}">
+                <a16:creationId xmlns:a16="http://schemas.microsoft.com/office/drawing/2014/main" id="{4358ACD1-346F-4353-B114-7A7343CF02DF}"/>
+              </a:ext>
+            </a:extLst>
+          </p:cNvPr>
+          <p:cNvSpPr>
+            <a:spLocks noGrp="1"/>
+          </p:cNvSpPr>
+          <p:nvPr>
+            <p:ph idx="1"/>
+          </p:nvPr>
+        </p:nvSpPr>
+        <p:spPr/>
+        <p:txBody>
+          <a:bodyPr/>
+          <a:lstStyle/>
+          <a:p>
+            <a:endParaRPr lang="vi-VN"/>
+          </a:p>
+        </p:txBody>
+      </p:sp>
+    </p:spTree>
+    <p:extLst>
+      <p:ext uri="{BB962C8B-B14F-4D97-AF65-F5344CB8AC3E}">
+        <p14:creationId xmlns:p14="http://schemas.microsoft.com/office/powerpoint/2010/main" val="1262563396"/>
       </p:ext>
     </p:extLst>
   </p:cSld>
